--- a/src/projet/projet3/Powerpoint_pacman.pptx
+++ b/src/projet/projet3/Powerpoint_pacman.pptx
@@ -116,6 +116,11 @@
       </a:defRPr>
     </a:lvl9pPr>
   </p:defaultTextStyle>
+  <p:extLst>
+    <p:ext uri="{EFAFB233-063F-42B5-8137-9DF3F51BA10A}">
+      <p15:sldGuideLst xmlns:p15="http://schemas.microsoft.com/office/powerpoint/2012/main"/>
+    </p:ext>
+  </p:extLst>
 </p:presentation>
 </file>
 
@@ -305,7 +310,7 @@
           <a:p>
             <a:fld id="{4AAD347D-5ACD-4C99-B74B-A9C85AD731AF}" type="datetimeFigureOut">
               <a:rPr lang="en-US" dirty="0"/>
-              <a:t>6/6/22</a:t>
+              <a:t>6/15/2022</a:t>
             </a:fld>
             <a:endParaRPr lang="en-US" dirty="0"/>
           </a:p>
@@ -575,7 +580,7 @@
           <a:p>
             <a:fld id="{4509A250-FF31-4206-8172-F9D3106AACB1}" type="datetimeFigureOut">
               <a:rPr lang="en-US" dirty="0"/>
-              <a:t>6/6/22</a:t>
+              <a:t>6/15/2022</a:t>
             </a:fld>
             <a:endParaRPr lang="en-US" dirty="0"/>
           </a:p>
@@ -764,7 +769,7 @@
           <a:p>
             <a:fld id="{4509A250-FF31-4206-8172-F9D3106AACB1}" type="datetimeFigureOut">
               <a:rPr lang="en-US" dirty="0"/>
-              <a:t>6/6/22</a:t>
+              <a:t>6/15/2022</a:t>
             </a:fld>
             <a:endParaRPr lang="en-US" dirty="0"/>
           </a:p>
@@ -1032,7 +1037,7 @@
           <a:p>
             <a:fld id="{4509A250-FF31-4206-8172-F9D3106AACB1}" type="datetimeFigureOut">
               <a:rPr lang="en-US" dirty="0"/>
-              <a:t>6/6/22</a:t>
+              <a:t>6/15/2022</a:t>
             </a:fld>
             <a:endParaRPr lang="en-US" dirty="0"/>
           </a:p>
@@ -1368,7 +1373,7 @@
           <a:p>
             <a:fld id="{4509A250-FF31-4206-8172-F9D3106AACB1}" type="datetimeFigureOut">
               <a:rPr lang="en-US" dirty="0"/>
-              <a:t>6/6/22</a:t>
+              <a:t>6/15/2022</a:t>
             </a:fld>
             <a:endParaRPr lang="en-US" dirty="0"/>
           </a:p>
@@ -1986,7 +1991,7 @@
           <a:p>
             <a:fld id="{4509A250-FF31-4206-8172-F9D3106AACB1}" type="datetimeFigureOut">
               <a:rPr lang="en-US" dirty="0"/>
-              <a:t>6/6/22</a:t>
+              <a:t>6/15/2022</a:t>
             </a:fld>
             <a:endParaRPr lang="en-US" dirty="0"/>
           </a:p>
@@ -2841,7 +2846,7 @@
           <a:p>
             <a:fld id="{4509A250-FF31-4206-8172-F9D3106AACB1}" type="datetimeFigureOut">
               <a:rPr lang="en-US" dirty="0"/>
-              <a:t>6/6/22</a:t>
+              <a:t>6/15/2022</a:t>
             </a:fld>
             <a:endParaRPr lang="en-US" dirty="0"/>
           </a:p>
@@ -3006,7 +3011,7 @@
           <a:p>
             <a:fld id="{4509A250-FF31-4206-8172-F9D3106AACB1}" type="datetimeFigureOut">
               <a:rPr lang="en-US" dirty="0"/>
-              <a:t>6/6/22</a:t>
+              <a:t>6/15/2022</a:t>
             </a:fld>
             <a:endParaRPr lang="en-US" dirty="0"/>
           </a:p>
@@ -3181,7 +3186,7 @@
           <a:p>
             <a:fld id="{4509A250-FF31-4206-8172-F9D3106AACB1}" type="datetimeFigureOut">
               <a:rPr lang="en-US" dirty="0"/>
-              <a:t>6/6/22</a:t>
+              <a:t>6/15/2022</a:t>
             </a:fld>
             <a:endParaRPr lang="en-US" dirty="0"/>
           </a:p>
@@ -3346,7 +3351,7 @@
           <a:p>
             <a:fld id="{4509A250-FF31-4206-8172-F9D3106AACB1}" type="datetimeFigureOut">
               <a:rPr lang="en-US" dirty="0"/>
-              <a:t>6/6/22</a:t>
+              <a:t>6/15/2022</a:t>
             </a:fld>
             <a:endParaRPr lang="en-US" dirty="0"/>
           </a:p>
@@ -3588,7 +3593,7 @@
           <a:p>
             <a:fld id="{9796027F-7875-4030-9381-8BD8C4F21935}" type="datetimeFigureOut">
               <a:rPr lang="en-US" dirty="0"/>
-              <a:t>6/6/22</a:t>
+              <a:t>6/15/2022</a:t>
             </a:fld>
             <a:endParaRPr lang="en-US" dirty="0"/>
           </a:p>
@@ -3875,7 +3880,7 @@
           <a:p>
             <a:fld id="{9796027F-7875-4030-9381-8BD8C4F21935}" type="datetimeFigureOut">
               <a:rPr lang="en-US" dirty="0"/>
-              <a:t>6/6/22</a:t>
+              <a:t>6/15/2022</a:t>
             </a:fld>
             <a:endParaRPr lang="en-US" dirty="0"/>
           </a:p>
@@ -4314,7 +4319,7 @@
           <a:p>
             <a:fld id="{9796027F-7875-4030-9381-8BD8C4F21935}" type="datetimeFigureOut">
               <a:rPr lang="en-US" dirty="0"/>
-              <a:t>6/6/22</a:t>
+              <a:t>6/15/2022</a:t>
             </a:fld>
             <a:endParaRPr lang="en-US" dirty="0"/>
           </a:p>
@@ -4427,7 +4432,7 @@
           <a:p>
             <a:fld id="{4509A250-FF31-4206-8172-F9D3106AACB1}" type="datetimeFigureOut">
               <a:rPr lang="en-US" dirty="0"/>
-              <a:t>6/6/22</a:t>
+              <a:t>6/15/2022</a:t>
             </a:fld>
             <a:endParaRPr lang="en-US" dirty="0"/>
           </a:p>
@@ -4517,7 +4522,7 @@
           <a:p>
             <a:fld id="{4509A250-FF31-4206-8172-F9D3106AACB1}" type="datetimeFigureOut">
               <a:rPr lang="en-US" dirty="0"/>
-              <a:t>6/6/22</a:t>
+              <a:t>6/15/2022</a:t>
             </a:fld>
             <a:endParaRPr lang="en-US" dirty="0"/>
           </a:p>
@@ -4791,7 +4796,7 @@
           <a:p>
             <a:fld id="{4509A250-FF31-4206-8172-F9D3106AACB1}" type="datetimeFigureOut">
               <a:rPr lang="en-US" dirty="0"/>
-              <a:t>6/6/22</a:t>
+              <a:t>6/15/2022</a:t>
             </a:fld>
             <a:endParaRPr lang="en-US" dirty="0"/>
           </a:p>
@@ -5061,7 +5066,7 @@
           <a:p>
             <a:fld id="{4509A250-FF31-4206-8172-F9D3106AACB1}" type="datetimeFigureOut">
               <a:rPr lang="en-US" dirty="0"/>
-              <a:t>6/6/22</a:t>
+              <a:t>6/15/2022</a:t>
             </a:fld>
             <a:endParaRPr lang="en-US" dirty="0"/>
           </a:p>
@@ -5485,7 +5490,7 @@
           <a:p>
             <a:fld id="{4AAD347D-5ACD-4C99-B74B-A9C85AD731AF}" type="datetimeFigureOut">
               <a:rPr lang="en-US" dirty="0"/>
-              <a:t>6/6/22</a:t>
+              <a:t>6/15/2022</a:t>
             </a:fld>
             <a:endParaRPr lang="en-US" dirty="0"/>
           </a:p>
@@ -6170,29 +6175,144 @@
             <p:ph idx="1"/>
           </p:nvPr>
         </p:nvSpPr>
-        <p:spPr/>
-        <p:txBody>
-          <a:bodyPr/>
+        <p:spPr>
+          <a:xfrm>
+            <a:off x="1103312" y="2052918"/>
+            <a:ext cx="8946541" cy="4352364"/>
+          </a:xfrm>
+        </p:spPr>
+        <p:txBody>
+          <a:bodyPr>
+            <a:normAutofit/>
+          </a:bodyPr>
           <a:lstStyle/>
           <a:p>
             <a:r>
               <a:rPr lang="fr-FR" dirty="0"/>
-              <a:t>Choisissez une classe représentatif ou intéressant</a:t>
-            </a:r>
-          </a:p>
-          <a:p>
+              <a:t>La classe </a:t>
+            </a:r>
+            <a:r>
+              <a:rPr lang="fr-FR" dirty="0" err="1"/>
+              <a:t>Pacman</a:t>
+            </a:r>
             <a:r>
               <a:rPr lang="fr-FR" dirty="0"/>
-              <a:t>Expliquez ses attributs principaux</a:t>
-            </a:r>
-          </a:p>
-          <a:p>
+              <a:t> a 5 principaux attributs:</a:t>
+            </a:r>
+          </a:p>
+          <a:p>
+            <a:pPr lvl="1">
+              <a:buFont typeface="Arial" panose="020B0604020202020204" pitchFamily="34" charset="0"/>
+              <a:buChar char="•"/>
+            </a:pPr>
+            <a:r>
+              <a:rPr lang="fr-FR" dirty="0" err="1"/>
+              <a:t>game</a:t>
+            </a:r>
             <a:r>
               <a:rPr lang="fr-FR" dirty="0"/>
-              <a:t>Expliquez ses méthodes principales</a:t>
-            </a:r>
-          </a:p>
-          <a:p>
+              <a:t> lui permet de communiquer avec la classe Game qui contient les informations sur son environnement</a:t>
+            </a:r>
+          </a:p>
+          <a:p>
+            <a:pPr lvl="1">
+              <a:buFont typeface="Arial" panose="020B0604020202020204" pitchFamily="34" charset="0"/>
+              <a:buChar char="•"/>
+            </a:pPr>
+            <a:r>
+              <a:rPr lang="fr-FR" dirty="0"/>
+              <a:t>pos qui indique sa position actuelle</a:t>
+            </a:r>
+          </a:p>
+          <a:p>
+            <a:pPr lvl="1">
+              <a:buFont typeface="Arial" panose="020B0604020202020204" pitchFamily="34" charset="0"/>
+              <a:buChar char="•"/>
+            </a:pPr>
+            <a:r>
+              <a:rPr lang="fr-FR" dirty="0" err="1"/>
+              <a:t>aim</a:t>
+            </a:r>
+            <a:r>
+              <a:rPr lang="fr-FR" dirty="0"/>
+              <a:t> qui est la direction dans laquelle il va</a:t>
+            </a:r>
+          </a:p>
+          <a:p>
+            <a:pPr lvl="1">
+              <a:buFont typeface="Arial" panose="020B0604020202020204" pitchFamily="34" charset="0"/>
+              <a:buChar char="•"/>
+            </a:pPr>
+            <a:r>
+              <a:rPr lang="fr-FR" dirty="0"/>
+              <a:t>direction qui sauvegarde la direction souhaitée par le joueur</a:t>
+            </a:r>
+          </a:p>
+          <a:p>
+            <a:pPr lvl="1">
+              <a:buFont typeface="Arial" panose="020B0604020202020204" pitchFamily="34" charset="0"/>
+              <a:buChar char="•"/>
+            </a:pPr>
+            <a:r>
+              <a:rPr lang="fr-FR" dirty="0" err="1"/>
+              <a:t>isdead</a:t>
+            </a:r>
+            <a:r>
+              <a:rPr lang="fr-FR" dirty="0"/>
+              <a:t> qui permet de savoir si </a:t>
+            </a:r>
+            <a:r>
+              <a:rPr lang="fr-FR" dirty="0" err="1"/>
+              <a:t>Pacman</a:t>
+            </a:r>
+            <a:r>
+              <a:rPr lang="fr-FR" dirty="0"/>
+              <a:t> est vivant</a:t>
+            </a:r>
+          </a:p>
+          <a:p>
+            <a:r>
+              <a:rPr lang="fr-FR" dirty="0"/>
+              <a:t>Ses méthodes principales sont:</a:t>
+            </a:r>
+          </a:p>
+          <a:p>
+            <a:pPr lvl="1">
+              <a:buFont typeface="Arial" panose="020B0604020202020204" pitchFamily="34" charset="0"/>
+              <a:buChar char="•"/>
+            </a:pPr>
+            <a:r>
+              <a:rPr lang="fr-FR" dirty="0"/>
+              <a:t>move qui gère ses déplacements et ramasse les points</a:t>
+            </a:r>
+          </a:p>
+          <a:p>
+            <a:pPr lvl="1">
+              <a:buFont typeface="Arial" panose="020B0604020202020204" pitchFamily="34" charset="0"/>
+              <a:buChar char="•"/>
+            </a:pPr>
+            <a:r>
+              <a:rPr lang="fr-FR" dirty="0"/>
+              <a:t>change qui sauvegarde la direction souhaitée par le joueur</a:t>
+            </a:r>
+          </a:p>
+          <a:p>
+            <a:pPr lvl="1">
+              <a:buFont typeface="Arial" panose="020B0604020202020204" pitchFamily="34" charset="0"/>
+              <a:buChar char="•"/>
+            </a:pPr>
+            <a:r>
+              <a:rPr lang="fr-FR" dirty="0" err="1"/>
+              <a:t>draw</a:t>
+            </a:r>
+            <a:r>
+              <a:rPr lang="fr-FR" dirty="0"/>
+              <a:t> qui dessine </a:t>
+            </a:r>
+            <a:r>
+              <a:rPr lang="fr-FR" dirty="0" err="1"/>
+              <a:t>Pacman</a:t>
+            </a:r>
             <a:endParaRPr lang="fr-FR" dirty="0"/>
           </a:p>
         </p:txBody>
@@ -6271,24 +6391,357 @@
             <p:ph idx="1"/>
           </p:nvPr>
         </p:nvSpPr>
-        <p:spPr/>
-        <p:txBody>
-          <a:bodyPr/>
+        <p:spPr>
+          <a:xfrm>
+            <a:off x="1055687" y="2907012"/>
+            <a:ext cx="3896269" cy="1550688"/>
+          </a:xfrm>
+        </p:spPr>
+        <p:txBody>
+          <a:bodyPr>
+            <a:normAutofit/>
+          </a:bodyPr>
           <a:lstStyle/>
           <a:p>
             <a:r>
               <a:rPr lang="fr-FR" dirty="0"/>
-              <a:t>Montrez l’instanciation d’une classe</a:t>
-            </a:r>
-          </a:p>
-          <a:p>
+              <a:t>L’instanciation de la classe </a:t>
+            </a:r>
+            <a:r>
+              <a:rPr lang="fr-FR" dirty="0" err="1"/>
+              <a:t>ghost</a:t>
+            </a:r>
             <a:r>
               <a:rPr lang="fr-FR" dirty="0"/>
-              <a:t>Montrer 1-2 endroits typique ou cette instance est utilisée</a:t>
-            </a:r>
-          </a:p>
-          <a:p>
+              <a:t> dans la classe </a:t>
+            </a:r>
+            <a:r>
+              <a:rPr lang="fr-FR" dirty="0" err="1"/>
+              <a:t>game</a:t>
+            </a:r>
             <a:endParaRPr lang="fr-FR" dirty="0"/>
+          </a:p>
+        </p:txBody>
+      </p:sp>
+      <p:pic>
+        <p:nvPicPr>
+          <p:cNvPr id="5" name="Image 4">
+            <a:extLst>
+              <a:ext uri="{FF2B5EF4-FFF2-40B4-BE49-F238E27FC236}">
+                <a16:creationId xmlns:a16="http://schemas.microsoft.com/office/drawing/2014/main" id="{15B20098-D792-E51D-5E58-5C54F6D3103D}"/>
+              </a:ext>
+            </a:extLst>
+          </p:cNvPr>
+          <p:cNvPicPr>
+            <a:picLocks noChangeAspect="1"/>
+          </p:cNvPicPr>
+          <p:nvPr/>
+        </p:nvPicPr>
+        <p:blipFill>
+          <a:blip r:embed="rId2"/>
+          <a:stretch>
+            <a:fillRect/>
+          </a:stretch>
+        </p:blipFill>
+        <p:spPr>
+          <a:xfrm>
+            <a:off x="1055687" y="1629075"/>
+            <a:ext cx="3896269" cy="1124107"/>
+          </a:xfrm>
+          <a:prstGeom prst="rect">
+            <a:avLst/>
+          </a:prstGeom>
+        </p:spPr>
+      </p:pic>
+      <p:pic>
+        <p:nvPicPr>
+          <p:cNvPr id="7" name="Image 6">
+            <a:extLst>
+              <a:ext uri="{FF2B5EF4-FFF2-40B4-BE49-F238E27FC236}">
+                <a16:creationId xmlns:a16="http://schemas.microsoft.com/office/drawing/2014/main" id="{CC617BAD-1F55-D8CD-5F6A-139DFEFBC8D0}"/>
+              </a:ext>
+            </a:extLst>
+          </p:cNvPr>
+          <p:cNvPicPr>
+            <a:picLocks noChangeAspect="1"/>
+          </p:cNvPicPr>
+          <p:nvPr/>
+        </p:nvPicPr>
+        <p:blipFill>
+          <a:blip r:embed="rId3"/>
+          <a:stretch>
+            <a:fillRect/>
+          </a:stretch>
+        </p:blipFill>
+        <p:spPr>
+          <a:xfrm>
+            <a:off x="5361532" y="1629075"/>
+            <a:ext cx="5774781" cy="2267266"/>
+          </a:xfrm>
+          <a:prstGeom prst="rect">
+            <a:avLst/>
+          </a:prstGeom>
+        </p:spPr>
+      </p:pic>
+      <p:sp>
+        <p:nvSpPr>
+          <p:cNvPr id="8" name="Espace réservé du contenu 2">
+            <a:extLst>
+              <a:ext uri="{FF2B5EF4-FFF2-40B4-BE49-F238E27FC236}">
+                <a16:creationId xmlns:a16="http://schemas.microsoft.com/office/drawing/2014/main" id="{0833A6DF-CC06-4810-1925-82BD7B12F3EE}"/>
+              </a:ext>
+            </a:extLst>
+          </p:cNvPr>
+          <p:cNvSpPr txBox="1">
+            <a:spLocks/>
+          </p:cNvSpPr>
+          <p:nvPr/>
+        </p:nvSpPr>
+        <p:spPr>
+          <a:xfrm>
+            <a:off x="5348472" y="4030962"/>
+            <a:ext cx="5774781" cy="1550688"/>
+          </a:xfrm>
+          <a:prstGeom prst="rect">
+            <a:avLst/>
+          </a:prstGeom>
+        </p:spPr>
+        <p:txBody>
+          <a:bodyPr vert="horz" lIns="91440" tIns="45720" rIns="91440" bIns="45720" rtlCol="0">
+            <a:normAutofit/>
+          </a:bodyPr>
+          <a:lstStyle>
+            <a:lvl1pPr marL="342900" indent="-342900" algn="l" defTabSz="457200" rtl="0" eaLnBrk="1" latinLnBrk="0" hangingPunct="1">
+              <a:spcBef>
+                <a:spcPts val="1000"/>
+              </a:spcBef>
+              <a:spcAft>
+                <a:spcPts val="0"/>
+              </a:spcAft>
+              <a:buClr>
+                <a:schemeClr val="bg2">
+                  <a:lumMod val="40000"/>
+                  <a:lumOff val="60000"/>
+                </a:schemeClr>
+              </a:buClr>
+              <a:buSzPct val="80000"/>
+              <a:buFont typeface="Wingdings 3" charset="2"/>
+              <a:buChar char=""/>
+              <a:defRPr sz="2000" b="0" i="0" kern="1200">
+                <a:solidFill>
+                  <a:schemeClr val="tx1"/>
+                </a:solidFill>
+                <a:latin typeface="+mj-lt"/>
+                <a:ea typeface="+mj-ea"/>
+                <a:cs typeface="+mj-cs"/>
+              </a:defRPr>
+            </a:lvl1pPr>
+            <a:lvl2pPr marL="742950" indent="-285750" algn="l" defTabSz="457200" rtl="0" eaLnBrk="1" latinLnBrk="0" hangingPunct="1">
+              <a:spcBef>
+                <a:spcPts val="1000"/>
+              </a:spcBef>
+              <a:spcAft>
+                <a:spcPts val="0"/>
+              </a:spcAft>
+              <a:buClr>
+                <a:schemeClr val="bg2">
+                  <a:lumMod val="40000"/>
+                  <a:lumOff val="60000"/>
+                </a:schemeClr>
+              </a:buClr>
+              <a:buSzPct val="80000"/>
+              <a:buFont typeface="Wingdings 3" charset="2"/>
+              <a:buChar char=""/>
+              <a:defRPr sz="1800" b="0" i="0" kern="1200">
+                <a:solidFill>
+                  <a:schemeClr val="tx1"/>
+                </a:solidFill>
+                <a:latin typeface="+mj-lt"/>
+                <a:ea typeface="+mj-ea"/>
+                <a:cs typeface="+mj-cs"/>
+              </a:defRPr>
+            </a:lvl2pPr>
+            <a:lvl3pPr marL="1143000" indent="-228600" algn="l" defTabSz="457200" rtl="0" eaLnBrk="1" latinLnBrk="0" hangingPunct="1">
+              <a:spcBef>
+                <a:spcPts val="1000"/>
+              </a:spcBef>
+              <a:spcAft>
+                <a:spcPts val="0"/>
+              </a:spcAft>
+              <a:buClr>
+                <a:schemeClr val="bg2">
+                  <a:lumMod val="40000"/>
+                  <a:lumOff val="60000"/>
+                </a:schemeClr>
+              </a:buClr>
+              <a:buSzPct val="80000"/>
+              <a:buFont typeface="Wingdings 3" charset="2"/>
+              <a:buChar char=""/>
+              <a:defRPr sz="1600" b="0" i="0" kern="1200">
+                <a:solidFill>
+                  <a:schemeClr val="tx1"/>
+                </a:solidFill>
+                <a:latin typeface="+mj-lt"/>
+                <a:ea typeface="+mj-ea"/>
+                <a:cs typeface="+mj-cs"/>
+              </a:defRPr>
+            </a:lvl3pPr>
+            <a:lvl4pPr marL="1600200" indent="-228600" algn="l" defTabSz="457200" rtl="0" eaLnBrk="1" latinLnBrk="0" hangingPunct="1">
+              <a:spcBef>
+                <a:spcPts val="1000"/>
+              </a:spcBef>
+              <a:spcAft>
+                <a:spcPts val="0"/>
+              </a:spcAft>
+              <a:buClr>
+                <a:schemeClr val="bg2">
+                  <a:lumMod val="40000"/>
+                  <a:lumOff val="60000"/>
+                </a:schemeClr>
+              </a:buClr>
+              <a:buSzPct val="80000"/>
+              <a:buFont typeface="Wingdings 3" charset="2"/>
+              <a:buChar char=""/>
+              <a:defRPr sz="1400" b="0" i="0" kern="1200">
+                <a:solidFill>
+                  <a:schemeClr val="tx1"/>
+                </a:solidFill>
+                <a:latin typeface="+mj-lt"/>
+                <a:ea typeface="+mj-ea"/>
+                <a:cs typeface="+mj-cs"/>
+              </a:defRPr>
+            </a:lvl4pPr>
+            <a:lvl5pPr marL="2057400" indent="-228600" algn="l" defTabSz="457200" rtl="0" eaLnBrk="1" latinLnBrk="0" hangingPunct="1">
+              <a:spcBef>
+                <a:spcPts val="1000"/>
+              </a:spcBef>
+              <a:spcAft>
+                <a:spcPts val="0"/>
+              </a:spcAft>
+              <a:buClr>
+                <a:schemeClr val="bg2">
+                  <a:lumMod val="40000"/>
+                  <a:lumOff val="60000"/>
+                </a:schemeClr>
+              </a:buClr>
+              <a:buSzPct val="80000"/>
+              <a:buFont typeface="Wingdings 3" charset="2"/>
+              <a:buChar char=""/>
+              <a:defRPr sz="1400" b="0" i="0" kern="1200">
+                <a:solidFill>
+                  <a:schemeClr val="tx1"/>
+                </a:solidFill>
+                <a:latin typeface="+mj-lt"/>
+                <a:ea typeface="+mj-ea"/>
+                <a:cs typeface="+mj-cs"/>
+              </a:defRPr>
+            </a:lvl5pPr>
+            <a:lvl6pPr marL="2506000" indent="-228600" algn="l" defTabSz="457200" rtl="0" eaLnBrk="1" latinLnBrk="0" hangingPunct="1">
+              <a:spcBef>
+                <a:spcPts val="1000"/>
+              </a:spcBef>
+              <a:spcAft>
+                <a:spcPts val="0"/>
+              </a:spcAft>
+              <a:buClr>
+                <a:schemeClr val="bg2">
+                  <a:lumMod val="40000"/>
+                  <a:lumOff val="60000"/>
+                </a:schemeClr>
+              </a:buClr>
+              <a:buSzPct val="80000"/>
+              <a:buFont typeface="Wingdings 3" charset="2"/>
+              <a:buChar char=""/>
+              <a:defRPr sz="1400" b="0" i="0" kern="1200">
+                <a:solidFill>
+                  <a:schemeClr val="tx1"/>
+                </a:solidFill>
+                <a:latin typeface="+mj-lt"/>
+                <a:ea typeface="+mj-ea"/>
+                <a:cs typeface="+mj-cs"/>
+              </a:defRPr>
+            </a:lvl6pPr>
+            <a:lvl7pPr marL="2971800" indent="-228600" algn="l" defTabSz="457200" rtl="0" eaLnBrk="1" latinLnBrk="0" hangingPunct="1">
+              <a:spcBef>
+                <a:spcPts val="1000"/>
+              </a:spcBef>
+              <a:spcAft>
+                <a:spcPts val="0"/>
+              </a:spcAft>
+              <a:buClr>
+                <a:schemeClr val="bg2">
+                  <a:lumMod val="40000"/>
+                  <a:lumOff val="60000"/>
+                </a:schemeClr>
+              </a:buClr>
+              <a:buSzPct val="80000"/>
+              <a:buFont typeface="Wingdings 3" charset="2"/>
+              <a:buChar char=""/>
+              <a:defRPr sz="1400" b="0" i="0" kern="1200">
+                <a:solidFill>
+                  <a:schemeClr val="tx1"/>
+                </a:solidFill>
+                <a:latin typeface="+mj-lt"/>
+                <a:ea typeface="+mj-ea"/>
+                <a:cs typeface="+mj-cs"/>
+              </a:defRPr>
+            </a:lvl7pPr>
+            <a:lvl8pPr marL="3429000" indent="-228600" algn="l" defTabSz="457200" rtl="0" eaLnBrk="1" latinLnBrk="0" hangingPunct="1">
+              <a:spcBef>
+                <a:spcPts val="1000"/>
+              </a:spcBef>
+              <a:spcAft>
+                <a:spcPts val="0"/>
+              </a:spcAft>
+              <a:buClr>
+                <a:schemeClr val="bg2">
+                  <a:lumMod val="40000"/>
+                  <a:lumOff val="60000"/>
+                </a:schemeClr>
+              </a:buClr>
+              <a:buSzPct val="80000"/>
+              <a:buFont typeface="Wingdings 3" charset="2"/>
+              <a:buChar char=""/>
+              <a:defRPr sz="1400" b="0" i="0" kern="1200">
+                <a:solidFill>
+                  <a:schemeClr val="tx1"/>
+                </a:solidFill>
+                <a:latin typeface="+mj-lt"/>
+                <a:ea typeface="+mj-ea"/>
+                <a:cs typeface="+mj-cs"/>
+              </a:defRPr>
+            </a:lvl8pPr>
+            <a:lvl9pPr marL="3886200" indent="-228600" algn="l" defTabSz="457200" rtl="0" eaLnBrk="1" latinLnBrk="0" hangingPunct="1">
+              <a:spcBef>
+                <a:spcPts val="1000"/>
+              </a:spcBef>
+              <a:spcAft>
+                <a:spcPts val="0"/>
+              </a:spcAft>
+              <a:buClr>
+                <a:schemeClr val="bg2">
+                  <a:lumMod val="40000"/>
+                  <a:lumOff val="60000"/>
+                </a:schemeClr>
+              </a:buClr>
+              <a:buSzPct val="80000"/>
+              <a:buFont typeface="Wingdings 3" charset="2"/>
+              <a:buChar char=""/>
+              <a:defRPr sz="1400" b="0" i="0" kern="1200">
+                <a:solidFill>
+                  <a:schemeClr val="tx1"/>
+                </a:solidFill>
+                <a:latin typeface="+mj-lt"/>
+                <a:ea typeface="+mj-ea"/>
+                <a:cs typeface="+mj-cs"/>
+              </a:defRPr>
+            </a:lvl9pPr>
+          </a:lstStyle>
+          <a:p>
+            <a:r>
+              <a:rPr lang="fr-FR" dirty="0"/>
+              <a:t>Utilisation de cette instance pour la déplacer lors du chargement d’un nouveau niveau</a:t>
+            </a:r>
           </a:p>
         </p:txBody>
       </p:sp>
@@ -6366,27 +6819,58 @@
             <p:ph idx="1"/>
           </p:nvPr>
         </p:nvSpPr>
-        <p:spPr/>
+        <p:spPr>
+          <a:xfrm>
+            <a:off x="1104293" y="4916786"/>
+            <a:ext cx="8946541" cy="1207789"/>
+          </a:xfrm>
+        </p:spPr>
         <p:txBody>
           <a:bodyPr/>
           <a:lstStyle/>
           <a:p>
             <a:r>
               <a:rPr lang="fr-FR" dirty="0"/>
-              <a:t>Montrez un exemple d’une classe composée</a:t>
-            </a:r>
-          </a:p>
-          <a:p>
-            <a:r>
-              <a:rPr lang="fr-FR" dirty="0"/>
-              <a:t>Pourquoi ce choix a été fait dans votre jeux</a:t>
-            </a:r>
-          </a:p>
-          <a:p>
+              <a:t>La classe Button a été composée car cela permet de facilement avoir plusieurs boutons avec des tailles, des textes et des </a:t>
+            </a:r>
+            <a:r>
+              <a:rPr lang="fr-FR"/>
+              <a:t>couleurs différentes</a:t>
+            </a:r>
             <a:endParaRPr lang="fr-FR" dirty="0"/>
           </a:p>
         </p:txBody>
       </p:sp>
+      <p:pic>
+        <p:nvPicPr>
+          <p:cNvPr id="5" name="Image 4">
+            <a:extLst>
+              <a:ext uri="{FF2B5EF4-FFF2-40B4-BE49-F238E27FC236}">
+                <a16:creationId xmlns:a16="http://schemas.microsoft.com/office/drawing/2014/main" id="{A761CCA8-BE72-963A-291D-509087B08DB5}"/>
+              </a:ext>
+            </a:extLst>
+          </p:cNvPr>
+          <p:cNvPicPr>
+            <a:picLocks noChangeAspect="1"/>
+          </p:cNvPicPr>
+          <p:nvPr/>
+        </p:nvPicPr>
+        <p:blipFill>
+          <a:blip r:embed="rId2"/>
+          <a:stretch>
+            <a:fillRect/>
+          </a:stretch>
+        </p:blipFill>
+        <p:spPr>
+          <a:xfrm>
+            <a:off x="1103311" y="1202849"/>
+            <a:ext cx="6945313" cy="3554229"/>
+          </a:xfrm>
+          <a:prstGeom prst="rect">
+            <a:avLst/>
+          </a:prstGeom>
+        </p:spPr>
+      </p:pic>
     </p:spTree>
     <p:extLst>
       <p:ext uri="{BB962C8B-B14F-4D97-AF65-F5344CB8AC3E}">
@@ -6582,13 +7066,13 @@
           <a:p>
             <a:r>
               <a:rPr lang="fr-FR" dirty="0"/>
-              <a:t>Récolter un maximum de point sans se faire attraper par les ennemis.</a:t>
+              <a:t>Récolter un maximum de points sans se faire attraper par les ennemis.</a:t>
             </a:r>
           </a:p>
           <a:p>
             <a:r>
               <a:rPr lang="fr-FR" dirty="0"/>
-              <a:t>Il existe deux labyrinthes et on incarne un point jaune et il y a des ennemis qui sont des points rouges.</a:t>
+              <a:t>Il existe deux labyrinthes, on incarne un rond jaune et il y a des ennemis qui sont des ronds rouges.</a:t>
             </a:r>
           </a:p>
           <a:p>
@@ -6796,7 +7280,7 @@
           <a:p>
             <a:r>
               <a:rPr lang="fr-FR" dirty="0"/>
-              <a:t>Notre inspiration a surtout était les jeux d’arcade des années 80.</a:t>
+              <a:t>Notre inspiration a surtout été les jeux d’arcade des années 80.</a:t>
             </a:r>
           </a:p>
           <a:p>
@@ -7007,7 +7491,7 @@
           <a:p>
             <a:r>
               <a:rPr lang="fr-FR" dirty="0"/>
-              <a:t>Nous avons travail ensemble avec une pseudo-répartition des tâches, chacun apporte de son idée et créativité et décidons ensemble de ce qu’il en sera dans notre jeu.</a:t>
+              <a:t>Nous avons travaillé ensemble avec une pseudo-répartition des tâches, chacun apporte de son idée et créativité et décidons ensemble de ce qu’il en sera dans notre jeu.</a:t>
             </a:r>
           </a:p>
           <a:p>
@@ -7021,7 +7505,7 @@
             </a:r>
             <a:r>
               <a:rPr lang="fr-FR" dirty="0"/>
-              <a:t> , il fallait s’assurer que nous ne travaillions pas en même temps afin de ne pas crées de problèmes. (push régulièrement)</a:t>
+              <a:t>, il fallait s’assurer que nous ne travaillions pas en même temps afin de ne pas créer de problèmes. (push régulièrement)</a:t>
             </a:r>
           </a:p>
           <a:p>
@@ -7150,6 +7634,36 @@
           <a:chExt cx="0" cy="0"/>
         </a:xfrm>
       </p:grpSpPr>
+      <p:pic>
+        <p:nvPicPr>
+          <p:cNvPr id="9" name="Image 8">
+            <a:extLst>
+              <a:ext uri="{FF2B5EF4-FFF2-40B4-BE49-F238E27FC236}">
+                <a16:creationId xmlns:a16="http://schemas.microsoft.com/office/drawing/2014/main" id="{93DC4A5F-1686-9089-1BFE-32128F6465E3}"/>
+              </a:ext>
+            </a:extLst>
+          </p:cNvPr>
+          <p:cNvPicPr>
+            <a:picLocks noChangeAspect="1"/>
+          </p:cNvPicPr>
+          <p:nvPr/>
+        </p:nvPicPr>
+        <p:blipFill>
+          <a:blip r:embed="rId2"/>
+          <a:stretch>
+            <a:fillRect/>
+          </a:stretch>
+        </p:blipFill>
+        <p:spPr>
+          <a:xfrm>
+            <a:off x="0" y="1"/>
+            <a:ext cx="12192000" cy="6805062"/>
+          </a:xfrm>
+          <a:prstGeom prst="rect">
+            <a:avLst/>
+          </a:prstGeom>
+        </p:spPr>
+      </p:pic>
       <p:sp>
         <p:nvSpPr>
           <p:cNvPr id="2" name="Titre 1">
@@ -7166,40 +7680,140 @@
             <p:ph type="title"/>
           </p:nvPr>
         </p:nvSpPr>
-        <p:spPr/>
+        <p:spPr>
+          <a:xfrm>
+            <a:off x="989011" y="290437"/>
+            <a:ext cx="9404723" cy="1400530"/>
+          </a:xfrm>
+        </p:spPr>
         <p:txBody>
           <a:bodyPr/>
           <a:lstStyle/>
           <a:p>
             <a:r>
               <a:rPr lang="fr-FR" dirty="0"/>
-              <a:t>Exemple du jeu( photo a mettre) + explication</a:t>
-            </a:r>
-          </a:p>
-        </p:txBody>
-      </p:sp>
-      <p:sp>
-        <p:nvSpPr>
-          <p:cNvPr id="3" name="Espace réservé du contenu 2">
+              <a:t>Exemple du jeu</a:t>
+            </a:r>
+          </a:p>
+        </p:txBody>
+      </p:sp>
+      <p:sp>
+        <p:nvSpPr>
+          <p:cNvPr id="10" name="ZoneTexte 9">
             <a:extLst>
               <a:ext uri="{FF2B5EF4-FFF2-40B4-BE49-F238E27FC236}">
-                <a16:creationId xmlns:a16="http://schemas.microsoft.com/office/drawing/2014/main" id="{1EB2A16E-CDB0-8B4F-B7C7-0BB7F4DDF4CE}"/>
+                <a16:creationId xmlns:a16="http://schemas.microsoft.com/office/drawing/2014/main" id="{E43C380E-ED7C-1208-E40A-7D1327ED599B}"/>
               </a:ext>
             </a:extLst>
           </p:cNvPr>
-          <p:cNvSpPr>
-            <a:spLocks noGrp="1"/>
-          </p:cNvSpPr>
-          <p:nvPr>
-            <p:ph idx="1"/>
-          </p:nvPr>
-        </p:nvSpPr>
-        <p:spPr/>
-        <p:txBody>
-          <a:bodyPr/>
-          <a:lstStyle/>
-          <a:p>
-            <a:endParaRPr lang="fr-FR"/>
+          <p:cNvSpPr txBox="1"/>
+          <p:nvPr/>
+        </p:nvSpPr>
+        <p:spPr>
+          <a:xfrm>
+            <a:off x="989011" y="1796737"/>
+            <a:ext cx="3192464" cy="3970318"/>
+          </a:xfrm>
+          <a:prstGeom prst="rect">
+            <a:avLst/>
+          </a:prstGeom>
+          <a:noFill/>
+        </p:spPr>
+        <p:txBody>
+          <a:bodyPr wrap="square" rtlCol="0">
+            <a:spAutoFit/>
+          </a:bodyPr>
+          <a:lstStyle/>
+          <a:p>
+            <a:pPr marL="285750" indent="-285750">
+              <a:buFont typeface="Wingdings" panose="05000000000000000000" pitchFamily="2" charset="2"/>
+              <a:buChar char="Ø"/>
+            </a:pPr>
+            <a:r>
+              <a:rPr lang="fr-FR" dirty="0"/>
+              <a:t>Niveau composé de carré et créé à partir d’une liste 2D pour différencier les murs du chemin avec et sans point </a:t>
+            </a:r>
+          </a:p>
+          <a:p>
+            <a:pPr marL="285750" indent="-285750">
+              <a:buFont typeface="Wingdings" panose="05000000000000000000" pitchFamily="2" charset="2"/>
+              <a:buChar char="Ø"/>
+            </a:pPr>
+            <a:r>
+              <a:rPr lang="fr-FR" dirty="0"/>
+              <a:t>Ennemis rouges se déplacent librement sur le chemin bleu</a:t>
+            </a:r>
+          </a:p>
+          <a:p>
+            <a:pPr marL="285750" indent="-285750">
+              <a:buFont typeface="Wingdings" panose="05000000000000000000" pitchFamily="2" charset="2"/>
+              <a:buChar char="Ø"/>
+            </a:pPr>
+            <a:r>
+              <a:rPr lang="fr-FR" dirty="0" err="1"/>
+              <a:t>Pacman</a:t>
+            </a:r>
+            <a:r>
+              <a:rPr lang="fr-FR" dirty="0"/>
+              <a:t> (rond jaune) ramasse des points blancs sur le chemin qui disparaissent après son passage</a:t>
+            </a:r>
+          </a:p>
+        </p:txBody>
+      </p:sp>
+      <p:sp>
+        <p:nvSpPr>
+          <p:cNvPr id="11" name="ZoneTexte 10">
+            <a:extLst>
+              <a:ext uri="{FF2B5EF4-FFF2-40B4-BE49-F238E27FC236}">
+                <a16:creationId xmlns:a16="http://schemas.microsoft.com/office/drawing/2014/main" id="{1C323CAC-4039-C915-A7D8-6D4CEB407913}"/>
+              </a:ext>
+            </a:extLst>
+          </p:cNvPr>
+          <p:cNvSpPr txBox="1"/>
+          <p:nvPr/>
+        </p:nvSpPr>
+        <p:spPr>
+          <a:xfrm>
+            <a:off x="8456611" y="1796737"/>
+            <a:ext cx="3192464" cy="1754326"/>
+          </a:xfrm>
+          <a:prstGeom prst="rect">
+            <a:avLst/>
+          </a:prstGeom>
+          <a:noFill/>
+        </p:spPr>
+        <p:txBody>
+          <a:bodyPr wrap="square" rtlCol="0">
+            <a:spAutoFit/>
+          </a:bodyPr>
+          <a:lstStyle/>
+          <a:p>
+            <a:pPr marL="285750" indent="-285750">
+              <a:buFont typeface="Wingdings" panose="05000000000000000000" pitchFamily="2" charset="2"/>
+              <a:buChar char="Ø"/>
+            </a:pPr>
+            <a:r>
+              <a:rPr lang="fr-FR" dirty="0"/>
+              <a:t>Score augmente à chaque fois que </a:t>
+            </a:r>
+            <a:r>
+              <a:rPr lang="fr-FR" dirty="0" err="1"/>
+              <a:t>Pacman</a:t>
+            </a:r>
+            <a:r>
+              <a:rPr lang="fr-FR" dirty="0"/>
+              <a:t> passe sur un point blanc</a:t>
+            </a:r>
+          </a:p>
+          <a:p>
+            <a:pPr marL="285750" indent="-285750">
+              <a:buFont typeface="Wingdings" panose="05000000000000000000" pitchFamily="2" charset="2"/>
+              <a:buChar char="Ø"/>
+            </a:pPr>
+            <a:r>
+              <a:rPr lang="fr-FR" dirty="0"/>
+              <a:t>Bouton pour pouvoir quitter le jeu</a:t>
+            </a:r>
           </a:p>
         </p:txBody>
       </p:sp>
@@ -7277,38 +7891,352 @@
             <p:ph idx="1"/>
           </p:nvPr>
         </p:nvSpPr>
-        <p:spPr/>
-        <p:txBody>
-          <a:bodyPr/>
+        <p:spPr>
+          <a:xfrm>
+            <a:off x="646111" y="5007241"/>
+            <a:ext cx="4185689" cy="402959"/>
+          </a:xfrm>
+        </p:spPr>
+        <p:txBody>
+          <a:bodyPr>
+            <a:normAutofit/>
+          </a:bodyPr>
           <a:lstStyle/>
           <a:p>
             <a:r>
               <a:rPr lang="fr-FR" dirty="0"/>
-              <a:t>Montrez avec quel structure votre jeu est représenté (liste, dictionnaire, string, </a:t>
+              <a:t>Liste 2D à l’état initial</a:t>
+            </a:r>
+          </a:p>
+        </p:txBody>
+      </p:sp>
+      <p:pic>
+        <p:nvPicPr>
+          <p:cNvPr id="4" name="Image 3">
+            <a:extLst>
+              <a:ext uri="{FF2B5EF4-FFF2-40B4-BE49-F238E27FC236}">
+                <a16:creationId xmlns:a16="http://schemas.microsoft.com/office/drawing/2014/main" id="{E78F76AC-3BCA-68DD-F123-AE58753B809B}"/>
+              </a:ext>
+            </a:extLst>
+          </p:cNvPr>
+          <p:cNvPicPr>
+            <a:picLocks noChangeAspect="1"/>
+          </p:cNvPicPr>
+          <p:nvPr/>
+        </p:nvPicPr>
+        <p:blipFill>
+          <a:blip r:embed="rId2"/>
+          <a:stretch>
+            <a:fillRect/>
+          </a:stretch>
+        </p:blipFill>
+        <p:spPr>
+          <a:xfrm>
+            <a:off x="646111" y="1321981"/>
+            <a:ext cx="4185689" cy="3539897"/>
+          </a:xfrm>
+          <a:prstGeom prst="rect">
+            <a:avLst/>
+          </a:prstGeom>
+        </p:spPr>
+      </p:pic>
+      <p:pic>
+        <p:nvPicPr>
+          <p:cNvPr id="6" name="Image 5">
+            <a:extLst>
+              <a:ext uri="{FF2B5EF4-FFF2-40B4-BE49-F238E27FC236}">
+                <a16:creationId xmlns:a16="http://schemas.microsoft.com/office/drawing/2014/main" id="{58812F22-EACF-905A-2FAE-6E048CB77E0F}"/>
+              </a:ext>
+            </a:extLst>
+          </p:cNvPr>
+          <p:cNvPicPr>
+            <a:picLocks noChangeAspect="1"/>
+          </p:cNvPicPr>
+          <p:nvPr/>
+        </p:nvPicPr>
+        <p:blipFill>
+          <a:blip r:embed="rId3"/>
+          <a:stretch>
+            <a:fillRect/>
+          </a:stretch>
+        </p:blipFill>
+        <p:spPr>
+          <a:xfrm>
+            <a:off x="6967194" y="1315875"/>
+            <a:ext cx="4272306" cy="3536842"/>
+          </a:xfrm>
+          <a:prstGeom prst="rect">
+            <a:avLst/>
+          </a:prstGeom>
+        </p:spPr>
+      </p:pic>
+      <p:sp>
+        <p:nvSpPr>
+          <p:cNvPr id="7" name="Espace réservé du contenu 2">
+            <a:extLst>
+              <a:ext uri="{FF2B5EF4-FFF2-40B4-BE49-F238E27FC236}">
+                <a16:creationId xmlns:a16="http://schemas.microsoft.com/office/drawing/2014/main" id="{D7B78DF5-0E1B-2C4D-4885-E92E20C1AA32}"/>
+              </a:ext>
+            </a:extLst>
+          </p:cNvPr>
+          <p:cNvSpPr txBox="1">
+            <a:spLocks/>
+          </p:cNvSpPr>
+          <p:nvPr/>
+        </p:nvSpPr>
+        <p:spPr>
+          <a:xfrm>
+            <a:off x="6967194" y="5007240"/>
+            <a:ext cx="4185689" cy="708634"/>
+          </a:xfrm>
+          <a:prstGeom prst="rect">
+            <a:avLst/>
+          </a:prstGeom>
+        </p:spPr>
+        <p:txBody>
+          <a:bodyPr vert="horz" lIns="91440" tIns="45720" rIns="91440" bIns="45720" rtlCol="0">
+            <a:normAutofit/>
+          </a:bodyPr>
+          <a:lstStyle>
+            <a:lvl1pPr marL="342900" indent="-342900" algn="l" defTabSz="457200" rtl="0" eaLnBrk="1" latinLnBrk="0" hangingPunct="1">
+              <a:spcBef>
+                <a:spcPts val="1000"/>
+              </a:spcBef>
+              <a:spcAft>
+                <a:spcPts val="0"/>
+              </a:spcAft>
+              <a:buClr>
+                <a:schemeClr val="bg2">
+                  <a:lumMod val="40000"/>
+                  <a:lumOff val="60000"/>
+                </a:schemeClr>
+              </a:buClr>
+              <a:buSzPct val="80000"/>
+              <a:buFont typeface="Wingdings 3" charset="2"/>
+              <a:buChar char=""/>
+              <a:defRPr sz="2000" b="0" i="0" kern="1200">
+                <a:solidFill>
+                  <a:schemeClr val="tx1"/>
+                </a:solidFill>
+                <a:latin typeface="+mj-lt"/>
+                <a:ea typeface="+mj-ea"/>
+                <a:cs typeface="+mj-cs"/>
+              </a:defRPr>
+            </a:lvl1pPr>
+            <a:lvl2pPr marL="742950" indent="-285750" algn="l" defTabSz="457200" rtl="0" eaLnBrk="1" latinLnBrk="0" hangingPunct="1">
+              <a:spcBef>
+                <a:spcPts val="1000"/>
+              </a:spcBef>
+              <a:spcAft>
+                <a:spcPts val="0"/>
+              </a:spcAft>
+              <a:buClr>
+                <a:schemeClr val="bg2">
+                  <a:lumMod val="40000"/>
+                  <a:lumOff val="60000"/>
+                </a:schemeClr>
+              </a:buClr>
+              <a:buSzPct val="80000"/>
+              <a:buFont typeface="Wingdings 3" charset="2"/>
+              <a:buChar char=""/>
+              <a:defRPr sz="1800" b="0" i="0" kern="1200">
+                <a:solidFill>
+                  <a:schemeClr val="tx1"/>
+                </a:solidFill>
+                <a:latin typeface="+mj-lt"/>
+                <a:ea typeface="+mj-ea"/>
+                <a:cs typeface="+mj-cs"/>
+              </a:defRPr>
+            </a:lvl2pPr>
+            <a:lvl3pPr marL="1143000" indent="-228600" algn="l" defTabSz="457200" rtl="0" eaLnBrk="1" latinLnBrk="0" hangingPunct="1">
+              <a:spcBef>
+                <a:spcPts val="1000"/>
+              </a:spcBef>
+              <a:spcAft>
+                <a:spcPts val="0"/>
+              </a:spcAft>
+              <a:buClr>
+                <a:schemeClr val="bg2">
+                  <a:lumMod val="40000"/>
+                  <a:lumOff val="60000"/>
+                </a:schemeClr>
+              </a:buClr>
+              <a:buSzPct val="80000"/>
+              <a:buFont typeface="Wingdings 3" charset="2"/>
+              <a:buChar char=""/>
+              <a:defRPr sz="1600" b="0" i="0" kern="1200">
+                <a:solidFill>
+                  <a:schemeClr val="tx1"/>
+                </a:solidFill>
+                <a:latin typeface="+mj-lt"/>
+                <a:ea typeface="+mj-ea"/>
+                <a:cs typeface="+mj-cs"/>
+              </a:defRPr>
+            </a:lvl3pPr>
+            <a:lvl4pPr marL="1600200" indent="-228600" algn="l" defTabSz="457200" rtl="0" eaLnBrk="1" latinLnBrk="0" hangingPunct="1">
+              <a:spcBef>
+                <a:spcPts val="1000"/>
+              </a:spcBef>
+              <a:spcAft>
+                <a:spcPts val="0"/>
+              </a:spcAft>
+              <a:buClr>
+                <a:schemeClr val="bg2">
+                  <a:lumMod val="40000"/>
+                  <a:lumOff val="60000"/>
+                </a:schemeClr>
+              </a:buClr>
+              <a:buSzPct val="80000"/>
+              <a:buFont typeface="Wingdings 3" charset="2"/>
+              <a:buChar char=""/>
+              <a:defRPr sz="1400" b="0" i="0" kern="1200">
+                <a:solidFill>
+                  <a:schemeClr val="tx1"/>
+                </a:solidFill>
+                <a:latin typeface="+mj-lt"/>
+                <a:ea typeface="+mj-ea"/>
+                <a:cs typeface="+mj-cs"/>
+              </a:defRPr>
+            </a:lvl4pPr>
+            <a:lvl5pPr marL="2057400" indent="-228600" algn="l" defTabSz="457200" rtl="0" eaLnBrk="1" latinLnBrk="0" hangingPunct="1">
+              <a:spcBef>
+                <a:spcPts val="1000"/>
+              </a:spcBef>
+              <a:spcAft>
+                <a:spcPts val="0"/>
+              </a:spcAft>
+              <a:buClr>
+                <a:schemeClr val="bg2">
+                  <a:lumMod val="40000"/>
+                  <a:lumOff val="60000"/>
+                </a:schemeClr>
+              </a:buClr>
+              <a:buSzPct val="80000"/>
+              <a:buFont typeface="Wingdings 3" charset="2"/>
+              <a:buChar char=""/>
+              <a:defRPr sz="1400" b="0" i="0" kern="1200">
+                <a:solidFill>
+                  <a:schemeClr val="tx1"/>
+                </a:solidFill>
+                <a:latin typeface="+mj-lt"/>
+                <a:ea typeface="+mj-ea"/>
+                <a:cs typeface="+mj-cs"/>
+              </a:defRPr>
+            </a:lvl5pPr>
+            <a:lvl6pPr marL="2506000" indent="-228600" algn="l" defTabSz="457200" rtl="0" eaLnBrk="1" latinLnBrk="0" hangingPunct="1">
+              <a:spcBef>
+                <a:spcPts val="1000"/>
+              </a:spcBef>
+              <a:spcAft>
+                <a:spcPts val="0"/>
+              </a:spcAft>
+              <a:buClr>
+                <a:schemeClr val="bg2">
+                  <a:lumMod val="40000"/>
+                  <a:lumOff val="60000"/>
+                </a:schemeClr>
+              </a:buClr>
+              <a:buSzPct val="80000"/>
+              <a:buFont typeface="Wingdings 3" charset="2"/>
+              <a:buChar char=""/>
+              <a:defRPr sz="1400" b="0" i="0" kern="1200">
+                <a:solidFill>
+                  <a:schemeClr val="tx1"/>
+                </a:solidFill>
+                <a:latin typeface="+mj-lt"/>
+                <a:ea typeface="+mj-ea"/>
+                <a:cs typeface="+mj-cs"/>
+              </a:defRPr>
+            </a:lvl6pPr>
+            <a:lvl7pPr marL="2971800" indent="-228600" algn="l" defTabSz="457200" rtl="0" eaLnBrk="1" latinLnBrk="0" hangingPunct="1">
+              <a:spcBef>
+                <a:spcPts val="1000"/>
+              </a:spcBef>
+              <a:spcAft>
+                <a:spcPts val="0"/>
+              </a:spcAft>
+              <a:buClr>
+                <a:schemeClr val="bg2">
+                  <a:lumMod val="40000"/>
+                  <a:lumOff val="60000"/>
+                </a:schemeClr>
+              </a:buClr>
+              <a:buSzPct val="80000"/>
+              <a:buFont typeface="Wingdings 3" charset="2"/>
+              <a:buChar char=""/>
+              <a:defRPr sz="1400" b="0" i="0" kern="1200">
+                <a:solidFill>
+                  <a:schemeClr val="tx1"/>
+                </a:solidFill>
+                <a:latin typeface="+mj-lt"/>
+                <a:ea typeface="+mj-ea"/>
+                <a:cs typeface="+mj-cs"/>
+              </a:defRPr>
+            </a:lvl7pPr>
+            <a:lvl8pPr marL="3429000" indent="-228600" algn="l" defTabSz="457200" rtl="0" eaLnBrk="1" latinLnBrk="0" hangingPunct="1">
+              <a:spcBef>
+                <a:spcPts val="1000"/>
+              </a:spcBef>
+              <a:spcAft>
+                <a:spcPts val="0"/>
+              </a:spcAft>
+              <a:buClr>
+                <a:schemeClr val="bg2">
+                  <a:lumMod val="40000"/>
+                  <a:lumOff val="60000"/>
+                </a:schemeClr>
+              </a:buClr>
+              <a:buSzPct val="80000"/>
+              <a:buFont typeface="Wingdings 3" charset="2"/>
+              <a:buChar char=""/>
+              <a:defRPr sz="1400" b="0" i="0" kern="1200">
+                <a:solidFill>
+                  <a:schemeClr val="tx1"/>
+                </a:solidFill>
+                <a:latin typeface="+mj-lt"/>
+                <a:ea typeface="+mj-ea"/>
+                <a:cs typeface="+mj-cs"/>
+              </a:defRPr>
+            </a:lvl8pPr>
+            <a:lvl9pPr marL="3886200" indent="-228600" algn="l" defTabSz="457200" rtl="0" eaLnBrk="1" latinLnBrk="0" hangingPunct="1">
+              <a:spcBef>
+                <a:spcPts val="1000"/>
+              </a:spcBef>
+              <a:spcAft>
+                <a:spcPts val="0"/>
+              </a:spcAft>
+              <a:buClr>
+                <a:schemeClr val="bg2">
+                  <a:lumMod val="40000"/>
+                  <a:lumOff val="60000"/>
+                </a:schemeClr>
+              </a:buClr>
+              <a:buSzPct val="80000"/>
+              <a:buFont typeface="Wingdings 3" charset="2"/>
+              <a:buChar char=""/>
+              <a:defRPr sz="1400" b="0" i="0" kern="1200">
+                <a:solidFill>
+                  <a:schemeClr val="tx1"/>
+                </a:solidFill>
+                <a:latin typeface="+mj-lt"/>
+                <a:ea typeface="+mj-ea"/>
+                <a:cs typeface="+mj-cs"/>
+              </a:defRPr>
+            </a:lvl9pPr>
+          </a:lstStyle>
+          <a:p>
+            <a:r>
+              <a:rPr lang="fr-FR" dirty="0"/>
+              <a:t>Liste 2D après que </a:t>
             </a:r>
             <a:r>
               <a:rPr lang="fr-FR" dirty="0" err="1"/>
-              <a:t>tuple</a:t>
+              <a:t>Pacman</a:t>
             </a:r>
             <a:r>
               <a:rPr lang="fr-FR" dirty="0"/>
-              <a:t>, etc.)</a:t>
-            </a:r>
-          </a:p>
-          <a:p>
-            <a:r>
-              <a:rPr lang="fr-FR" dirty="0"/>
-              <a:t>Montrez l’état initial</a:t>
-            </a:r>
-          </a:p>
-          <a:p>
-            <a:r>
-              <a:rPr lang="fr-FR" dirty="0"/>
-              <a:t>Montrez les transitions possibles</a:t>
-            </a:r>
-          </a:p>
-          <a:p>
-            <a:endParaRPr lang="fr-FR" dirty="0"/>
+              <a:t> ait ramassé des points</a:t>
+            </a:r>
           </a:p>
         </p:txBody>
       </p:sp>

--- a/src/projet/projet3/Powerpoint_pacman.pptx
+++ b/src/projet/projet3/Powerpoint_pacman.pptx
@@ -7,17 +7,24 @@
   <p:sldIdLst>
     <p:sldId id="256" r:id="rId2"/>
     <p:sldId id="257" r:id="rId3"/>
-    <p:sldId id="258" r:id="rId4"/>
-    <p:sldId id="259" r:id="rId5"/>
-    <p:sldId id="260" r:id="rId6"/>
-    <p:sldId id="261" r:id="rId7"/>
-    <p:sldId id="262" r:id="rId8"/>
-    <p:sldId id="263" r:id="rId9"/>
-    <p:sldId id="264" r:id="rId10"/>
-    <p:sldId id="265" r:id="rId11"/>
-    <p:sldId id="266" r:id="rId12"/>
-    <p:sldId id="267" r:id="rId13"/>
-    <p:sldId id="268" r:id="rId14"/>
+    <p:sldId id="259" r:id="rId4"/>
+    <p:sldId id="260" r:id="rId5"/>
+    <p:sldId id="261" r:id="rId6"/>
+    <p:sldId id="262" r:id="rId7"/>
+    <p:sldId id="263" r:id="rId8"/>
+    <p:sldId id="264" r:id="rId9"/>
+    <p:sldId id="265" r:id="rId10"/>
+    <p:sldId id="266" r:id="rId11"/>
+    <p:sldId id="267" r:id="rId12"/>
+    <p:sldId id="268" r:id="rId13"/>
+    <p:sldId id="269" r:id="rId14"/>
+    <p:sldId id="270" r:id="rId15"/>
+    <p:sldId id="271" r:id="rId16"/>
+    <p:sldId id="272" r:id="rId17"/>
+    <p:sldId id="273" r:id="rId18"/>
+    <p:sldId id="274" r:id="rId19"/>
+    <p:sldId id="276" r:id="rId20"/>
+    <p:sldId id="275" r:id="rId21"/>
   </p:sldIdLst>
   <p:sldSz cx="12192000" cy="6858000"/>
   <p:notesSz cx="6858000" cy="9144000"/>
@@ -310,7 +317,7 @@
           <a:p>
             <a:fld id="{4AAD347D-5ACD-4C99-B74B-A9C85AD731AF}" type="datetimeFigureOut">
               <a:rPr lang="en-US" dirty="0"/>
-              <a:t>6/15/2022</a:t>
+              <a:t>6/16/2022</a:t>
             </a:fld>
             <a:endParaRPr lang="en-US" dirty="0"/>
           </a:p>
@@ -580,7 +587,7 @@
           <a:p>
             <a:fld id="{4509A250-FF31-4206-8172-F9D3106AACB1}" type="datetimeFigureOut">
               <a:rPr lang="en-US" dirty="0"/>
-              <a:t>6/15/2022</a:t>
+              <a:t>6/16/2022</a:t>
             </a:fld>
             <a:endParaRPr lang="en-US" dirty="0"/>
           </a:p>
@@ -769,7 +776,7 @@
           <a:p>
             <a:fld id="{4509A250-FF31-4206-8172-F9D3106AACB1}" type="datetimeFigureOut">
               <a:rPr lang="en-US" dirty="0"/>
-              <a:t>6/15/2022</a:t>
+              <a:t>6/16/2022</a:t>
             </a:fld>
             <a:endParaRPr lang="en-US" dirty="0"/>
           </a:p>
@@ -1037,7 +1044,7 @@
           <a:p>
             <a:fld id="{4509A250-FF31-4206-8172-F9D3106AACB1}" type="datetimeFigureOut">
               <a:rPr lang="en-US" dirty="0"/>
-              <a:t>6/15/2022</a:t>
+              <a:t>6/16/2022</a:t>
             </a:fld>
             <a:endParaRPr lang="en-US" dirty="0"/>
           </a:p>
@@ -1373,7 +1380,7 @@
           <a:p>
             <a:fld id="{4509A250-FF31-4206-8172-F9D3106AACB1}" type="datetimeFigureOut">
               <a:rPr lang="en-US" dirty="0"/>
-              <a:t>6/15/2022</a:t>
+              <a:t>6/16/2022</a:t>
             </a:fld>
             <a:endParaRPr lang="en-US" dirty="0"/>
           </a:p>
@@ -1991,7 +1998,7 @@
           <a:p>
             <a:fld id="{4509A250-FF31-4206-8172-F9D3106AACB1}" type="datetimeFigureOut">
               <a:rPr lang="en-US" dirty="0"/>
-              <a:t>6/15/2022</a:t>
+              <a:t>6/16/2022</a:t>
             </a:fld>
             <a:endParaRPr lang="en-US" dirty="0"/>
           </a:p>
@@ -2846,7 +2853,7 @@
           <a:p>
             <a:fld id="{4509A250-FF31-4206-8172-F9D3106AACB1}" type="datetimeFigureOut">
               <a:rPr lang="en-US" dirty="0"/>
-              <a:t>6/15/2022</a:t>
+              <a:t>6/16/2022</a:t>
             </a:fld>
             <a:endParaRPr lang="en-US" dirty="0"/>
           </a:p>
@@ -3011,7 +3018,7 @@
           <a:p>
             <a:fld id="{4509A250-FF31-4206-8172-F9D3106AACB1}" type="datetimeFigureOut">
               <a:rPr lang="en-US" dirty="0"/>
-              <a:t>6/15/2022</a:t>
+              <a:t>6/16/2022</a:t>
             </a:fld>
             <a:endParaRPr lang="en-US" dirty="0"/>
           </a:p>
@@ -3186,7 +3193,7 @@
           <a:p>
             <a:fld id="{4509A250-FF31-4206-8172-F9D3106AACB1}" type="datetimeFigureOut">
               <a:rPr lang="en-US" dirty="0"/>
-              <a:t>6/15/2022</a:t>
+              <a:t>6/16/2022</a:t>
             </a:fld>
             <a:endParaRPr lang="en-US" dirty="0"/>
           </a:p>
@@ -3351,7 +3358,7 @@
           <a:p>
             <a:fld id="{4509A250-FF31-4206-8172-F9D3106AACB1}" type="datetimeFigureOut">
               <a:rPr lang="en-US" dirty="0"/>
-              <a:t>6/15/2022</a:t>
+              <a:t>6/16/2022</a:t>
             </a:fld>
             <a:endParaRPr lang="en-US" dirty="0"/>
           </a:p>
@@ -3593,7 +3600,7 @@
           <a:p>
             <a:fld id="{9796027F-7875-4030-9381-8BD8C4F21935}" type="datetimeFigureOut">
               <a:rPr lang="en-US" dirty="0"/>
-              <a:t>6/15/2022</a:t>
+              <a:t>6/16/2022</a:t>
             </a:fld>
             <a:endParaRPr lang="en-US" dirty="0"/>
           </a:p>
@@ -3880,7 +3887,7 @@
           <a:p>
             <a:fld id="{9796027F-7875-4030-9381-8BD8C4F21935}" type="datetimeFigureOut">
               <a:rPr lang="en-US" dirty="0"/>
-              <a:t>6/15/2022</a:t>
+              <a:t>6/16/2022</a:t>
             </a:fld>
             <a:endParaRPr lang="en-US" dirty="0"/>
           </a:p>
@@ -4319,7 +4326,7 @@
           <a:p>
             <a:fld id="{9796027F-7875-4030-9381-8BD8C4F21935}" type="datetimeFigureOut">
               <a:rPr lang="en-US" dirty="0"/>
-              <a:t>6/15/2022</a:t>
+              <a:t>6/16/2022</a:t>
             </a:fld>
             <a:endParaRPr lang="en-US" dirty="0"/>
           </a:p>
@@ -4432,7 +4439,7 @@
           <a:p>
             <a:fld id="{4509A250-FF31-4206-8172-F9D3106AACB1}" type="datetimeFigureOut">
               <a:rPr lang="en-US" dirty="0"/>
-              <a:t>6/15/2022</a:t>
+              <a:t>6/16/2022</a:t>
             </a:fld>
             <a:endParaRPr lang="en-US" dirty="0"/>
           </a:p>
@@ -4522,7 +4529,7 @@
           <a:p>
             <a:fld id="{4509A250-FF31-4206-8172-F9D3106AACB1}" type="datetimeFigureOut">
               <a:rPr lang="en-US" dirty="0"/>
-              <a:t>6/15/2022</a:t>
+              <a:t>6/16/2022</a:t>
             </a:fld>
             <a:endParaRPr lang="en-US" dirty="0"/>
           </a:p>
@@ -4796,7 +4803,7 @@
           <a:p>
             <a:fld id="{4509A250-FF31-4206-8172-F9D3106AACB1}" type="datetimeFigureOut">
               <a:rPr lang="en-US" dirty="0"/>
-              <a:t>6/15/2022</a:t>
+              <a:t>6/16/2022</a:t>
             </a:fld>
             <a:endParaRPr lang="en-US" dirty="0"/>
           </a:p>
@@ -5066,7 +5073,7 @@
           <a:p>
             <a:fld id="{4509A250-FF31-4206-8172-F9D3106AACB1}" type="datetimeFigureOut">
               <a:rPr lang="en-US" dirty="0"/>
-              <a:t>6/15/2022</a:t>
+              <a:t>6/16/2022</a:t>
             </a:fld>
             <a:endParaRPr lang="en-US" dirty="0"/>
           </a:p>
@@ -5490,7 +5497,7 @@
           <a:p>
             <a:fld id="{4AAD347D-5ACD-4C99-B74B-A9C85AD731AF}" type="datetimeFigureOut">
               <a:rPr lang="en-US" dirty="0"/>
-              <a:t>6/15/2022</a:t>
+              <a:t>6/16/2022</a:t>
             </a:fld>
             <a:endParaRPr lang="en-US" dirty="0"/>
           </a:p>
@@ -6136,222 +6143,6 @@
           <p:cNvPr id="2" name="Titre 1">
             <a:extLst>
               <a:ext uri="{FF2B5EF4-FFF2-40B4-BE49-F238E27FC236}">
-                <a16:creationId xmlns:a16="http://schemas.microsoft.com/office/drawing/2014/main" id="{C57F6F50-8F88-F346-B6EC-3A5FD65E19B2}"/>
-              </a:ext>
-            </a:extLst>
-          </p:cNvPr>
-          <p:cNvSpPr>
-            <a:spLocks noGrp="1"/>
-          </p:cNvSpPr>
-          <p:nvPr>
-            <p:ph type="title"/>
-          </p:nvPr>
-        </p:nvSpPr>
-        <p:spPr/>
-        <p:txBody>
-          <a:bodyPr/>
-          <a:lstStyle/>
-          <a:p>
-            <a:r>
-              <a:rPr lang="fr-FR" dirty="0"/>
-              <a:t>Présentation d’une classe particulière</a:t>
-            </a:r>
-          </a:p>
-        </p:txBody>
-      </p:sp>
-      <p:sp>
-        <p:nvSpPr>
-          <p:cNvPr id="3" name="Espace réservé du contenu 2">
-            <a:extLst>
-              <a:ext uri="{FF2B5EF4-FFF2-40B4-BE49-F238E27FC236}">
-                <a16:creationId xmlns:a16="http://schemas.microsoft.com/office/drawing/2014/main" id="{CD25865A-C243-8D42-90CF-1969F224F1CA}"/>
-              </a:ext>
-            </a:extLst>
-          </p:cNvPr>
-          <p:cNvSpPr>
-            <a:spLocks noGrp="1"/>
-          </p:cNvSpPr>
-          <p:nvPr>
-            <p:ph idx="1"/>
-          </p:nvPr>
-        </p:nvSpPr>
-        <p:spPr>
-          <a:xfrm>
-            <a:off x="1103312" y="2052918"/>
-            <a:ext cx="8946541" cy="4352364"/>
-          </a:xfrm>
-        </p:spPr>
-        <p:txBody>
-          <a:bodyPr>
-            <a:normAutofit/>
-          </a:bodyPr>
-          <a:lstStyle/>
-          <a:p>
-            <a:r>
-              <a:rPr lang="fr-FR" dirty="0"/>
-              <a:t>La classe </a:t>
-            </a:r>
-            <a:r>
-              <a:rPr lang="fr-FR" dirty="0" err="1"/>
-              <a:t>Pacman</a:t>
-            </a:r>
-            <a:r>
-              <a:rPr lang="fr-FR" dirty="0"/>
-              <a:t> a 5 principaux attributs:</a:t>
-            </a:r>
-          </a:p>
-          <a:p>
-            <a:pPr lvl="1">
-              <a:buFont typeface="Arial" panose="020B0604020202020204" pitchFamily="34" charset="0"/>
-              <a:buChar char="•"/>
-            </a:pPr>
-            <a:r>
-              <a:rPr lang="fr-FR" dirty="0" err="1"/>
-              <a:t>game</a:t>
-            </a:r>
-            <a:r>
-              <a:rPr lang="fr-FR" dirty="0"/>
-              <a:t> lui permet de communiquer avec la classe Game qui contient les informations sur son environnement</a:t>
-            </a:r>
-          </a:p>
-          <a:p>
-            <a:pPr lvl="1">
-              <a:buFont typeface="Arial" panose="020B0604020202020204" pitchFamily="34" charset="0"/>
-              <a:buChar char="•"/>
-            </a:pPr>
-            <a:r>
-              <a:rPr lang="fr-FR" dirty="0"/>
-              <a:t>pos qui indique sa position actuelle</a:t>
-            </a:r>
-          </a:p>
-          <a:p>
-            <a:pPr lvl="1">
-              <a:buFont typeface="Arial" panose="020B0604020202020204" pitchFamily="34" charset="0"/>
-              <a:buChar char="•"/>
-            </a:pPr>
-            <a:r>
-              <a:rPr lang="fr-FR" dirty="0" err="1"/>
-              <a:t>aim</a:t>
-            </a:r>
-            <a:r>
-              <a:rPr lang="fr-FR" dirty="0"/>
-              <a:t> qui est la direction dans laquelle il va</a:t>
-            </a:r>
-          </a:p>
-          <a:p>
-            <a:pPr lvl="1">
-              <a:buFont typeface="Arial" panose="020B0604020202020204" pitchFamily="34" charset="0"/>
-              <a:buChar char="•"/>
-            </a:pPr>
-            <a:r>
-              <a:rPr lang="fr-FR" dirty="0"/>
-              <a:t>direction qui sauvegarde la direction souhaitée par le joueur</a:t>
-            </a:r>
-          </a:p>
-          <a:p>
-            <a:pPr lvl="1">
-              <a:buFont typeface="Arial" panose="020B0604020202020204" pitchFamily="34" charset="0"/>
-              <a:buChar char="•"/>
-            </a:pPr>
-            <a:r>
-              <a:rPr lang="fr-FR" dirty="0" err="1"/>
-              <a:t>isdead</a:t>
-            </a:r>
-            <a:r>
-              <a:rPr lang="fr-FR" dirty="0"/>
-              <a:t> qui permet de savoir si </a:t>
-            </a:r>
-            <a:r>
-              <a:rPr lang="fr-FR" dirty="0" err="1"/>
-              <a:t>Pacman</a:t>
-            </a:r>
-            <a:r>
-              <a:rPr lang="fr-FR" dirty="0"/>
-              <a:t> est vivant</a:t>
-            </a:r>
-          </a:p>
-          <a:p>
-            <a:r>
-              <a:rPr lang="fr-FR" dirty="0"/>
-              <a:t>Ses méthodes principales sont:</a:t>
-            </a:r>
-          </a:p>
-          <a:p>
-            <a:pPr lvl="1">
-              <a:buFont typeface="Arial" panose="020B0604020202020204" pitchFamily="34" charset="0"/>
-              <a:buChar char="•"/>
-            </a:pPr>
-            <a:r>
-              <a:rPr lang="fr-FR" dirty="0"/>
-              <a:t>move qui gère ses déplacements et ramasse les points</a:t>
-            </a:r>
-          </a:p>
-          <a:p>
-            <a:pPr lvl="1">
-              <a:buFont typeface="Arial" panose="020B0604020202020204" pitchFamily="34" charset="0"/>
-              <a:buChar char="•"/>
-            </a:pPr>
-            <a:r>
-              <a:rPr lang="fr-FR" dirty="0"/>
-              <a:t>change qui sauvegarde la direction souhaitée par le joueur</a:t>
-            </a:r>
-          </a:p>
-          <a:p>
-            <a:pPr lvl="1">
-              <a:buFont typeface="Arial" panose="020B0604020202020204" pitchFamily="34" charset="0"/>
-              <a:buChar char="•"/>
-            </a:pPr>
-            <a:r>
-              <a:rPr lang="fr-FR" dirty="0" err="1"/>
-              <a:t>draw</a:t>
-            </a:r>
-            <a:r>
-              <a:rPr lang="fr-FR" dirty="0"/>
-              <a:t> qui dessine </a:t>
-            </a:r>
-            <a:r>
-              <a:rPr lang="fr-FR" dirty="0" err="1"/>
-              <a:t>Pacman</a:t>
-            </a:r>
-            <a:endParaRPr lang="fr-FR" dirty="0"/>
-          </a:p>
-        </p:txBody>
-      </p:sp>
-    </p:spTree>
-    <p:extLst>
-      <p:ext uri="{BB962C8B-B14F-4D97-AF65-F5344CB8AC3E}">
-        <p14:creationId xmlns:p14="http://schemas.microsoft.com/office/powerpoint/2010/main" val="1663955597"/>
-      </p:ext>
-    </p:extLst>
-  </p:cSld>
-  <p:clrMapOvr>
-    <a:masterClrMapping/>
-  </p:clrMapOvr>
-</p:sld>
-</file>
-
-<file path=ppt/slides/slide11.xml><?xml version="1.0" encoding="utf-8"?>
-<p:sld xmlns:a="http://schemas.openxmlformats.org/drawingml/2006/main" xmlns:r="http://schemas.openxmlformats.org/officeDocument/2006/relationships" xmlns:p="http://schemas.openxmlformats.org/presentationml/2006/main">
-  <p:cSld>
-    <p:spTree>
-      <p:nvGrpSpPr>
-        <p:cNvPr id="1" name=""/>
-        <p:cNvGrpSpPr/>
-        <p:nvPr/>
-      </p:nvGrpSpPr>
-      <p:grpSpPr>
-        <a:xfrm>
-          <a:off x="0" y="0"/>
-          <a:ext cx="0" cy="0"/>
-          <a:chOff x="0" y="0"/>
-          <a:chExt cx="0" cy="0"/>
-        </a:xfrm>
-      </p:grpSpPr>
-      <p:sp>
-        <p:nvSpPr>
-          <p:cNvPr id="2" name="Titre 1">
-            <a:extLst>
-              <a:ext uri="{FF2B5EF4-FFF2-40B4-BE49-F238E27FC236}">
                 <a16:creationId xmlns:a16="http://schemas.microsoft.com/office/drawing/2014/main" id="{30AACA97-7C24-A94E-954E-847F444DF06E}"/>
               </a:ext>
             </a:extLst>
@@ -6758,7 +6549,7 @@
 </p:sld>
 </file>
 
-<file path=ppt/slides/slide12.xml><?xml version="1.0" encoding="utf-8"?>
+<file path=ppt/slides/slide11.xml><?xml version="1.0" encoding="utf-8"?>
 <p:sld xmlns:a="http://schemas.openxmlformats.org/drawingml/2006/main" xmlns:r="http://schemas.openxmlformats.org/officeDocument/2006/relationships" xmlns:p="http://schemas.openxmlformats.org/presentationml/2006/main">
   <p:cSld>
     <p:spTree>
@@ -6821,8 +6612,8 @@
         </p:nvSpPr>
         <p:spPr>
           <a:xfrm>
-            <a:off x="1104293" y="4916786"/>
-            <a:ext cx="8946541" cy="1207789"/>
+            <a:off x="1103311" y="5546190"/>
+            <a:ext cx="8201556" cy="1207789"/>
           </a:xfrm>
         </p:spPr>
         <p:txBody>
@@ -6831,13 +6622,8 @@
           <a:p>
             <a:r>
               <a:rPr lang="fr-FR" dirty="0"/>
-              <a:t>La classe Button a été composée car cela permet de facilement avoir plusieurs boutons avec des tailles, des textes et des </a:t>
-            </a:r>
-            <a:r>
-              <a:rPr lang="fr-FR"/>
-              <a:t>couleurs différentes</a:t>
-            </a:r>
-            <a:endParaRPr lang="fr-FR" dirty="0"/>
+              <a:t>La classe Button a été composée car cela permet de facilement avoir plusieurs boutons avec des tailles, des textes et des couleurs différentes</a:t>
+            </a:r>
           </a:p>
         </p:txBody>
       </p:sp>
@@ -6864,7 +6650,7 @@
         <p:spPr>
           <a:xfrm>
             <a:off x="1103311" y="1202849"/>
-            <a:ext cx="6945313" cy="3554229"/>
+            <a:ext cx="8201556" cy="4197105"/>
           </a:xfrm>
           <a:prstGeom prst="rect">
             <a:avLst/>
@@ -6875,6 +6661,163 @@
     <p:extLst>
       <p:ext uri="{BB962C8B-B14F-4D97-AF65-F5344CB8AC3E}">
         <p14:creationId xmlns:p14="http://schemas.microsoft.com/office/powerpoint/2010/main" val="3955767381"/>
+      </p:ext>
+    </p:extLst>
+  </p:cSld>
+  <p:clrMapOvr>
+    <a:masterClrMapping/>
+  </p:clrMapOvr>
+</p:sld>
+</file>
+
+<file path=ppt/slides/slide12.xml><?xml version="1.0" encoding="utf-8"?>
+<p:sld xmlns:a="http://schemas.openxmlformats.org/drawingml/2006/main" xmlns:r="http://schemas.openxmlformats.org/officeDocument/2006/relationships" xmlns:p="http://schemas.openxmlformats.org/presentationml/2006/main">
+  <p:cSld>
+    <p:spTree>
+      <p:nvGrpSpPr>
+        <p:cNvPr id="1" name=""/>
+        <p:cNvGrpSpPr/>
+        <p:nvPr/>
+      </p:nvGrpSpPr>
+      <p:grpSpPr>
+        <a:xfrm>
+          <a:off x="0" y="0"/>
+          <a:ext cx="0" cy="0"/>
+          <a:chOff x="0" y="0"/>
+          <a:chExt cx="0" cy="0"/>
+        </a:xfrm>
+      </p:grpSpPr>
+      <p:sp>
+        <p:nvSpPr>
+          <p:cNvPr id="2" name="Titre 1">
+            <a:extLst>
+              <a:ext uri="{FF2B5EF4-FFF2-40B4-BE49-F238E27FC236}">
+                <a16:creationId xmlns:a16="http://schemas.microsoft.com/office/drawing/2014/main" id="{89C0407D-0032-DB41-9AA3-FF21B4E22976}"/>
+              </a:ext>
+            </a:extLst>
+          </p:cNvPr>
+          <p:cNvSpPr>
+            <a:spLocks noGrp="1"/>
+          </p:cNvSpPr>
+          <p:nvPr>
+            <p:ph type="title"/>
+          </p:nvPr>
+        </p:nvSpPr>
+        <p:spPr/>
+        <p:txBody>
+          <a:bodyPr/>
+          <a:lstStyle/>
+          <a:p>
+            <a:r>
+              <a:rPr lang="fr-FR" dirty="0"/>
+              <a:t>Initialisation</a:t>
+            </a:r>
+          </a:p>
+        </p:txBody>
+      </p:sp>
+      <p:sp>
+        <p:nvSpPr>
+          <p:cNvPr id="3" name="Espace réservé du contenu 2">
+            <a:extLst>
+              <a:ext uri="{FF2B5EF4-FFF2-40B4-BE49-F238E27FC236}">
+                <a16:creationId xmlns:a16="http://schemas.microsoft.com/office/drawing/2014/main" id="{E2D04534-56C5-6449-A0BC-5BA92625F5A2}"/>
+              </a:ext>
+            </a:extLst>
+          </p:cNvPr>
+          <p:cNvSpPr>
+            <a:spLocks noGrp="1"/>
+          </p:cNvSpPr>
+          <p:nvPr>
+            <p:ph idx="1"/>
+          </p:nvPr>
+        </p:nvSpPr>
+        <p:spPr>
+          <a:xfrm>
+            <a:off x="646111" y="1654985"/>
+            <a:ext cx="8946541" cy="4195481"/>
+          </a:xfrm>
+        </p:spPr>
+        <p:txBody>
+          <a:bodyPr/>
+          <a:lstStyle/>
+          <a:p>
+            <a:r>
+              <a:rPr lang="fr-FR" dirty="0"/>
+              <a:t>L’initialisation permet d’ajouter des informations à traiter dès la création de la classe</a:t>
+            </a:r>
+          </a:p>
+          <a:p>
+            <a:r>
+              <a:rPr lang="fr-FR" dirty="0"/>
+              <a:t>Il n’y a aucune variable globale </a:t>
+            </a:r>
+          </a:p>
+          <a:p>
+            <a:r>
+              <a:rPr lang="fr-FR" dirty="0"/>
+              <a:t>La classe Game contient</a:t>
+            </a:r>
+            <a:br>
+              <a:rPr lang="fr-FR" dirty="0"/>
+            </a:br>
+            <a:r>
+              <a:rPr lang="fr-FR" dirty="0"/>
+              <a:t>les variables nécessaires</a:t>
+            </a:r>
+            <a:br>
+              <a:rPr lang="fr-FR" dirty="0"/>
+            </a:br>
+            <a:r>
+              <a:rPr lang="fr-FR" dirty="0"/>
+              <a:t>pour communiquer avec</a:t>
+            </a:r>
+            <a:br>
+              <a:rPr lang="fr-FR" dirty="0"/>
+            </a:br>
+            <a:r>
+              <a:rPr lang="fr-FR" dirty="0"/>
+              <a:t>les autres classes</a:t>
+            </a:r>
+          </a:p>
+          <a:p>
+            <a:endParaRPr lang="fr-FR" dirty="0"/>
+          </a:p>
+        </p:txBody>
+      </p:sp>
+      <p:pic>
+        <p:nvPicPr>
+          <p:cNvPr id="5" name="Image 4">
+            <a:extLst>
+              <a:ext uri="{FF2B5EF4-FFF2-40B4-BE49-F238E27FC236}">
+                <a16:creationId xmlns:a16="http://schemas.microsoft.com/office/drawing/2014/main" id="{E8C62E11-F1E6-3707-CC7B-6E57381F11F8}"/>
+              </a:ext>
+            </a:extLst>
+          </p:cNvPr>
+          <p:cNvPicPr>
+            <a:picLocks noChangeAspect="1"/>
+          </p:cNvPicPr>
+          <p:nvPr/>
+        </p:nvPicPr>
+        <p:blipFill>
+          <a:blip r:embed="rId2"/>
+          <a:stretch>
+            <a:fillRect/>
+          </a:stretch>
+        </p:blipFill>
+        <p:spPr>
+          <a:xfrm>
+            <a:off x="4591731" y="2895131"/>
+            <a:ext cx="6496957" cy="3353268"/>
+          </a:xfrm>
+          <a:prstGeom prst="rect">
+            <a:avLst/>
+          </a:prstGeom>
+        </p:spPr>
+      </p:pic>
+    </p:spTree>
+    <p:extLst>
+      <p:ext uri="{BB962C8B-B14F-4D97-AF65-F5344CB8AC3E}">
+        <p14:creationId xmlns:p14="http://schemas.microsoft.com/office/powerpoint/2010/main" val="1941791921"/>
       </p:ext>
     </p:extLst>
   </p:cSld>
@@ -6924,7 +6867,15 @@
           <a:p>
             <a:r>
               <a:rPr lang="fr-FR" dirty="0"/>
-              <a:t>Initialisation</a:t>
+              <a:t>Déclencher – </a:t>
+            </a:r>
+            <a:r>
+              <a:rPr lang="fr-FR" dirty="0" err="1"/>
+              <a:t>onkey</a:t>
+            </a:r>
+            <a:r>
+              <a:rPr lang="fr-FR" dirty="0"/>
+              <a:t>()</a:t>
             </a:r>
           </a:p>
         </p:txBody>
@@ -6945,43 +6896,885 @@
             <p:ph idx="1"/>
           </p:nvPr>
         </p:nvSpPr>
-        <p:spPr/>
+        <p:spPr>
+          <a:xfrm>
+            <a:off x="646111" y="1654985"/>
+            <a:ext cx="8946541" cy="4195481"/>
+          </a:xfrm>
+        </p:spPr>
         <p:txBody>
           <a:bodyPr/>
           <a:lstStyle/>
           <a:p>
             <a:r>
               <a:rPr lang="fr-FR" dirty="0"/>
-              <a:t>Montrer quelques lignes de code d’initialisation</a:t>
-            </a:r>
-          </a:p>
-          <a:p>
-            <a:r>
-              <a:rPr lang="fr-FR" dirty="0"/>
-              <a:t>Pourquoi c’est nécessaire</a:t>
-            </a:r>
-          </a:p>
-          <a:p>
-            <a:r>
-              <a:rPr lang="fr-FR" dirty="0"/>
-              <a:t>Utilisez-vous des variables globaux ?</a:t>
-            </a:r>
-          </a:p>
-          <a:p>
-            <a:r>
-              <a:rPr lang="fr-FR"/>
-              <a:t>Lesquelles ?</a:t>
-            </a:r>
-          </a:p>
-          <a:p>
-            <a:endParaRPr lang="fr-FR"/>
+              <a:t>Les flèches du clavier permettent de déplacer </a:t>
+            </a:r>
+            <a:r>
+              <a:rPr lang="fr-FR" dirty="0" err="1"/>
+              <a:t>Pacman</a:t>
+            </a:r>
+            <a:endParaRPr lang="fr-FR" dirty="0"/>
+          </a:p>
+          <a:p>
+            <a:r>
+              <a:rPr lang="fr-FR" dirty="0"/>
+              <a:t>Les fonctions de rappel garde en mémoire la direction choisie pour l’appliquer dès que possible</a:t>
+            </a:r>
+          </a:p>
+          <a:p>
+            <a:endParaRPr lang="fr-FR" dirty="0"/>
           </a:p>
         </p:txBody>
       </p:sp>
     </p:spTree>
     <p:extLst>
       <p:ext uri="{BB962C8B-B14F-4D97-AF65-F5344CB8AC3E}">
-        <p14:creationId xmlns:p14="http://schemas.microsoft.com/office/powerpoint/2010/main" val="1941791921"/>
+        <p14:creationId xmlns:p14="http://schemas.microsoft.com/office/powerpoint/2010/main" val="4137924787"/>
+      </p:ext>
+    </p:extLst>
+  </p:cSld>
+  <p:clrMapOvr>
+    <a:masterClrMapping/>
+  </p:clrMapOvr>
+</p:sld>
+</file>
+
+<file path=ppt/slides/slide14.xml><?xml version="1.0" encoding="utf-8"?>
+<p:sld xmlns:a="http://schemas.openxmlformats.org/drawingml/2006/main" xmlns:r="http://schemas.openxmlformats.org/officeDocument/2006/relationships" xmlns:p="http://schemas.openxmlformats.org/presentationml/2006/main">
+  <p:cSld>
+    <p:spTree>
+      <p:nvGrpSpPr>
+        <p:cNvPr id="1" name=""/>
+        <p:cNvGrpSpPr/>
+        <p:nvPr/>
+      </p:nvGrpSpPr>
+      <p:grpSpPr>
+        <a:xfrm>
+          <a:off x="0" y="0"/>
+          <a:ext cx="0" cy="0"/>
+          <a:chOff x="0" y="0"/>
+          <a:chExt cx="0" cy="0"/>
+        </a:xfrm>
+      </p:grpSpPr>
+      <p:sp>
+        <p:nvSpPr>
+          <p:cNvPr id="2" name="Titre 1">
+            <a:extLst>
+              <a:ext uri="{FF2B5EF4-FFF2-40B4-BE49-F238E27FC236}">
+                <a16:creationId xmlns:a16="http://schemas.microsoft.com/office/drawing/2014/main" id="{89C0407D-0032-DB41-9AA3-FF21B4E22976}"/>
+              </a:ext>
+            </a:extLst>
+          </p:cNvPr>
+          <p:cNvSpPr>
+            <a:spLocks noGrp="1"/>
+          </p:cNvSpPr>
+          <p:nvPr>
+            <p:ph type="title"/>
+          </p:nvPr>
+        </p:nvSpPr>
+        <p:spPr/>
+        <p:txBody>
+          <a:bodyPr/>
+          <a:lstStyle/>
+          <a:p>
+            <a:r>
+              <a:rPr lang="fr-FR" dirty="0"/>
+              <a:t>Cliquer – </a:t>
+            </a:r>
+            <a:r>
+              <a:rPr lang="fr-FR" dirty="0" err="1"/>
+              <a:t>onclick</a:t>
+            </a:r>
+            <a:r>
+              <a:rPr lang="fr-FR" dirty="0"/>
+              <a:t>()</a:t>
+            </a:r>
+          </a:p>
+        </p:txBody>
+      </p:sp>
+      <p:sp>
+        <p:nvSpPr>
+          <p:cNvPr id="3" name="Espace réservé du contenu 2">
+            <a:extLst>
+              <a:ext uri="{FF2B5EF4-FFF2-40B4-BE49-F238E27FC236}">
+                <a16:creationId xmlns:a16="http://schemas.microsoft.com/office/drawing/2014/main" id="{E2D04534-56C5-6449-A0BC-5BA92625F5A2}"/>
+              </a:ext>
+            </a:extLst>
+          </p:cNvPr>
+          <p:cNvSpPr>
+            <a:spLocks noGrp="1"/>
+          </p:cNvSpPr>
+          <p:nvPr>
+            <p:ph idx="1"/>
+          </p:nvPr>
+        </p:nvSpPr>
+        <p:spPr>
+          <a:xfrm>
+            <a:off x="646111" y="1654985"/>
+            <a:ext cx="8946541" cy="4195481"/>
+          </a:xfrm>
+        </p:spPr>
+        <p:txBody>
+          <a:bodyPr/>
+          <a:lstStyle/>
+          <a:p>
+            <a:r>
+              <a:rPr lang="fr-FR" dirty="0"/>
+              <a:t>Des boutons sont disposés sur l’écran et sont sensibles aux clicks de souris</a:t>
+            </a:r>
+          </a:p>
+          <a:p>
+            <a:r>
+              <a:rPr lang="fr-FR" dirty="0"/>
+              <a:t>Les fonctions de rappel comparent la position du click et celles des boutons</a:t>
+            </a:r>
+          </a:p>
+          <a:p>
+            <a:pPr lvl="1">
+              <a:buFont typeface="Arial" panose="020B0604020202020204" pitchFamily="34" charset="0"/>
+              <a:buChar char="•"/>
+            </a:pPr>
+            <a:r>
+              <a:rPr lang="fr-FR" dirty="0"/>
+              <a:t>Si le click se trouve dans le bouton quitter, le jeu se ferme</a:t>
+            </a:r>
+          </a:p>
+          <a:p>
+            <a:pPr lvl="1">
+              <a:buFont typeface="Arial" panose="020B0604020202020204" pitchFamily="34" charset="0"/>
+              <a:buChar char="•"/>
+            </a:pPr>
+            <a:r>
+              <a:rPr lang="fr-FR" dirty="0"/>
+              <a:t>S’il se trouve dans le bouton </a:t>
+            </a:r>
+            <a:r>
+              <a:rPr lang="fr-FR" dirty="0" err="1"/>
+              <a:t>retry</a:t>
+            </a:r>
+            <a:r>
+              <a:rPr lang="fr-FR" dirty="0"/>
+              <a:t>, le jeu redémarre</a:t>
+            </a:r>
+          </a:p>
+        </p:txBody>
+      </p:sp>
+    </p:spTree>
+    <p:extLst>
+      <p:ext uri="{BB962C8B-B14F-4D97-AF65-F5344CB8AC3E}">
+        <p14:creationId xmlns:p14="http://schemas.microsoft.com/office/powerpoint/2010/main" val="3522066392"/>
+      </p:ext>
+    </p:extLst>
+  </p:cSld>
+  <p:clrMapOvr>
+    <a:masterClrMapping/>
+  </p:clrMapOvr>
+</p:sld>
+</file>
+
+<file path=ppt/slides/slide15.xml><?xml version="1.0" encoding="utf-8"?>
+<p:sld xmlns:a="http://schemas.openxmlformats.org/drawingml/2006/main" xmlns:r="http://schemas.openxmlformats.org/officeDocument/2006/relationships" xmlns:p="http://schemas.openxmlformats.org/presentationml/2006/main">
+  <p:cSld>
+    <p:spTree>
+      <p:nvGrpSpPr>
+        <p:cNvPr id="1" name=""/>
+        <p:cNvGrpSpPr/>
+        <p:nvPr/>
+      </p:nvGrpSpPr>
+      <p:grpSpPr>
+        <a:xfrm>
+          <a:off x="0" y="0"/>
+          <a:ext cx="0" cy="0"/>
+          <a:chOff x="0" y="0"/>
+          <a:chExt cx="0" cy="0"/>
+        </a:xfrm>
+      </p:grpSpPr>
+      <p:sp>
+        <p:nvSpPr>
+          <p:cNvPr id="2" name="Titre 1">
+            <a:extLst>
+              <a:ext uri="{FF2B5EF4-FFF2-40B4-BE49-F238E27FC236}">
+                <a16:creationId xmlns:a16="http://schemas.microsoft.com/office/drawing/2014/main" id="{89C0407D-0032-DB41-9AA3-FF21B4E22976}"/>
+              </a:ext>
+            </a:extLst>
+          </p:cNvPr>
+          <p:cNvSpPr>
+            <a:spLocks noGrp="1"/>
+          </p:cNvSpPr>
+          <p:nvPr>
+            <p:ph type="title"/>
+          </p:nvPr>
+        </p:nvSpPr>
+        <p:spPr/>
+        <p:txBody>
+          <a:bodyPr/>
+          <a:lstStyle/>
+          <a:p>
+            <a:r>
+              <a:rPr lang="fr-FR" dirty="0"/>
+              <a:t>interrompre – </a:t>
+            </a:r>
+            <a:r>
+              <a:rPr lang="fr-FR" dirty="0" err="1"/>
+              <a:t>ontimer</a:t>
+            </a:r>
+            <a:r>
+              <a:rPr lang="fr-FR" dirty="0"/>
+              <a:t>()</a:t>
+            </a:r>
+          </a:p>
+        </p:txBody>
+      </p:sp>
+      <p:sp>
+        <p:nvSpPr>
+          <p:cNvPr id="3" name="Espace réservé du contenu 2">
+            <a:extLst>
+              <a:ext uri="{FF2B5EF4-FFF2-40B4-BE49-F238E27FC236}">
+                <a16:creationId xmlns:a16="http://schemas.microsoft.com/office/drawing/2014/main" id="{E2D04534-56C5-6449-A0BC-5BA92625F5A2}"/>
+              </a:ext>
+            </a:extLst>
+          </p:cNvPr>
+          <p:cNvSpPr>
+            <a:spLocks noGrp="1"/>
+          </p:cNvSpPr>
+          <p:nvPr>
+            <p:ph idx="1"/>
+          </p:nvPr>
+        </p:nvSpPr>
+        <p:spPr>
+          <a:xfrm>
+            <a:off x="646111" y="1654985"/>
+            <a:ext cx="8946541" cy="4195481"/>
+          </a:xfrm>
+        </p:spPr>
+        <p:txBody>
+          <a:bodyPr/>
+          <a:lstStyle/>
+          <a:p>
+            <a:r>
+              <a:rPr lang="fr-FR" dirty="0"/>
+              <a:t>Tous les déplacements et vérifications des collisions interviennent à chaque seconde</a:t>
+            </a:r>
+          </a:p>
+          <a:p>
+            <a:r>
+              <a:rPr lang="fr-FR" dirty="0"/>
+              <a:t>La fonction de rappel</a:t>
+            </a:r>
+          </a:p>
+          <a:p>
+            <a:pPr lvl="1">
+              <a:buFont typeface="Arial" panose="020B0604020202020204" pitchFamily="34" charset="0"/>
+              <a:buChar char="•"/>
+            </a:pPr>
+            <a:r>
+              <a:rPr lang="fr-FR" dirty="0"/>
+              <a:t>déplace tous les personnages</a:t>
+            </a:r>
+          </a:p>
+          <a:p>
+            <a:pPr lvl="1">
+              <a:buFont typeface="Arial" panose="020B0604020202020204" pitchFamily="34" charset="0"/>
+              <a:buChar char="•"/>
+            </a:pPr>
+            <a:r>
+              <a:rPr lang="fr-FR" dirty="0"/>
+              <a:t>vérifie si </a:t>
+            </a:r>
+            <a:r>
+              <a:rPr lang="fr-FR" dirty="0" err="1"/>
+              <a:t>Pacman</a:t>
+            </a:r>
+            <a:r>
+              <a:rPr lang="fr-FR" dirty="0"/>
+              <a:t> est mort</a:t>
+            </a:r>
+          </a:p>
+          <a:p>
+            <a:pPr lvl="1">
+              <a:buFont typeface="Arial" panose="020B0604020202020204" pitchFamily="34" charset="0"/>
+              <a:buChar char="•"/>
+            </a:pPr>
+            <a:r>
+              <a:rPr lang="fr-FR" dirty="0"/>
+              <a:t>affiche le bouton pour relancer une partie si c’est le cas ou relance un nouveau </a:t>
+            </a:r>
+            <a:r>
+              <a:rPr lang="fr-FR" dirty="0" err="1"/>
+              <a:t>timer</a:t>
+            </a:r>
+            <a:r>
+              <a:rPr lang="fr-FR" dirty="0"/>
+              <a:t> d’une seconde dans le cas contraire</a:t>
+            </a:r>
+          </a:p>
+        </p:txBody>
+      </p:sp>
+    </p:spTree>
+    <p:extLst>
+      <p:ext uri="{BB962C8B-B14F-4D97-AF65-F5344CB8AC3E}">
+        <p14:creationId xmlns:p14="http://schemas.microsoft.com/office/powerpoint/2010/main" val="1132641935"/>
+      </p:ext>
+    </p:extLst>
+  </p:cSld>
+  <p:clrMapOvr>
+    <a:masterClrMapping/>
+  </p:clrMapOvr>
+</p:sld>
+</file>
+
+<file path=ppt/slides/slide16.xml><?xml version="1.0" encoding="utf-8"?>
+<p:sld xmlns:a="http://schemas.openxmlformats.org/drawingml/2006/main" xmlns:r="http://schemas.openxmlformats.org/officeDocument/2006/relationships" xmlns:p="http://schemas.openxmlformats.org/presentationml/2006/main">
+  <p:cSld>
+    <p:spTree>
+      <p:nvGrpSpPr>
+        <p:cNvPr id="1" name=""/>
+        <p:cNvGrpSpPr/>
+        <p:nvPr/>
+      </p:nvGrpSpPr>
+      <p:grpSpPr>
+        <a:xfrm>
+          <a:off x="0" y="0"/>
+          <a:ext cx="0" cy="0"/>
+          <a:chOff x="0" y="0"/>
+          <a:chExt cx="0" cy="0"/>
+        </a:xfrm>
+      </p:grpSpPr>
+      <p:sp>
+        <p:nvSpPr>
+          <p:cNvPr id="2" name="Titre 1">
+            <a:extLst>
+              <a:ext uri="{FF2B5EF4-FFF2-40B4-BE49-F238E27FC236}">
+                <a16:creationId xmlns:a16="http://schemas.microsoft.com/office/drawing/2014/main" id="{89C0407D-0032-DB41-9AA3-FF21B4E22976}"/>
+              </a:ext>
+            </a:extLst>
+          </p:cNvPr>
+          <p:cNvSpPr>
+            <a:spLocks noGrp="1"/>
+          </p:cNvSpPr>
+          <p:nvPr>
+            <p:ph type="title"/>
+          </p:nvPr>
+        </p:nvSpPr>
+        <p:spPr/>
+        <p:txBody>
+          <a:bodyPr/>
+          <a:lstStyle/>
+          <a:p>
+            <a:r>
+              <a:rPr lang="fr-FR" dirty="0"/>
+              <a:t>Déplacement - collision</a:t>
+            </a:r>
+          </a:p>
+        </p:txBody>
+      </p:sp>
+      <p:sp>
+        <p:nvSpPr>
+          <p:cNvPr id="3" name="Espace réservé du contenu 2">
+            <a:extLst>
+              <a:ext uri="{FF2B5EF4-FFF2-40B4-BE49-F238E27FC236}">
+                <a16:creationId xmlns:a16="http://schemas.microsoft.com/office/drawing/2014/main" id="{E2D04534-56C5-6449-A0BC-5BA92625F5A2}"/>
+              </a:ext>
+            </a:extLst>
+          </p:cNvPr>
+          <p:cNvSpPr>
+            <a:spLocks noGrp="1"/>
+          </p:cNvSpPr>
+          <p:nvPr>
+            <p:ph idx="1"/>
+          </p:nvPr>
+        </p:nvSpPr>
+        <p:spPr>
+          <a:xfrm>
+            <a:off x="646111" y="1654985"/>
+            <a:ext cx="8946541" cy="4441015"/>
+          </a:xfrm>
+        </p:spPr>
+        <p:txBody>
+          <a:bodyPr>
+            <a:normAutofit fontScale="85000" lnSpcReduction="20000"/>
+          </a:bodyPr>
+          <a:lstStyle/>
+          <a:p>
+            <a:r>
+              <a:rPr lang="fr-FR" dirty="0" err="1"/>
+              <a:t>Pacman</a:t>
+            </a:r>
+            <a:r>
+              <a:rPr lang="fr-FR" dirty="0"/>
+              <a:t> et les fantômes se déplacent</a:t>
+            </a:r>
+          </a:p>
+          <a:p>
+            <a:r>
+              <a:rPr lang="fr-FR" dirty="0"/>
+              <a:t>Le module </a:t>
+            </a:r>
+            <a:r>
+              <a:rPr lang="fr-FR" dirty="0" err="1"/>
+              <a:t>freegames</a:t>
+            </a:r>
+            <a:r>
+              <a:rPr lang="fr-FR" dirty="0"/>
+              <a:t> nous permet d’avoir des vecteurs (x, y)</a:t>
+            </a:r>
+          </a:p>
+          <a:p>
+            <a:pPr lvl="1">
+              <a:buFont typeface="Arial" panose="020B0604020202020204" pitchFamily="34" charset="0"/>
+              <a:buChar char="•"/>
+            </a:pPr>
+            <a:r>
+              <a:rPr lang="fr-FR" dirty="0"/>
+              <a:t>Pour déplacer un personnage, on prend sa position et on ajoute un vecteur dans la direction souhaitée à chaque coup de </a:t>
+            </a:r>
+            <a:r>
+              <a:rPr lang="fr-FR" dirty="0" err="1"/>
+              <a:t>timer</a:t>
+            </a:r>
+            <a:endParaRPr lang="fr-FR" dirty="0"/>
+          </a:p>
+          <a:p>
+            <a:r>
+              <a:rPr lang="fr-FR" dirty="0"/>
+              <a:t>Pour vérifier les collisions entre </a:t>
+            </a:r>
+            <a:r>
+              <a:rPr lang="fr-FR" dirty="0" err="1"/>
+              <a:t>Pacman</a:t>
+            </a:r>
+            <a:r>
+              <a:rPr lang="fr-FR" dirty="0"/>
+              <a:t> et les points</a:t>
+            </a:r>
+          </a:p>
+          <a:p>
+            <a:pPr lvl="1">
+              <a:buFont typeface="Arial" panose="020B0604020202020204" pitchFamily="34" charset="0"/>
+              <a:buChar char="•"/>
+            </a:pPr>
+            <a:r>
+              <a:rPr lang="fr-FR" dirty="0"/>
+              <a:t>on récupère la position du centre du carré de la grille dans laquelle </a:t>
+            </a:r>
+            <a:r>
+              <a:rPr lang="fr-FR" dirty="0" err="1"/>
+              <a:t>Pacman</a:t>
+            </a:r>
+            <a:r>
+              <a:rPr lang="fr-FR" dirty="0"/>
+              <a:t> se trouve</a:t>
+            </a:r>
+          </a:p>
+          <a:p>
+            <a:pPr lvl="1">
+              <a:buFont typeface="Arial" panose="020B0604020202020204" pitchFamily="34" charset="0"/>
+              <a:buChar char="•"/>
+            </a:pPr>
+            <a:r>
+              <a:rPr lang="fr-FR" dirty="0"/>
+              <a:t>on vérifie si la distance est plus petite que la taille du point</a:t>
+            </a:r>
+          </a:p>
+          <a:p>
+            <a:r>
+              <a:rPr lang="fr-FR" dirty="0"/>
+              <a:t>Pour les fantômes</a:t>
+            </a:r>
+          </a:p>
+          <a:p>
+            <a:pPr lvl="1">
+              <a:buFont typeface="Arial" panose="020B0604020202020204" pitchFamily="34" charset="0"/>
+              <a:buChar char="•"/>
+            </a:pPr>
+            <a:r>
+              <a:rPr lang="fr-FR" dirty="0"/>
+              <a:t>On connaît déjà leurs positions</a:t>
+            </a:r>
+          </a:p>
+          <a:p>
+            <a:pPr lvl="1">
+              <a:buFont typeface="Arial" panose="020B0604020202020204" pitchFamily="34" charset="0"/>
+              <a:buChar char="•"/>
+            </a:pPr>
+            <a:r>
+              <a:rPr lang="fr-FR" dirty="0"/>
+              <a:t>On vérifie si l’un des quatre fantômes est à une distance égale à sa taille de </a:t>
+            </a:r>
+            <a:r>
+              <a:rPr lang="fr-FR" dirty="0" err="1"/>
+              <a:t>Pacman</a:t>
+            </a:r>
+            <a:endParaRPr lang="fr-FR" dirty="0"/>
+          </a:p>
+          <a:p>
+            <a:r>
+              <a:rPr lang="fr-FR" dirty="0"/>
+              <a:t>Pour les murs</a:t>
+            </a:r>
+          </a:p>
+          <a:p>
+            <a:pPr lvl="1">
+              <a:buFont typeface="Arial" panose="020B0604020202020204" pitchFamily="34" charset="0"/>
+              <a:buChar char="•"/>
+            </a:pPr>
+            <a:r>
+              <a:rPr lang="fr-FR" dirty="0"/>
+              <a:t>Prévision du mouvement</a:t>
+            </a:r>
+          </a:p>
+          <a:p>
+            <a:pPr lvl="1">
+              <a:buFont typeface="Arial" panose="020B0604020202020204" pitchFamily="34" charset="0"/>
+              <a:buChar char="•"/>
+            </a:pPr>
+            <a:r>
+              <a:rPr lang="fr-FR" dirty="0"/>
+              <a:t>Si la position d’un des quatre coins de l’acteur est dans une partie de la grille contenant un mur, on empêche le déplacement</a:t>
+            </a:r>
+          </a:p>
+        </p:txBody>
+      </p:sp>
+    </p:spTree>
+    <p:extLst>
+      <p:ext uri="{BB962C8B-B14F-4D97-AF65-F5344CB8AC3E}">
+        <p14:creationId xmlns:p14="http://schemas.microsoft.com/office/powerpoint/2010/main" val="1594172824"/>
+      </p:ext>
+    </p:extLst>
+  </p:cSld>
+  <p:clrMapOvr>
+    <a:masterClrMapping/>
+  </p:clrMapOvr>
+</p:sld>
+</file>
+
+<file path=ppt/slides/slide17.xml><?xml version="1.0" encoding="utf-8"?>
+<p:sld xmlns:a="http://schemas.openxmlformats.org/drawingml/2006/main" xmlns:r="http://schemas.openxmlformats.org/officeDocument/2006/relationships" xmlns:p="http://schemas.openxmlformats.org/presentationml/2006/main">
+  <p:cSld>
+    <p:spTree>
+      <p:nvGrpSpPr>
+        <p:cNvPr id="1" name=""/>
+        <p:cNvGrpSpPr/>
+        <p:nvPr/>
+      </p:nvGrpSpPr>
+      <p:grpSpPr>
+        <a:xfrm>
+          <a:off x="0" y="0"/>
+          <a:ext cx="0" cy="0"/>
+          <a:chOff x="0" y="0"/>
+          <a:chExt cx="0" cy="0"/>
+        </a:xfrm>
+      </p:grpSpPr>
+      <p:sp>
+        <p:nvSpPr>
+          <p:cNvPr id="2" name="Titre 1">
+            <a:extLst>
+              <a:ext uri="{FF2B5EF4-FFF2-40B4-BE49-F238E27FC236}">
+                <a16:creationId xmlns:a16="http://schemas.microsoft.com/office/drawing/2014/main" id="{89C0407D-0032-DB41-9AA3-FF21B4E22976}"/>
+              </a:ext>
+            </a:extLst>
+          </p:cNvPr>
+          <p:cNvSpPr>
+            <a:spLocks noGrp="1"/>
+          </p:cNvSpPr>
+          <p:nvPr>
+            <p:ph type="title"/>
+          </p:nvPr>
+        </p:nvSpPr>
+        <p:spPr/>
+        <p:txBody>
+          <a:bodyPr/>
+          <a:lstStyle/>
+          <a:p>
+            <a:r>
+              <a:rPr lang="fr-FR" dirty="0"/>
+              <a:t>Dessiner à l’écran</a:t>
+            </a:r>
+          </a:p>
+        </p:txBody>
+      </p:sp>
+      <p:sp>
+        <p:nvSpPr>
+          <p:cNvPr id="3" name="Espace réservé du contenu 2">
+            <a:extLst>
+              <a:ext uri="{FF2B5EF4-FFF2-40B4-BE49-F238E27FC236}">
+                <a16:creationId xmlns:a16="http://schemas.microsoft.com/office/drawing/2014/main" id="{E2D04534-56C5-6449-A0BC-5BA92625F5A2}"/>
+              </a:ext>
+            </a:extLst>
+          </p:cNvPr>
+          <p:cNvSpPr>
+            <a:spLocks noGrp="1"/>
+          </p:cNvSpPr>
+          <p:nvPr>
+            <p:ph idx="1"/>
+          </p:nvPr>
+        </p:nvSpPr>
+        <p:spPr>
+          <a:xfrm>
+            <a:off x="646111" y="1654985"/>
+            <a:ext cx="8946541" cy="4441015"/>
+          </a:xfrm>
+        </p:spPr>
+        <p:txBody>
+          <a:bodyPr>
+            <a:normAutofit/>
+          </a:bodyPr>
+          <a:lstStyle/>
+          <a:p>
+            <a:r>
+              <a:rPr lang="fr-FR" dirty="0"/>
+              <a:t>Montrez comment sont dessinés vos éléments graphiques</a:t>
+            </a:r>
+          </a:p>
+          <a:p>
+            <a:r>
+              <a:rPr lang="fr-FR" dirty="0"/>
+              <a:t>Arrière-fond</a:t>
+            </a:r>
+          </a:p>
+          <a:p>
+            <a:r>
+              <a:rPr lang="fr-FR" dirty="0"/>
+              <a:t>Player</a:t>
+            </a:r>
+          </a:p>
+          <a:p>
+            <a:r>
+              <a:rPr lang="fr-FR" dirty="0"/>
+              <a:t>Texte</a:t>
+            </a:r>
+          </a:p>
+          <a:p>
+            <a:r>
+              <a:rPr lang="fr-FR" dirty="0"/>
+              <a:t>Autre éléments</a:t>
+            </a:r>
+          </a:p>
+        </p:txBody>
+      </p:sp>
+    </p:spTree>
+    <p:extLst>
+      <p:ext uri="{BB962C8B-B14F-4D97-AF65-F5344CB8AC3E}">
+        <p14:creationId xmlns:p14="http://schemas.microsoft.com/office/powerpoint/2010/main" val="925554003"/>
+      </p:ext>
+    </p:extLst>
+  </p:cSld>
+  <p:clrMapOvr>
+    <a:masterClrMapping/>
+  </p:clrMapOvr>
+</p:sld>
+</file>
+
+<file path=ppt/slides/slide18.xml><?xml version="1.0" encoding="utf-8"?>
+<p:sld xmlns:a="http://schemas.openxmlformats.org/drawingml/2006/main" xmlns:r="http://schemas.openxmlformats.org/officeDocument/2006/relationships" xmlns:p="http://schemas.openxmlformats.org/presentationml/2006/main">
+  <p:cSld>
+    <p:spTree>
+      <p:nvGrpSpPr>
+        <p:cNvPr id="1" name=""/>
+        <p:cNvGrpSpPr/>
+        <p:nvPr/>
+      </p:nvGrpSpPr>
+      <p:grpSpPr>
+        <a:xfrm>
+          <a:off x="0" y="0"/>
+          <a:ext cx="0" cy="0"/>
+          <a:chOff x="0" y="0"/>
+          <a:chExt cx="0" cy="0"/>
+        </a:xfrm>
+      </p:grpSpPr>
+      <p:sp>
+        <p:nvSpPr>
+          <p:cNvPr id="2" name="Titre 1">
+            <a:extLst>
+              <a:ext uri="{FF2B5EF4-FFF2-40B4-BE49-F238E27FC236}">
+                <a16:creationId xmlns:a16="http://schemas.microsoft.com/office/drawing/2014/main" id="{89C0407D-0032-DB41-9AA3-FF21B4E22976}"/>
+              </a:ext>
+            </a:extLst>
+          </p:cNvPr>
+          <p:cNvSpPr>
+            <a:spLocks noGrp="1"/>
+          </p:cNvSpPr>
+          <p:nvPr>
+            <p:ph type="title"/>
+          </p:nvPr>
+        </p:nvSpPr>
+        <p:spPr/>
+        <p:txBody>
+          <a:bodyPr/>
+          <a:lstStyle/>
+          <a:p>
+            <a:r>
+              <a:rPr lang="fr-FR" dirty="0"/>
+              <a:t>Score</a:t>
+            </a:r>
+          </a:p>
+        </p:txBody>
+      </p:sp>
+      <p:sp>
+        <p:nvSpPr>
+          <p:cNvPr id="3" name="Espace réservé du contenu 2">
+            <a:extLst>
+              <a:ext uri="{FF2B5EF4-FFF2-40B4-BE49-F238E27FC236}">
+                <a16:creationId xmlns:a16="http://schemas.microsoft.com/office/drawing/2014/main" id="{E2D04534-56C5-6449-A0BC-5BA92625F5A2}"/>
+              </a:ext>
+            </a:extLst>
+          </p:cNvPr>
+          <p:cNvSpPr>
+            <a:spLocks noGrp="1"/>
+          </p:cNvSpPr>
+          <p:nvPr>
+            <p:ph idx="1"/>
+          </p:nvPr>
+        </p:nvSpPr>
+        <p:spPr>
+          <a:xfrm>
+            <a:off x="646111" y="1654985"/>
+            <a:ext cx="8946541" cy="4441015"/>
+          </a:xfrm>
+        </p:spPr>
+        <p:txBody>
+          <a:bodyPr>
+            <a:normAutofit/>
+          </a:bodyPr>
+          <a:lstStyle/>
+          <a:p>
+            <a:r>
+              <a:rPr lang="fr-FR" dirty="0"/>
+              <a:t>On garde la valeur du score en variable qu’on incrémente à chaque fois que </a:t>
+            </a:r>
+            <a:r>
+              <a:rPr lang="fr-FR" dirty="0" err="1"/>
+              <a:t>Pacman</a:t>
+            </a:r>
+            <a:r>
+              <a:rPr lang="fr-FR" dirty="0"/>
+              <a:t> passe par-dessus un point</a:t>
+            </a:r>
+          </a:p>
+          <a:p>
+            <a:r>
+              <a:rPr lang="fr-FR" dirty="0"/>
+              <a:t>On écrit la valeur de la variable avec une tortue secondaire</a:t>
+            </a:r>
+          </a:p>
+          <a:p>
+            <a:r>
+              <a:rPr lang="fr-FR" dirty="0"/>
+              <a:t>Le jeu n’a de fin que si le joueur meurt</a:t>
+            </a:r>
+          </a:p>
+        </p:txBody>
+      </p:sp>
+    </p:spTree>
+    <p:extLst>
+      <p:ext uri="{BB962C8B-B14F-4D97-AF65-F5344CB8AC3E}">
+        <p14:creationId xmlns:p14="http://schemas.microsoft.com/office/powerpoint/2010/main" val="2156042579"/>
+      </p:ext>
+    </p:extLst>
+  </p:cSld>
+  <p:clrMapOvr>
+    <a:masterClrMapping/>
+  </p:clrMapOvr>
+</p:sld>
+</file>
+
+<file path=ppt/slides/slide19.xml><?xml version="1.0" encoding="utf-8"?>
+<p:sld xmlns:a="http://schemas.openxmlformats.org/drawingml/2006/main" xmlns:r="http://schemas.openxmlformats.org/officeDocument/2006/relationships" xmlns:p="http://schemas.openxmlformats.org/presentationml/2006/main">
+  <p:cSld>
+    <p:spTree>
+      <p:nvGrpSpPr>
+        <p:cNvPr id="1" name=""/>
+        <p:cNvGrpSpPr/>
+        <p:nvPr/>
+      </p:nvGrpSpPr>
+      <p:grpSpPr>
+        <a:xfrm>
+          <a:off x="0" y="0"/>
+          <a:ext cx="0" cy="0"/>
+          <a:chOff x="0" y="0"/>
+          <a:chExt cx="0" cy="0"/>
+        </a:xfrm>
+      </p:grpSpPr>
+      <p:sp>
+        <p:nvSpPr>
+          <p:cNvPr id="2" name="Titre 1">
+            <a:extLst>
+              <a:ext uri="{FF2B5EF4-FFF2-40B4-BE49-F238E27FC236}">
+                <a16:creationId xmlns:a16="http://schemas.microsoft.com/office/drawing/2014/main" id="{89C0407D-0032-DB41-9AA3-FF21B4E22976}"/>
+              </a:ext>
+            </a:extLst>
+          </p:cNvPr>
+          <p:cNvSpPr>
+            <a:spLocks noGrp="1"/>
+          </p:cNvSpPr>
+          <p:nvPr>
+            <p:ph type="title"/>
+          </p:nvPr>
+        </p:nvSpPr>
+        <p:spPr/>
+        <p:txBody>
+          <a:bodyPr/>
+          <a:lstStyle/>
+          <a:p>
+            <a:r>
+              <a:rPr lang="fr-FR" dirty="0"/>
+              <a:t>Conclusion</a:t>
+            </a:r>
+          </a:p>
+        </p:txBody>
+      </p:sp>
+      <p:sp>
+        <p:nvSpPr>
+          <p:cNvPr id="3" name="Espace réservé du contenu 2">
+            <a:extLst>
+              <a:ext uri="{FF2B5EF4-FFF2-40B4-BE49-F238E27FC236}">
+                <a16:creationId xmlns:a16="http://schemas.microsoft.com/office/drawing/2014/main" id="{E2D04534-56C5-6449-A0BC-5BA92625F5A2}"/>
+              </a:ext>
+            </a:extLst>
+          </p:cNvPr>
+          <p:cNvSpPr>
+            <a:spLocks noGrp="1"/>
+          </p:cNvSpPr>
+          <p:nvPr>
+            <p:ph idx="1"/>
+          </p:nvPr>
+        </p:nvSpPr>
+        <p:spPr>
+          <a:xfrm>
+            <a:off x="646111" y="1654985"/>
+            <a:ext cx="8946541" cy="4441015"/>
+          </a:xfrm>
+        </p:spPr>
+        <p:txBody>
+          <a:bodyPr>
+            <a:normAutofit/>
+          </a:bodyPr>
+          <a:lstStyle/>
+          <a:p>
+            <a:r>
+              <a:rPr lang="fr-FR" dirty="0"/>
+              <a:t>Les forces de votre projet</a:t>
+            </a:r>
+          </a:p>
+          <a:p>
+            <a:r>
+              <a:rPr lang="fr-FR" dirty="0"/>
+              <a:t>Les faiblesses de votre projet</a:t>
+            </a:r>
+          </a:p>
+          <a:p>
+            <a:r>
+              <a:rPr lang="fr-FR" dirty="0"/>
+              <a:t>Ce que vous avez appris</a:t>
+            </a:r>
+          </a:p>
+        </p:txBody>
+      </p:sp>
+    </p:spTree>
+    <p:extLst>
+      <p:ext uri="{BB962C8B-B14F-4D97-AF65-F5344CB8AC3E}">
+        <p14:creationId xmlns:p14="http://schemas.microsoft.com/office/powerpoint/2010/main" val="1249385553"/>
       </p:ext>
     </p:extLst>
   </p:cSld>
@@ -7104,6 +7897,99 @@
 </p:sld>
 </file>
 
+<file path=ppt/slides/slide20.xml><?xml version="1.0" encoding="utf-8"?>
+<p:sld xmlns:a="http://schemas.openxmlformats.org/drawingml/2006/main" xmlns:r="http://schemas.openxmlformats.org/officeDocument/2006/relationships" xmlns:p="http://schemas.openxmlformats.org/presentationml/2006/main">
+  <p:cSld>
+    <p:spTree>
+      <p:nvGrpSpPr>
+        <p:cNvPr id="1" name=""/>
+        <p:cNvGrpSpPr/>
+        <p:nvPr/>
+      </p:nvGrpSpPr>
+      <p:grpSpPr>
+        <a:xfrm>
+          <a:off x="0" y="0"/>
+          <a:ext cx="0" cy="0"/>
+          <a:chOff x="0" y="0"/>
+          <a:chExt cx="0" cy="0"/>
+        </a:xfrm>
+      </p:grpSpPr>
+      <p:sp>
+        <p:nvSpPr>
+          <p:cNvPr id="2" name="Titre 1">
+            <a:extLst>
+              <a:ext uri="{FF2B5EF4-FFF2-40B4-BE49-F238E27FC236}">
+                <a16:creationId xmlns:a16="http://schemas.microsoft.com/office/drawing/2014/main" id="{89C0407D-0032-DB41-9AA3-FF21B4E22976}"/>
+              </a:ext>
+            </a:extLst>
+          </p:cNvPr>
+          <p:cNvSpPr>
+            <a:spLocks noGrp="1"/>
+          </p:cNvSpPr>
+          <p:nvPr>
+            <p:ph type="title"/>
+          </p:nvPr>
+        </p:nvSpPr>
+        <p:spPr/>
+        <p:txBody>
+          <a:bodyPr/>
+          <a:lstStyle/>
+          <a:p>
+            <a:r>
+              <a:rPr lang="fr-FR" dirty="0"/>
+              <a:t>Démonstration</a:t>
+            </a:r>
+          </a:p>
+        </p:txBody>
+      </p:sp>
+      <p:sp>
+        <p:nvSpPr>
+          <p:cNvPr id="3" name="Espace réservé du contenu 2">
+            <a:extLst>
+              <a:ext uri="{FF2B5EF4-FFF2-40B4-BE49-F238E27FC236}">
+                <a16:creationId xmlns:a16="http://schemas.microsoft.com/office/drawing/2014/main" id="{E2D04534-56C5-6449-A0BC-5BA92625F5A2}"/>
+              </a:ext>
+            </a:extLst>
+          </p:cNvPr>
+          <p:cNvSpPr>
+            <a:spLocks noGrp="1"/>
+          </p:cNvSpPr>
+          <p:nvPr>
+            <p:ph idx="1"/>
+          </p:nvPr>
+        </p:nvSpPr>
+        <p:spPr>
+          <a:xfrm>
+            <a:off x="646111" y="1654985"/>
+            <a:ext cx="8946541" cy="4441015"/>
+          </a:xfrm>
+        </p:spPr>
+        <p:txBody>
+          <a:bodyPr>
+            <a:normAutofit/>
+          </a:bodyPr>
+          <a:lstStyle/>
+          <a:p>
+            <a:r>
+              <a:rPr lang="fr-FR" dirty="0"/>
+              <a:t>Faites une démonstration de votre jeu</a:t>
+            </a:r>
+          </a:p>
+        </p:txBody>
+      </p:sp>
+    </p:spTree>
+    <p:extLst>
+      <p:ext uri="{BB962C8B-B14F-4D97-AF65-F5344CB8AC3E}">
+        <p14:creationId xmlns:p14="http://schemas.microsoft.com/office/powerpoint/2010/main" val="3817700864"/>
+      </p:ext>
+    </p:extLst>
+  </p:cSld>
+  <p:clrMapOvr>
+    <a:masterClrMapping/>
+  </p:clrMapOvr>
+</p:sld>
+</file>
+
 <file path=ppt/slides/slide3.xml><?xml version="1.0" encoding="utf-8"?>
 <p:sld xmlns:a="http://schemas.openxmlformats.org/drawingml/2006/main" xmlns:r="http://schemas.openxmlformats.org/officeDocument/2006/relationships" xmlns:p="http://schemas.openxmlformats.org/presentationml/2006/main">
   <p:cSld>
@@ -7126,7 +8012,7 @@
           <p:cNvPr id="2" name="Titre 1">
             <a:extLst>
               <a:ext uri="{FF2B5EF4-FFF2-40B4-BE49-F238E27FC236}">
-                <a16:creationId xmlns:a16="http://schemas.microsoft.com/office/drawing/2014/main" id="{A2767A3E-ED62-5D40-AF8A-F7864E368B31}"/>
+                <a16:creationId xmlns:a16="http://schemas.microsoft.com/office/drawing/2014/main" id="{8D91D017-C281-3D49-AA2F-7EBEEDDA3E81}"/>
               </a:ext>
             </a:extLst>
           </p:cNvPr>
@@ -7142,7 +8028,10 @@
           <a:bodyPr/>
           <a:lstStyle/>
           <a:p>
-            <a:endParaRPr lang="fr-FR"/>
+            <a:r>
+              <a:rPr lang="fr-FR" dirty="0"/>
+              <a:t>Sources, aide, inspiration</a:t>
+            </a:r>
           </a:p>
         </p:txBody>
       </p:sp>
@@ -7151,7 +8040,7 @@
           <p:cNvPr id="3" name="Espace réservé du contenu 2">
             <a:extLst>
               <a:ext uri="{FF2B5EF4-FFF2-40B4-BE49-F238E27FC236}">
-                <a16:creationId xmlns:a16="http://schemas.microsoft.com/office/drawing/2014/main" id="{B2CAB4EA-27F2-FD46-97FF-DAB24493604F}"/>
+                <a16:creationId xmlns:a16="http://schemas.microsoft.com/office/drawing/2014/main" id="{0B624B41-E4B8-7D4D-AB7E-1B9909D53340}"/>
               </a:ext>
             </a:extLst>
           </p:cNvPr>
@@ -7169,20 +8058,41 @@
           <a:p>
             <a:r>
               <a:rPr lang="fr-FR" dirty="0"/>
-              <a:t>Image </a:t>
-            </a:r>
-            <a:r>
-              <a:rPr lang="fr-FR" dirty="0" err="1"/>
-              <a:t>example</a:t>
-            </a:r>
-            <a:endParaRPr lang="fr-FR" dirty="0"/>
+              <a:t>Nous avons trouvé un site qui donne des exemples de jeu 2d avec Python. (</a:t>
+            </a:r>
+            <a:r>
+              <a:rPr lang="fr-CH" dirty="0"/>
+              <a:t> </a:t>
+            </a:r>
+            <a:r>
+              <a:rPr lang="fr-CH" dirty="0">
+                <a:hlinkClick r:id="rId2"/>
+              </a:rPr>
+              <a:t>https://pypi.org/project/freegames/</a:t>
+            </a:r>
+            <a:r>
+              <a:rPr lang="fr-FR" dirty="0"/>
+              <a:t>)</a:t>
+            </a:r>
+          </a:p>
+          <a:p>
+            <a:r>
+              <a:rPr lang="fr-FR" dirty="0"/>
+              <a:t>Notre inspiration a surtout été les jeux d’arcade des années 80.</a:t>
+            </a:r>
+          </a:p>
+          <a:p>
+            <a:r>
+              <a:rPr lang="fr-FR" dirty="0"/>
+              <a:t>Notre démarche était plutôt simple, nous avons partagé les charges de travails en fonction de nos capacités et idées. </a:t>
+            </a:r>
           </a:p>
         </p:txBody>
       </p:sp>
     </p:spTree>
     <p:extLst>
       <p:ext uri="{BB962C8B-B14F-4D97-AF65-F5344CB8AC3E}">
-        <p14:creationId xmlns:p14="http://schemas.microsoft.com/office/powerpoint/2010/main" val="3728723533"/>
+        <p14:creationId xmlns:p14="http://schemas.microsoft.com/office/powerpoint/2010/main" val="2608444235"/>
       </p:ext>
     </p:extLst>
   </p:cSld>
@@ -7214,7 +8124,7 @@
           <p:cNvPr id="2" name="Titre 1">
             <a:extLst>
               <a:ext uri="{FF2B5EF4-FFF2-40B4-BE49-F238E27FC236}">
-                <a16:creationId xmlns:a16="http://schemas.microsoft.com/office/drawing/2014/main" id="{8D91D017-C281-3D49-AA2F-7EBEEDDA3E81}"/>
+                <a16:creationId xmlns:a16="http://schemas.microsoft.com/office/drawing/2014/main" id="{84FEBA6E-0140-8F4E-BE12-2F0310153F14}"/>
               </a:ext>
             </a:extLst>
           </p:cNvPr>
@@ -7232,7 +8142,7 @@
           <a:p>
             <a:r>
               <a:rPr lang="fr-FR" dirty="0"/>
-              <a:t>Sources, aide, inspiration</a:t>
+              <a:t>Statistiques</a:t>
             </a:r>
           </a:p>
         </p:txBody>
@@ -7242,7 +8152,7 @@
           <p:cNvPr id="3" name="Espace réservé du contenu 2">
             <a:extLst>
               <a:ext uri="{FF2B5EF4-FFF2-40B4-BE49-F238E27FC236}">
-                <a16:creationId xmlns:a16="http://schemas.microsoft.com/office/drawing/2014/main" id="{0B624B41-E4B8-7D4D-AB7E-1B9909D53340}"/>
+                <a16:creationId xmlns:a16="http://schemas.microsoft.com/office/drawing/2014/main" id="{37B038DB-FFF1-984F-9BF7-9378C1DCC3A3}"/>
               </a:ext>
             </a:extLst>
           </p:cNvPr>
@@ -7260,41 +8170,48 @@
           <a:p>
             <a:r>
               <a:rPr lang="fr-FR" dirty="0"/>
-              <a:t>Nous avons trouvé un site qui donne des exemples de jeu 2d avec Python. (</a:t>
-            </a:r>
-            <a:r>
-              <a:rPr lang="fr-CH" dirty="0"/>
-              <a:t> </a:t>
-            </a:r>
-            <a:r>
-              <a:rPr lang="fr-CH" dirty="0">
-                <a:hlinkClick r:id="rId2"/>
-              </a:rPr>
-              <a:t>https://pypi.org/project/freegames/</a:t>
-            </a:r>
-            <a:r>
-              <a:rPr lang="fr-FR" dirty="0"/>
-              <a:t>)</a:t>
-            </a:r>
-          </a:p>
-          <a:p>
-            <a:r>
-              <a:rPr lang="fr-FR" dirty="0"/>
-              <a:t>Notre inspiration a surtout été les jeux d’arcade des années 80.</a:t>
-            </a:r>
-          </a:p>
-          <a:p>
-            <a:r>
-              <a:rPr lang="fr-FR" dirty="0"/>
-              <a:t>Notre démarche était plutôt simple, nous avons partagé les charges de travails en fonction de nos capacités et idées. </a:t>
-            </a:r>
+              <a:t>Nombre de fichiers code : 1</a:t>
+            </a:r>
+          </a:p>
+          <a:p>
+            <a:r>
+              <a:rPr lang="fr-FR" dirty="0"/>
+              <a:t>Nombre de lignes de code</a:t>
+            </a:r>
+          </a:p>
+          <a:p>
+            <a:r>
+              <a:rPr lang="fr-FR" dirty="0"/>
+              <a:t>Nombre de commit sur GitHub</a:t>
+            </a:r>
+          </a:p>
+          <a:p>
+            <a:r>
+              <a:rPr lang="fr-FR" dirty="0"/>
+              <a:t>Nombre d’heures passé au projet : 15 heures</a:t>
+            </a:r>
+          </a:p>
+          <a:p>
+            <a:r>
+              <a:rPr lang="fr-FR" dirty="0"/>
+              <a:t>Répartition entre les 2 partenaires</a:t>
+            </a:r>
+          </a:p>
+          <a:p>
+            <a:r>
+              <a:rPr lang="fr-FR" dirty="0"/>
+              <a:t>Nombre de classes définis : 8</a:t>
+            </a:r>
+          </a:p>
+          <a:p>
+            <a:endParaRPr lang="fr-FR" dirty="0"/>
           </a:p>
         </p:txBody>
       </p:sp>
     </p:spTree>
     <p:extLst>
       <p:ext uri="{BB962C8B-B14F-4D97-AF65-F5344CB8AC3E}">
-        <p14:creationId xmlns:p14="http://schemas.microsoft.com/office/powerpoint/2010/main" val="2608444235"/>
+        <p14:creationId xmlns:p14="http://schemas.microsoft.com/office/powerpoint/2010/main" val="4048897788"/>
       </p:ext>
     </p:extLst>
   </p:cSld>
@@ -7326,7 +8243,7 @@
           <p:cNvPr id="2" name="Titre 1">
             <a:extLst>
               <a:ext uri="{FF2B5EF4-FFF2-40B4-BE49-F238E27FC236}">
-                <a16:creationId xmlns:a16="http://schemas.microsoft.com/office/drawing/2014/main" id="{84FEBA6E-0140-8F4E-BE12-2F0310153F14}"/>
+                <a16:creationId xmlns:a16="http://schemas.microsoft.com/office/drawing/2014/main" id="{170B4E34-CB45-6448-921F-DA8148320945}"/>
               </a:ext>
             </a:extLst>
           </p:cNvPr>
@@ -7344,7 +8261,7 @@
           <a:p>
             <a:r>
               <a:rPr lang="fr-FR" dirty="0"/>
-              <a:t>Statistiques</a:t>
+              <a:t>GitHub et environnement de programmation</a:t>
             </a:r>
           </a:p>
         </p:txBody>
@@ -7354,7 +8271,7 @@
           <p:cNvPr id="3" name="Espace réservé du contenu 2">
             <a:extLst>
               <a:ext uri="{FF2B5EF4-FFF2-40B4-BE49-F238E27FC236}">
-                <a16:creationId xmlns:a16="http://schemas.microsoft.com/office/drawing/2014/main" id="{37B038DB-FFF1-984F-9BF7-9378C1DCC3A3}"/>
+                <a16:creationId xmlns:a16="http://schemas.microsoft.com/office/drawing/2014/main" id="{B5A59F65-CF8B-CA4A-B5A9-C9037B73F092}"/>
               </a:ext>
             </a:extLst>
           </p:cNvPr>
@@ -7372,48 +8289,35 @@
           <a:p>
             <a:r>
               <a:rPr lang="fr-FR" dirty="0"/>
-              <a:t>Nombre de fichiers code : 1</a:t>
-            </a:r>
-          </a:p>
-          <a:p>
-            <a:r>
-              <a:rPr lang="fr-FR" dirty="0"/>
-              <a:t>Nombre de lignes de code</a:t>
-            </a:r>
-          </a:p>
-          <a:p>
-            <a:r>
-              <a:rPr lang="fr-FR" dirty="0"/>
-              <a:t>Nombre de commit sur GitHub</a:t>
-            </a:r>
-          </a:p>
-          <a:p>
-            <a:r>
-              <a:rPr lang="fr-FR" dirty="0"/>
-              <a:t>Nombre d’heures passé au projet : 15 heures</a:t>
-            </a:r>
-          </a:p>
-          <a:p>
-            <a:r>
-              <a:rPr lang="fr-FR" dirty="0"/>
-              <a:t>Répartition entre les 2 partenaires</a:t>
-            </a:r>
-          </a:p>
-          <a:p>
-            <a:r>
-              <a:rPr lang="fr-FR" dirty="0"/>
-              <a:t>Nombre de classes définis : 8</a:t>
-            </a:r>
-          </a:p>
-          <a:p>
-            <a:endParaRPr lang="fr-FR" dirty="0"/>
+              <a:t>Nous avons travaillé ensemble avec une pseudo-répartition des tâches, chacun apporte de son idée et créativité et décidons ensemble de ce qu’il en sera dans notre jeu.</a:t>
+            </a:r>
+          </a:p>
+          <a:p>
+            <a:r>
+              <a:rPr lang="fr-FR" dirty="0"/>
+              <a:t>Sur </a:t>
+            </a:r>
+            <a:r>
+              <a:rPr lang="fr-FR" dirty="0" err="1"/>
+              <a:t>Github</a:t>
+            </a:r>
+            <a:r>
+              <a:rPr lang="fr-FR" dirty="0"/>
+              <a:t>, il fallait s’assurer que nous ne travaillions pas en même temps afin de ne pas créer de problèmes. (push régulièrement)</a:t>
+            </a:r>
+          </a:p>
+          <a:p>
+            <a:r>
+              <a:rPr lang="fr-FR" dirty="0"/>
+              <a:t>Nous avons utilisé l’éditeur Visual Studio Code, très moderne et complet.</a:t>
+            </a:r>
           </a:p>
         </p:txBody>
       </p:sp>
     </p:spTree>
     <p:extLst>
       <p:ext uri="{BB962C8B-B14F-4D97-AF65-F5344CB8AC3E}">
-        <p14:creationId xmlns:p14="http://schemas.microsoft.com/office/powerpoint/2010/main" val="4048897788"/>
+        <p14:creationId xmlns:p14="http://schemas.microsoft.com/office/powerpoint/2010/main" val="206825065"/>
       </p:ext>
     </p:extLst>
   </p:cSld>
@@ -7445,112 +8349,6 @@
           <p:cNvPr id="2" name="Titre 1">
             <a:extLst>
               <a:ext uri="{FF2B5EF4-FFF2-40B4-BE49-F238E27FC236}">
-                <a16:creationId xmlns:a16="http://schemas.microsoft.com/office/drawing/2014/main" id="{170B4E34-CB45-6448-921F-DA8148320945}"/>
-              </a:ext>
-            </a:extLst>
-          </p:cNvPr>
-          <p:cNvSpPr>
-            <a:spLocks noGrp="1"/>
-          </p:cNvSpPr>
-          <p:nvPr>
-            <p:ph type="title"/>
-          </p:nvPr>
-        </p:nvSpPr>
-        <p:spPr/>
-        <p:txBody>
-          <a:bodyPr/>
-          <a:lstStyle/>
-          <a:p>
-            <a:r>
-              <a:rPr lang="fr-FR" dirty="0"/>
-              <a:t>GitHub et environnement de programmation</a:t>
-            </a:r>
-          </a:p>
-        </p:txBody>
-      </p:sp>
-      <p:sp>
-        <p:nvSpPr>
-          <p:cNvPr id="3" name="Espace réservé du contenu 2">
-            <a:extLst>
-              <a:ext uri="{FF2B5EF4-FFF2-40B4-BE49-F238E27FC236}">
-                <a16:creationId xmlns:a16="http://schemas.microsoft.com/office/drawing/2014/main" id="{B5A59F65-CF8B-CA4A-B5A9-C9037B73F092}"/>
-              </a:ext>
-            </a:extLst>
-          </p:cNvPr>
-          <p:cNvSpPr>
-            <a:spLocks noGrp="1"/>
-          </p:cNvSpPr>
-          <p:nvPr>
-            <p:ph idx="1"/>
-          </p:nvPr>
-        </p:nvSpPr>
-        <p:spPr/>
-        <p:txBody>
-          <a:bodyPr/>
-          <a:lstStyle/>
-          <a:p>
-            <a:r>
-              <a:rPr lang="fr-FR" dirty="0"/>
-              <a:t>Nous avons travaillé ensemble avec une pseudo-répartition des tâches, chacun apporte de son idée et créativité et décidons ensemble de ce qu’il en sera dans notre jeu.</a:t>
-            </a:r>
-          </a:p>
-          <a:p>
-            <a:r>
-              <a:rPr lang="fr-FR" dirty="0"/>
-              <a:t>Sur </a:t>
-            </a:r>
-            <a:r>
-              <a:rPr lang="fr-FR" dirty="0" err="1"/>
-              <a:t>Github</a:t>
-            </a:r>
-            <a:r>
-              <a:rPr lang="fr-FR" dirty="0"/>
-              <a:t>, il fallait s’assurer que nous ne travaillions pas en même temps afin de ne pas créer de problèmes. (push régulièrement)</a:t>
-            </a:r>
-          </a:p>
-          <a:p>
-            <a:r>
-              <a:rPr lang="fr-FR" dirty="0"/>
-              <a:t>Nous avons utilisé l’éditeur Visual Studio Code, très moderne et complet.</a:t>
-            </a:r>
-          </a:p>
-        </p:txBody>
-      </p:sp>
-    </p:spTree>
-    <p:extLst>
-      <p:ext uri="{BB962C8B-B14F-4D97-AF65-F5344CB8AC3E}">
-        <p14:creationId xmlns:p14="http://schemas.microsoft.com/office/powerpoint/2010/main" val="206825065"/>
-      </p:ext>
-    </p:extLst>
-  </p:cSld>
-  <p:clrMapOvr>
-    <a:masterClrMapping/>
-  </p:clrMapOvr>
-</p:sld>
-</file>
-
-<file path=ppt/slides/slide7.xml><?xml version="1.0" encoding="utf-8"?>
-<p:sld xmlns:a="http://schemas.openxmlformats.org/drawingml/2006/main" xmlns:r="http://schemas.openxmlformats.org/officeDocument/2006/relationships" xmlns:p="http://schemas.openxmlformats.org/presentationml/2006/main">
-  <p:cSld>
-    <p:spTree>
-      <p:nvGrpSpPr>
-        <p:cNvPr id="1" name=""/>
-        <p:cNvGrpSpPr/>
-        <p:nvPr/>
-      </p:nvGrpSpPr>
-      <p:grpSpPr>
-        <a:xfrm>
-          <a:off x="0" y="0"/>
-          <a:ext cx="0" cy="0"/>
-          <a:chOff x="0" y="0"/>
-          <a:chExt cx="0" cy="0"/>
-        </a:xfrm>
-      </p:grpSpPr>
-      <p:sp>
-        <p:nvSpPr>
-          <p:cNvPr id="2" name="Titre 1">
-            <a:extLst>
-              <a:ext uri="{FF2B5EF4-FFF2-40B4-BE49-F238E27FC236}">
                 <a16:creationId xmlns:a16="http://schemas.microsoft.com/office/drawing/2014/main" id="{A3B778F5-C5B2-884D-8620-5C05867795B0}"/>
               </a:ext>
             </a:extLst>
@@ -7617,7 +8415,7 @@
 </p:sld>
 </file>
 
-<file path=ppt/slides/slide8.xml><?xml version="1.0" encoding="utf-8"?>
+<file path=ppt/slides/slide7.xml><?xml version="1.0" encoding="utf-8"?>
 <p:sld xmlns:a="http://schemas.openxmlformats.org/drawingml/2006/main" xmlns:r="http://schemas.openxmlformats.org/officeDocument/2006/relationships" xmlns:p="http://schemas.openxmlformats.org/presentationml/2006/main">
   <p:cSld>
     <p:spTree>
@@ -7830,7 +8628,7 @@
 </p:sld>
 </file>
 
-<file path=ppt/slides/slide9.xml><?xml version="1.0" encoding="utf-8"?>
+<file path=ppt/slides/slide8.xml><?xml version="1.0" encoding="utf-8"?>
 <p:sld xmlns:a="http://schemas.openxmlformats.org/drawingml/2006/main" xmlns:r="http://schemas.openxmlformats.org/officeDocument/2006/relationships" xmlns:p="http://schemas.openxmlformats.org/presentationml/2006/main">
   <p:cSld>
     <p:spTree>
@@ -8244,6 +9042,222 @@
     <p:extLst>
       <p:ext uri="{BB962C8B-B14F-4D97-AF65-F5344CB8AC3E}">
         <p14:creationId xmlns:p14="http://schemas.microsoft.com/office/powerpoint/2010/main" val="4111778716"/>
+      </p:ext>
+    </p:extLst>
+  </p:cSld>
+  <p:clrMapOvr>
+    <a:masterClrMapping/>
+  </p:clrMapOvr>
+</p:sld>
+</file>
+
+<file path=ppt/slides/slide9.xml><?xml version="1.0" encoding="utf-8"?>
+<p:sld xmlns:a="http://schemas.openxmlformats.org/drawingml/2006/main" xmlns:r="http://schemas.openxmlformats.org/officeDocument/2006/relationships" xmlns:p="http://schemas.openxmlformats.org/presentationml/2006/main">
+  <p:cSld>
+    <p:spTree>
+      <p:nvGrpSpPr>
+        <p:cNvPr id="1" name=""/>
+        <p:cNvGrpSpPr/>
+        <p:nvPr/>
+      </p:nvGrpSpPr>
+      <p:grpSpPr>
+        <a:xfrm>
+          <a:off x="0" y="0"/>
+          <a:ext cx="0" cy="0"/>
+          <a:chOff x="0" y="0"/>
+          <a:chExt cx="0" cy="0"/>
+        </a:xfrm>
+      </p:grpSpPr>
+      <p:sp>
+        <p:nvSpPr>
+          <p:cNvPr id="2" name="Titre 1">
+            <a:extLst>
+              <a:ext uri="{FF2B5EF4-FFF2-40B4-BE49-F238E27FC236}">
+                <a16:creationId xmlns:a16="http://schemas.microsoft.com/office/drawing/2014/main" id="{C57F6F50-8F88-F346-B6EC-3A5FD65E19B2}"/>
+              </a:ext>
+            </a:extLst>
+          </p:cNvPr>
+          <p:cNvSpPr>
+            <a:spLocks noGrp="1"/>
+          </p:cNvSpPr>
+          <p:nvPr>
+            <p:ph type="title"/>
+          </p:nvPr>
+        </p:nvSpPr>
+        <p:spPr/>
+        <p:txBody>
+          <a:bodyPr/>
+          <a:lstStyle/>
+          <a:p>
+            <a:r>
+              <a:rPr lang="fr-FR" dirty="0"/>
+              <a:t>Présentation d’une classe particulière</a:t>
+            </a:r>
+          </a:p>
+        </p:txBody>
+      </p:sp>
+      <p:sp>
+        <p:nvSpPr>
+          <p:cNvPr id="3" name="Espace réservé du contenu 2">
+            <a:extLst>
+              <a:ext uri="{FF2B5EF4-FFF2-40B4-BE49-F238E27FC236}">
+                <a16:creationId xmlns:a16="http://schemas.microsoft.com/office/drawing/2014/main" id="{CD25865A-C243-8D42-90CF-1969F224F1CA}"/>
+              </a:ext>
+            </a:extLst>
+          </p:cNvPr>
+          <p:cNvSpPr>
+            <a:spLocks noGrp="1"/>
+          </p:cNvSpPr>
+          <p:nvPr>
+            <p:ph idx="1"/>
+          </p:nvPr>
+        </p:nvSpPr>
+        <p:spPr>
+          <a:xfrm>
+            <a:off x="1103312" y="2052918"/>
+            <a:ext cx="8946541" cy="4352364"/>
+          </a:xfrm>
+        </p:spPr>
+        <p:txBody>
+          <a:bodyPr>
+            <a:normAutofit/>
+          </a:bodyPr>
+          <a:lstStyle/>
+          <a:p>
+            <a:r>
+              <a:rPr lang="fr-FR" dirty="0"/>
+              <a:t>La classe </a:t>
+            </a:r>
+            <a:r>
+              <a:rPr lang="fr-FR" dirty="0" err="1"/>
+              <a:t>Pacman</a:t>
+            </a:r>
+            <a:r>
+              <a:rPr lang="fr-FR" dirty="0"/>
+              <a:t> a 5 principaux attributs:</a:t>
+            </a:r>
+          </a:p>
+          <a:p>
+            <a:pPr lvl="1">
+              <a:buFont typeface="Arial" panose="020B0604020202020204" pitchFamily="34" charset="0"/>
+              <a:buChar char="•"/>
+            </a:pPr>
+            <a:r>
+              <a:rPr lang="fr-FR" dirty="0" err="1"/>
+              <a:t>game</a:t>
+            </a:r>
+            <a:r>
+              <a:rPr lang="fr-FR" dirty="0"/>
+              <a:t> lui permet de communiquer avec la classe Game qui contient les informations sur son environnement</a:t>
+            </a:r>
+          </a:p>
+          <a:p>
+            <a:pPr lvl="1">
+              <a:buFont typeface="Arial" panose="020B0604020202020204" pitchFamily="34" charset="0"/>
+              <a:buChar char="•"/>
+            </a:pPr>
+            <a:r>
+              <a:rPr lang="fr-FR" dirty="0"/>
+              <a:t>pos qui indique sa position actuelle</a:t>
+            </a:r>
+          </a:p>
+          <a:p>
+            <a:pPr lvl="1">
+              <a:buFont typeface="Arial" panose="020B0604020202020204" pitchFamily="34" charset="0"/>
+              <a:buChar char="•"/>
+            </a:pPr>
+            <a:r>
+              <a:rPr lang="fr-FR" dirty="0" err="1"/>
+              <a:t>aim</a:t>
+            </a:r>
+            <a:r>
+              <a:rPr lang="fr-FR" dirty="0"/>
+              <a:t> qui est la direction dans laquelle il va</a:t>
+            </a:r>
+          </a:p>
+          <a:p>
+            <a:pPr lvl="1">
+              <a:buFont typeface="Arial" panose="020B0604020202020204" pitchFamily="34" charset="0"/>
+              <a:buChar char="•"/>
+            </a:pPr>
+            <a:r>
+              <a:rPr lang="fr-FR" dirty="0"/>
+              <a:t>direction qui sauvegarde la direction souhaitée par le joueur</a:t>
+            </a:r>
+          </a:p>
+          <a:p>
+            <a:pPr lvl="1">
+              <a:buFont typeface="Arial" panose="020B0604020202020204" pitchFamily="34" charset="0"/>
+              <a:buChar char="•"/>
+            </a:pPr>
+            <a:r>
+              <a:rPr lang="fr-FR" dirty="0" err="1"/>
+              <a:t>isdead</a:t>
+            </a:r>
+            <a:r>
+              <a:rPr lang="fr-FR" dirty="0"/>
+              <a:t> qui permet de savoir si </a:t>
+            </a:r>
+            <a:r>
+              <a:rPr lang="fr-FR" dirty="0" err="1"/>
+              <a:t>Pacman</a:t>
+            </a:r>
+            <a:r>
+              <a:rPr lang="fr-FR" dirty="0"/>
+              <a:t> est vivant</a:t>
+            </a:r>
+          </a:p>
+          <a:p>
+            <a:r>
+              <a:rPr lang="fr-FR" dirty="0"/>
+              <a:t>Ses méthodes principales sont:</a:t>
+            </a:r>
+          </a:p>
+          <a:p>
+            <a:pPr lvl="1">
+              <a:buFont typeface="Arial" panose="020B0604020202020204" pitchFamily="34" charset="0"/>
+              <a:buChar char="•"/>
+            </a:pPr>
+            <a:r>
+              <a:rPr lang="fr-FR" dirty="0"/>
+              <a:t>move qui gère ses déplacements et ramasse les points</a:t>
+            </a:r>
+          </a:p>
+          <a:p>
+            <a:pPr lvl="1">
+              <a:buFont typeface="Arial" panose="020B0604020202020204" pitchFamily="34" charset="0"/>
+              <a:buChar char="•"/>
+            </a:pPr>
+            <a:r>
+              <a:rPr lang="fr-FR" dirty="0"/>
+              <a:t>change qui sauvegarde la direction souhaitée par le joueur</a:t>
+            </a:r>
+          </a:p>
+          <a:p>
+            <a:pPr lvl="1">
+              <a:buFont typeface="Arial" panose="020B0604020202020204" pitchFamily="34" charset="0"/>
+              <a:buChar char="•"/>
+            </a:pPr>
+            <a:r>
+              <a:rPr lang="fr-FR" dirty="0" err="1"/>
+              <a:t>draw</a:t>
+            </a:r>
+            <a:r>
+              <a:rPr lang="fr-FR" dirty="0"/>
+              <a:t> qui dessine </a:t>
+            </a:r>
+            <a:r>
+              <a:rPr lang="fr-FR" dirty="0" err="1"/>
+              <a:t>Pacman</a:t>
+            </a:r>
+            <a:endParaRPr lang="fr-FR" dirty="0"/>
+          </a:p>
+        </p:txBody>
+      </p:sp>
+    </p:spTree>
+    <p:extLst>
+      <p:ext uri="{BB962C8B-B14F-4D97-AF65-F5344CB8AC3E}">
+        <p14:creationId xmlns:p14="http://schemas.microsoft.com/office/powerpoint/2010/main" val="1663955597"/>
       </p:ext>
     </p:extLst>
   </p:cSld>

--- a/src/projet/projet3/Powerpoint_pacman.pptx
+++ b/src/projet/projet3/Powerpoint_pacman.pptx
@@ -317,7 +317,7 @@
           <a:p>
             <a:fld id="{4AAD347D-5ACD-4C99-B74B-A9C85AD731AF}" type="datetimeFigureOut">
               <a:rPr lang="en-US" dirty="0"/>
-              <a:t>6/16/2022</a:t>
+              <a:t>6/16/22</a:t>
             </a:fld>
             <a:endParaRPr lang="en-US" dirty="0"/>
           </a:p>
@@ -587,7 +587,7 @@
           <a:p>
             <a:fld id="{4509A250-FF31-4206-8172-F9D3106AACB1}" type="datetimeFigureOut">
               <a:rPr lang="en-US" dirty="0"/>
-              <a:t>6/16/2022</a:t>
+              <a:t>6/16/22</a:t>
             </a:fld>
             <a:endParaRPr lang="en-US" dirty="0"/>
           </a:p>
@@ -776,7 +776,7 @@
           <a:p>
             <a:fld id="{4509A250-FF31-4206-8172-F9D3106AACB1}" type="datetimeFigureOut">
               <a:rPr lang="en-US" dirty="0"/>
-              <a:t>6/16/2022</a:t>
+              <a:t>6/16/22</a:t>
             </a:fld>
             <a:endParaRPr lang="en-US" dirty="0"/>
           </a:p>
@@ -1044,7 +1044,7 @@
           <a:p>
             <a:fld id="{4509A250-FF31-4206-8172-F9D3106AACB1}" type="datetimeFigureOut">
               <a:rPr lang="en-US" dirty="0"/>
-              <a:t>6/16/2022</a:t>
+              <a:t>6/16/22</a:t>
             </a:fld>
             <a:endParaRPr lang="en-US" dirty="0"/>
           </a:p>
@@ -1380,7 +1380,7 @@
           <a:p>
             <a:fld id="{4509A250-FF31-4206-8172-F9D3106AACB1}" type="datetimeFigureOut">
               <a:rPr lang="en-US" dirty="0"/>
-              <a:t>6/16/2022</a:t>
+              <a:t>6/16/22</a:t>
             </a:fld>
             <a:endParaRPr lang="en-US" dirty="0"/>
           </a:p>
@@ -1998,7 +1998,7 @@
           <a:p>
             <a:fld id="{4509A250-FF31-4206-8172-F9D3106AACB1}" type="datetimeFigureOut">
               <a:rPr lang="en-US" dirty="0"/>
-              <a:t>6/16/2022</a:t>
+              <a:t>6/16/22</a:t>
             </a:fld>
             <a:endParaRPr lang="en-US" dirty="0"/>
           </a:p>
@@ -2853,7 +2853,7 @@
           <a:p>
             <a:fld id="{4509A250-FF31-4206-8172-F9D3106AACB1}" type="datetimeFigureOut">
               <a:rPr lang="en-US" dirty="0"/>
-              <a:t>6/16/2022</a:t>
+              <a:t>6/16/22</a:t>
             </a:fld>
             <a:endParaRPr lang="en-US" dirty="0"/>
           </a:p>
@@ -3018,7 +3018,7 @@
           <a:p>
             <a:fld id="{4509A250-FF31-4206-8172-F9D3106AACB1}" type="datetimeFigureOut">
               <a:rPr lang="en-US" dirty="0"/>
-              <a:t>6/16/2022</a:t>
+              <a:t>6/16/22</a:t>
             </a:fld>
             <a:endParaRPr lang="en-US" dirty="0"/>
           </a:p>
@@ -3193,7 +3193,7 @@
           <a:p>
             <a:fld id="{4509A250-FF31-4206-8172-F9D3106AACB1}" type="datetimeFigureOut">
               <a:rPr lang="en-US" dirty="0"/>
-              <a:t>6/16/2022</a:t>
+              <a:t>6/16/22</a:t>
             </a:fld>
             <a:endParaRPr lang="en-US" dirty="0"/>
           </a:p>
@@ -3358,7 +3358,7 @@
           <a:p>
             <a:fld id="{4509A250-FF31-4206-8172-F9D3106AACB1}" type="datetimeFigureOut">
               <a:rPr lang="en-US" dirty="0"/>
-              <a:t>6/16/2022</a:t>
+              <a:t>6/16/22</a:t>
             </a:fld>
             <a:endParaRPr lang="en-US" dirty="0"/>
           </a:p>
@@ -3600,7 +3600,7 @@
           <a:p>
             <a:fld id="{9796027F-7875-4030-9381-8BD8C4F21935}" type="datetimeFigureOut">
               <a:rPr lang="en-US" dirty="0"/>
-              <a:t>6/16/2022</a:t>
+              <a:t>6/16/22</a:t>
             </a:fld>
             <a:endParaRPr lang="en-US" dirty="0"/>
           </a:p>
@@ -3887,7 +3887,7 @@
           <a:p>
             <a:fld id="{9796027F-7875-4030-9381-8BD8C4F21935}" type="datetimeFigureOut">
               <a:rPr lang="en-US" dirty="0"/>
-              <a:t>6/16/2022</a:t>
+              <a:t>6/16/22</a:t>
             </a:fld>
             <a:endParaRPr lang="en-US" dirty="0"/>
           </a:p>
@@ -4326,7 +4326,7 @@
           <a:p>
             <a:fld id="{9796027F-7875-4030-9381-8BD8C4F21935}" type="datetimeFigureOut">
               <a:rPr lang="en-US" dirty="0"/>
-              <a:t>6/16/2022</a:t>
+              <a:t>6/16/22</a:t>
             </a:fld>
             <a:endParaRPr lang="en-US" dirty="0"/>
           </a:p>
@@ -4439,7 +4439,7 @@
           <a:p>
             <a:fld id="{4509A250-FF31-4206-8172-F9D3106AACB1}" type="datetimeFigureOut">
               <a:rPr lang="en-US" dirty="0"/>
-              <a:t>6/16/2022</a:t>
+              <a:t>6/16/22</a:t>
             </a:fld>
             <a:endParaRPr lang="en-US" dirty="0"/>
           </a:p>
@@ -4529,7 +4529,7 @@
           <a:p>
             <a:fld id="{4509A250-FF31-4206-8172-F9D3106AACB1}" type="datetimeFigureOut">
               <a:rPr lang="en-US" dirty="0"/>
-              <a:t>6/16/2022</a:t>
+              <a:t>6/16/22</a:t>
             </a:fld>
             <a:endParaRPr lang="en-US" dirty="0"/>
           </a:p>
@@ -4803,7 +4803,7 @@
           <a:p>
             <a:fld id="{4509A250-FF31-4206-8172-F9D3106AACB1}" type="datetimeFigureOut">
               <a:rPr lang="en-US" dirty="0"/>
-              <a:t>6/16/2022</a:t>
+              <a:t>6/16/22</a:t>
             </a:fld>
             <a:endParaRPr lang="en-US" dirty="0"/>
           </a:p>
@@ -5073,7 +5073,7 @@
           <a:p>
             <a:fld id="{4509A250-FF31-4206-8172-F9D3106AACB1}" type="datetimeFigureOut">
               <a:rPr lang="en-US" dirty="0"/>
-              <a:t>6/16/2022</a:t>
+              <a:t>6/16/22</a:t>
             </a:fld>
             <a:endParaRPr lang="en-US" dirty="0"/>
           </a:p>
@@ -5497,7 +5497,7 @@
           <a:p>
             <a:fld id="{4AAD347D-5ACD-4C99-B74B-A9C85AD731AF}" type="datetimeFigureOut">
               <a:rPr lang="en-US" dirty="0"/>
-              <a:t>6/16/2022</a:t>
+              <a:t>6/16/22</a:t>
             </a:fld>
             <a:endParaRPr lang="en-US" dirty="0"/>
           </a:p>
@@ -7972,7 +7972,7 @@
           <a:p>
             <a:r>
               <a:rPr lang="fr-FR" dirty="0"/>
-              <a:t>Faites une démonstration de votre jeu</a:t>
+              <a:t>Démonstration du jeu</a:t>
             </a:r>
           </a:p>
         </p:txBody>
@@ -8432,12 +8432,165 @@
           <a:chExt cx="0" cy="0"/>
         </a:xfrm>
       </p:grpSpPr>
+      <p:sp>
+        <p:nvSpPr>
+          <p:cNvPr id="2" name="Titre 1">
+            <a:extLst>
+              <a:ext uri="{FF2B5EF4-FFF2-40B4-BE49-F238E27FC236}">
+                <a16:creationId xmlns:a16="http://schemas.microsoft.com/office/drawing/2014/main" id="{FA9412E6-8EB3-0949-BF0E-CCD51D95D963}"/>
+              </a:ext>
+            </a:extLst>
+          </p:cNvPr>
+          <p:cNvSpPr>
+            <a:spLocks noGrp="1"/>
+          </p:cNvSpPr>
+          <p:nvPr>
+            <p:ph type="title"/>
+          </p:nvPr>
+        </p:nvSpPr>
+        <p:spPr>
+          <a:xfrm>
+            <a:off x="989011" y="290437"/>
+            <a:ext cx="9404723" cy="1400530"/>
+          </a:xfrm>
+        </p:spPr>
+        <p:txBody>
+          <a:bodyPr/>
+          <a:lstStyle/>
+          <a:p>
+            <a:r>
+              <a:rPr lang="fr-FR" dirty="0"/>
+              <a:t>Exemple du jeu</a:t>
+            </a:r>
+          </a:p>
+        </p:txBody>
+      </p:sp>
+      <p:sp>
+        <p:nvSpPr>
+          <p:cNvPr id="10" name="ZoneTexte 9">
+            <a:extLst>
+              <a:ext uri="{FF2B5EF4-FFF2-40B4-BE49-F238E27FC236}">
+                <a16:creationId xmlns:a16="http://schemas.microsoft.com/office/drawing/2014/main" id="{E43C380E-ED7C-1208-E40A-7D1327ED599B}"/>
+              </a:ext>
+            </a:extLst>
+          </p:cNvPr>
+          <p:cNvSpPr txBox="1"/>
+          <p:nvPr/>
+        </p:nvSpPr>
+        <p:spPr>
+          <a:xfrm>
+            <a:off x="989011" y="1796737"/>
+            <a:ext cx="3192464" cy="3970318"/>
+          </a:xfrm>
+          <a:prstGeom prst="rect">
+            <a:avLst/>
+          </a:prstGeom>
+          <a:noFill/>
+        </p:spPr>
+        <p:txBody>
+          <a:bodyPr wrap="square" rtlCol="0">
+            <a:spAutoFit/>
+          </a:bodyPr>
+          <a:lstStyle/>
+          <a:p>
+            <a:pPr marL="285750" indent="-285750">
+              <a:buFont typeface="Wingdings" panose="05000000000000000000" pitchFamily="2" charset="2"/>
+              <a:buChar char="Ø"/>
+            </a:pPr>
+            <a:r>
+              <a:rPr lang="fr-FR" dirty="0"/>
+              <a:t>Niveau composé de carré et créé à partir d’une liste 2D pour différencier les murs du chemin avec et sans point </a:t>
+            </a:r>
+          </a:p>
+          <a:p>
+            <a:pPr marL="285750" indent="-285750">
+              <a:buFont typeface="Wingdings" panose="05000000000000000000" pitchFamily="2" charset="2"/>
+              <a:buChar char="Ø"/>
+            </a:pPr>
+            <a:r>
+              <a:rPr lang="fr-FR" dirty="0"/>
+              <a:t>Ennemis rouges se déplacent librement sur le chemin bleu</a:t>
+            </a:r>
+          </a:p>
+          <a:p>
+            <a:pPr marL="285750" indent="-285750">
+              <a:buFont typeface="Wingdings" panose="05000000000000000000" pitchFamily="2" charset="2"/>
+              <a:buChar char="Ø"/>
+            </a:pPr>
+            <a:r>
+              <a:rPr lang="fr-FR" dirty="0" err="1"/>
+              <a:t>Pacman</a:t>
+            </a:r>
+            <a:r>
+              <a:rPr lang="fr-FR" dirty="0"/>
+              <a:t> (rond jaune) ramasse des points blancs sur le chemin qui disparaissent après son passage</a:t>
+            </a:r>
+          </a:p>
+        </p:txBody>
+      </p:sp>
+      <p:sp>
+        <p:nvSpPr>
+          <p:cNvPr id="11" name="ZoneTexte 10">
+            <a:extLst>
+              <a:ext uri="{FF2B5EF4-FFF2-40B4-BE49-F238E27FC236}">
+                <a16:creationId xmlns:a16="http://schemas.microsoft.com/office/drawing/2014/main" id="{1C323CAC-4039-C915-A7D8-6D4CEB407913}"/>
+              </a:ext>
+            </a:extLst>
+          </p:cNvPr>
+          <p:cNvSpPr txBox="1"/>
+          <p:nvPr/>
+        </p:nvSpPr>
+        <p:spPr>
+          <a:xfrm>
+            <a:off x="8456611" y="1796737"/>
+            <a:ext cx="3192464" cy="1754326"/>
+          </a:xfrm>
+          <a:prstGeom prst="rect">
+            <a:avLst/>
+          </a:prstGeom>
+          <a:noFill/>
+        </p:spPr>
+        <p:txBody>
+          <a:bodyPr wrap="square" rtlCol="0">
+            <a:spAutoFit/>
+          </a:bodyPr>
+          <a:lstStyle/>
+          <a:p>
+            <a:pPr marL="285750" indent="-285750">
+              <a:buFont typeface="Wingdings" panose="05000000000000000000" pitchFamily="2" charset="2"/>
+              <a:buChar char="Ø"/>
+            </a:pPr>
+            <a:r>
+              <a:rPr lang="fr-FR" dirty="0"/>
+              <a:t>Score augmente à chaque fois que </a:t>
+            </a:r>
+            <a:r>
+              <a:rPr lang="fr-FR" dirty="0" err="1"/>
+              <a:t>Pacman</a:t>
+            </a:r>
+            <a:r>
+              <a:rPr lang="fr-FR" dirty="0"/>
+              <a:t> passe sur un point blanc</a:t>
+            </a:r>
+          </a:p>
+          <a:p>
+            <a:pPr marL="285750" indent="-285750">
+              <a:buFont typeface="Wingdings" panose="05000000000000000000" pitchFamily="2" charset="2"/>
+              <a:buChar char="Ø"/>
+            </a:pPr>
+            <a:r>
+              <a:rPr lang="fr-FR" dirty="0"/>
+              <a:t>Bouton pour pouvoir quitter le jeu</a:t>
+            </a:r>
+          </a:p>
+        </p:txBody>
+      </p:sp>
       <p:pic>
         <p:nvPicPr>
-          <p:cNvPr id="9" name="Image 8">
+          <p:cNvPr id="4" name="Image 3">
             <a:extLst>
               <a:ext uri="{FF2B5EF4-FFF2-40B4-BE49-F238E27FC236}">
-                <a16:creationId xmlns:a16="http://schemas.microsoft.com/office/drawing/2014/main" id="{93DC4A5F-1686-9089-1BFE-32128F6465E3}"/>
+                <a16:creationId xmlns:a16="http://schemas.microsoft.com/office/drawing/2014/main" id="{68F60DB3-924E-E649-962F-A174E2836E1B}"/>
               </a:ext>
             </a:extLst>
           </p:cNvPr>
@@ -8454,167 +8607,14 @@
         </p:blipFill>
         <p:spPr>
           <a:xfrm>
-            <a:off x="0" y="1"/>
-            <a:ext cx="12192000" cy="6805062"/>
+            <a:off x="4521993" y="1955800"/>
+            <a:ext cx="3594100" cy="2946400"/>
           </a:xfrm>
           <a:prstGeom prst="rect">
             <a:avLst/>
           </a:prstGeom>
         </p:spPr>
       </p:pic>
-      <p:sp>
-        <p:nvSpPr>
-          <p:cNvPr id="2" name="Titre 1">
-            <a:extLst>
-              <a:ext uri="{FF2B5EF4-FFF2-40B4-BE49-F238E27FC236}">
-                <a16:creationId xmlns:a16="http://schemas.microsoft.com/office/drawing/2014/main" id="{FA9412E6-8EB3-0949-BF0E-CCD51D95D963}"/>
-              </a:ext>
-            </a:extLst>
-          </p:cNvPr>
-          <p:cNvSpPr>
-            <a:spLocks noGrp="1"/>
-          </p:cNvSpPr>
-          <p:nvPr>
-            <p:ph type="title"/>
-          </p:nvPr>
-        </p:nvSpPr>
-        <p:spPr>
-          <a:xfrm>
-            <a:off x="989011" y="290437"/>
-            <a:ext cx="9404723" cy="1400530"/>
-          </a:xfrm>
-        </p:spPr>
-        <p:txBody>
-          <a:bodyPr/>
-          <a:lstStyle/>
-          <a:p>
-            <a:r>
-              <a:rPr lang="fr-FR" dirty="0"/>
-              <a:t>Exemple du jeu</a:t>
-            </a:r>
-          </a:p>
-        </p:txBody>
-      </p:sp>
-      <p:sp>
-        <p:nvSpPr>
-          <p:cNvPr id="10" name="ZoneTexte 9">
-            <a:extLst>
-              <a:ext uri="{FF2B5EF4-FFF2-40B4-BE49-F238E27FC236}">
-                <a16:creationId xmlns:a16="http://schemas.microsoft.com/office/drawing/2014/main" id="{E43C380E-ED7C-1208-E40A-7D1327ED599B}"/>
-              </a:ext>
-            </a:extLst>
-          </p:cNvPr>
-          <p:cNvSpPr txBox="1"/>
-          <p:nvPr/>
-        </p:nvSpPr>
-        <p:spPr>
-          <a:xfrm>
-            <a:off x="989011" y="1796737"/>
-            <a:ext cx="3192464" cy="3970318"/>
-          </a:xfrm>
-          <a:prstGeom prst="rect">
-            <a:avLst/>
-          </a:prstGeom>
-          <a:noFill/>
-        </p:spPr>
-        <p:txBody>
-          <a:bodyPr wrap="square" rtlCol="0">
-            <a:spAutoFit/>
-          </a:bodyPr>
-          <a:lstStyle/>
-          <a:p>
-            <a:pPr marL="285750" indent="-285750">
-              <a:buFont typeface="Wingdings" panose="05000000000000000000" pitchFamily="2" charset="2"/>
-              <a:buChar char="Ø"/>
-            </a:pPr>
-            <a:r>
-              <a:rPr lang="fr-FR" dirty="0"/>
-              <a:t>Niveau composé de carré et créé à partir d’une liste 2D pour différencier les murs du chemin avec et sans point </a:t>
-            </a:r>
-          </a:p>
-          <a:p>
-            <a:pPr marL="285750" indent="-285750">
-              <a:buFont typeface="Wingdings" panose="05000000000000000000" pitchFamily="2" charset="2"/>
-              <a:buChar char="Ø"/>
-            </a:pPr>
-            <a:r>
-              <a:rPr lang="fr-FR" dirty="0"/>
-              <a:t>Ennemis rouges se déplacent librement sur le chemin bleu</a:t>
-            </a:r>
-          </a:p>
-          <a:p>
-            <a:pPr marL="285750" indent="-285750">
-              <a:buFont typeface="Wingdings" panose="05000000000000000000" pitchFamily="2" charset="2"/>
-              <a:buChar char="Ø"/>
-            </a:pPr>
-            <a:r>
-              <a:rPr lang="fr-FR" dirty="0" err="1"/>
-              <a:t>Pacman</a:t>
-            </a:r>
-            <a:r>
-              <a:rPr lang="fr-FR" dirty="0"/>
-              <a:t> (rond jaune) ramasse des points blancs sur le chemin qui disparaissent après son passage</a:t>
-            </a:r>
-          </a:p>
-        </p:txBody>
-      </p:sp>
-      <p:sp>
-        <p:nvSpPr>
-          <p:cNvPr id="11" name="ZoneTexte 10">
-            <a:extLst>
-              <a:ext uri="{FF2B5EF4-FFF2-40B4-BE49-F238E27FC236}">
-                <a16:creationId xmlns:a16="http://schemas.microsoft.com/office/drawing/2014/main" id="{1C323CAC-4039-C915-A7D8-6D4CEB407913}"/>
-              </a:ext>
-            </a:extLst>
-          </p:cNvPr>
-          <p:cNvSpPr txBox="1"/>
-          <p:nvPr/>
-        </p:nvSpPr>
-        <p:spPr>
-          <a:xfrm>
-            <a:off x="8456611" y="1796737"/>
-            <a:ext cx="3192464" cy="1754326"/>
-          </a:xfrm>
-          <a:prstGeom prst="rect">
-            <a:avLst/>
-          </a:prstGeom>
-          <a:noFill/>
-        </p:spPr>
-        <p:txBody>
-          <a:bodyPr wrap="square" rtlCol="0">
-            <a:spAutoFit/>
-          </a:bodyPr>
-          <a:lstStyle/>
-          <a:p>
-            <a:pPr marL="285750" indent="-285750">
-              <a:buFont typeface="Wingdings" panose="05000000000000000000" pitchFamily="2" charset="2"/>
-              <a:buChar char="Ø"/>
-            </a:pPr>
-            <a:r>
-              <a:rPr lang="fr-FR" dirty="0"/>
-              <a:t>Score augmente à chaque fois que </a:t>
-            </a:r>
-            <a:r>
-              <a:rPr lang="fr-FR" dirty="0" err="1"/>
-              <a:t>Pacman</a:t>
-            </a:r>
-            <a:r>
-              <a:rPr lang="fr-FR" dirty="0"/>
-              <a:t> passe sur un point blanc</a:t>
-            </a:r>
-          </a:p>
-          <a:p>
-            <a:pPr marL="285750" indent="-285750">
-              <a:buFont typeface="Wingdings" panose="05000000000000000000" pitchFamily="2" charset="2"/>
-              <a:buChar char="Ø"/>
-            </a:pPr>
-            <a:r>
-              <a:rPr lang="fr-FR" dirty="0"/>
-              <a:t>Bouton pour pouvoir quitter le jeu</a:t>
-            </a:r>
-          </a:p>
-        </p:txBody>
-      </p:sp>
     </p:spTree>
     <p:extLst>
       <p:ext uri="{BB962C8B-B14F-4D97-AF65-F5344CB8AC3E}">

--- a/src/projet/projet3/Powerpoint_pacman.pptx
+++ b/src/projet/projet3/Powerpoint_pacman.pptx
@@ -4,6 +4,12 @@
   <p:sldMasterIdLst>
     <p:sldMasterId id="2147483648" r:id="rId1"/>
   </p:sldMasterIdLst>
+  <p:notesMasterIdLst>
+    <p:notesMasterId r:id="rId22"/>
+  </p:notesMasterIdLst>
+  <p:handoutMasterIdLst>
+    <p:handoutMasterId r:id="rId23"/>
+  </p:handoutMasterIdLst>
   <p:sldIdLst>
     <p:sldId id="256" r:id="rId2"/>
     <p:sldId id="257" r:id="rId3"/>
@@ -129,6 +135,552 @@
     </p:ext>
   </p:extLst>
 </p:presentation>
+</file>
+
+<file path=ppt/handoutMasters/handoutMaster1.xml><?xml version="1.0" encoding="utf-8"?>
+<p:handoutMaster xmlns:a="http://schemas.openxmlformats.org/drawingml/2006/main" xmlns:r="http://schemas.openxmlformats.org/officeDocument/2006/relationships" xmlns:p="http://schemas.openxmlformats.org/presentationml/2006/main">
+  <p:cSld>
+    <p:bg>
+      <p:bgRef idx="1001">
+        <a:schemeClr val="bg1"/>
+      </p:bgRef>
+    </p:bg>
+    <p:spTree>
+      <p:nvGrpSpPr>
+        <p:cNvPr id="1" name=""/>
+        <p:cNvGrpSpPr/>
+        <p:nvPr/>
+      </p:nvGrpSpPr>
+      <p:grpSpPr>
+        <a:xfrm>
+          <a:off x="0" y="0"/>
+          <a:ext cx="0" cy="0"/>
+          <a:chOff x="0" y="0"/>
+          <a:chExt cx="0" cy="0"/>
+        </a:xfrm>
+      </p:grpSpPr>
+      <p:sp>
+        <p:nvSpPr>
+          <p:cNvPr id="2" name="Espace réservé de l'en-tête 1">
+            <a:extLst>
+              <a:ext uri="{FF2B5EF4-FFF2-40B4-BE49-F238E27FC236}">
+                <a16:creationId xmlns:a16="http://schemas.microsoft.com/office/drawing/2014/main" id="{2E64D80F-34BF-2240-AAEF-ABAF572B3A29}"/>
+              </a:ext>
+            </a:extLst>
+          </p:cNvPr>
+          <p:cNvSpPr>
+            <a:spLocks noGrp="1"/>
+          </p:cNvSpPr>
+          <p:nvPr>
+            <p:ph type="hdr" sz="quarter"/>
+          </p:nvPr>
+        </p:nvSpPr>
+        <p:spPr>
+          <a:xfrm>
+            <a:off x="0" y="0"/>
+            <a:ext cx="2971800" cy="458788"/>
+          </a:xfrm>
+          <a:prstGeom prst="rect">
+            <a:avLst/>
+          </a:prstGeom>
+        </p:spPr>
+        <p:txBody>
+          <a:bodyPr vert="horz" lIns="91440" tIns="45720" rIns="91440" bIns="45720" rtlCol="0"/>
+          <a:lstStyle>
+            <a:lvl1pPr algn="l">
+              <a:defRPr sz="1200"/>
+            </a:lvl1pPr>
+          </a:lstStyle>
+          <a:p>
+            <a:endParaRPr lang="fr-FR"/>
+          </a:p>
+        </p:txBody>
+      </p:sp>
+      <p:sp>
+        <p:nvSpPr>
+          <p:cNvPr id="3" name="Espace réservé de la date 2">
+            <a:extLst>
+              <a:ext uri="{FF2B5EF4-FFF2-40B4-BE49-F238E27FC236}">
+                <a16:creationId xmlns:a16="http://schemas.microsoft.com/office/drawing/2014/main" id="{F6EF840F-D185-A14B-A55A-0D92C0419179}"/>
+              </a:ext>
+            </a:extLst>
+          </p:cNvPr>
+          <p:cNvSpPr>
+            <a:spLocks noGrp="1"/>
+          </p:cNvSpPr>
+          <p:nvPr>
+            <p:ph type="dt" sz="quarter" idx="1"/>
+          </p:nvPr>
+        </p:nvSpPr>
+        <p:spPr>
+          <a:xfrm>
+            <a:off x="3884613" y="0"/>
+            <a:ext cx="2971800" cy="458788"/>
+          </a:xfrm>
+          <a:prstGeom prst="rect">
+            <a:avLst/>
+          </a:prstGeom>
+        </p:spPr>
+        <p:txBody>
+          <a:bodyPr vert="horz" lIns="91440" tIns="45720" rIns="91440" bIns="45720" rtlCol="0"/>
+          <a:lstStyle>
+            <a:lvl1pPr algn="r">
+              <a:defRPr sz="1200"/>
+            </a:lvl1pPr>
+          </a:lstStyle>
+          <a:p>
+            <a:fld id="{88E391C9-19C0-0C45-80C2-604602DDAFC3}" type="datetimeFigureOut">
+              <a:rPr lang="fr-FR" smtClean="0"/>
+              <a:t>16/06/2022</a:t>
+            </a:fld>
+            <a:endParaRPr lang="fr-FR"/>
+          </a:p>
+        </p:txBody>
+      </p:sp>
+      <p:sp>
+        <p:nvSpPr>
+          <p:cNvPr id="4" name="Espace réservé du pied de page 3">
+            <a:extLst>
+              <a:ext uri="{FF2B5EF4-FFF2-40B4-BE49-F238E27FC236}">
+                <a16:creationId xmlns:a16="http://schemas.microsoft.com/office/drawing/2014/main" id="{D079BBE8-8D46-ED43-9F39-0DBE871E7F63}"/>
+              </a:ext>
+            </a:extLst>
+          </p:cNvPr>
+          <p:cNvSpPr>
+            <a:spLocks noGrp="1"/>
+          </p:cNvSpPr>
+          <p:nvPr>
+            <p:ph type="ftr" sz="quarter" idx="2"/>
+          </p:nvPr>
+        </p:nvSpPr>
+        <p:spPr>
+          <a:xfrm>
+            <a:off x="0" y="8685213"/>
+            <a:ext cx="2971800" cy="458787"/>
+          </a:xfrm>
+          <a:prstGeom prst="rect">
+            <a:avLst/>
+          </a:prstGeom>
+        </p:spPr>
+        <p:txBody>
+          <a:bodyPr vert="horz" lIns="91440" tIns="45720" rIns="91440" bIns="45720" rtlCol="0" anchor="b"/>
+          <a:lstStyle>
+            <a:lvl1pPr algn="l">
+              <a:defRPr sz="1200"/>
+            </a:lvl1pPr>
+          </a:lstStyle>
+          <a:p>
+            <a:r>
+              <a:rPr lang="fr-FR"/>
+              <a:t>salut</a:t>
+            </a:r>
+          </a:p>
+        </p:txBody>
+      </p:sp>
+      <p:sp>
+        <p:nvSpPr>
+          <p:cNvPr id="5" name="Espace réservé du numéro de diapositive 4">
+            <a:extLst>
+              <a:ext uri="{FF2B5EF4-FFF2-40B4-BE49-F238E27FC236}">
+                <a16:creationId xmlns:a16="http://schemas.microsoft.com/office/drawing/2014/main" id="{C2BE4149-93FD-9F41-A95E-6F840DD40F4D}"/>
+              </a:ext>
+            </a:extLst>
+          </p:cNvPr>
+          <p:cNvSpPr>
+            <a:spLocks noGrp="1"/>
+          </p:cNvSpPr>
+          <p:nvPr>
+            <p:ph type="sldNum" sz="quarter" idx="3"/>
+          </p:nvPr>
+        </p:nvSpPr>
+        <p:spPr>
+          <a:xfrm>
+            <a:off x="3884613" y="8685213"/>
+            <a:ext cx="2971800" cy="458787"/>
+          </a:xfrm>
+          <a:prstGeom prst="rect">
+            <a:avLst/>
+          </a:prstGeom>
+        </p:spPr>
+        <p:txBody>
+          <a:bodyPr vert="horz" lIns="91440" tIns="45720" rIns="91440" bIns="45720" rtlCol="0" anchor="b"/>
+          <a:lstStyle>
+            <a:lvl1pPr algn="r">
+              <a:defRPr sz="1200"/>
+            </a:lvl1pPr>
+          </a:lstStyle>
+          <a:p>
+            <a:fld id="{79A8439F-6BFC-7C45-A843-835286AA4BAB}" type="slidenum">
+              <a:rPr lang="fr-FR" smtClean="0"/>
+              <a:t>‹N°›</a:t>
+            </a:fld>
+            <a:endParaRPr lang="fr-FR"/>
+          </a:p>
+        </p:txBody>
+      </p:sp>
+    </p:spTree>
+    <p:extLst>
+      <p:ext uri="{BB962C8B-B14F-4D97-AF65-F5344CB8AC3E}">
+        <p14:creationId xmlns:p14="http://schemas.microsoft.com/office/powerpoint/2010/main" val="3792312206"/>
+      </p:ext>
+    </p:extLst>
+  </p:cSld>
+  <p:clrMap bg1="lt1" tx1="dk1" bg2="lt2" tx2="dk2" accent1="accent1" accent2="accent2" accent3="accent3" accent4="accent4" accent5="accent5" accent6="accent6" hlink="hlink" folHlink="folHlink"/>
+  <p:hf hdr="0" dt="0"/>
+</p:handoutMaster>
+</file>
+
+<file path=ppt/notesMasters/notesMaster1.xml><?xml version="1.0" encoding="utf-8"?>
+<p:notesMaster xmlns:a="http://schemas.openxmlformats.org/drawingml/2006/main" xmlns:r="http://schemas.openxmlformats.org/officeDocument/2006/relationships" xmlns:p="http://schemas.openxmlformats.org/presentationml/2006/main">
+  <p:cSld>
+    <p:bg>
+      <p:bgRef idx="1001">
+        <a:schemeClr val="bg1"/>
+      </p:bgRef>
+    </p:bg>
+    <p:spTree>
+      <p:nvGrpSpPr>
+        <p:cNvPr id="1" name=""/>
+        <p:cNvGrpSpPr/>
+        <p:nvPr/>
+      </p:nvGrpSpPr>
+      <p:grpSpPr>
+        <a:xfrm>
+          <a:off x="0" y="0"/>
+          <a:ext cx="0" cy="0"/>
+          <a:chOff x="0" y="0"/>
+          <a:chExt cx="0" cy="0"/>
+        </a:xfrm>
+      </p:grpSpPr>
+      <p:sp>
+        <p:nvSpPr>
+          <p:cNvPr id="2" name="Espace réservé de l'en-tête 1"/>
+          <p:cNvSpPr>
+            <a:spLocks noGrp="1"/>
+          </p:cNvSpPr>
+          <p:nvPr>
+            <p:ph type="hdr" sz="quarter"/>
+          </p:nvPr>
+        </p:nvSpPr>
+        <p:spPr>
+          <a:xfrm>
+            <a:off x="0" y="0"/>
+            <a:ext cx="2971800" cy="458788"/>
+          </a:xfrm>
+          <a:prstGeom prst="rect">
+            <a:avLst/>
+          </a:prstGeom>
+        </p:spPr>
+        <p:txBody>
+          <a:bodyPr vert="horz" lIns="91440" tIns="45720" rIns="91440" bIns="45720" rtlCol="0"/>
+          <a:lstStyle>
+            <a:lvl1pPr algn="l">
+              <a:defRPr sz="1200"/>
+            </a:lvl1pPr>
+          </a:lstStyle>
+          <a:p>
+            <a:endParaRPr lang="fr-FR"/>
+          </a:p>
+        </p:txBody>
+      </p:sp>
+      <p:sp>
+        <p:nvSpPr>
+          <p:cNvPr id="3" name="Espace réservé de la date 2"/>
+          <p:cNvSpPr>
+            <a:spLocks noGrp="1"/>
+          </p:cNvSpPr>
+          <p:nvPr>
+            <p:ph type="dt" idx="1"/>
+          </p:nvPr>
+        </p:nvSpPr>
+        <p:spPr>
+          <a:xfrm>
+            <a:off x="3884613" y="0"/>
+            <a:ext cx="2971800" cy="458788"/>
+          </a:xfrm>
+          <a:prstGeom prst="rect">
+            <a:avLst/>
+          </a:prstGeom>
+        </p:spPr>
+        <p:txBody>
+          <a:bodyPr vert="horz" lIns="91440" tIns="45720" rIns="91440" bIns="45720" rtlCol="0"/>
+          <a:lstStyle>
+            <a:lvl1pPr algn="r">
+              <a:defRPr sz="1200"/>
+            </a:lvl1pPr>
+          </a:lstStyle>
+          <a:p>
+            <a:fld id="{A67B2A18-DA22-BD49-BBBA-10A65E13FE68}" type="datetimeFigureOut">
+              <a:rPr lang="fr-FR" smtClean="0"/>
+              <a:t>16/06/2022</a:t>
+            </a:fld>
+            <a:endParaRPr lang="fr-FR"/>
+          </a:p>
+        </p:txBody>
+      </p:sp>
+      <p:sp>
+        <p:nvSpPr>
+          <p:cNvPr id="4" name="Espace réservé de l'image des diapositives 3"/>
+          <p:cNvSpPr>
+            <a:spLocks noGrp="1" noRot="1" noChangeAspect="1"/>
+          </p:cNvSpPr>
+          <p:nvPr>
+            <p:ph type="sldImg" idx="2"/>
+          </p:nvPr>
+        </p:nvSpPr>
+        <p:spPr>
+          <a:xfrm>
+            <a:off x="685800" y="1143000"/>
+            <a:ext cx="5486400" cy="3086100"/>
+          </a:xfrm>
+          <a:prstGeom prst="rect">
+            <a:avLst/>
+          </a:prstGeom>
+          <a:noFill/>
+          <a:ln w="12700">
+            <a:solidFill>
+              <a:prstClr val="black"/>
+            </a:solidFill>
+          </a:ln>
+        </p:spPr>
+        <p:txBody>
+          <a:bodyPr vert="horz" lIns="91440" tIns="45720" rIns="91440" bIns="45720" rtlCol="0" anchor="ctr"/>
+          <a:lstStyle/>
+          <a:p>
+            <a:endParaRPr lang="fr-FR"/>
+          </a:p>
+        </p:txBody>
+      </p:sp>
+      <p:sp>
+        <p:nvSpPr>
+          <p:cNvPr id="5" name="Espace réservé des notes 4"/>
+          <p:cNvSpPr>
+            <a:spLocks noGrp="1"/>
+          </p:cNvSpPr>
+          <p:nvPr>
+            <p:ph type="body" sz="quarter" idx="3"/>
+          </p:nvPr>
+        </p:nvSpPr>
+        <p:spPr>
+          <a:xfrm>
+            <a:off x="685800" y="4400550"/>
+            <a:ext cx="5486400" cy="3600450"/>
+          </a:xfrm>
+          <a:prstGeom prst="rect">
+            <a:avLst/>
+          </a:prstGeom>
+        </p:spPr>
+        <p:txBody>
+          <a:bodyPr vert="horz" lIns="91440" tIns="45720" rIns="91440" bIns="45720" rtlCol="0"/>
+          <a:lstStyle/>
+          <a:p>
+            <a:pPr lvl="0"/>
+            <a:r>
+              <a:rPr lang="fr-FR"/>
+              <a:t>Cliquez pour modifier les styles du texte du masque</a:t>
+            </a:r>
+          </a:p>
+          <a:p>
+            <a:pPr lvl="1"/>
+            <a:r>
+              <a:rPr lang="fr-FR"/>
+              <a:t>Deuxième niveau</a:t>
+            </a:r>
+          </a:p>
+          <a:p>
+            <a:pPr lvl="2"/>
+            <a:r>
+              <a:rPr lang="fr-FR"/>
+              <a:t>Troisième niveau</a:t>
+            </a:r>
+          </a:p>
+          <a:p>
+            <a:pPr lvl="3"/>
+            <a:r>
+              <a:rPr lang="fr-FR"/>
+              <a:t>Quatrième niveau</a:t>
+            </a:r>
+          </a:p>
+          <a:p>
+            <a:pPr lvl="4"/>
+            <a:r>
+              <a:rPr lang="fr-FR"/>
+              <a:t>Cinquième niveau</a:t>
+            </a:r>
+          </a:p>
+        </p:txBody>
+      </p:sp>
+      <p:sp>
+        <p:nvSpPr>
+          <p:cNvPr id="6" name="Espace réservé du pied de page 5"/>
+          <p:cNvSpPr>
+            <a:spLocks noGrp="1"/>
+          </p:cNvSpPr>
+          <p:nvPr>
+            <p:ph type="ftr" sz="quarter" idx="4"/>
+          </p:nvPr>
+        </p:nvSpPr>
+        <p:spPr>
+          <a:xfrm>
+            <a:off x="0" y="8685213"/>
+            <a:ext cx="2971800" cy="458787"/>
+          </a:xfrm>
+          <a:prstGeom prst="rect">
+            <a:avLst/>
+          </a:prstGeom>
+        </p:spPr>
+        <p:txBody>
+          <a:bodyPr vert="horz" lIns="91440" tIns="45720" rIns="91440" bIns="45720" rtlCol="0" anchor="b"/>
+          <a:lstStyle>
+            <a:lvl1pPr algn="l">
+              <a:defRPr sz="1200"/>
+            </a:lvl1pPr>
+          </a:lstStyle>
+          <a:p>
+            <a:r>
+              <a:rPr lang="fr-FR"/>
+              <a:t>salut</a:t>
+            </a:r>
+          </a:p>
+        </p:txBody>
+      </p:sp>
+      <p:sp>
+        <p:nvSpPr>
+          <p:cNvPr id="7" name="Espace réservé du numéro de diapositive 6"/>
+          <p:cNvSpPr>
+            <a:spLocks noGrp="1"/>
+          </p:cNvSpPr>
+          <p:nvPr>
+            <p:ph type="sldNum" sz="quarter" idx="5"/>
+          </p:nvPr>
+        </p:nvSpPr>
+        <p:spPr>
+          <a:xfrm>
+            <a:off x="3884613" y="8685213"/>
+            <a:ext cx="2971800" cy="458787"/>
+          </a:xfrm>
+          <a:prstGeom prst="rect">
+            <a:avLst/>
+          </a:prstGeom>
+        </p:spPr>
+        <p:txBody>
+          <a:bodyPr vert="horz" lIns="91440" tIns="45720" rIns="91440" bIns="45720" rtlCol="0" anchor="b"/>
+          <a:lstStyle>
+            <a:lvl1pPr algn="r">
+              <a:defRPr sz="1200"/>
+            </a:lvl1pPr>
+          </a:lstStyle>
+          <a:p>
+            <a:fld id="{79430592-3608-D343-B5B0-7C6BD02576B9}" type="slidenum">
+              <a:rPr lang="fr-FR" smtClean="0"/>
+              <a:t>‹N°›</a:t>
+            </a:fld>
+            <a:endParaRPr lang="fr-FR"/>
+          </a:p>
+        </p:txBody>
+      </p:sp>
+    </p:spTree>
+    <p:extLst>
+      <p:ext uri="{BB962C8B-B14F-4D97-AF65-F5344CB8AC3E}">
+        <p14:creationId xmlns:p14="http://schemas.microsoft.com/office/powerpoint/2010/main" val="1100136155"/>
+      </p:ext>
+    </p:extLst>
+  </p:cSld>
+  <p:clrMap bg1="lt1" tx1="dk1" bg2="lt2" tx2="dk2" accent1="accent1" accent2="accent2" accent3="accent3" accent4="accent4" accent5="accent5" accent6="accent6" hlink="hlink" folHlink="folHlink"/>
+  <p:hf hdr="0" dt="0"/>
+  <p:notesStyle>
+    <a:lvl1pPr marL="0" algn="l" defTabSz="914400" rtl="0" eaLnBrk="1" latinLnBrk="0" hangingPunct="1">
+      <a:defRPr sz="1200" kern="1200">
+        <a:solidFill>
+          <a:schemeClr val="tx1"/>
+        </a:solidFill>
+        <a:latin typeface="+mn-lt"/>
+        <a:ea typeface="+mn-ea"/>
+        <a:cs typeface="+mn-cs"/>
+      </a:defRPr>
+    </a:lvl1pPr>
+    <a:lvl2pPr marL="457200" algn="l" defTabSz="914400" rtl="0" eaLnBrk="1" latinLnBrk="0" hangingPunct="1">
+      <a:defRPr sz="1200" kern="1200">
+        <a:solidFill>
+          <a:schemeClr val="tx1"/>
+        </a:solidFill>
+        <a:latin typeface="+mn-lt"/>
+        <a:ea typeface="+mn-ea"/>
+        <a:cs typeface="+mn-cs"/>
+      </a:defRPr>
+    </a:lvl2pPr>
+    <a:lvl3pPr marL="914400" algn="l" defTabSz="914400" rtl="0" eaLnBrk="1" latinLnBrk="0" hangingPunct="1">
+      <a:defRPr sz="1200" kern="1200">
+        <a:solidFill>
+          <a:schemeClr val="tx1"/>
+        </a:solidFill>
+        <a:latin typeface="+mn-lt"/>
+        <a:ea typeface="+mn-ea"/>
+        <a:cs typeface="+mn-cs"/>
+      </a:defRPr>
+    </a:lvl3pPr>
+    <a:lvl4pPr marL="1371600" algn="l" defTabSz="914400" rtl="0" eaLnBrk="1" latinLnBrk="0" hangingPunct="1">
+      <a:defRPr sz="1200" kern="1200">
+        <a:solidFill>
+          <a:schemeClr val="tx1"/>
+        </a:solidFill>
+        <a:latin typeface="+mn-lt"/>
+        <a:ea typeface="+mn-ea"/>
+        <a:cs typeface="+mn-cs"/>
+      </a:defRPr>
+    </a:lvl4pPr>
+    <a:lvl5pPr marL="1828800" algn="l" defTabSz="914400" rtl="0" eaLnBrk="1" latinLnBrk="0" hangingPunct="1">
+      <a:defRPr sz="1200" kern="1200">
+        <a:solidFill>
+          <a:schemeClr val="tx1"/>
+        </a:solidFill>
+        <a:latin typeface="+mn-lt"/>
+        <a:ea typeface="+mn-ea"/>
+        <a:cs typeface="+mn-cs"/>
+      </a:defRPr>
+    </a:lvl5pPr>
+    <a:lvl6pPr marL="2286000" algn="l" defTabSz="914400" rtl="0" eaLnBrk="1" latinLnBrk="0" hangingPunct="1">
+      <a:defRPr sz="1200" kern="1200">
+        <a:solidFill>
+          <a:schemeClr val="tx1"/>
+        </a:solidFill>
+        <a:latin typeface="+mn-lt"/>
+        <a:ea typeface="+mn-ea"/>
+        <a:cs typeface="+mn-cs"/>
+      </a:defRPr>
+    </a:lvl6pPr>
+    <a:lvl7pPr marL="2743200" algn="l" defTabSz="914400" rtl="0" eaLnBrk="1" latinLnBrk="0" hangingPunct="1">
+      <a:defRPr sz="1200" kern="1200">
+        <a:solidFill>
+          <a:schemeClr val="tx1"/>
+        </a:solidFill>
+        <a:latin typeface="+mn-lt"/>
+        <a:ea typeface="+mn-ea"/>
+        <a:cs typeface="+mn-cs"/>
+      </a:defRPr>
+    </a:lvl7pPr>
+    <a:lvl8pPr marL="3200400" algn="l" defTabSz="914400" rtl="0" eaLnBrk="1" latinLnBrk="0" hangingPunct="1">
+      <a:defRPr sz="1200" kern="1200">
+        <a:solidFill>
+          <a:schemeClr val="tx1"/>
+        </a:solidFill>
+        <a:latin typeface="+mn-lt"/>
+        <a:ea typeface="+mn-ea"/>
+        <a:cs typeface="+mn-cs"/>
+      </a:defRPr>
+    </a:lvl8pPr>
+    <a:lvl9pPr marL="3657600" algn="l" defTabSz="914400" rtl="0" eaLnBrk="1" latinLnBrk="0" hangingPunct="1">
+      <a:defRPr sz="1200" kern="1200">
+        <a:solidFill>
+          <a:schemeClr val="tx1"/>
+        </a:solidFill>
+        <a:latin typeface="+mn-lt"/>
+        <a:ea typeface="+mn-ea"/>
+        <a:cs typeface="+mn-cs"/>
+      </a:defRPr>
+    </a:lvl9pPr>
+  </p:notesStyle>
+</p:notesMaster>
 </file>
 
 <file path=ppt/slideLayouts/slideLayout1.xml><?xml version="1.0" encoding="utf-8"?>
@@ -6927,6 +7479,36 @@
           </a:p>
         </p:txBody>
       </p:sp>
+      <p:pic>
+        <p:nvPicPr>
+          <p:cNvPr id="5" name="Image 4" descr="Une image contenant texte&#10;&#10;Description générée automatiquement">
+            <a:extLst>
+              <a:ext uri="{FF2B5EF4-FFF2-40B4-BE49-F238E27FC236}">
+                <a16:creationId xmlns:a16="http://schemas.microsoft.com/office/drawing/2014/main" id="{C866189F-3C79-084B-9539-B7157689DEA8}"/>
+              </a:ext>
+            </a:extLst>
+          </p:cNvPr>
+          <p:cNvPicPr>
+            <a:picLocks noChangeAspect="1"/>
+          </p:cNvPicPr>
+          <p:nvPr/>
+        </p:nvPicPr>
+        <p:blipFill>
+          <a:blip r:embed="rId2"/>
+          <a:stretch>
+            <a:fillRect/>
+          </a:stretch>
+        </p:blipFill>
+        <p:spPr>
+          <a:xfrm>
+            <a:off x="2599348" y="3522204"/>
+            <a:ext cx="6651720" cy="1680811"/>
+          </a:xfrm>
+          <a:prstGeom prst="rect">
+            <a:avLst/>
+          </a:prstGeom>
+        </p:spPr>
+      </p:pic>
     </p:spTree>
     <p:extLst>
       <p:ext uri="{BB962C8B-B14F-4D97-AF65-F5344CB8AC3E}">
@@ -7060,6 +7642,36 @@
           </a:p>
         </p:txBody>
       </p:sp>
+      <p:pic>
+        <p:nvPicPr>
+          <p:cNvPr id="5" name="Image 4" descr="Une image contenant texte&#10;&#10;Description générée automatiquement">
+            <a:extLst>
+              <a:ext uri="{FF2B5EF4-FFF2-40B4-BE49-F238E27FC236}">
+                <a16:creationId xmlns:a16="http://schemas.microsoft.com/office/drawing/2014/main" id="{6F487B3E-0CB9-324D-B837-26114AC6DE29}"/>
+              </a:ext>
+            </a:extLst>
+          </p:cNvPr>
+          <p:cNvPicPr>
+            <a:picLocks noChangeAspect="1"/>
+          </p:cNvPicPr>
+          <p:nvPr/>
+        </p:nvPicPr>
+        <p:blipFill>
+          <a:blip r:embed="rId2"/>
+          <a:stretch>
+            <a:fillRect/>
+          </a:stretch>
+        </p:blipFill>
+        <p:spPr>
+          <a:xfrm>
+            <a:off x="3003550" y="4322482"/>
+            <a:ext cx="6184900" cy="2082800"/>
+          </a:xfrm>
+          <a:prstGeom prst="rect">
+            <a:avLst/>
+          </a:prstGeom>
+        </p:spPr>
+      </p:pic>
     </p:spTree>
     <p:extLst>
       <p:ext uri="{BB962C8B-B14F-4D97-AF65-F5344CB8AC3E}">
@@ -7211,6 +7823,36 @@
           </a:p>
         </p:txBody>
       </p:sp>
+      <p:pic>
+        <p:nvPicPr>
+          <p:cNvPr id="5" name="Image 4" descr="Une image contenant texte, écran, capture d’écran&#10;&#10;Description générée automatiquement">
+            <a:extLst>
+              <a:ext uri="{FF2B5EF4-FFF2-40B4-BE49-F238E27FC236}">
+                <a16:creationId xmlns:a16="http://schemas.microsoft.com/office/drawing/2014/main" id="{1386BA68-54EC-444D-9648-11E4F41C288B}"/>
+              </a:ext>
+            </a:extLst>
+          </p:cNvPr>
+          <p:cNvPicPr>
+            <a:picLocks noChangeAspect="1"/>
+          </p:cNvPicPr>
+          <p:nvPr/>
+        </p:nvPicPr>
+        <p:blipFill>
+          <a:blip r:embed="rId2"/>
+          <a:stretch>
+            <a:fillRect/>
+          </a:stretch>
+        </p:blipFill>
+        <p:spPr>
+          <a:xfrm>
+            <a:off x="3301835" y="4325893"/>
+            <a:ext cx="5588330" cy="2532107"/>
+          </a:xfrm>
+          <a:prstGeom prst="rect">
+            <a:avLst/>
+          </a:prstGeom>
+        </p:spPr>
+      </p:pic>
     </p:spTree>
     <p:extLst>
       <p:ext uri="{BB962C8B-B14F-4D97-AF65-F5344CB8AC3E}">
@@ -7452,6 +8094,30 @@
 <file path=ppt/slides/slide17.xml><?xml version="1.0" encoding="utf-8"?>
 <p:sld xmlns:a="http://schemas.openxmlformats.org/drawingml/2006/main" xmlns:r="http://schemas.openxmlformats.org/officeDocument/2006/relationships" xmlns:p="http://schemas.openxmlformats.org/presentationml/2006/main">
   <p:cSld>
+    <p:bg>
+      <p:bgPr>
+        <a:blipFill rotWithShape="1">
+          <a:blip r:embed="rId2">
+            <a:duotone>
+              <a:schemeClr val="bg2">
+                <a:shade val="69000"/>
+                <a:hueMod val="108000"/>
+                <a:satMod val="164000"/>
+                <a:lumMod val="74000"/>
+              </a:schemeClr>
+              <a:schemeClr val="bg2">
+                <a:tint val="96000"/>
+                <a:hueMod val="88000"/>
+                <a:satMod val="140000"/>
+                <a:lumMod val="132000"/>
+              </a:schemeClr>
+            </a:duotone>
+          </a:blip>
+          <a:stretch/>
+        </a:blipFill>
+        <a:effectLst/>
+      </p:bgPr>
+    </p:bg>
     <p:spTree>
       <p:nvGrpSpPr>
         <p:cNvPr id="1" name=""/>
@@ -7482,9 +8148,16 @@
             <p:ph type="title"/>
           </p:nvPr>
         </p:nvSpPr>
-        <p:spPr/>
-        <p:txBody>
-          <a:bodyPr/>
+        <p:spPr>
+          <a:xfrm>
+            <a:off x="646111" y="609601"/>
+            <a:ext cx="4793473" cy="1675975"/>
+          </a:xfrm>
+        </p:spPr>
+        <p:txBody>
+          <a:bodyPr>
+            <a:normAutofit/>
+          </a:bodyPr>
           <a:lstStyle/>
           <a:p>
             <a:r>
@@ -7493,6 +8166,95 @@
             </a:r>
           </a:p>
         </p:txBody>
+      </p:sp>
+      <p:pic>
+        <p:nvPicPr>
+          <p:cNvPr id="5" name="Image 4" descr="Une image contenant texte, écran, capture d’écran&#10;&#10;Description générée automatiquement">
+            <a:extLst>
+              <a:ext uri="{FF2B5EF4-FFF2-40B4-BE49-F238E27FC236}">
+                <a16:creationId xmlns:a16="http://schemas.microsoft.com/office/drawing/2014/main" id="{0A80335E-2D49-264E-B0B5-4A712C2C0734}"/>
+              </a:ext>
+            </a:extLst>
+          </p:cNvPr>
+          <p:cNvPicPr>
+            <a:picLocks noChangeAspect="1"/>
+          </p:cNvPicPr>
+          <p:nvPr/>
+        </p:nvPicPr>
+        <p:blipFill rotWithShape="1">
+          <a:blip r:embed="rId3"/>
+          <a:srcRect t="959" r="2" b="2"/>
+          <a:stretch/>
+        </p:blipFill>
+        <p:spPr>
+          <a:xfrm>
+            <a:off x="6094412" y="609137"/>
+            <a:ext cx="5449888" cy="2766290"/>
+          </a:xfrm>
+          <a:prstGeom prst="rect">
+            <a:avLst/>
+          </a:prstGeom>
+          <a:effectLst>
+            <a:outerShdw blurRad="50800" dist="38100" dir="5400000" algn="t" rotWithShape="0">
+              <a:prstClr val="black">
+                <a:alpha val="43000"/>
+              </a:prstClr>
+            </a:outerShdw>
+          </a:effectLst>
+        </p:spPr>
+      </p:pic>
+      <p:sp>
+        <p:nvSpPr>
+          <p:cNvPr id="12" name="Rectangle 11">
+            <a:extLst>
+              <a:ext uri="{FF2B5EF4-FFF2-40B4-BE49-F238E27FC236}">
+                <a16:creationId xmlns:a16="http://schemas.microsoft.com/office/drawing/2014/main" id="{AC546BE4-C7A3-4A47-9FA5-0866D5E656B4}"/>
+              </a:ext>
+              <a:ext uri="{C183D7F6-B498-43B3-948B-1728B52AA6E4}">
+                <adec:decorative xmlns:adec="http://schemas.microsoft.com/office/drawing/2017/decorative" val="1"/>
+              </a:ext>
+            </a:extLst>
+          </p:cNvPr>
+          <p:cNvSpPr>
+            <a:spLocks noGrp="1" noRot="1" noChangeAspect="1" noMove="1" noResize="1" noEditPoints="1" noAdjustHandles="1" noChangeArrowheads="1" noChangeShapeType="1" noTextEdit="1"/>
+          </p:cNvSpPr>
+          <p:nvPr>
+            <p:extLst>
+              <p:ext uri="{386F3935-93C4-4BCD-93E2-E3B085C9AB24}">
+                <p16:designElem xmlns:p16="http://schemas.microsoft.com/office/powerpoint/2015/main" val="1"/>
+              </p:ext>
+            </p:extLst>
+          </p:nvPr>
+        </p:nvSpPr>
+        <p:spPr>
+          <a:xfrm>
+            <a:off x="10437812" y="0"/>
+            <a:ext cx="685800" cy="1143000"/>
+          </a:xfrm>
+          <a:prstGeom prst="rect">
+            <a:avLst/>
+          </a:prstGeom>
+          <a:solidFill>
+            <a:schemeClr val="accent1"/>
+          </a:solidFill>
+          <a:ln>
+            <a:noFill/>
+          </a:ln>
+        </p:spPr>
+        <p:style>
+          <a:lnRef idx="1">
+            <a:schemeClr val="accent1"/>
+          </a:lnRef>
+          <a:fillRef idx="3">
+            <a:schemeClr val="accent1"/>
+          </a:fillRef>
+          <a:effectRef idx="2">
+            <a:schemeClr val="accent1"/>
+          </a:effectRef>
+          <a:fontRef idx="minor">
+            <a:schemeClr val="lt1"/>
+          </a:fontRef>
+        </p:style>
       </p:sp>
       <p:sp>
         <p:nvSpPr>
@@ -7512,8 +8274,8 @@
         </p:nvSpPr>
         <p:spPr>
           <a:xfrm>
-            <a:off x="646111" y="1654985"/>
-            <a:ext cx="8946541" cy="4441015"/>
+            <a:off x="642175" y="2484544"/>
+            <a:ext cx="4799145" cy="3763855"/>
           </a:xfrm>
         </p:spPr>
         <p:txBody>
@@ -7524,35 +8286,69 @@
           <a:p>
             <a:r>
               <a:rPr lang="fr-FR" dirty="0"/>
-              <a:t>Montrez comment sont dessinés vos éléments graphiques</a:t>
-            </a:r>
-          </a:p>
-          <a:p>
-            <a:r>
-              <a:rPr lang="fr-FR" dirty="0"/>
-              <a:t>Arrière-fond</a:t>
-            </a:r>
-          </a:p>
-          <a:p>
-            <a:r>
-              <a:rPr lang="fr-FR" dirty="0"/>
-              <a:t>Player</a:t>
-            </a:r>
-          </a:p>
-          <a:p>
-            <a:r>
-              <a:rPr lang="fr-FR" dirty="0"/>
-              <a:t>Texte</a:t>
-            </a:r>
-          </a:p>
-          <a:p>
-            <a:r>
-              <a:rPr lang="fr-FR" dirty="0"/>
-              <a:t>Autre éléments</a:t>
-            </a:r>
-          </a:p>
-        </p:txBody>
-      </p:sp>
+              <a:t>Le première image consiste à la création des deux labyrinthes</a:t>
+            </a:r>
+          </a:p>
+          <a:p>
+            <a:r>
+              <a:rPr lang="fr-FR" dirty="0"/>
+              <a:t>La deuxième permet de dessiner le score, </a:t>
+            </a:r>
+            <a:r>
+              <a:rPr lang="fr-FR" dirty="0" err="1"/>
+              <a:t>pacman</a:t>
+            </a:r>
+            <a:r>
+              <a:rPr lang="fr-FR" dirty="0"/>
+              <a:t>, le bouton </a:t>
+            </a:r>
+            <a:r>
+              <a:rPr lang="fr-FR" dirty="0" err="1"/>
+              <a:t>quit</a:t>
+            </a:r>
+            <a:r>
+              <a:rPr lang="fr-FR" dirty="0"/>
+              <a:t> et les fantômes. </a:t>
+            </a:r>
+          </a:p>
+        </p:txBody>
+      </p:sp>
+      <p:pic>
+        <p:nvPicPr>
+          <p:cNvPr id="7" name="Image 6" descr="Une image contenant texte&#10;&#10;Description générée automatiquement">
+            <a:extLst>
+              <a:ext uri="{FF2B5EF4-FFF2-40B4-BE49-F238E27FC236}">
+                <a16:creationId xmlns:a16="http://schemas.microsoft.com/office/drawing/2014/main" id="{30FC8738-ED4A-704F-B06F-CDD8FF0869D0}"/>
+              </a:ext>
+            </a:extLst>
+          </p:cNvPr>
+          <p:cNvPicPr>
+            <a:picLocks noChangeAspect="1"/>
+          </p:cNvPicPr>
+          <p:nvPr/>
+        </p:nvPicPr>
+        <p:blipFill rotWithShape="1">
+          <a:blip r:embed="rId4"/>
+          <a:srcRect r="23658"/>
+          <a:stretch/>
+        </p:blipFill>
+        <p:spPr>
+          <a:xfrm>
+            <a:off x="6094412" y="3482108"/>
+            <a:ext cx="5449888" cy="2766290"/>
+          </a:xfrm>
+          <a:prstGeom prst="rect">
+            <a:avLst/>
+          </a:prstGeom>
+          <a:effectLst>
+            <a:outerShdw blurRad="50800" dist="38100" dir="5400000" algn="t" rotWithShape="0">
+              <a:prstClr val="black">
+                <a:alpha val="43000"/>
+              </a:prstClr>
+            </a:outerShdw>
+          </a:effectLst>
+        </p:spPr>
+      </p:pic>
     </p:spTree>
     <p:extLst>
       <p:ext uri="{BB962C8B-B14F-4D97-AF65-F5344CB8AC3E}">
@@ -7748,26 +8544,114 @@
         </p:spPr>
         <p:txBody>
           <a:bodyPr>
-            <a:normAutofit/>
+            <a:normAutofit lnSpcReduction="10000"/>
           </a:bodyPr>
           <a:lstStyle/>
           <a:p>
             <a:r>
               <a:rPr lang="fr-FR" dirty="0"/>
-              <a:t>Les forces de votre projet</a:t>
-            </a:r>
-          </a:p>
-          <a:p>
-            <a:r>
-              <a:rPr lang="fr-FR" dirty="0"/>
-              <a:t>Les faiblesses de votre projet</a:t>
-            </a:r>
-          </a:p>
-          <a:p>
-            <a:r>
-              <a:rPr lang="fr-FR" dirty="0"/>
-              <a:t>Ce que vous avez appris</a:t>
-            </a:r>
+              <a:t>Les forces de notre projet sont:</a:t>
+            </a:r>
+          </a:p>
+          <a:p>
+            <a:pPr lvl="1">
+              <a:buFont typeface="Arial" panose="020B0604020202020204" pitchFamily="34" charset="0"/>
+              <a:buChar char="•"/>
+            </a:pPr>
+            <a:r>
+              <a:rPr lang="fr-FR" dirty="0"/>
+              <a:t>Les deux niveaux de jeu</a:t>
+            </a:r>
+          </a:p>
+          <a:p>
+            <a:pPr lvl="1">
+              <a:buFont typeface="Arial" panose="020B0604020202020204" pitchFamily="34" charset="0"/>
+              <a:buChar char="•"/>
+            </a:pPr>
+            <a:r>
+              <a:rPr lang="fr-FR" dirty="0"/>
+              <a:t>L’intelligence des fantômes</a:t>
+            </a:r>
+          </a:p>
+          <a:p>
+            <a:pPr lvl="1">
+              <a:buFont typeface="Arial" panose="020B0604020202020204" pitchFamily="34" charset="0"/>
+              <a:buChar char="•"/>
+            </a:pPr>
+            <a:r>
+              <a:rPr lang="fr-FR" dirty="0"/>
+              <a:t>La simplicité</a:t>
+            </a:r>
+          </a:p>
+          <a:p>
+            <a:r>
+              <a:rPr lang="fr-FR" dirty="0"/>
+              <a:t>Les faiblesses de votre projet:</a:t>
+            </a:r>
+          </a:p>
+          <a:p>
+            <a:pPr lvl="1">
+              <a:buFont typeface="Arial" panose="020B0604020202020204" pitchFamily="34" charset="0"/>
+              <a:buChar char="•"/>
+            </a:pPr>
+            <a:r>
+              <a:rPr lang="fr-FR" dirty="0"/>
+              <a:t>Répétition des niveaux</a:t>
+            </a:r>
+          </a:p>
+          <a:p>
+            <a:pPr lvl="1">
+              <a:buFont typeface="Arial" panose="020B0604020202020204" pitchFamily="34" charset="0"/>
+              <a:buChar char="•"/>
+            </a:pPr>
+            <a:r>
+              <a:rPr lang="fr-FR" dirty="0"/>
+              <a:t>Pas d’historique des scores</a:t>
+            </a:r>
+          </a:p>
+          <a:p>
+            <a:pPr lvl="1">
+              <a:buFont typeface="Arial" panose="020B0604020202020204" pitchFamily="34" charset="0"/>
+              <a:buChar char="•"/>
+            </a:pPr>
+            <a:r>
+              <a:rPr lang="fr-FR" dirty="0"/>
+              <a:t>Pas de sons</a:t>
+            </a:r>
+          </a:p>
+          <a:p>
+            <a:r>
+              <a:rPr lang="fr-FR" dirty="0"/>
+              <a:t>Ce que nous avons appris:</a:t>
+            </a:r>
+          </a:p>
+          <a:p>
+            <a:pPr lvl="1">
+              <a:buFont typeface="Arial" panose="020B0604020202020204" pitchFamily="34" charset="0"/>
+              <a:buChar char="•"/>
+            </a:pPr>
+            <a:r>
+              <a:rPr lang="fr-FR" dirty="0"/>
+              <a:t>Les liens entre les classes</a:t>
+            </a:r>
+          </a:p>
+          <a:p>
+            <a:pPr lvl="1">
+              <a:buFont typeface="Arial" panose="020B0604020202020204" pitchFamily="34" charset="0"/>
+              <a:buChar char="•"/>
+            </a:pPr>
+            <a:r>
+              <a:rPr lang="fr-FR" dirty="0"/>
+              <a:t>Pouvoir partager notre travail sur </a:t>
+            </a:r>
+            <a:r>
+              <a:rPr lang="fr-FR" dirty="0" err="1"/>
+              <a:t>github</a:t>
+            </a:r>
+            <a:endParaRPr lang="fr-FR" dirty="0"/>
+          </a:p>
+          <a:p>
+            <a:endParaRPr lang="fr-FR" dirty="0"/>
           </a:p>
         </p:txBody>
       </p:sp>
@@ -7865,7 +8749,7 @@
           <a:p>
             <a:r>
               <a:rPr lang="fr-FR" dirty="0"/>
-              <a:t>Il existe deux labyrinthes, on incarne un rond jaune et il y a des ennemis qui sont des ronds rouges.</a:t>
+              <a:t>Il existe deux niveaux, on incarne un rond jaune et il y a des ennemis qui sont des ronds rouges.</a:t>
             </a:r>
           </a:p>
           <a:p>
@@ -7879,7 +8763,15 @@
             </a:r>
             <a:r>
               <a:rPr lang="fr-FR" dirty="0"/>
-              <a:t> et les touches 1 et 2 permettent de changer de plateforme. Il y a aussi une touche pour quitter le jeu si l’on souhaite.</a:t>
+              <a:t> . Il y a aussi un bouton pour quitter le jeu si l’on souhaite et aussi un bouton </a:t>
+            </a:r>
+            <a:r>
+              <a:rPr lang="fr-FR" dirty="0" err="1"/>
+              <a:t>retry</a:t>
+            </a:r>
+            <a:r>
+              <a:rPr lang="fr-FR" dirty="0"/>
+              <a:t> pour recommencer.</a:t>
             </a:r>
           </a:p>
         </p:txBody>
@@ -7930,49 +8822,20 @@
             <p:ph type="title"/>
           </p:nvPr>
         </p:nvSpPr>
-        <p:spPr/>
+        <p:spPr>
+          <a:xfrm>
+            <a:off x="1393638" y="2728735"/>
+            <a:ext cx="9404723" cy="1400530"/>
+          </a:xfrm>
+        </p:spPr>
         <p:txBody>
           <a:bodyPr/>
           <a:lstStyle/>
           <a:p>
+            <a:pPr algn="ctr"/>
             <a:r>
               <a:rPr lang="fr-FR" dirty="0"/>
               <a:t>Démonstration</a:t>
-            </a:r>
-          </a:p>
-        </p:txBody>
-      </p:sp>
-      <p:sp>
-        <p:nvSpPr>
-          <p:cNvPr id="3" name="Espace réservé du contenu 2">
-            <a:extLst>
-              <a:ext uri="{FF2B5EF4-FFF2-40B4-BE49-F238E27FC236}">
-                <a16:creationId xmlns:a16="http://schemas.microsoft.com/office/drawing/2014/main" id="{E2D04534-56C5-6449-A0BC-5BA92625F5A2}"/>
-              </a:ext>
-            </a:extLst>
-          </p:cNvPr>
-          <p:cNvSpPr>
-            <a:spLocks noGrp="1"/>
-          </p:cNvSpPr>
-          <p:nvPr>
-            <p:ph idx="1"/>
-          </p:nvPr>
-        </p:nvSpPr>
-        <p:spPr>
-          <a:xfrm>
-            <a:off x="646111" y="1654985"/>
-            <a:ext cx="8946541" cy="4441015"/>
-          </a:xfrm>
-        </p:spPr>
-        <p:txBody>
-          <a:bodyPr>
-            <a:normAutofit/>
-          </a:bodyPr>
-          <a:lstStyle/>
-          <a:p>
-            <a:r>
-              <a:rPr lang="fr-FR" dirty="0"/>
-              <a:t>Démonstration du jeu</a:t>
             </a:r>
           </a:p>
         </p:txBody>
@@ -8058,7 +8921,7 @@
           <a:p>
             <a:r>
               <a:rPr lang="fr-FR" dirty="0"/>
-              <a:t>Nous avons trouvé un site qui donne des exemples de jeu 2d avec Python. (</a:t>
+              <a:t>Nous avons trouvé un site qui donne des exemples de jeu 2D avec Python. (</a:t>
             </a:r>
             <a:r>
               <a:rPr lang="fr-CH" dirty="0"/>
@@ -8176,25 +9039,25 @@
           <a:p>
             <a:r>
               <a:rPr lang="fr-FR" dirty="0"/>
-              <a:t>Nombre de lignes de code</a:t>
-            </a:r>
-          </a:p>
-          <a:p>
-            <a:r>
-              <a:rPr lang="fr-FR" dirty="0"/>
-              <a:t>Nombre de commit sur GitHub</a:t>
-            </a:r>
-          </a:p>
-          <a:p>
-            <a:r>
-              <a:rPr lang="fr-FR" dirty="0"/>
-              <a:t>Nombre d’heures passé au projet : 15 heures</a:t>
-            </a:r>
-          </a:p>
-          <a:p>
-            <a:r>
-              <a:rPr lang="fr-FR" dirty="0"/>
-              <a:t>Répartition entre les 2 partenaires</a:t>
+              <a:t>Nombre de lignes de code : 396</a:t>
+            </a:r>
+          </a:p>
+          <a:p>
+            <a:r>
+              <a:rPr lang="fr-FR" dirty="0"/>
+              <a:t>Nombre de commit sur GitHub : 51</a:t>
+            </a:r>
+          </a:p>
+          <a:p>
+            <a:r>
+              <a:rPr lang="fr-FR" dirty="0"/>
+              <a:t>Nombre d’heures passé au projet : 40 heures</a:t>
+            </a:r>
+          </a:p>
+          <a:p>
+            <a:r>
+              <a:rPr lang="fr-FR" dirty="0"/>
+              <a:t>Répartition entre les 2 partenaires : 25 heures Alex et 15 heures Walid</a:t>
             </a:r>
           </a:p>
           <a:p>
@@ -8303,7 +9166,7 @@
             </a:r>
             <a:r>
               <a:rPr lang="fr-FR" dirty="0"/>
-              <a:t>, il fallait s’assurer que nous ne travaillions pas en même temps afin de ne pas créer de problèmes. (push régulièrement)</a:t>
+              <a:t>, il fallait s’assurer que nous ne travaillions pas en même temps afin de ne pas créer de problèmes.</a:t>
             </a:r>
           </a:p>
           <a:p>
@@ -8377,31 +9240,35 @@
           </a:p>
         </p:txBody>
       </p:sp>
-      <p:sp>
-        <p:nvSpPr>
-          <p:cNvPr id="3" name="Espace réservé du contenu 2">
+      <p:pic>
+        <p:nvPicPr>
+          <p:cNvPr id="5" name="Espace réservé du contenu 4" descr="Une image contenant texte, capture d’écran, moniteur, argent&#10;&#10;Description générée automatiquement">
             <a:extLst>
               <a:ext uri="{FF2B5EF4-FFF2-40B4-BE49-F238E27FC236}">
-                <a16:creationId xmlns:a16="http://schemas.microsoft.com/office/drawing/2014/main" id="{FA8F1B9B-C04E-074F-A417-9538DCD584C1}"/>
+                <a16:creationId xmlns:a16="http://schemas.microsoft.com/office/drawing/2014/main" id="{97D50098-18E7-564F-B3EA-7ED0046FF258}"/>
               </a:ext>
             </a:extLst>
           </p:cNvPr>
-          <p:cNvSpPr>
-            <a:spLocks noGrp="1"/>
-          </p:cNvSpPr>
+          <p:cNvPicPr>
+            <a:picLocks noGrp="1" noChangeAspect="1"/>
+          </p:cNvPicPr>
           <p:nvPr>
             <p:ph idx="1"/>
           </p:nvPr>
-        </p:nvSpPr>
-        <p:spPr/>
-        <p:txBody>
-          <a:bodyPr/>
-          <a:lstStyle/>
-          <a:p>
-            <a:endParaRPr lang="fr-FR"/>
-          </a:p>
-        </p:txBody>
-      </p:sp>
+        </p:nvPicPr>
+        <p:blipFill>
+          <a:blip r:embed="rId2"/>
+          <a:stretch>
+            <a:fillRect/>
+          </a:stretch>
+        </p:blipFill>
+        <p:spPr>
+          <a:xfrm>
+            <a:off x="2784088" y="1331119"/>
+            <a:ext cx="6480121" cy="4195762"/>
+          </a:xfrm>
+        </p:spPr>
+      </p:pic>
     </p:spTree>
     <p:extLst>
       <p:ext uri="{BB962C8B-B14F-4D97-AF65-F5344CB8AC3E}">
@@ -9143,12 +10010,16 @@
               <a:buChar char="•"/>
             </a:pPr>
             <a:r>
+              <a:rPr lang="fr-FR" dirty="0"/>
+              <a:t>« </a:t>
+            </a:r>
+            <a:r>
               <a:rPr lang="fr-FR" dirty="0" err="1"/>
               <a:t>game</a:t>
             </a:r>
             <a:r>
               <a:rPr lang="fr-FR" dirty="0"/>
-              <a:t> lui permet de communiquer avec la classe Game qui contient les informations sur son environnement</a:t>
+              <a:t> » lui permet de communiquer avec la classe Game qui contient les informations sur son environnement</a:t>
             </a:r>
           </a:p>
           <a:p>
@@ -9158,7 +10029,7 @@
             </a:pPr>
             <a:r>
               <a:rPr lang="fr-FR" dirty="0"/>
-              <a:t>pos qui indique sa position actuelle</a:t>
+              <a:t>« pos » qui indique sa position actuelle</a:t>
             </a:r>
           </a:p>
           <a:p>
@@ -9167,12 +10038,16 @@
               <a:buChar char="•"/>
             </a:pPr>
             <a:r>
+              <a:rPr lang="fr-FR" dirty="0"/>
+              <a:t>« </a:t>
+            </a:r>
+            <a:r>
               <a:rPr lang="fr-FR" dirty="0" err="1"/>
               <a:t>aim</a:t>
             </a:r>
             <a:r>
               <a:rPr lang="fr-FR" dirty="0"/>
-              <a:t> qui est la direction dans laquelle il va</a:t>
+              <a:t> » qui est la direction dans laquelle il va</a:t>
             </a:r>
           </a:p>
           <a:p>
@@ -9182,7 +10057,7 @@
             </a:pPr>
             <a:r>
               <a:rPr lang="fr-FR" dirty="0"/>
-              <a:t>direction qui sauvegarde la direction souhaitée par le joueur</a:t>
+              <a:t>« direction » qui sauvegarde la direction souhaitée par le joueur</a:t>
             </a:r>
           </a:p>
           <a:p>
@@ -9191,12 +10066,16 @@
               <a:buChar char="•"/>
             </a:pPr>
             <a:r>
+              <a:rPr lang="fr-FR" dirty="0"/>
+              <a:t>« </a:t>
+            </a:r>
+            <a:r>
               <a:rPr lang="fr-FR" dirty="0" err="1"/>
               <a:t>isdead</a:t>
             </a:r>
             <a:r>
               <a:rPr lang="fr-FR" dirty="0"/>
-              <a:t> qui permet de savoir si </a:t>
+              <a:t> » qui permet de savoir si </a:t>
             </a:r>
             <a:r>
               <a:rPr lang="fr-FR" dirty="0" err="1"/>
@@ -9220,7 +10099,7 @@
             </a:pPr>
             <a:r>
               <a:rPr lang="fr-FR" dirty="0"/>
-              <a:t>move qui gère ses déplacements et ramasse les points</a:t>
+              <a:t>« move » qui gère ses déplacements et ramasse les points</a:t>
             </a:r>
           </a:p>
           <a:p>
@@ -9230,7 +10109,7 @@
             </a:pPr>
             <a:r>
               <a:rPr lang="fr-FR" dirty="0"/>
-              <a:t>change qui sauvegarde la direction souhaitée par le joueur</a:t>
+              <a:t>« change » qui sauvegarde la direction souhaitée par le joueur</a:t>
             </a:r>
           </a:p>
           <a:p>
@@ -9239,12 +10118,16 @@
               <a:buChar char="•"/>
             </a:pPr>
             <a:r>
+              <a:rPr lang="fr-FR" dirty="0"/>
+              <a:t>« </a:t>
+            </a:r>
+            <a:r>
               <a:rPr lang="fr-FR" dirty="0" err="1"/>
               <a:t>draw</a:t>
             </a:r>
             <a:r>
               <a:rPr lang="fr-FR" dirty="0"/>
-              <a:t> qui dessine </a:t>
+              <a:t> » qui dessine </a:t>
             </a:r>
             <a:r>
               <a:rPr lang="fr-FR" dirty="0" err="1"/>
@@ -9531,4 +10414,594 @@
     </a:ext>
   </a:extLst>
 </a:theme>
+</file>
+
+<file path=ppt/theme/theme2.xml><?xml version="1.0" encoding="utf-8"?>
+<a:theme xmlns:a="http://schemas.openxmlformats.org/drawingml/2006/main" name="Thème Office">
+  <a:themeElements>
+    <a:clrScheme name="Office">
+      <a:dk1>
+        <a:sysClr val="windowText" lastClr="000000"/>
+      </a:dk1>
+      <a:lt1>
+        <a:sysClr val="window" lastClr="FFFFFF"/>
+      </a:lt1>
+      <a:dk2>
+        <a:srgbClr val="44546A"/>
+      </a:dk2>
+      <a:lt2>
+        <a:srgbClr val="E7E6E6"/>
+      </a:lt2>
+      <a:accent1>
+        <a:srgbClr val="4472C4"/>
+      </a:accent1>
+      <a:accent2>
+        <a:srgbClr val="ED7D31"/>
+      </a:accent2>
+      <a:accent3>
+        <a:srgbClr val="A5A5A5"/>
+      </a:accent3>
+      <a:accent4>
+        <a:srgbClr val="FFC000"/>
+      </a:accent4>
+      <a:accent5>
+        <a:srgbClr val="5B9BD5"/>
+      </a:accent5>
+      <a:accent6>
+        <a:srgbClr val="70AD47"/>
+      </a:accent6>
+      <a:hlink>
+        <a:srgbClr val="0563C1"/>
+      </a:hlink>
+      <a:folHlink>
+        <a:srgbClr val="954F72"/>
+      </a:folHlink>
+    </a:clrScheme>
+    <a:fontScheme name="Office">
+      <a:majorFont>
+        <a:latin typeface="Calibri Light" panose="020F0302020204030204"/>
+        <a:ea typeface=""/>
+        <a:cs typeface=""/>
+        <a:font script="Jpan" typeface="游ゴシック Light"/>
+        <a:font script="Hang" typeface="맑은 고딕"/>
+        <a:font script="Hans" typeface="等线 Light"/>
+        <a:font script="Hant" typeface="新細明體"/>
+        <a:font script="Arab" typeface="Times New Roman"/>
+        <a:font script="Hebr" typeface="Times New Roman"/>
+        <a:font script="Thai" typeface="Angsana New"/>
+        <a:font script="Ethi" typeface="Nyala"/>
+        <a:font script="Beng" typeface="Vrinda"/>
+        <a:font script="Gujr" typeface="Shruti"/>
+        <a:font script="Khmr" typeface="MoolBoran"/>
+        <a:font script="Knda" typeface="Tunga"/>
+        <a:font script="Guru" typeface="Raavi"/>
+        <a:font script="Cans" typeface="Euphemia"/>
+        <a:font script="Cher" typeface="Plantagenet Cherokee"/>
+        <a:font script="Yiii" typeface="Microsoft Yi Baiti"/>
+        <a:font script="Tibt" typeface="Microsoft Himalaya"/>
+        <a:font script="Thaa" typeface="MV Boli"/>
+        <a:font script="Deva" typeface="Mangal"/>
+        <a:font script="Telu" typeface="Gautami"/>
+        <a:font script="Taml" typeface="Latha"/>
+        <a:font script="Syrc" typeface="Estrangelo Edessa"/>
+        <a:font script="Orya" typeface="Kalinga"/>
+        <a:font script="Mlym" typeface="Kartika"/>
+        <a:font script="Laoo" typeface="DokChampa"/>
+        <a:font script="Sinh" typeface="Iskoola Pota"/>
+        <a:font script="Mong" typeface="Mongolian Baiti"/>
+        <a:font script="Viet" typeface="Times New Roman"/>
+        <a:font script="Uigh" typeface="Microsoft Uighur"/>
+        <a:font script="Geor" typeface="Sylfaen"/>
+        <a:font script="Armn" typeface="Arial"/>
+        <a:font script="Bugi" typeface="Leelawadee UI"/>
+        <a:font script="Bopo" typeface="Microsoft JhengHei"/>
+        <a:font script="Java" typeface="Javanese Text"/>
+        <a:font script="Lisu" typeface="Segoe UI"/>
+        <a:font script="Mymr" typeface="Myanmar Text"/>
+        <a:font script="Nkoo" typeface="Ebrima"/>
+        <a:font script="Olck" typeface="Nirmala UI"/>
+        <a:font script="Osma" typeface="Ebrima"/>
+        <a:font script="Phag" typeface="Phagspa"/>
+        <a:font script="Syrn" typeface="Estrangelo Edessa"/>
+        <a:font script="Syrj" typeface="Estrangelo Edessa"/>
+        <a:font script="Syre" typeface="Estrangelo Edessa"/>
+        <a:font script="Sora" typeface="Nirmala UI"/>
+        <a:font script="Tale" typeface="Microsoft Tai Le"/>
+        <a:font script="Talu" typeface="Microsoft New Tai Lue"/>
+        <a:font script="Tfng" typeface="Ebrima"/>
+      </a:majorFont>
+      <a:minorFont>
+        <a:latin typeface="Calibri" panose="020F0502020204030204"/>
+        <a:ea typeface=""/>
+        <a:cs typeface=""/>
+        <a:font script="Jpan" typeface="游ゴシック"/>
+        <a:font script="Hang" typeface="맑은 고딕"/>
+        <a:font script="Hans" typeface="等线"/>
+        <a:font script="Hant" typeface="新細明體"/>
+        <a:font script="Arab" typeface="Arial"/>
+        <a:font script="Hebr" typeface="Arial"/>
+        <a:font script="Thai" typeface="Cordia New"/>
+        <a:font script="Ethi" typeface="Nyala"/>
+        <a:font script="Beng" typeface="Vrinda"/>
+        <a:font script="Gujr" typeface="Shruti"/>
+        <a:font script="Khmr" typeface="DaunPenh"/>
+        <a:font script="Knda" typeface="Tunga"/>
+        <a:font script="Guru" typeface="Raavi"/>
+        <a:font script="Cans" typeface="Euphemia"/>
+        <a:font script="Cher" typeface="Plantagenet Cherokee"/>
+        <a:font script="Yiii" typeface="Microsoft Yi Baiti"/>
+        <a:font script="Tibt" typeface="Microsoft Himalaya"/>
+        <a:font script="Thaa" typeface="MV Boli"/>
+        <a:font script="Deva" typeface="Mangal"/>
+        <a:font script="Telu" typeface="Gautami"/>
+        <a:font script="Taml" typeface="Latha"/>
+        <a:font script="Syrc" typeface="Estrangelo Edessa"/>
+        <a:font script="Orya" typeface="Kalinga"/>
+        <a:font script="Mlym" typeface="Kartika"/>
+        <a:font script="Laoo" typeface="DokChampa"/>
+        <a:font script="Sinh" typeface="Iskoola Pota"/>
+        <a:font script="Mong" typeface="Mongolian Baiti"/>
+        <a:font script="Viet" typeface="Arial"/>
+        <a:font script="Uigh" typeface="Microsoft Uighur"/>
+        <a:font script="Geor" typeface="Sylfaen"/>
+        <a:font script="Armn" typeface="Arial"/>
+        <a:font script="Bugi" typeface="Leelawadee UI"/>
+        <a:font script="Bopo" typeface="Microsoft JhengHei"/>
+        <a:font script="Java" typeface="Javanese Text"/>
+        <a:font script="Lisu" typeface="Segoe UI"/>
+        <a:font script="Mymr" typeface="Myanmar Text"/>
+        <a:font script="Nkoo" typeface="Ebrima"/>
+        <a:font script="Olck" typeface="Nirmala UI"/>
+        <a:font script="Osma" typeface="Ebrima"/>
+        <a:font script="Phag" typeface="Phagspa"/>
+        <a:font script="Syrn" typeface="Estrangelo Edessa"/>
+        <a:font script="Syrj" typeface="Estrangelo Edessa"/>
+        <a:font script="Syre" typeface="Estrangelo Edessa"/>
+        <a:font script="Sora" typeface="Nirmala UI"/>
+        <a:font script="Tale" typeface="Microsoft Tai Le"/>
+        <a:font script="Talu" typeface="Microsoft New Tai Lue"/>
+        <a:font script="Tfng" typeface="Ebrima"/>
+      </a:minorFont>
+    </a:fontScheme>
+    <a:fmtScheme name="Office">
+      <a:fillStyleLst>
+        <a:solidFill>
+          <a:schemeClr val="phClr"/>
+        </a:solidFill>
+        <a:gradFill rotWithShape="1">
+          <a:gsLst>
+            <a:gs pos="0">
+              <a:schemeClr val="phClr">
+                <a:lumMod val="110000"/>
+                <a:satMod val="105000"/>
+                <a:tint val="67000"/>
+              </a:schemeClr>
+            </a:gs>
+            <a:gs pos="50000">
+              <a:schemeClr val="phClr">
+                <a:lumMod val="105000"/>
+                <a:satMod val="103000"/>
+                <a:tint val="73000"/>
+              </a:schemeClr>
+            </a:gs>
+            <a:gs pos="100000">
+              <a:schemeClr val="phClr">
+                <a:lumMod val="105000"/>
+                <a:satMod val="109000"/>
+                <a:tint val="81000"/>
+              </a:schemeClr>
+            </a:gs>
+          </a:gsLst>
+          <a:lin ang="5400000" scaled="0"/>
+        </a:gradFill>
+        <a:gradFill rotWithShape="1">
+          <a:gsLst>
+            <a:gs pos="0">
+              <a:schemeClr val="phClr">
+                <a:satMod val="103000"/>
+                <a:lumMod val="102000"/>
+                <a:tint val="94000"/>
+              </a:schemeClr>
+            </a:gs>
+            <a:gs pos="50000">
+              <a:schemeClr val="phClr">
+                <a:satMod val="110000"/>
+                <a:lumMod val="100000"/>
+                <a:shade val="100000"/>
+              </a:schemeClr>
+            </a:gs>
+            <a:gs pos="100000">
+              <a:schemeClr val="phClr">
+                <a:lumMod val="99000"/>
+                <a:satMod val="120000"/>
+                <a:shade val="78000"/>
+              </a:schemeClr>
+            </a:gs>
+          </a:gsLst>
+          <a:lin ang="5400000" scaled="0"/>
+        </a:gradFill>
+      </a:fillStyleLst>
+      <a:lnStyleLst>
+        <a:ln w="6350" cap="flat" cmpd="sng" algn="ctr">
+          <a:solidFill>
+            <a:schemeClr val="phClr"/>
+          </a:solidFill>
+          <a:prstDash val="solid"/>
+          <a:miter lim="800000"/>
+        </a:ln>
+        <a:ln w="12700" cap="flat" cmpd="sng" algn="ctr">
+          <a:solidFill>
+            <a:schemeClr val="phClr"/>
+          </a:solidFill>
+          <a:prstDash val="solid"/>
+          <a:miter lim="800000"/>
+        </a:ln>
+        <a:ln w="19050" cap="flat" cmpd="sng" algn="ctr">
+          <a:solidFill>
+            <a:schemeClr val="phClr"/>
+          </a:solidFill>
+          <a:prstDash val="solid"/>
+          <a:miter lim="800000"/>
+        </a:ln>
+      </a:lnStyleLst>
+      <a:effectStyleLst>
+        <a:effectStyle>
+          <a:effectLst/>
+        </a:effectStyle>
+        <a:effectStyle>
+          <a:effectLst/>
+        </a:effectStyle>
+        <a:effectStyle>
+          <a:effectLst>
+            <a:outerShdw blurRad="57150" dist="19050" dir="5400000" algn="ctr" rotWithShape="0">
+              <a:srgbClr val="000000">
+                <a:alpha val="63000"/>
+              </a:srgbClr>
+            </a:outerShdw>
+          </a:effectLst>
+        </a:effectStyle>
+      </a:effectStyleLst>
+      <a:bgFillStyleLst>
+        <a:solidFill>
+          <a:schemeClr val="phClr"/>
+        </a:solidFill>
+        <a:solidFill>
+          <a:schemeClr val="phClr">
+            <a:tint val="95000"/>
+            <a:satMod val="170000"/>
+          </a:schemeClr>
+        </a:solidFill>
+        <a:gradFill rotWithShape="1">
+          <a:gsLst>
+            <a:gs pos="0">
+              <a:schemeClr val="phClr">
+                <a:tint val="93000"/>
+                <a:satMod val="150000"/>
+                <a:shade val="98000"/>
+                <a:lumMod val="102000"/>
+              </a:schemeClr>
+            </a:gs>
+            <a:gs pos="50000">
+              <a:schemeClr val="phClr">
+                <a:tint val="98000"/>
+                <a:satMod val="130000"/>
+                <a:shade val="90000"/>
+                <a:lumMod val="103000"/>
+              </a:schemeClr>
+            </a:gs>
+            <a:gs pos="100000">
+              <a:schemeClr val="phClr">
+                <a:shade val="63000"/>
+                <a:satMod val="120000"/>
+              </a:schemeClr>
+            </a:gs>
+          </a:gsLst>
+          <a:lin ang="5400000" scaled="0"/>
+        </a:gradFill>
+      </a:bgFillStyleLst>
+    </a:fmtScheme>
+  </a:themeElements>
+  <a:objectDefaults/>
+  <a:extraClrSchemeLst/>
+  <a:extLst>
+    <a:ext uri="{05A4C25C-085E-4340-85A3-A5531E510DB2}">
+      <thm15:themeFamily xmlns:thm15="http://schemas.microsoft.com/office/thememl/2012/main" name="Office Theme" id="{62F939B6-93AF-4DB8-9C6B-D6C7DFDC589F}" vid="{4A3C46E8-61CC-4603-A589-7422A47A8E4A}"/>
+    </a:ext>
+  </a:extLst>
+</a:theme>
+</file>
+
+<file path=ppt/theme/theme3.xml><?xml version="1.0" encoding="utf-8"?>
+<a:theme xmlns:a="http://schemas.openxmlformats.org/drawingml/2006/main" name="Thème Office">
+  <a:themeElements>
+    <a:clrScheme name="Office">
+      <a:dk1>
+        <a:sysClr val="windowText" lastClr="000000"/>
+      </a:dk1>
+      <a:lt1>
+        <a:sysClr val="window" lastClr="FFFFFF"/>
+      </a:lt1>
+      <a:dk2>
+        <a:srgbClr val="44546A"/>
+      </a:dk2>
+      <a:lt2>
+        <a:srgbClr val="E7E6E6"/>
+      </a:lt2>
+      <a:accent1>
+        <a:srgbClr val="4472C4"/>
+      </a:accent1>
+      <a:accent2>
+        <a:srgbClr val="ED7D31"/>
+      </a:accent2>
+      <a:accent3>
+        <a:srgbClr val="A5A5A5"/>
+      </a:accent3>
+      <a:accent4>
+        <a:srgbClr val="FFC000"/>
+      </a:accent4>
+      <a:accent5>
+        <a:srgbClr val="5B9BD5"/>
+      </a:accent5>
+      <a:accent6>
+        <a:srgbClr val="70AD47"/>
+      </a:accent6>
+      <a:hlink>
+        <a:srgbClr val="0563C1"/>
+      </a:hlink>
+      <a:folHlink>
+        <a:srgbClr val="954F72"/>
+      </a:folHlink>
+    </a:clrScheme>
+    <a:fontScheme name="Office">
+      <a:majorFont>
+        <a:latin typeface="Calibri Light" panose="020F0302020204030204"/>
+        <a:ea typeface=""/>
+        <a:cs typeface=""/>
+        <a:font script="Jpan" typeface="游ゴシック Light"/>
+        <a:font script="Hang" typeface="맑은 고딕"/>
+        <a:font script="Hans" typeface="等线 Light"/>
+        <a:font script="Hant" typeface="新細明體"/>
+        <a:font script="Arab" typeface="Times New Roman"/>
+        <a:font script="Hebr" typeface="Times New Roman"/>
+        <a:font script="Thai" typeface="Angsana New"/>
+        <a:font script="Ethi" typeface="Nyala"/>
+        <a:font script="Beng" typeface="Vrinda"/>
+        <a:font script="Gujr" typeface="Shruti"/>
+        <a:font script="Khmr" typeface="MoolBoran"/>
+        <a:font script="Knda" typeface="Tunga"/>
+        <a:font script="Guru" typeface="Raavi"/>
+        <a:font script="Cans" typeface="Euphemia"/>
+        <a:font script="Cher" typeface="Plantagenet Cherokee"/>
+        <a:font script="Yiii" typeface="Microsoft Yi Baiti"/>
+        <a:font script="Tibt" typeface="Microsoft Himalaya"/>
+        <a:font script="Thaa" typeface="MV Boli"/>
+        <a:font script="Deva" typeface="Mangal"/>
+        <a:font script="Telu" typeface="Gautami"/>
+        <a:font script="Taml" typeface="Latha"/>
+        <a:font script="Syrc" typeface="Estrangelo Edessa"/>
+        <a:font script="Orya" typeface="Kalinga"/>
+        <a:font script="Mlym" typeface="Kartika"/>
+        <a:font script="Laoo" typeface="DokChampa"/>
+        <a:font script="Sinh" typeface="Iskoola Pota"/>
+        <a:font script="Mong" typeface="Mongolian Baiti"/>
+        <a:font script="Viet" typeface="Times New Roman"/>
+        <a:font script="Uigh" typeface="Microsoft Uighur"/>
+        <a:font script="Geor" typeface="Sylfaen"/>
+        <a:font script="Armn" typeface="Arial"/>
+        <a:font script="Bugi" typeface="Leelawadee UI"/>
+        <a:font script="Bopo" typeface="Microsoft JhengHei"/>
+        <a:font script="Java" typeface="Javanese Text"/>
+        <a:font script="Lisu" typeface="Segoe UI"/>
+        <a:font script="Mymr" typeface="Myanmar Text"/>
+        <a:font script="Nkoo" typeface="Ebrima"/>
+        <a:font script="Olck" typeface="Nirmala UI"/>
+        <a:font script="Osma" typeface="Ebrima"/>
+        <a:font script="Phag" typeface="Phagspa"/>
+        <a:font script="Syrn" typeface="Estrangelo Edessa"/>
+        <a:font script="Syrj" typeface="Estrangelo Edessa"/>
+        <a:font script="Syre" typeface="Estrangelo Edessa"/>
+        <a:font script="Sora" typeface="Nirmala UI"/>
+        <a:font script="Tale" typeface="Microsoft Tai Le"/>
+        <a:font script="Talu" typeface="Microsoft New Tai Lue"/>
+        <a:font script="Tfng" typeface="Ebrima"/>
+      </a:majorFont>
+      <a:minorFont>
+        <a:latin typeface="Calibri" panose="020F0502020204030204"/>
+        <a:ea typeface=""/>
+        <a:cs typeface=""/>
+        <a:font script="Jpan" typeface="游ゴシック"/>
+        <a:font script="Hang" typeface="맑은 고딕"/>
+        <a:font script="Hans" typeface="等线"/>
+        <a:font script="Hant" typeface="新細明體"/>
+        <a:font script="Arab" typeface="Arial"/>
+        <a:font script="Hebr" typeface="Arial"/>
+        <a:font script="Thai" typeface="Cordia New"/>
+        <a:font script="Ethi" typeface="Nyala"/>
+        <a:font script="Beng" typeface="Vrinda"/>
+        <a:font script="Gujr" typeface="Shruti"/>
+        <a:font script="Khmr" typeface="DaunPenh"/>
+        <a:font script="Knda" typeface="Tunga"/>
+        <a:font script="Guru" typeface="Raavi"/>
+        <a:font script="Cans" typeface="Euphemia"/>
+        <a:font script="Cher" typeface="Plantagenet Cherokee"/>
+        <a:font script="Yiii" typeface="Microsoft Yi Baiti"/>
+        <a:font script="Tibt" typeface="Microsoft Himalaya"/>
+        <a:font script="Thaa" typeface="MV Boli"/>
+        <a:font script="Deva" typeface="Mangal"/>
+        <a:font script="Telu" typeface="Gautami"/>
+        <a:font script="Taml" typeface="Latha"/>
+        <a:font script="Syrc" typeface="Estrangelo Edessa"/>
+        <a:font script="Orya" typeface="Kalinga"/>
+        <a:font script="Mlym" typeface="Kartika"/>
+        <a:font script="Laoo" typeface="DokChampa"/>
+        <a:font script="Sinh" typeface="Iskoola Pota"/>
+        <a:font script="Mong" typeface="Mongolian Baiti"/>
+        <a:font script="Viet" typeface="Arial"/>
+        <a:font script="Uigh" typeface="Microsoft Uighur"/>
+        <a:font script="Geor" typeface="Sylfaen"/>
+        <a:font script="Armn" typeface="Arial"/>
+        <a:font script="Bugi" typeface="Leelawadee UI"/>
+        <a:font script="Bopo" typeface="Microsoft JhengHei"/>
+        <a:font script="Java" typeface="Javanese Text"/>
+        <a:font script="Lisu" typeface="Segoe UI"/>
+        <a:font script="Mymr" typeface="Myanmar Text"/>
+        <a:font script="Nkoo" typeface="Ebrima"/>
+        <a:font script="Olck" typeface="Nirmala UI"/>
+        <a:font script="Osma" typeface="Ebrima"/>
+        <a:font script="Phag" typeface="Phagspa"/>
+        <a:font script="Syrn" typeface="Estrangelo Edessa"/>
+        <a:font script="Syrj" typeface="Estrangelo Edessa"/>
+        <a:font script="Syre" typeface="Estrangelo Edessa"/>
+        <a:font script="Sora" typeface="Nirmala UI"/>
+        <a:font script="Tale" typeface="Microsoft Tai Le"/>
+        <a:font script="Talu" typeface="Microsoft New Tai Lue"/>
+        <a:font script="Tfng" typeface="Ebrima"/>
+      </a:minorFont>
+    </a:fontScheme>
+    <a:fmtScheme name="Office">
+      <a:fillStyleLst>
+        <a:solidFill>
+          <a:schemeClr val="phClr"/>
+        </a:solidFill>
+        <a:gradFill rotWithShape="1">
+          <a:gsLst>
+            <a:gs pos="0">
+              <a:schemeClr val="phClr">
+                <a:lumMod val="110000"/>
+                <a:satMod val="105000"/>
+                <a:tint val="67000"/>
+              </a:schemeClr>
+            </a:gs>
+            <a:gs pos="50000">
+              <a:schemeClr val="phClr">
+                <a:lumMod val="105000"/>
+                <a:satMod val="103000"/>
+                <a:tint val="73000"/>
+              </a:schemeClr>
+            </a:gs>
+            <a:gs pos="100000">
+              <a:schemeClr val="phClr">
+                <a:lumMod val="105000"/>
+                <a:satMod val="109000"/>
+                <a:tint val="81000"/>
+              </a:schemeClr>
+            </a:gs>
+          </a:gsLst>
+          <a:lin ang="5400000" scaled="0"/>
+        </a:gradFill>
+        <a:gradFill rotWithShape="1">
+          <a:gsLst>
+            <a:gs pos="0">
+              <a:schemeClr val="phClr">
+                <a:satMod val="103000"/>
+                <a:lumMod val="102000"/>
+                <a:tint val="94000"/>
+              </a:schemeClr>
+            </a:gs>
+            <a:gs pos="50000">
+              <a:schemeClr val="phClr">
+                <a:satMod val="110000"/>
+                <a:lumMod val="100000"/>
+                <a:shade val="100000"/>
+              </a:schemeClr>
+            </a:gs>
+            <a:gs pos="100000">
+              <a:schemeClr val="phClr">
+                <a:lumMod val="99000"/>
+                <a:satMod val="120000"/>
+                <a:shade val="78000"/>
+              </a:schemeClr>
+            </a:gs>
+          </a:gsLst>
+          <a:lin ang="5400000" scaled="0"/>
+        </a:gradFill>
+      </a:fillStyleLst>
+      <a:lnStyleLst>
+        <a:ln w="6350" cap="flat" cmpd="sng" algn="ctr">
+          <a:solidFill>
+            <a:schemeClr val="phClr"/>
+          </a:solidFill>
+          <a:prstDash val="solid"/>
+          <a:miter lim="800000"/>
+        </a:ln>
+        <a:ln w="12700" cap="flat" cmpd="sng" algn="ctr">
+          <a:solidFill>
+            <a:schemeClr val="phClr"/>
+          </a:solidFill>
+          <a:prstDash val="solid"/>
+          <a:miter lim="800000"/>
+        </a:ln>
+        <a:ln w="19050" cap="flat" cmpd="sng" algn="ctr">
+          <a:solidFill>
+            <a:schemeClr val="phClr"/>
+          </a:solidFill>
+          <a:prstDash val="solid"/>
+          <a:miter lim="800000"/>
+        </a:ln>
+      </a:lnStyleLst>
+      <a:effectStyleLst>
+        <a:effectStyle>
+          <a:effectLst/>
+        </a:effectStyle>
+        <a:effectStyle>
+          <a:effectLst/>
+        </a:effectStyle>
+        <a:effectStyle>
+          <a:effectLst>
+            <a:outerShdw blurRad="57150" dist="19050" dir="5400000" algn="ctr" rotWithShape="0">
+              <a:srgbClr val="000000">
+                <a:alpha val="63000"/>
+              </a:srgbClr>
+            </a:outerShdw>
+          </a:effectLst>
+        </a:effectStyle>
+      </a:effectStyleLst>
+      <a:bgFillStyleLst>
+        <a:solidFill>
+          <a:schemeClr val="phClr"/>
+        </a:solidFill>
+        <a:solidFill>
+          <a:schemeClr val="phClr">
+            <a:tint val="95000"/>
+            <a:satMod val="170000"/>
+          </a:schemeClr>
+        </a:solidFill>
+        <a:gradFill rotWithShape="1">
+          <a:gsLst>
+            <a:gs pos="0">
+              <a:schemeClr val="phClr">
+                <a:tint val="93000"/>
+                <a:satMod val="150000"/>
+                <a:shade val="98000"/>
+                <a:lumMod val="102000"/>
+              </a:schemeClr>
+            </a:gs>
+            <a:gs pos="50000">
+              <a:schemeClr val="phClr">
+                <a:tint val="98000"/>
+                <a:satMod val="130000"/>
+                <a:shade val="90000"/>
+                <a:lumMod val="103000"/>
+              </a:schemeClr>
+            </a:gs>
+            <a:gs pos="100000">
+              <a:schemeClr val="phClr">
+                <a:shade val="63000"/>
+                <a:satMod val="120000"/>
+              </a:schemeClr>
+            </a:gs>
+          </a:gsLst>
+          <a:lin ang="5400000" scaled="0"/>
+        </a:gradFill>
+      </a:bgFillStyleLst>
+    </a:fmtScheme>
+  </a:themeElements>
+  <a:objectDefaults/>
+  <a:extraClrSchemeLst/>
+  <a:extLst>
+    <a:ext uri="{05A4C25C-085E-4340-85A3-A5531E510DB2}">
+      <thm15:themeFamily xmlns:thm15="http://schemas.microsoft.com/office/thememl/2012/main" name="Office Theme" id="{62F939B6-93AF-4DB8-9C6B-D6C7DFDC589F}" vid="{4A3C46E8-61CC-4603-A589-7422A47A8E4A}"/>
+    </a:ext>
+  </a:extLst>
+</a:theme>
 </file>
--- a/src/projet/projet3/Powerpoint_pacman.pptx
+++ b/src/projet/projet3/Powerpoint_pacman.pptx
@@ -869,7 +869,7 @@
           <a:p>
             <a:fld id="{4AAD347D-5ACD-4C99-B74B-A9C85AD731AF}" type="datetimeFigureOut">
               <a:rPr lang="en-US" dirty="0"/>
-              <a:t>6/16/22</a:t>
+              <a:t>6/16/2022</a:t>
             </a:fld>
             <a:endParaRPr lang="en-US" dirty="0"/>
           </a:p>
@@ -1139,7 +1139,7 @@
           <a:p>
             <a:fld id="{4509A250-FF31-4206-8172-F9D3106AACB1}" type="datetimeFigureOut">
               <a:rPr lang="en-US" dirty="0"/>
-              <a:t>6/16/22</a:t>
+              <a:t>6/16/2022</a:t>
             </a:fld>
             <a:endParaRPr lang="en-US" dirty="0"/>
           </a:p>
@@ -1328,7 +1328,7 @@
           <a:p>
             <a:fld id="{4509A250-FF31-4206-8172-F9D3106AACB1}" type="datetimeFigureOut">
               <a:rPr lang="en-US" dirty="0"/>
-              <a:t>6/16/22</a:t>
+              <a:t>6/16/2022</a:t>
             </a:fld>
             <a:endParaRPr lang="en-US" dirty="0"/>
           </a:p>
@@ -1596,7 +1596,7 @@
           <a:p>
             <a:fld id="{4509A250-FF31-4206-8172-F9D3106AACB1}" type="datetimeFigureOut">
               <a:rPr lang="en-US" dirty="0"/>
-              <a:t>6/16/22</a:t>
+              <a:t>6/16/2022</a:t>
             </a:fld>
             <a:endParaRPr lang="en-US" dirty="0"/>
           </a:p>
@@ -1932,7 +1932,7 @@
           <a:p>
             <a:fld id="{4509A250-FF31-4206-8172-F9D3106AACB1}" type="datetimeFigureOut">
               <a:rPr lang="en-US" dirty="0"/>
-              <a:t>6/16/22</a:t>
+              <a:t>6/16/2022</a:t>
             </a:fld>
             <a:endParaRPr lang="en-US" dirty="0"/>
           </a:p>
@@ -2550,7 +2550,7 @@
           <a:p>
             <a:fld id="{4509A250-FF31-4206-8172-F9D3106AACB1}" type="datetimeFigureOut">
               <a:rPr lang="en-US" dirty="0"/>
-              <a:t>6/16/22</a:t>
+              <a:t>6/16/2022</a:t>
             </a:fld>
             <a:endParaRPr lang="en-US" dirty="0"/>
           </a:p>
@@ -3405,7 +3405,7 @@
           <a:p>
             <a:fld id="{4509A250-FF31-4206-8172-F9D3106AACB1}" type="datetimeFigureOut">
               <a:rPr lang="en-US" dirty="0"/>
-              <a:t>6/16/22</a:t>
+              <a:t>6/16/2022</a:t>
             </a:fld>
             <a:endParaRPr lang="en-US" dirty="0"/>
           </a:p>
@@ -3570,7 +3570,7 @@
           <a:p>
             <a:fld id="{4509A250-FF31-4206-8172-F9D3106AACB1}" type="datetimeFigureOut">
               <a:rPr lang="en-US" dirty="0"/>
-              <a:t>6/16/22</a:t>
+              <a:t>6/16/2022</a:t>
             </a:fld>
             <a:endParaRPr lang="en-US" dirty="0"/>
           </a:p>
@@ -3745,7 +3745,7 @@
           <a:p>
             <a:fld id="{4509A250-FF31-4206-8172-F9D3106AACB1}" type="datetimeFigureOut">
               <a:rPr lang="en-US" dirty="0"/>
-              <a:t>6/16/22</a:t>
+              <a:t>6/16/2022</a:t>
             </a:fld>
             <a:endParaRPr lang="en-US" dirty="0"/>
           </a:p>
@@ -3910,7 +3910,7 @@
           <a:p>
             <a:fld id="{4509A250-FF31-4206-8172-F9D3106AACB1}" type="datetimeFigureOut">
               <a:rPr lang="en-US" dirty="0"/>
-              <a:t>6/16/22</a:t>
+              <a:t>6/16/2022</a:t>
             </a:fld>
             <a:endParaRPr lang="en-US" dirty="0"/>
           </a:p>
@@ -4152,7 +4152,7 @@
           <a:p>
             <a:fld id="{9796027F-7875-4030-9381-8BD8C4F21935}" type="datetimeFigureOut">
               <a:rPr lang="en-US" dirty="0"/>
-              <a:t>6/16/22</a:t>
+              <a:t>6/16/2022</a:t>
             </a:fld>
             <a:endParaRPr lang="en-US" dirty="0"/>
           </a:p>
@@ -4439,7 +4439,7 @@
           <a:p>
             <a:fld id="{9796027F-7875-4030-9381-8BD8C4F21935}" type="datetimeFigureOut">
               <a:rPr lang="en-US" dirty="0"/>
-              <a:t>6/16/22</a:t>
+              <a:t>6/16/2022</a:t>
             </a:fld>
             <a:endParaRPr lang="en-US" dirty="0"/>
           </a:p>
@@ -4878,7 +4878,7 @@
           <a:p>
             <a:fld id="{9796027F-7875-4030-9381-8BD8C4F21935}" type="datetimeFigureOut">
               <a:rPr lang="en-US" dirty="0"/>
-              <a:t>6/16/22</a:t>
+              <a:t>6/16/2022</a:t>
             </a:fld>
             <a:endParaRPr lang="en-US" dirty="0"/>
           </a:p>
@@ -4991,7 +4991,7 @@
           <a:p>
             <a:fld id="{4509A250-FF31-4206-8172-F9D3106AACB1}" type="datetimeFigureOut">
               <a:rPr lang="en-US" dirty="0"/>
-              <a:t>6/16/22</a:t>
+              <a:t>6/16/2022</a:t>
             </a:fld>
             <a:endParaRPr lang="en-US" dirty="0"/>
           </a:p>
@@ -5081,7 +5081,7 @@
           <a:p>
             <a:fld id="{4509A250-FF31-4206-8172-F9D3106AACB1}" type="datetimeFigureOut">
               <a:rPr lang="en-US" dirty="0"/>
-              <a:t>6/16/22</a:t>
+              <a:t>6/16/2022</a:t>
             </a:fld>
             <a:endParaRPr lang="en-US" dirty="0"/>
           </a:p>
@@ -5355,7 +5355,7 @@
           <a:p>
             <a:fld id="{4509A250-FF31-4206-8172-F9D3106AACB1}" type="datetimeFigureOut">
               <a:rPr lang="en-US" dirty="0"/>
-              <a:t>6/16/22</a:t>
+              <a:t>6/16/2022</a:t>
             </a:fld>
             <a:endParaRPr lang="en-US" dirty="0"/>
           </a:p>
@@ -5625,7 +5625,7 @@
           <a:p>
             <a:fld id="{4509A250-FF31-4206-8172-F9D3106AACB1}" type="datetimeFigureOut">
               <a:rPr lang="en-US" dirty="0"/>
-              <a:t>6/16/22</a:t>
+              <a:t>6/16/2022</a:t>
             </a:fld>
             <a:endParaRPr lang="en-US" dirty="0"/>
           </a:p>
@@ -6049,7 +6049,7 @@
           <a:p>
             <a:fld id="{4AAD347D-5ACD-4C99-B74B-A9C85AD731AF}" type="datetimeFigureOut">
               <a:rPr lang="en-US" dirty="0"/>
-              <a:t>6/16/22</a:t>
+              <a:t>6/16/2022</a:t>
             </a:fld>
             <a:endParaRPr lang="en-US" dirty="0"/>
           </a:p>
@@ -8586,7 +8586,7 @@
           <a:p>
             <a:r>
               <a:rPr lang="fr-FR" dirty="0"/>
-              <a:t>Les faiblesses de votre projet:</a:t>
+              <a:t>Les faiblesses de notre projet:</a:t>
             </a:r>
           </a:p>
           <a:p>
@@ -8616,7 +8616,7 @@
             </a:pPr>
             <a:r>
               <a:rPr lang="fr-FR" dirty="0"/>
-              <a:t>Pas de sons</a:t>
+              <a:t>Pas de son</a:t>
             </a:r>
           </a:p>
           <a:p>
@@ -9045,7 +9045,7 @@
           <a:p>
             <a:r>
               <a:rPr lang="fr-FR" dirty="0"/>
-              <a:t>Nombre de commit sur GitHub : 51</a:t>
+              <a:t>Nombre de commit sur GitHub : 53</a:t>
             </a:r>
           </a:p>
           <a:p>
@@ -9063,7 +9063,7 @@
           <a:p>
             <a:r>
               <a:rPr lang="fr-FR" dirty="0"/>
-              <a:t>Nombre de classes définis : 8</a:t>
+              <a:t>Nombre de classes définies : 8</a:t>
             </a:r>
           </a:p>
           <a:p>
@@ -9152,7 +9152,7 @@
           <a:p>
             <a:r>
               <a:rPr lang="fr-FR" dirty="0"/>
-              <a:t>Nous avons travaillé ensemble avec une pseudo-répartition des tâches, chacun apporte de son idée et créativité et décidons ensemble de ce qu’il en sera dans notre jeu.</a:t>
+              <a:t>Nous avons travaillé ensemble avec une pseudo-répartition des tâches, chacun apporte son idée et sa créativité et nous décidons ensemble ce qu’il en sera dans notre jeu.</a:t>
             </a:r>
           </a:p>
           <a:p>
@@ -9454,10 +9454,10 @@
       </p:sp>
       <p:pic>
         <p:nvPicPr>
-          <p:cNvPr id="4" name="Image 3">
+          <p:cNvPr id="5" name="Image 4">
             <a:extLst>
               <a:ext uri="{FF2B5EF4-FFF2-40B4-BE49-F238E27FC236}">
-                <a16:creationId xmlns:a16="http://schemas.microsoft.com/office/drawing/2014/main" id="{68F60DB3-924E-E649-962F-A174E2836E1B}"/>
+                <a16:creationId xmlns:a16="http://schemas.microsoft.com/office/drawing/2014/main" id="{E874617F-1253-9C0F-4DFB-6008A48AB7EA}"/>
               </a:ext>
             </a:extLst>
           </p:cNvPr>
@@ -9466,16 +9466,15 @@
           </p:cNvPicPr>
           <p:nvPr/>
         </p:nvPicPr>
-        <p:blipFill>
+        <p:blipFill rotWithShape="1">
           <a:blip r:embed="rId2"/>
-          <a:stretch>
-            <a:fillRect/>
-          </a:stretch>
+          <a:srcRect l="11727"/>
+          <a:stretch/>
         </p:blipFill>
         <p:spPr>
           <a:xfrm>
-            <a:off x="4521993" y="1955800"/>
-            <a:ext cx="3594100" cy="2946400"/>
+            <a:off x="4351734" y="1852743"/>
+            <a:ext cx="3934618" cy="2769526"/>
           </a:xfrm>
           <a:prstGeom prst="rect">
             <a:avLst/>

--- a/src/projet/projet3/Powerpoint_pacman.pptx
+++ b/src/projet/projet3/Powerpoint_pacman.pptx
@@ -7174,8 +7174,13 @@
           <a:p>
             <a:r>
               <a:rPr lang="fr-FR" dirty="0"/>
-              <a:t>La classe Button a été composée car cela permet de facilement avoir plusieurs boutons avec des tailles, des textes et des couleurs différentes</a:t>
-            </a:r>
+              <a:t>La classe Button a été composée car cela peut permettre de facilement réutiliser l’un des </a:t>
+            </a:r>
+            <a:r>
+              <a:rPr lang="fr-FR"/>
+              <a:t>composants indépendamment.</a:t>
+            </a:r>
+            <a:endParaRPr lang="fr-FR" dirty="0"/>
           </a:p>
         </p:txBody>
       </p:sp>
@@ -8921,7 +8926,7 @@
           <a:p>
             <a:r>
               <a:rPr lang="fr-FR" dirty="0"/>
-              <a:t>Nous avons trouvé un site qui donne des exemples de jeu 2D avec Python. (</a:t>
+              <a:t>Nous avons trouvé un site qui donne des exemples de jeux 2D avec Python. (</a:t>
             </a:r>
             <a:r>
               <a:rPr lang="fr-CH" dirty="0"/>
@@ -9051,7 +9056,7 @@
           <a:p>
             <a:r>
               <a:rPr lang="fr-FR" dirty="0"/>
-              <a:t>Nombre d’heures passé au projet : 40 heures</a:t>
+              <a:t>Nombre d’heures passées sur le projet : 40 heures</a:t>
             </a:r>
           </a:p>
           <a:p>

--- a/src/projet/projet3/Powerpoint_pacman.pptx
+++ b/src/projet/projet3/Powerpoint_pacman.pptx
@@ -4,12 +4,6 @@
   <p:sldMasterIdLst>
     <p:sldMasterId id="2147483648" r:id="rId1"/>
   </p:sldMasterIdLst>
-  <p:notesMasterIdLst>
-    <p:notesMasterId r:id="rId22"/>
-  </p:notesMasterIdLst>
-  <p:handoutMasterIdLst>
-    <p:handoutMasterId r:id="rId23"/>
-  </p:handoutMasterIdLst>
   <p:sldIdLst>
     <p:sldId id="256" r:id="rId2"/>
     <p:sldId id="257" r:id="rId3"/>
@@ -135,552 +129,6 @@
     </p:ext>
   </p:extLst>
 </p:presentation>
-</file>
-
-<file path=ppt/handoutMasters/handoutMaster1.xml><?xml version="1.0" encoding="utf-8"?>
-<p:handoutMaster xmlns:a="http://schemas.openxmlformats.org/drawingml/2006/main" xmlns:r="http://schemas.openxmlformats.org/officeDocument/2006/relationships" xmlns:p="http://schemas.openxmlformats.org/presentationml/2006/main">
-  <p:cSld>
-    <p:bg>
-      <p:bgRef idx="1001">
-        <a:schemeClr val="bg1"/>
-      </p:bgRef>
-    </p:bg>
-    <p:spTree>
-      <p:nvGrpSpPr>
-        <p:cNvPr id="1" name=""/>
-        <p:cNvGrpSpPr/>
-        <p:nvPr/>
-      </p:nvGrpSpPr>
-      <p:grpSpPr>
-        <a:xfrm>
-          <a:off x="0" y="0"/>
-          <a:ext cx="0" cy="0"/>
-          <a:chOff x="0" y="0"/>
-          <a:chExt cx="0" cy="0"/>
-        </a:xfrm>
-      </p:grpSpPr>
-      <p:sp>
-        <p:nvSpPr>
-          <p:cNvPr id="2" name="Espace réservé de l'en-tête 1">
-            <a:extLst>
-              <a:ext uri="{FF2B5EF4-FFF2-40B4-BE49-F238E27FC236}">
-                <a16:creationId xmlns:a16="http://schemas.microsoft.com/office/drawing/2014/main" id="{2E64D80F-34BF-2240-AAEF-ABAF572B3A29}"/>
-              </a:ext>
-            </a:extLst>
-          </p:cNvPr>
-          <p:cNvSpPr>
-            <a:spLocks noGrp="1"/>
-          </p:cNvSpPr>
-          <p:nvPr>
-            <p:ph type="hdr" sz="quarter"/>
-          </p:nvPr>
-        </p:nvSpPr>
-        <p:spPr>
-          <a:xfrm>
-            <a:off x="0" y="0"/>
-            <a:ext cx="2971800" cy="458788"/>
-          </a:xfrm>
-          <a:prstGeom prst="rect">
-            <a:avLst/>
-          </a:prstGeom>
-        </p:spPr>
-        <p:txBody>
-          <a:bodyPr vert="horz" lIns="91440" tIns="45720" rIns="91440" bIns="45720" rtlCol="0"/>
-          <a:lstStyle>
-            <a:lvl1pPr algn="l">
-              <a:defRPr sz="1200"/>
-            </a:lvl1pPr>
-          </a:lstStyle>
-          <a:p>
-            <a:endParaRPr lang="fr-FR"/>
-          </a:p>
-        </p:txBody>
-      </p:sp>
-      <p:sp>
-        <p:nvSpPr>
-          <p:cNvPr id="3" name="Espace réservé de la date 2">
-            <a:extLst>
-              <a:ext uri="{FF2B5EF4-FFF2-40B4-BE49-F238E27FC236}">
-                <a16:creationId xmlns:a16="http://schemas.microsoft.com/office/drawing/2014/main" id="{F6EF840F-D185-A14B-A55A-0D92C0419179}"/>
-              </a:ext>
-            </a:extLst>
-          </p:cNvPr>
-          <p:cNvSpPr>
-            <a:spLocks noGrp="1"/>
-          </p:cNvSpPr>
-          <p:nvPr>
-            <p:ph type="dt" sz="quarter" idx="1"/>
-          </p:nvPr>
-        </p:nvSpPr>
-        <p:spPr>
-          <a:xfrm>
-            <a:off x="3884613" y="0"/>
-            <a:ext cx="2971800" cy="458788"/>
-          </a:xfrm>
-          <a:prstGeom prst="rect">
-            <a:avLst/>
-          </a:prstGeom>
-        </p:spPr>
-        <p:txBody>
-          <a:bodyPr vert="horz" lIns="91440" tIns="45720" rIns="91440" bIns="45720" rtlCol="0"/>
-          <a:lstStyle>
-            <a:lvl1pPr algn="r">
-              <a:defRPr sz="1200"/>
-            </a:lvl1pPr>
-          </a:lstStyle>
-          <a:p>
-            <a:fld id="{88E391C9-19C0-0C45-80C2-604602DDAFC3}" type="datetimeFigureOut">
-              <a:rPr lang="fr-FR" smtClean="0"/>
-              <a:t>16/06/2022</a:t>
-            </a:fld>
-            <a:endParaRPr lang="fr-FR"/>
-          </a:p>
-        </p:txBody>
-      </p:sp>
-      <p:sp>
-        <p:nvSpPr>
-          <p:cNvPr id="4" name="Espace réservé du pied de page 3">
-            <a:extLst>
-              <a:ext uri="{FF2B5EF4-FFF2-40B4-BE49-F238E27FC236}">
-                <a16:creationId xmlns:a16="http://schemas.microsoft.com/office/drawing/2014/main" id="{D079BBE8-8D46-ED43-9F39-0DBE871E7F63}"/>
-              </a:ext>
-            </a:extLst>
-          </p:cNvPr>
-          <p:cNvSpPr>
-            <a:spLocks noGrp="1"/>
-          </p:cNvSpPr>
-          <p:nvPr>
-            <p:ph type="ftr" sz="quarter" idx="2"/>
-          </p:nvPr>
-        </p:nvSpPr>
-        <p:spPr>
-          <a:xfrm>
-            <a:off x="0" y="8685213"/>
-            <a:ext cx="2971800" cy="458787"/>
-          </a:xfrm>
-          <a:prstGeom prst="rect">
-            <a:avLst/>
-          </a:prstGeom>
-        </p:spPr>
-        <p:txBody>
-          <a:bodyPr vert="horz" lIns="91440" tIns="45720" rIns="91440" bIns="45720" rtlCol="0" anchor="b"/>
-          <a:lstStyle>
-            <a:lvl1pPr algn="l">
-              <a:defRPr sz="1200"/>
-            </a:lvl1pPr>
-          </a:lstStyle>
-          <a:p>
-            <a:r>
-              <a:rPr lang="fr-FR"/>
-              <a:t>salut</a:t>
-            </a:r>
-          </a:p>
-        </p:txBody>
-      </p:sp>
-      <p:sp>
-        <p:nvSpPr>
-          <p:cNvPr id="5" name="Espace réservé du numéro de diapositive 4">
-            <a:extLst>
-              <a:ext uri="{FF2B5EF4-FFF2-40B4-BE49-F238E27FC236}">
-                <a16:creationId xmlns:a16="http://schemas.microsoft.com/office/drawing/2014/main" id="{C2BE4149-93FD-9F41-A95E-6F840DD40F4D}"/>
-              </a:ext>
-            </a:extLst>
-          </p:cNvPr>
-          <p:cNvSpPr>
-            <a:spLocks noGrp="1"/>
-          </p:cNvSpPr>
-          <p:nvPr>
-            <p:ph type="sldNum" sz="quarter" idx="3"/>
-          </p:nvPr>
-        </p:nvSpPr>
-        <p:spPr>
-          <a:xfrm>
-            <a:off x="3884613" y="8685213"/>
-            <a:ext cx="2971800" cy="458787"/>
-          </a:xfrm>
-          <a:prstGeom prst="rect">
-            <a:avLst/>
-          </a:prstGeom>
-        </p:spPr>
-        <p:txBody>
-          <a:bodyPr vert="horz" lIns="91440" tIns="45720" rIns="91440" bIns="45720" rtlCol="0" anchor="b"/>
-          <a:lstStyle>
-            <a:lvl1pPr algn="r">
-              <a:defRPr sz="1200"/>
-            </a:lvl1pPr>
-          </a:lstStyle>
-          <a:p>
-            <a:fld id="{79A8439F-6BFC-7C45-A843-835286AA4BAB}" type="slidenum">
-              <a:rPr lang="fr-FR" smtClean="0"/>
-              <a:t>‹N°›</a:t>
-            </a:fld>
-            <a:endParaRPr lang="fr-FR"/>
-          </a:p>
-        </p:txBody>
-      </p:sp>
-    </p:spTree>
-    <p:extLst>
-      <p:ext uri="{BB962C8B-B14F-4D97-AF65-F5344CB8AC3E}">
-        <p14:creationId xmlns:p14="http://schemas.microsoft.com/office/powerpoint/2010/main" val="3792312206"/>
-      </p:ext>
-    </p:extLst>
-  </p:cSld>
-  <p:clrMap bg1="lt1" tx1="dk1" bg2="lt2" tx2="dk2" accent1="accent1" accent2="accent2" accent3="accent3" accent4="accent4" accent5="accent5" accent6="accent6" hlink="hlink" folHlink="folHlink"/>
-  <p:hf hdr="0" dt="0"/>
-</p:handoutMaster>
-</file>
-
-<file path=ppt/notesMasters/notesMaster1.xml><?xml version="1.0" encoding="utf-8"?>
-<p:notesMaster xmlns:a="http://schemas.openxmlformats.org/drawingml/2006/main" xmlns:r="http://schemas.openxmlformats.org/officeDocument/2006/relationships" xmlns:p="http://schemas.openxmlformats.org/presentationml/2006/main">
-  <p:cSld>
-    <p:bg>
-      <p:bgRef idx="1001">
-        <a:schemeClr val="bg1"/>
-      </p:bgRef>
-    </p:bg>
-    <p:spTree>
-      <p:nvGrpSpPr>
-        <p:cNvPr id="1" name=""/>
-        <p:cNvGrpSpPr/>
-        <p:nvPr/>
-      </p:nvGrpSpPr>
-      <p:grpSpPr>
-        <a:xfrm>
-          <a:off x="0" y="0"/>
-          <a:ext cx="0" cy="0"/>
-          <a:chOff x="0" y="0"/>
-          <a:chExt cx="0" cy="0"/>
-        </a:xfrm>
-      </p:grpSpPr>
-      <p:sp>
-        <p:nvSpPr>
-          <p:cNvPr id="2" name="Espace réservé de l'en-tête 1"/>
-          <p:cNvSpPr>
-            <a:spLocks noGrp="1"/>
-          </p:cNvSpPr>
-          <p:nvPr>
-            <p:ph type="hdr" sz="quarter"/>
-          </p:nvPr>
-        </p:nvSpPr>
-        <p:spPr>
-          <a:xfrm>
-            <a:off x="0" y="0"/>
-            <a:ext cx="2971800" cy="458788"/>
-          </a:xfrm>
-          <a:prstGeom prst="rect">
-            <a:avLst/>
-          </a:prstGeom>
-        </p:spPr>
-        <p:txBody>
-          <a:bodyPr vert="horz" lIns="91440" tIns="45720" rIns="91440" bIns="45720" rtlCol="0"/>
-          <a:lstStyle>
-            <a:lvl1pPr algn="l">
-              <a:defRPr sz="1200"/>
-            </a:lvl1pPr>
-          </a:lstStyle>
-          <a:p>
-            <a:endParaRPr lang="fr-FR"/>
-          </a:p>
-        </p:txBody>
-      </p:sp>
-      <p:sp>
-        <p:nvSpPr>
-          <p:cNvPr id="3" name="Espace réservé de la date 2"/>
-          <p:cNvSpPr>
-            <a:spLocks noGrp="1"/>
-          </p:cNvSpPr>
-          <p:nvPr>
-            <p:ph type="dt" idx="1"/>
-          </p:nvPr>
-        </p:nvSpPr>
-        <p:spPr>
-          <a:xfrm>
-            <a:off x="3884613" y="0"/>
-            <a:ext cx="2971800" cy="458788"/>
-          </a:xfrm>
-          <a:prstGeom prst="rect">
-            <a:avLst/>
-          </a:prstGeom>
-        </p:spPr>
-        <p:txBody>
-          <a:bodyPr vert="horz" lIns="91440" tIns="45720" rIns="91440" bIns="45720" rtlCol="0"/>
-          <a:lstStyle>
-            <a:lvl1pPr algn="r">
-              <a:defRPr sz="1200"/>
-            </a:lvl1pPr>
-          </a:lstStyle>
-          <a:p>
-            <a:fld id="{A67B2A18-DA22-BD49-BBBA-10A65E13FE68}" type="datetimeFigureOut">
-              <a:rPr lang="fr-FR" smtClean="0"/>
-              <a:t>16/06/2022</a:t>
-            </a:fld>
-            <a:endParaRPr lang="fr-FR"/>
-          </a:p>
-        </p:txBody>
-      </p:sp>
-      <p:sp>
-        <p:nvSpPr>
-          <p:cNvPr id="4" name="Espace réservé de l'image des diapositives 3"/>
-          <p:cNvSpPr>
-            <a:spLocks noGrp="1" noRot="1" noChangeAspect="1"/>
-          </p:cNvSpPr>
-          <p:nvPr>
-            <p:ph type="sldImg" idx="2"/>
-          </p:nvPr>
-        </p:nvSpPr>
-        <p:spPr>
-          <a:xfrm>
-            <a:off x="685800" y="1143000"/>
-            <a:ext cx="5486400" cy="3086100"/>
-          </a:xfrm>
-          <a:prstGeom prst="rect">
-            <a:avLst/>
-          </a:prstGeom>
-          <a:noFill/>
-          <a:ln w="12700">
-            <a:solidFill>
-              <a:prstClr val="black"/>
-            </a:solidFill>
-          </a:ln>
-        </p:spPr>
-        <p:txBody>
-          <a:bodyPr vert="horz" lIns="91440" tIns="45720" rIns="91440" bIns="45720" rtlCol="0" anchor="ctr"/>
-          <a:lstStyle/>
-          <a:p>
-            <a:endParaRPr lang="fr-FR"/>
-          </a:p>
-        </p:txBody>
-      </p:sp>
-      <p:sp>
-        <p:nvSpPr>
-          <p:cNvPr id="5" name="Espace réservé des notes 4"/>
-          <p:cNvSpPr>
-            <a:spLocks noGrp="1"/>
-          </p:cNvSpPr>
-          <p:nvPr>
-            <p:ph type="body" sz="quarter" idx="3"/>
-          </p:nvPr>
-        </p:nvSpPr>
-        <p:spPr>
-          <a:xfrm>
-            <a:off x="685800" y="4400550"/>
-            <a:ext cx="5486400" cy="3600450"/>
-          </a:xfrm>
-          <a:prstGeom prst="rect">
-            <a:avLst/>
-          </a:prstGeom>
-        </p:spPr>
-        <p:txBody>
-          <a:bodyPr vert="horz" lIns="91440" tIns="45720" rIns="91440" bIns="45720" rtlCol="0"/>
-          <a:lstStyle/>
-          <a:p>
-            <a:pPr lvl="0"/>
-            <a:r>
-              <a:rPr lang="fr-FR"/>
-              <a:t>Cliquez pour modifier les styles du texte du masque</a:t>
-            </a:r>
-          </a:p>
-          <a:p>
-            <a:pPr lvl="1"/>
-            <a:r>
-              <a:rPr lang="fr-FR"/>
-              <a:t>Deuxième niveau</a:t>
-            </a:r>
-          </a:p>
-          <a:p>
-            <a:pPr lvl="2"/>
-            <a:r>
-              <a:rPr lang="fr-FR"/>
-              <a:t>Troisième niveau</a:t>
-            </a:r>
-          </a:p>
-          <a:p>
-            <a:pPr lvl="3"/>
-            <a:r>
-              <a:rPr lang="fr-FR"/>
-              <a:t>Quatrième niveau</a:t>
-            </a:r>
-          </a:p>
-          <a:p>
-            <a:pPr lvl="4"/>
-            <a:r>
-              <a:rPr lang="fr-FR"/>
-              <a:t>Cinquième niveau</a:t>
-            </a:r>
-          </a:p>
-        </p:txBody>
-      </p:sp>
-      <p:sp>
-        <p:nvSpPr>
-          <p:cNvPr id="6" name="Espace réservé du pied de page 5"/>
-          <p:cNvSpPr>
-            <a:spLocks noGrp="1"/>
-          </p:cNvSpPr>
-          <p:nvPr>
-            <p:ph type="ftr" sz="quarter" idx="4"/>
-          </p:nvPr>
-        </p:nvSpPr>
-        <p:spPr>
-          <a:xfrm>
-            <a:off x="0" y="8685213"/>
-            <a:ext cx="2971800" cy="458787"/>
-          </a:xfrm>
-          <a:prstGeom prst="rect">
-            <a:avLst/>
-          </a:prstGeom>
-        </p:spPr>
-        <p:txBody>
-          <a:bodyPr vert="horz" lIns="91440" tIns="45720" rIns="91440" bIns="45720" rtlCol="0" anchor="b"/>
-          <a:lstStyle>
-            <a:lvl1pPr algn="l">
-              <a:defRPr sz="1200"/>
-            </a:lvl1pPr>
-          </a:lstStyle>
-          <a:p>
-            <a:r>
-              <a:rPr lang="fr-FR"/>
-              <a:t>salut</a:t>
-            </a:r>
-          </a:p>
-        </p:txBody>
-      </p:sp>
-      <p:sp>
-        <p:nvSpPr>
-          <p:cNvPr id="7" name="Espace réservé du numéro de diapositive 6"/>
-          <p:cNvSpPr>
-            <a:spLocks noGrp="1"/>
-          </p:cNvSpPr>
-          <p:nvPr>
-            <p:ph type="sldNum" sz="quarter" idx="5"/>
-          </p:nvPr>
-        </p:nvSpPr>
-        <p:spPr>
-          <a:xfrm>
-            <a:off x="3884613" y="8685213"/>
-            <a:ext cx="2971800" cy="458787"/>
-          </a:xfrm>
-          <a:prstGeom prst="rect">
-            <a:avLst/>
-          </a:prstGeom>
-        </p:spPr>
-        <p:txBody>
-          <a:bodyPr vert="horz" lIns="91440" tIns="45720" rIns="91440" bIns="45720" rtlCol="0" anchor="b"/>
-          <a:lstStyle>
-            <a:lvl1pPr algn="r">
-              <a:defRPr sz="1200"/>
-            </a:lvl1pPr>
-          </a:lstStyle>
-          <a:p>
-            <a:fld id="{79430592-3608-D343-B5B0-7C6BD02576B9}" type="slidenum">
-              <a:rPr lang="fr-FR" smtClean="0"/>
-              <a:t>‹N°›</a:t>
-            </a:fld>
-            <a:endParaRPr lang="fr-FR"/>
-          </a:p>
-        </p:txBody>
-      </p:sp>
-    </p:spTree>
-    <p:extLst>
-      <p:ext uri="{BB962C8B-B14F-4D97-AF65-F5344CB8AC3E}">
-        <p14:creationId xmlns:p14="http://schemas.microsoft.com/office/powerpoint/2010/main" val="1100136155"/>
-      </p:ext>
-    </p:extLst>
-  </p:cSld>
-  <p:clrMap bg1="lt1" tx1="dk1" bg2="lt2" tx2="dk2" accent1="accent1" accent2="accent2" accent3="accent3" accent4="accent4" accent5="accent5" accent6="accent6" hlink="hlink" folHlink="folHlink"/>
-  <p:hf hdr="0" dt="0"/>
-  <p:notesStyle>
-    <a:lvl1pPr marL="0" algn="l" defTabSz="914400" rtl="0" eaLnBrk="1" latinLnBrk="0" hangingPunct="1">
-      <a:defRPr sz="1200" kern="1200">
-        <a:solidFill>
-          <a:schemeClr val="tx1"/>
-        </a:solidFill>
-        <a:latin typeface="+mn-lt"/>
-        <a:ea typeface="+mn-ea"/>
-        <a:cs typeface="+mn-cs"/>
-      </a:defRPr>
-    </a:lvl1pPr>
-    <a:lvl2pPr marL="457200" algn="l" defTabSz="914400" rtl="0" eaLnBrk="1" latinLnBrk="0" hangingPunct="1">
-      <a:defRPr sz="1200" kern="1200">
-        <a:solidFill>
-          <a:schemeClr val="tx1"/>
-        </a:solidFill>
-        <a:latin typeface="+mn-lt"/>
-        <a:ea typeface="+mn-ea"/>
-        <a:cs typeface="+mn-cs"/>
-      </a:defRPr>
-    </a:lvl2pPr>
-    <a:lvl3pPr marL="914400" algn="l" defTabSz="914400" rtl="0" eaLnBrk="1" latinLnBrk="0" hangingPunct="1">
-      <a:defRPr sz="1200" kern="1200">
-        <a:solidFill>
-          <a:schemeClr val="tx1"/>
-        </a:solidFill>
-        <a:latin typeface="+mn-lt"/>
-        <a:ea typeface="+mn-ea"/>
-        <a:cs typeface="+mn-cs"/>
-      </a:defRPr>
-    </a:lvl3pPr>
-    <a:lvl4pPr marL="1371600" algn="l" defTabSz="914400" rtl="0" eaLnBrk="1" latinLnBrk="0" hangingPunct="1">
-      <a:defRPr sz="1200" kern="1200">
-        <a:solidFill>
-          <a:schemeClr val="tx1"/>
-        </a:solidFill>
-        <a:latin typeface="+mn-lt"/>
-        <a:ea typeface="+mn-ea"/>
-        <a:cs typeface="+mn-cs"/>
-      </a:defRPr>
-    </a:lvl4pPr>
-    <a:lvl5pPr marL="1828800" algn="l" defTabSz="914400" rtl="0" eaLnBrk="1" latinLnBrk="0" hangingPunct="1">
-      <a:defRPr sz="1200" kern="1200">
-        <a:solidFill>
-          <a:schemeClr val="tx1"/>
-        </a:solidFill>
-        <a:latin typeface="+mn-lt"/>
-        <a:ea typeface="+mn-ea"/>
-        <a:cs typeface="+mn-cs"/>
-      </a:defRPr>
-    </a:lvl5pPr>
-    <a:lvl6pPr marL="2286000" algn="l" defTabSz="914400" rtl="0" eaLnBrk="1" latinLnBrk="0" hangingPunct="1">
-      <a:defRPr sz="1200" kern="1200">
-        <a:solidFill>
-          <a:schemeClr val="tx1"/>
-        </a:solidFill>
-        <a:latin typeface="+mn-lt"/>
-        <a:ea typeface="+mn-ea"/>
-        <a:cs typeface="+mn-cs"/>
-      </a:defRPr>
-    </a:lvl6pPr>
-    <a:lvl7pPr marL="2743200" algn="l" defTabSz="914400" rtl="0" eaLnBrk="1" latinLnBrk="0" hangingPunct="1">
-      <a:defRPr sz="1200" kern="1200">
-        <a:solidFill>
-          <a:schemeClr val="tx1"/>
-        </a:solidFill>
-        <a:latin typeface="+mn-lt"/>
-        <a:ea typeface="+mn-ea"/>
-        <a:cs typeface="+mn-cs"/>
-      </a:defRPr>
-    </a:lvl7pPr>
-    <a:lvl8pPr marL="3200400" algn="l" defTabSz="914400" rtl="0" eaLnBrk="1" latinLnBrk="0" hangingPunct="1">
-      <a:defRPr sz="1200" kern="1200">
-        <a:solidFill>
-          <a:schemeClr val="tx1"/>
-        </a:solidFill>
-        <a:latin typeface="+mn-lt"/>
-        <a:ea typeface="+mn-ea"/>
-        <a:cs typeface="+mn-cs"/>
-      </a:defRPr>
-    </a:lvl8pPr>
-    <a:lvl9pPr marL="3657600" algn="l" defTabSz="914400" rtl="0" eaLnBrk="1" latinLnBrk="0" hangingPunct="1">
-      <a:defRPr sz="1200" kern="1200">
-        <a:solidFill>
-          <a:schemeClr val="tx1"/>
-        </a:solidFill>
-        <a:latin typeface="+mn-lt"/>
-        <a:ea typeface="+mn-ea"/>
-        <a:cs typeface="+mn-cs"/>
-      </a:defRPr>
-    </a:lvl9pPr>
-  </p:notesStyle>
-</p:notesMaster>
 </file>
 
 <file path=ppt/slideLayouts/slideLayout1.xml><?xml version="1.0" encoding="utf-8"?>
@@ -7174,13 +6622,8 @@
           <a:p>
             <a:r>
               <a:rPr lang="fr-FR" dirty="0"/>
-              <a:t>La classe Button a été composée car cela peut permettre de facilement réutiliser l’un des </a:t>
-            </a:r>
-            <a:r>
-              <a:rPr lang="fr-FR"/>
-              <a:t>composants indépendamment.</a:t>
-            </a:r>
-            <a:endParaRPr lang="fr-FR" dirty="0"/>
+              <a:t>La classe Button a été composée car cela permet de facilement avoir plusieurs boutons avec des tailles, des textes et des couleurs différentes</a:t>
+            </a:r>
           </a:p>
         </p:txBody>
       </p:sp>
@@ -7484,36 +6927,6 @@
           </a:p>
         </p:txBody>
       </p:sp>
-      <p:pic>
-        <p:nvPicPr>
-          <p:cNvPr id="5" name="Image 4" descr="Une image contenant texte&#10;&#10;Description générée automatiquement">
-            <a:extLst>
-              <a:ext uri="{FF2B5EF4-FFF2-40B4-BE49-F238E27FC236}">
-                <a16:creationId xmlns:a16="http://schemas.microsoft.com/office/drawing/2014/main" id="{C866189F-3C79-084B-9539-B7157689DEA8}"/>
-              </a:ext>
-            </a:extLst>
-          </p:cNvPr>
-          <p:cNvPicPr>
-            <a:picLocks noChangeAspect="1"/>
-          </p:cNvPicPr>
-          <p:nvPr/>
-        </p:nvPicPr>
-        <p:blipFill>
-          <a:blip r:embed="rId2"/>
-          <a:stretch>
-            <a:fillRect/>
-          </a:stretch>
-        </p:blipFill>
-        <p:spPr>
-          <a:xfrm>
-            <a:off x="2599348" y="3522204"/>
-            <a:ext cx="6651720" cy="1680811"/>
-          </a:xfrm>
-          <a:prstGeom prst="rect">
-            <a:avLst/>
-          </a:prstGeom>
-        </p:spPr>
-      </p:pic>
     </p:spTree>
     <p:extLst>
       <p:ext uri="{BB962C8B-B14F-4D97-AF65-F5344CB8AC3E}">
@@ -7647,36 +7060,6 @@
           </a:p>
         </p:txBody>
       </p:sp>
-      <p:pic>
-        <p:nvPicPr>
-          <p:cNvPr id="5" name="Image 4" descr="Une image contenant texte&#10;&#10;Description générée automatiquement">
-            <a:extLst>
-              <a:ext uri="{FF2B5EF4-FFF2-40B4-BE49-F238E27FC236}">
-                <a16:creationId xmlns:a16="http://schemas.microsoft.com/office/drawing/2014/main" id="{6F487B3E-0CB9-324D-B837-26114AC6DE29}"/>
-              </a:ext>
-            </a:extLst>
-          </p:cNvPr>
-          <p:cNvPicPr>
-            <a:picLocks noChangeAspect="1"/>
-          </p:cNvPicPr>
-          <p:nvPr/>
-        </p:nvPicPr>
-        <p:blipFill>
-          <a:blip r:embed="rId2"/>
-          <a:stretch>
-            <a:fillRect/>
-          </a:stretch>
-        </p:blipFill>
-        <p:spPr>
-          <a:xfrm>
-            <a:off x="3003550" y="4322482"/>
-            <a:ext cx="6184900" cy="2082800"/>
-          </a:xfrm>
-          <a:prstGeom prst="rect">
-            <a:avLst/>
-          </a:prstGeom>
-        </p:spPr>
-      </p:pic>
     </p:spTree>
     <p:extLst>
       <p:ext uri="{BB962C8B-B14F-4D97-AF65-F5344CB8AC3E}">
@@ -7828,36 +7211,6 @@
           </a:p>
         </p:txBody>
       </p:sp>
-      <p:pic>
-        <p:nvPicPr>
-          <p:cNvPr id="5" name="Image 4" descr="Une image contenant texte, écran, capture d’écran&#10;&#10;Description générée automatiquement">
-            <a:extLst>
-              <a:ext uri="{FF2B5EF4-FFF2-40B4-BE49-F238E27FC236}">
-                <a16:creationId xmlns:a16="http://schemas.microsoft.com/office/drawing/2014/main" id="{1386BA68-54EC-444D-9648-11E4F41C288B}"/>
-              </a:ext>
-            </a:extLst>
-          </p:cNvPr>
-          <p:cNvPicPr>
-            <a:picLocks noChangeAspect="1"/>
-          </p:cNvPicPr>
-          <p:nvPr/>
-        </p:nvPicPr>
-        <p:blipFill>
-          <a:blip r:embed="rId2"/>
-          <a:stretch>
-            <a:fillRect/>
-          </a:stretch>
-        </p:blipFill>
-        <p:spPr>
-          <a:xfrm>
-            <a:off x="3301835" y="4325893"/>
-            <a:ext cx="5588330" cy="2532107"/>
-          </a:xfrm>
-          <a:prstGeom prst="rect">
-            <a:avLst/>
-          </a:prstGeom>
-        </p:spPr>
-      </p:pic>
     </p:spTree>
     <p:extLst>
       <p:ext uri="{BB962C8B-B14F-4D97-AF65-F5344CB8AC3E}">
@@ -8099,30 +7452,6 @@
 <file path=ppt/slides/slide17.xml><?xml version="1.0" encoding="utf-8"?>
 <p:sld xmlns:a="http://schemas.openxmlformats.org/drawingml/2006/main" xmlns:r="http://schemas.openxmlformats.org/officeDocument/2006/relationships" xmlns:p="http://schemas.openxmlformats.org/presentationml/2006/main">
   <p:cSld>
-    <p:bg>
-      <p:bgPr>
-        <a:blipFill rotWithShape="1">
-          <a:blip r:embed="rId2">
-            <a:duotone>
-              <a:schemeClr val="bg2">
-                <a:shade val="69000"/>
-                <a:hueMod val="108000"/>
-                <a:satMod val="164000"/>
-                <a:lumMod val="74000"/>
-              </a:schemeClr>
-              <a:schemeClr val="bg2">
-                <a:tint val="96000"/>
-                <a:hueMod val="88000"/>
-                <a:satMod val="140000"/>
-                <a:lumMod val="132000"/>
-              </a:schemeClr>
-            </a:duotone>
-          </a:blip>
-          <a:stretch/>
-        </a:blipFill>
-        <a:effectLst/>
-      </p:bgPr>
-    </p:bg>
     <p:spTree>
       <p:nvGrpSpPr>
         <p:cNvPr id="1" name=""/>
@@ -8153,16 +7482,9 @@
             <p:ph type="title"/>
           </p:nvPr>
         </p:nvSpPr>
-        <p:spPr>
-          <a:xfrm>
-            <a:off x="646111" y="609601"/>
-            <a:ext cx="4793473" cy="1675975"/>
-          </a:xfrm>
-        </p:spPr>
-        <p:txBody>
-          <a:bodyPr>
-            <a:normAutofit/>
-          </a:bodyPr>
+        <p:spPr/>
+        <p:txBody>
+          <a:bodyPr/>
           <a:lstStyle/>
           <a:p>
             <a:r>
@@ -8171,95 +7493,6 @@
             </a:r>
           </a:p>
         </p:txBody>
-      </p:sp>
-      <p:pic>
-        <p:nvPicPr>
-          <p:cNvPr id="5" name="Image 4" descr="Une image contenant texte, écran, capture d’écran&#10;&#10;Description générée automatiquement">
-            <a:extLst>
-              <a:ext uri="{FF2B5EF4-FFF2-40B4-BE49-F238E27FC236}">
-                <a16:creationId xmlns:a16="http://schemas.microsoft.com/office/drawing/2014/main" id="{0A80335E-2D49-264E-B0B5-4A712C2C0734}"/>
-              </a:ext>
-            </a:extLst>
-          </p:cNvPr>
-          <p:cNvPicPr>
-            <a:picLocks noChangeAspect="1"/>
-          </p:cNvPicPr>
-          <p:nvPr/>
-        </p:nvPicPr>
-        <p:blipFill rotWithShape="1">
-          <a:blip r:embed="rId3"/>
-          <a:srcRect t="959" r="2" b="2"/>
-          <a:stretch/>
-        </p:blipFill>
-        <p:spPr>
-          <a:xfrm>
-            <a:off x="6094412" y="609137"/>
-            <a:ext cx="5449888" cy="2766290"/>
-          </a:xfrm>
-          <a:prstGeom prst="rect">
-            <a:avLst/>
-          </a:prstGeom>
-          <a:effectLst>
-            <a:outerShdw blurRad="50800" dist="38100" dir="5400000" algn="t" rotWithShape="0">
-              <a:prstClr val="black">
-                <a:alpha val="43000"/>
-              </a:prstClr>
-            </a:outerShdw>
-          </a:effectLst>
-        </p:spPr>
-      </p:pic>
-      <p:sp>
-        <p:nvSpPr>
-          <p:cNvPr id="12" name="Rectangle 11">
-            <a:extLst>
-              <a:ext uri="{FF2B5EF4-FFF2-40B4-BE49-F238E27FC236}">
-                <a16:creationId xmlns:a16="http://schemas.microsoft.com/office/drawing/2014/main" id="{AC546BE4-C7A3-4A47-9FA5-0866D5E656B4}"/>
-              </a:ext>
-              <a:ext uri="{C183D7F6-B498-43B3-948B-1728B52AA6E4}">
-                <adec:decorative xmlns:adec="http://schemas.microsoft.com/office/drawing/2017/decorative" val="1"/>
-              </a:ext>
-            </a:extLst>
-          </p:cNvPr>
-          <p:cNvSpPr>
-            <a:spLocks noGrp="1" noRot="1" noChangeAspect="1" noMove="1" noResize="1" noEditPoints="1" noAdjustHandles="1" noChangeArrowheads="1" noChangeShapeType="1" noTextEdit="1"/>
-          </p:cNvSpPr>
-          <p:nvPr>
-            <p:extLst>
-              <p:ext uri="{386F3935-93C4-4BCD-93E2-E3B085C9AB24}">
-                <p16:designElem xmlns:p16="http://schemas.microsoft.com/office/powerpoint/2015/main" val="1"/>
-              </p:ext>
-            </p:extLst>
-          </p:nvPr>
-        </p:nvSpPr>
-        <p:spPr>
-          <a:xfrm>
-            <a:off x="10437812" y="0"/>
-            <a:ext cx="685800" cy="1143000"/>
-          </a:xfrm>
-          <a:prstGeom prst="rect">
-            <a:avLst/>
-          </a:prstGeom>
-          <a:solidFill>
-            <a:schemeClr val="accent1"/>
-          </a:solidFill>
-          <a:ln>
-            <a:noFill/>
-          </a:ln>
-        </p:spPr>
-        <p:style>
-          <a:lnRef idx="1">
-            <a:schemeClr val="accent1"/>
-          </a:lnRef>
-          <a:fillRef idx="3">
-            <a:schemeClr val="accent1"/>
-          </a:fillRef>
-          <a:effectRef idx="2">
-            <a:schemeClr val="accent1"/>
-          </a:effectRef>
-          <a:fontRef idx="minor">
-            <a:schemeClr val="lt1"/>
-          </a:fontRef>
-        </p:style>
       </p:sp>
       <p:sp>
         <p:nvSpPr>
@@ -8279,8 +7512,8 @@
         </p:nvSpPr>
         <p:spPr>
           <a:xfrm>
-            <a:off x="642175" y="2484544"/>
-            <a:ext cx="4799145" cy="3763855"/>
+            <a:off x="646111" y="1654985"/>
+            <a:ext cx="8946541" cy="4441015"/>
           </a:xfrm>
         </p:spPr>
         <p:txBody>
@@ -8291,69 +7524,35 @@
           <a:p>
             <a:r>
               <a:rPr lang="fr-FR" dirty="0"/>
-              <a:t>Le première image consiste à la création des deux labyrinthes</a:t>
-            </a:r>
-          </a:p>
-          <a:p>
-            <a:r>
-              <a:rPr lang="fr-FR" dirty="0"/>
-              <a:t>La deuxième permet de dessiner le score, </a:t>
-            </a:r>
-            <a:r>
-              <a:rPr lang="fr-FR" dirty="0" err="1"/>
-              <a:t>pacman</a:t>
-            </a:r>
-            <a:r>
-              <a:rPr lang="fr-FR" dirty="0"/>
-              <a:t>, le bouton </a:t>
-            </a:r>
-            <a:r>
-              <a:rPr lang="fr-FR" dirty="0" err="1"/>
-              <a:t>quit</a:t>
-            </a:r>
-            <a:r>
-              <a:rPr lang="fr-FR" dirty="0"/>
-              <a:t> et les fantômes. </a:t>
-            </a:r>
-          </a:p>
-        </p:txBody>
-      </p:sp>
-      <p:pic>
-        <p:nvPicPr>
-          <p:cNvPr id="7" name="Image 6" descr="Une image contenant texte&#10;&#10;Description générée automatiquement">
-            <a:extLst>
-              <a:ext uri="{FF2B5EF4-FFF2-40B4-BE49-F238E27FC236}">
-                <a16:creationId xmlns:a16="http://schemas.microsoft.com/office/drawing/2014/main" id="{30FC8738-ED4A-704F-B06F-CDD8FF0869D0}"/>
-              </a:ext>
-            </a:extLst>
-          </p:cNvPr>
-          <p:cNvPicPr>
-            <a:picLocks noChangeAspect="1"/>
-          </p:cNvPicPr>
-          <p:nvPr/>
-        </p:nvPicPr>
-        <p:blipFill rotWithShape="1">
-          <a:blip r:embed="rId4"/>
-          <a:srcRect r="23658"/>
-          <a:stretch/>
-        </p:blipFill>
-        <p:spPr>
-          <a:xfrm>
-            <a:off x="6094412" y="3482108"/>
-            <a:ext cx="5449888" cy="2766290"/>
-          </a:xfrm>
-          <a:prstGeom prst="rect">
-            <a:avLst/>
-          </a:prstGeom>
-          <a:effectLst>
-            <a:outerShdw blurRad="50800" dist="38100" dir="5400000" algn="t" rotWithShape="0">
-              <a:prstClr val="black">
-                <a:alpha val="43000"/>
-              </a:prstClr>
-            </a:outerShdw>
-          </a:effectLst>
-        </p:spPr>
-      </p:pic>
+              <a:t>Montrez comment sont dessinés vos éléments graphiques</a:t>
+            </a:r>
+          </a:p>
+          <a:p>
+            <a:r>
+              <a:rPr lang="fr-FR" dirty="0"/>
+              <a:t>Arrière-fond</a:t>
+            </a:r>
+          </a:p>
+          <a:p>
+            <a:r>
+              <a:rPr lang="fr-FR" dirty="0"/>
+              <a:t>Player</a:t>
+            </a:r>
+          </a:p>
+          <a:p>
+            <a:r>
+              <a:rPr lang="fr-FR" dirty="0"/>
+              <a:t>Texte</a:t>
+            </a:r>
+          </a:p>
+          <a:p>
+            <a:r>
+              <a:rPr lang="fr-FR" dirty="0"/>
+              <a:t>Autre éléments</a:t>
+            </a:r>
+          </a:p>
+        </p:txBody>
+      </p:sp>
     </p:spTree>
     <p:extLst>
       <p:ext uri="{BB962C8B-B14F-4D97-AF65-F5344CB8AC3E}">
@@ -8549,114 +7748,26 @@
         </p:spPr>
         <p:txBody>
           <a:bodyPr>
-            <a:normAutofit lnSpcReduction="10000"/>
+            <a:normAutofit/>
           </a:bodyPr>
           <a:lstStyle/>
           <a:p>
             <a:r>
               <a:rPr lang="fr-FR" dirty="0"/>
-              <a:t>Les forces de notre projet sont:</a:t>
-            </a:r>
-          </a:p>
-          <a:p>
-            <a:pPr lvl="1">
-              <a:buFont typeface="Arial" panose="020B0604020202020204" pitchFamily="34" charset="0"/>
-              <a:buChar char="•"/>
-            </a:pPr>
-            <a:r>
-              <a:rPr lang="fr-FR" dirty="0"/>
-              <a:t>Les deux niveaux de jeu</a:t>
-            </a:r>
-          </a:p>
-          <a:p>
-            <a:pPr lvl="1">
-              <a:buFont typeface="Arial" panose="020B0604020202020204" pitchFamily="34" charset="0"/>
-              <a:buChar char="•"/>
-            </a:pPr>
-            <a:r>
-              <a:rPr lang="fr-FR" dirty="0"/>
-              <a:t>L’intelligence des fantômes</a:t>
-            </a:r>
-          </a:p>
-          <a:p>
-            <a:pPr lvl="1">
-              <a:buFont typeface="Arial" panose="020B0604020202020204" pitchFamily="34" charset="0"/>
-              <a:buChar char="•"/>
-            </a:pPr>
-            <a:r>
-              <a:rPr lang="fr-FR" dirty="0"/>
-              <a:t>La simplicité</a:t>
-            </a:r>
-          </a:p>
-          <a:p>
-            <a:r>
-              <a:rPr lang="fr-FR" dirty="0"/>
-              <a:t>Les faiblesses de notre projet:</a:t>
-            </a:r>
-          </a:p>
-          <a:p>
-            <a:pPr lvl="1">
-              <a:buFont typeface="Arial" panose="020B0604020202020204" pitchFamily="34" charset="0"/>
-              <a:buChar char="•"/>
-            </a:pPr>
-            <a:r>
-              <a:rPr lang="fr-FR" dirty="0"/>
-              <a:t>Répétition des niveaux</a:t>
-            </a:r>
-          </a:p>
-          <a:p>
-            <a:pPr lvl="1">
-              <a:buFont typeface="Arial" panose="020B0604020202020204" pitchFamily="34" charset="0"/>
-              <a:buChar char="•"/>
-            </a:pPr>
-            <a:r>
-              <a:rPr lang="fr-FR" dirty="0"/>
-              <a:t>Pas d’historique des scores</a:t>
-            </a:r>
-          </a:p>
-          <a:p>
-            <a:pPr lvl="1">
-              <a:buFont typeface="Arial" panose="020B0604020202020204" pitchFamily="34" charset="0"/>
-              <a:buChar char="•"/>
-            </a:pPr>
-            <a:r>
-              <a:rPr lang="fr-FR" dirty="0"/>
-              <a:t>Pas de son</a:t>
-            </a:r>
-          </a:p>
-          <a:p>
-            <a:r>
-              <a:rPr lang="fr-FR" dirty="0"/>
-              <a:t>Ce que nous avons appris:</a:t>
-            </a:r>
-          </a:p>
-          <a:p>
-            <a:pPr lvl="1">
-              <a:buFont typeface="Arial" panose="020B0604020202020204" pitchFamily="34" charset="0"/>
-              <a:buChar char="•"/>
-            </a:pPr>
-            <a:r>
-              <a:rPr lang="fr-FR" dirty="0"/>
-              <a:t>Les liens entre les classes</a:t>
-            </a:r>
-          </a:p>
-          <a:p>
-            <a:pPr lvl="1">
-              <a:buFont typeface="Arial" panose="020B0604020202020204" pitchFamily="34" charset="0"/>
-              <a:buChar char="•"/>
-            </a:pPr>
-            <a:r>
-              <a:rPr lang="fr-FR" dirty="0"/>
-              <a:t>Pouvoir partager notre travail sur </a:t>
-            </a:r>
-            <a:r>
-              <a:rPr lang="fr-FR" dirty="0" err="1"/>
-              <a:t>github</a:t>
-            </a:r>
-            <a:endParaRPr lang="fr-FR" dirty="0"/>
-          </a:p>
-          <a:p>
-            <a:endParaRPr lang="fr-FR" dirty="0"/>
+              <a:t>Les forces de votre projet</a:t>
+            </a:r>
+          </a:p>
+          <a:p>
+            <a:r>
+              <a:rPr lang="fr-FR" dirty="0"/>
+              <a:t>Les faiblesses de votre projet</a:t>
+            </a:r>
+          </a:p>
+          <a:p>
+            <a:r>
+              <a:rPr lang="fr-FR" dirty="0"/>
+              <a:t>Ce que vous avez appris</a:t>
+            </a:r>
           </a:p>
         </p:txBody>
       </p:sp>
@@ -8754,7 +7865,7 @@
           <a:p>
             <a:r>
               <a:rPr lang="fr-FR" dirty="0"/>
-              <a:t>Il existe deux niveaux, on incarne un rond jaune et il y a des ennemis qui sont des ronds rouges.</a:t>
+              <a:t>Il existe deux labyrinthes, on incarne un rond jaune et il y a des ennemis qui sont des ronds rouges.</a:t>
             </a:r>
           </a:p>
           <a:p>
@@ -8768,15 +7879,7 @@
             </a:r>
             <a:r>
               <a:rPr lang="fr-FR" dirty="0"/>
-              <a:t> . Il y a aussi un bouton pour quitter le jeu si l’on souhaite et aussi un bouton </a:t>
-            </a:r>
-            <a:r>
-              <a:rPr lang="fr-FR" dirty="0" err="1"/>
-              <a:t>retry</a:t>
-            </a:r>
-            <a:r>
-              <a:rPr lang="fr-FR" dirty="0"/>
-              <a:t> pour recommencer.</a:t>
+              <a:t> et les touches 1 et 2 permettent de changer de plateforme. Il y a aussi une touche pour quitter le jeu si l’on souhaite.</a:t>
             </a:r>
           </a:p>
         </p:txBody>
@@ -8827,20 +7930,49 @@
             <p:ph type="title"/>
           </p:nvPr>
         </p:nvSpPr>
+        <p:spPr/>
+        <p:txBody>
+          <a:bodyPr/>
+          <a:lstStyle/>
+          <a:p>
+            <a:r>
+              <a:rPr lang="fr-FR" dirty="0"/>
+              <a:t>Démonstration</a:t>
+            </a:r>
+          </a:p>
+        </p:txBody>
+      </p:sp>
+      <p:sp>
+        <p:nvSpPr>
+          <p:cNvPr id="3" name="Espace réservé du contenu 2">
+            <a:extLst>
+              <a:ext uri="{FF2B5EF4-FFF2-40B4-BE49-F238E27FC236}">
+                <a16:creationId xmlns:a16="http://schemas.microsoft.com/office/drawing/2014/main" id="{E2D04534-56C5-6449-A0BC-5BA92625F5A2}"/>
+              </a:ext>
+            </a:extLst>
+          </p:cNvPr>
+          <p:cNvSpPr>
+            <a:spLocks noGrp="1"/>
+          </p:cNvSpPr>
+          <p:nvPr>
+            <p:ph idx="1"/>
+          </p:nvPr>
+        </p:nvSpPr>
         <p:spPr>
           <a:xfrm>
-            <a:off x="1393638" y="2728735"/>
-            <a:ext cx="9404723" cy="1400530"/>
+            <a:off x="646111" y="1654985"/>
+            <a:ext cx="8946541" cy="4441015"/>
           </a:xfrm>
         </p:spPr>
         <p:txBody>
-          <a:bodyPr/>
-          <a:lstStyle/>
-          <a:p>
-            <a:pPr algn="ctr"/>
-            <a:r>
-              <a:rPr lang="fr-FR" dirty="0"/>
-              <a:t>Démonstration</a:t>
+          <a:bodyPr>
+            <a:normAutofit/>
+          </a:bodyPr>
+          <a:lstStyle/>
+          <a:p>
+            <a:r>
+              <a:rPr lang="fr-FR" dirty="0"/>
+              <a:t>Faites une démonstration de votre jeu</a:t>
             </a:r>
           </a:p>
         </p:txBody>
@@ -8926,7 +8058,7 @@
           <a:p>
             <a:r>
               <a:rPr lang="fr-FR" dirty="0"/>
-              <a:t>Nous avons trouvé un site qui donne des exemples de jeux 2D avec Python. (</a:t>
+              <a:t>Nous avons trouvé un site qui donne des exemples de jeu 2d avec Python. (</a:t>
             </a:r>
             <a:r>
               <a:rPr lang="fr-CH" dirty="0"/>
@@ -9044,31 +8176,31 @@
           <a:p>
             <a:r>
               <a:rPr lang="fr-FR" dirty="0"/>
-              <a:t>Nombre de lignes de code : 396</a:t>
-            </a:r>
-          </a:p>
-          <a:p>
-            <a:r>
-              <a:rPr lang="fr-FR" dirty="0"/>
-              <a:t>Nombre de commit sur GitHub : 53</a:t>
-            </a:r>
-          </a:p>
-          <a:p>
-            <a:r>
-              <a:rPr lang="fr-FR" dirty="0"/>
-              <a:t>Nombre d’heures passées sur le projet : 40 heures</a:t>
-            </a:r>
-          </a:p>
-          <a:p>
-            <a:r>
-              <a:rPr lang="fr-FR" dirty="0"/>
-              <a:t>Répartition entre les 2 partenaires : 25 heures Alex et 15 heures Walid</a:t>
-            </a:r>
-          </a:p>
-          <a:p>
-            <a:r>
-              <a:rPr lang="fr-FR" dirty="0"/>
-              <a:t>Nombre de classes définies : 8</a:t>
+              <a:t>Nombre de lignes de code</a:t>
+            </a:r>
+          </a:p>
+          <a:p>
+            <a:r>
+              <a:rPr lang="fr-FR" dirty="0"/>
+              <a:t>Nombre de commit sur GitHub</a:t>
+            </a:r>
+          </a:p>
+          <a:p>
+            <a:r>
+              <a:rPr lang="fr-FR" dirty="0"/>
+              <a:t>Nombre d’heures passé au projet : 15 heures</a:t>
+            </a:r>
+          </a:p>
+          <a:p>
+            <a:r>
+              <a:rPr lang="fr-FR" dirty="0"/>
+              <a:t>Répartition entre les 2 partenaires</a:t>
+            </a:r>
+          </a:p>
+          <a:p>
+            <a:r>
+              <a:rPr lang="fr-FR" dirty="0"/>
+              <a:t>Nombre de classes définis : 8</a:t>
             </a:r>
           </a:p>
           <a:p>
@@ -9157,7 +8289,7 @@
           <a:p>
             <a:r>
               <a:rPr lang="fr-FR" dirty="0"/>
-              <a:t>Nous avons travaillé ensemble avec une pseudo-répartition des tâches, chacun apporte son idée et sa créativité et nous décidons ensemble ce qu’il en sera dans notre jeu.</a:t>
+              <a:t>Nous avons travaillé ensemble avec une pseudo-répartition des tâches, chacun apporte de son idée et créativité et décidons ensemble de ce qu’il en sera dans notre jeu.</a:t>
             </a:r>
           </a:p>
           <a:p>
@@ -9171,7 +8303,7 @@
             </a:r>
             <a:r>
               <a:rPr lang="fr-FR" dirty="0"/>
-              <a:t>, il fallait s’assurer que nous ne travaillions pas en même temps afin de ne pas créer de problèmes.</a:t>
+              <a:t>, il fallait s’assurer que nous ne travaillions pas en même temps afin de ne pas créer de problèmes. (push régulièrement)</a:t>
             </a:r>
           </a:p>
           <a:p>
@@ -9245,35 +8377,31 @@
           </a:p>
         </p:txBody>
       </p:sp>
-      <p:pic>
-        <p:nvPicPr>
-          <p:cNvPr id="5" name="Espace réservé du contenu 4" descr="Une image contenant texte, capture d’écran, moniteur, argent&#10;&#10;Description générée automatiquement">
+      <p:sp>
+        <p:nvSpPr>
+          <p:cNvPr id="3" name="Espace réservé du contenu 2">
             <a:extLst>
               <a:ext uri="{FF2B5EF4-FFF2-40B4-BE49-F238E27FC236}">
-                <a16:creationId xmlns:a16="http://schemas.microsoft.com/office/drawing/2014/main" id="{97D50098-18E7-564F-B3EA-7ED0046FF258}"/>
+                <a16:creationId xmlns:a16="http://schemas.microsoft.com/office/drawing/2014/main" id="{FA8F1B9B-C04E-074F-A417-9538DCD584C1}"/>
               </a:ext>
             </a:extLst>
           </p:cNvPr>
-          <p:cNvPicPr>
-            <a:picLocks noGrp="1" noChangeAspect="1"/>
-          </p:cNvPicPr>
+          <p:cNvSpPr>
+            <a:spLocks noGrp="1"/>
+          </p:cNvSpPr>
           <p:nvPr>
             <p:ph idx="1"/>
           </p:nvPr>
-        </p:nvPicPr>
-        <p:blipFill>
-          <a:blip r:embed="rId2"/>
-          <a:stretch>
-            <a:fillRect/>
-          </a:stretch>
-        </p:blipFill>
-        <p:spPr>
-          <a:xfrm>
-            <a:off x="2784088" y="1331119"/>
-            <a:ext cx="6480121" cy="4195762"/>
-          </a:xfrm>
-        </p:spPr>
-      </p:pic>
+        </p:nvSpPr>
+        <p:spPr/>
+        <p:txBody>
+          <a:bodyPr/>
+          <a:lstStyle/>
+          <a:p>
+            <a:endParaRPr lang="fr-FR"/>
+          </a:p>
+        </p:txBody>
+      </p:sp>
     </p:spTree>
     <p:extLst>
       <p:ext uri="{BB962C8B-B14F-4D97-AF65-F5344CB8AC3E}">
@@ -9304,6 +8432,36 @@
           <a:chExt cx="0" cy="0"/>
         </a:xfrm>
       </p:grpSpPr>
+      <p:pic>
+        <p:nvPicPr>
+          <p:cNvPr id="9" name="Image 8">
+            <a:extLst>
+              <a:ext uri="{FF2B5EF4-FFF2-40B4-BE49-F238E27FC236}">
+                <a16:creationId xmlns:a16="http://schemas.microsoft.com/office/drawing/2014/main" id="{93DC4A5F-1686-9089-1BFE-32128F6465E3}"/>
+              </a:ext>
+            </a:extLst>
+          </p:cNvPr>
+          <p:cNvPicPr>
+            <a:picLocks noChangeAspect="1"/>
+          </p:cNvPicPr>
+          <p:nvPr/>
+        </p:nvPicPr>
+        <p:blipFill>
+          <a:blip r:embed="rId2"/>
+          <a:stretch>
+            <a:fillRect/>
+          </a:stretch>
+        </p:blipFill>
+        <p:spPr>
+          <a:xfrm>
+            <a:off x="0" y="1"/>
+            <a:ext cx="12192000" cy="6805062"/>
+          </a:xfrm>
+          <a:prstGeom prst="rect">
+            <a:avLst/>
+          </a:prstGeom>
+        </p:spPr>
+      </p:pic>
       <p:sp>
         <p:nvSpPr>
           <p:cNvPr id="2" name="Titre 1">
@@ -9457,35 +8615,6 @@
           </a:p>
         </p:txBody>
       </p:sp>
-      <p:pic>
-        <p:nvPicPr>
-          <p:cNvPr id="5" name="Image 4">
-            <a:extLst>
-              <a:ext uri="{FF2B5EF4-FFF2-40B4-BE49-F238E27FC236}">
-                <a16:creationId xmlns:a16="http://schemas.microsoft.com/office/drawing/2014/main" id="{E874617F-1253-9C0F-4DFB-6008A48AB7EA}"/>
-              </a:ext>
-            </a:extLst>
-          </p:cNvPr>
-          <p:cNvPicPr>
-            <a:picLocks noChangeAspect="1"/>
-          </p:cNvPicPr>
-          <p:nvPr/>
-        </p:nvPicPr>
-        <p:blipFill rotWithShape="1">
-          <a:blip r:embed="rId2"/>
-          <a:srcRect l="11727"/>
-          <a:stretch/>
-        </p:blipFill>
-        <p:spPr>
-          <a:xfrm>
-            <a:off x="4351734" y="1852743"/>
-            <a:ext cx="3934618" cy="2769526"/>
-          </a:xfrm>
-          <a:prstGeom prst="rect">
-            <a:avLst/>
-          </a:prstGeom>
-        </p:spPr>
-      </p:pic>
     </p:spTree>
     <p:extLst>
       <p:ext uri="{BB962C8B-B14F-4D97-AF65-F5344CB8AC3E}">
@@ -10014,16 +9143,12 @@
               <a:buChar char="•"/>
             </a:pPr>
             <a:r>
-              <a:rPr lang="fr-FR" dirty="0"/>
-              <a:t>« </a:t>
-            </a:r>
-            <a:r>
               <a:rPr lang="fr-FR" dirty="0" err="1"/>
               <a:t>game</a:t>
             </a:r>
             <a:r>
               <a:rPr lang="fr-FR" dirty="0"/>
-              <a:t> » lui permet de communiquer avec la classe Game qui contient les informations sur son environnement</a:t>
+              <a:t> lui permet de communiquer avec la classe Game qui contient les informations sur son environnement</a:t>
             </a:r>
           </a:p>
           <a:p>
@@ -10033,7 +9158,7 @@
             </a:pPr>
             <a:r>
               <a:rPr lang="fr-FR" dirty="0"/>
-              <a:t>« pos » qui indique sa position actuelle</a:t>
+              <a:t>pos qui indique sa position actuelle</a:t>
             </a:r>
           </a:p>
           <a:p>
@@ -10042,16 +9167,12 @@
               <a:buChar char="•"/>
             </a:pPr>
             <a:r>
-              <a:rPr lang="fr-FR" dirty="0"/>
-              <a:t>« </a:t>
-            </a:r>
-            <a:r>
               <a:rPr lang="fr-FR" dirty="0" err="1"/>
               <a:t>aim</a:t>
             </a:r>
             <a:r>
               <a:rPr lang="fr-FR" dirty="0"/>
-              <a:t> » qui est la direction dans laquelle il va</a:t>
+              <a:t> qui est la direction dans laquelle il va</a:t>
             </a:r>
           </a:p>
           <a:p>
@@ -10061,7 +9182,7 @@
             </a:pPr>
             <a:r>
               <a:rPr lang="fr-FR" dirty="0"/>
-              <a:t>« direction » qui sauvegarde la direction souhaitée par le joueur</a:t>
+              <a:t>direction qui sauvegarde la direction souhaitée par le joueur</a:t>
             </a:r>
           </a:p>
           <a:p>
@@ -10070,16 +9191,12 @@
               <a:buChar char="•"/>
             </a:pPr>
             <a:r>
-              <a:rPr lang="fr-FR" dirty="0"/>
-              <a:t>« </a:t>
-            </a:r>
-            <a:r>
               <a:rPr lang="fr-FR" dirty="0" err="1"/>
               <a:t>isdead</a:t>
             </a:r>
             <a:r>
               <a:rPr lang="fr-FR" dirty="0"/>
-              <a:t> » qui permet de savoir si </a:t>
+              <a:t> qui permet de savoir si </a:t>
             </a:r>
             <a:r>
               <a:rPr lang="fr-FR" dirty="0" err="1"/>
@@ -10103,7 +9220,7 @@
             </a:pPr>
             <a:r>
               <a:rPr lang="fr-FR" dirty="0"/>
-              <a:t>« move » qui gère ses déplacements et ramasse les points</a:t>
+              <a:t>move qui gère ses déplacements et ramasse les points</a:t>
             </a:r>
           </a:p>
           <a:p>
@@ -10113,7 +9230,7 @@
             </a:pPr>
             <a:r>
               <a:rPr lang="fr-FR" dirty="0"/>
-              <a:t>« change » qui sauvegarde la direction souhaitée par le joueur</a:t>
+              <a:t>change qui sauvegarde la direction souhaitée par le joueur</a:t>
             </a:r>
           </a:p>
           <a:p>
@@ -10122,16 +9239,12 @@
               <a:buChar char="•"/>
             </a:pPr>
             <a:r>
-              <a:rPr lang="fr-FR" dirty="0"/>
-              <a:t>« </a:t>
-            </a:r>
-            <a:r>
               <a:rPr lang="fr-FR" dirty="0" err="1"/>
               <a:t>draw</a:t>
             </a:r>
             <a:r>
               <a:rPr lang="fr-FR" dirty="0"/>
-              <a:t> » qui dessine </a:t>
+              <a:t> qui dessine </a:t>
             </a:r>
             <a:r>
               <a:rPr lang="fr-FR" dirty="0" err="1"/>
@@ -10418,594 +9531,4 @@
     </a:ext>
   </a:extLst>
 </a:theme>
-</file>
-
-<file path=ppt/theme/theme2.xml><?xml version="1.0" encoding="utf-8"?>
-<a:theme xmlns:a="http://schemas.openxmlformats.org/drawingml/2006/main" name="Thème Office">
-  <a:themeElements>
-    <a:clrScheme name="Office">
-      <a:dk1>
-        <a:sysClr val="windowText" lastClr="000000"/>
-      </a:dk1>
-      <a:lt1>
-        <a:sysClr val="window" lastClr="FFFFFF"/>
-      </a:lt1>
-      <a:dk2>
-        <a:srgbClr val="44546A"/>
-      </a:dk2>
-      <a:lt2>
-        <a:srgbClr val="E7E6E6"/>
-      </a:lt2>
-      <a:accent1>
-        <a:srgbClr val="4472C4"/>
-      </a:accent1>
-      <a:accent2>
-        <a:srgbClr val="ED7D31"/>
-      </a:accent2>
-      <a:accent3>
-        <a:srgbClr val="A5A5A5"/>
-      </a:accent3>
-      <a:accent4>
-        <a:srgbClr val="FFC000"/>
-      </a:accent4>
-      <a:accent5>
-        <a:srgbClr val="5B9BD5"/>
-      </a:accent5>
-      <a:accent6>
-        <a:srgbClr val="70AD47"/>
-      </a:accent6>
-      <a:hlink>
-        <a:srgbClr val="0563C1"/>
-      </a:hlink>
-      <a:folHlink>
-        <a:srgbClr val="954F72"/>
-      </a:folHlink>
-    </a:clrScheme>
-    <a:fontScheme name="Office">
-      <a:majorFont>
-        <a:latin typeface="Calibri Light" panose="020F0302020204030204"/>
-        <a:ea typeface=""/>
-        <a:cs typeface=""/>
-        <a:font script="Jpan" typeface="游ゴシック Light"/>
-        <a:font script="Hang" typeface="맑은 고딕"/>
-        <a:font script="Hans" typeface="等线 Light"/>
-        <a:font script="Hant" typeface="新細明體"/>
-        <a:font script="Arab" typeface="Times New Roman"/>
-        <a:font script="Hebr" typeface="Times New Roman"/>
-        <a:font script="Thai" typeface="Angsana New"/>
-        <a:font script="Ethi" typeface="Nyala"/>
-        <a:font script="Beng" typeface="Vrinda"/>
-        <a:font script="Gujr" typeface="Shruti"/>
-        <a:font script="Khmr" typeface="MoolBoran"/>
-        <a:font script="Knda" typeface="Tunga"/>
-        <a:font script="Guru" typeface="Raavi"/>
-        <a:font script="Cans" typeface="Euphemia"/>
-        <a:font script="Cher" typeface="Plantagenet Cherokee"/>
-        <a:font script="Yiii" typeface="Microsoft Yi Baiti"/>
-        <a:font script="Tibt" typeface="Microsoft Himalaya"/>
-        <a:font script="Thaa" typeface="MV Boli"/>
-        <a:font script="Deva" typeface="Mangal"/>
-        <a:font script="Telu" typeface="Gautami"/>
-        <a:font script="Taml" typeface="Latha"/>
-        <a:font script="Syrc" typeface="Estrangelo Edessa"/>
-        <a:font script="Orya" typeface="Kalinga"/>
-        <a:font script="Mlym" typeface="Kartika"/>
-        <a:font script="Laoo" typeface="DokChampa"/>
-        <a:font script="Sinh" typeface="Iskoola Pota"/>
-        <a:font script="Mong" typeface="Mongolian Baiti"/>
-        <a:font script="Viet" typeface="Times New Roman"/>
-        <a:font script="Uigh" typeface="Microsoft Uighur"/>
-        <a:font script="Geor" typeface="Sylfaen"/>
-        <a:font script="Armn" typeface="Arial"/>
-        <a:font script="Bugi" typeface="Leelawadee UI"/>
-        <a:font script="Bopo" typeface="Microsoft JhengHei"/>
-        <a:font script="Java" typeface="Javanese Text"/>
-        <a:font script="Lisu" typeface="Segoe UI"/>
-        <a:font script="Mymr" typeface="Myanmar Text"/>
-        <a:font script="Nkoo" typeface="Ebrima"/>
-        <a:font script="Olck" typeface="Nirmala UI"/>
-        <a:font script="Osma" typeface="Ebrima"/>
-        <a:font script="Phag" typeface="Phagspa"/>
-        <a:font script="Syrn" typeface="Estrangelo Edessa"/>
-        <a:font script="Syrj" typeface="Estrangelo Edessa"/>
-        <a:font script="Syre" typeface="Estrangelo Edessa"/>
-        <a:font script="Sora" typeface="Nirmala UI"/>
-        <a:font script="Tale" typeface="Microsoft Tai Le"/>
-        <a:font script="Talu" typeface="Microsoft New Tai Lue"/>
-        <a:font script="Tfng" typeface="Ebrima"/>
-      </a:majorFont>
-      <a:minorFont>
-        <a:latin typeface="Calibri" panose="020F0502020204030204"/>
-        <a:ea typeface=""/>
-        <a:cs typeface=""/>
-        <a:font script="Jpan" typeface="游ゴシック"/>
-        <a:font script="Hang" typeface="맑은 고딕"/>
-        <a:font script="Hans" typeface="等线"/>
-        <a:font script="Hant" typeface="新細明體"/>
-        <a:font script="Arab" typeface="Arial"/>
-        <a:font script="Hebr" typeface="Arial"/>
-        <a:font script="Thai" typeface="Cordia New"/>
-        <a:font script="Ethi" typeface="Nyala"/>
-        <a:font script="Beng" typeface="Vrinda"/>
-        <a:font script="Gujr" typeface="Shruti"/>
-        <a:font script="Khmr" typeface="DaunPenh"/>
-        <a:font script="Knda" typeface="Tunga"/>
-        <a:font script="Guru" typeface="Raavi"/>
-        <a:font script="Cans" typeface="Euphemia"/>
-        <a:font script="Cher" typeface="Plantagenet Cherokee"/>
-        <a:font script="Yiii" typeface="Microsoft Yi Baiti"/>
-        <a:font script="Tibt" typeface="Microsoft Himalaya"/>
-        <a:font script="Thaa" typeface="MV Boli"/>
-        <a:font script="Deva" typeface="Mangal"/>
-        <a:font script="Telu" typeface="Gautami"/>
-        <a:font script="Taml" typeface="Latha"/>
-        <a:font script="Syrc" typeface="Estrangelo Edessa"/>
-        <a:font script="Orya" typeface="Kalinga"/>
-        <a:font script="Mlym" typeface="Kartika"/>
-        <a:font script="Laoo" typeface="DokChampa"/>
-        <a:font script="Sinh" typeface="Iskoola Pota"/>
-        <a:font script="Mong" typeface="Mongolian Baiti"/>
-        <a:font script="Viet" typeface="Arial"/>
-        <a:font script="Uigh" typeface="Microsoft Uighur"/>
-        <a:font script="Geor" typeface="Sylfaen"/>
-        <a:font script="Armn" typeface="Arial"/>
-        <a:font script="Bugi" typeface="Leelawadee UI"/>
-        <a:font script="Bopo" typeface="Microsoft JhengHei"/>
-        <a:font script="Java" typeface="Javanese Text"/>
-        <a:font script="Lisu" typeface="Segoe UI"/>
-        <a:font script="Mymr" typeface="Myanmar Text"/>
-        <a:font script="Nkoo" typeface="Ebrima"/>
-        <a:font script="Olck" typeface="Nirmala UI"/>
-        <a:font script="Osma" typeface="Ebrima"/>
-        <a:font script="Phag" typeface="Phagspa"/>
-        <a:font script="Syrn" typeface="Estrangelo Edessa"/>
-        <a:font script="Syrj" typeface="Estrangelo Edessa"/>
-        <a:font script="Syre" typeface="Estrangelo Edessa"/>
-        <a:font script="Sora" typeface="Nirmala UI"/>
-        <a:font script="Tale" typeface="Microsoft Tai Le"/>
-        <a:font script="Talu" typeface="Microsoft New Tai Lue"/>
-        <a:font script="Tfng" typeface="Ebrima"/>
-      </a:minorFont>
-    </a:fontScheme>
-    <a:fmtScheme name="Office">
-      <a:fillStyleLst>
-        <a:solidFill>
-          <a:schemeClr val="phClr"/>
-        </a:solidFill>
-        <a:gradFill rotWithShape="1">
-          <a:gsLst>
-            <a:gs pos="0">
-              <a:schemeClr val="phClr">
-                <a:lumMod val="110000"/>
-                <a:satMod val="105000"/>
-                <a:tint val="67000"/>
-              </a:schemeClr>
-            </a:gs>
-            <a:gs pos="50000">
-              <a:schemeClr val="phClr">
-                <a:lumMod val="105000"/>
-                <a:satMod val="103000"/>
-                <a:tint val="73000"/>
-              </a:schemeClr>
-            </a:gs>
-            <a:gs pos="100000">
-              <a:schemeClr val="phClr">
-                <a:lumMod val="105000"/>
-                <a:satMod val="109000"/>
-                <a:tint val="81000"/>
-              </a:schemeClr>
-            </a:gs>
-          </a:gsLst>
-          <a:lin ang="5400000" scaled="0"/>
-        </a:gradFill>
-        <a:gradFill rotWithShape="1">
-          <a:gsLst>
-            <a:gs pos="0">
-              <a:schemeClr val="phClr">
-                <a:satMod val="103000"/>
-                <a:lumMod val="102000"/>
-                <a:tint val="94000"/>
-              </a:schemeClr>
-            </a:gs>
-            <a:gs pos="50000">
-              <a:schemeClr val="phClr">
-                <a:satMod val="110000"/>
-                <a:lumMod val="100000"/>
-                <a:shade val="100000"/>
-              </a:schemeClr>
-            </a:gs>
-            <a:gs pos="100000">
-              <a:schemeClr val="phClr">
-                <a:lumMod val="99000"/>
-                <a:satMod val="120000"/>
-                <a:shade val="78000"/>
-              </a:schemeClr>
-            </a:gs>
-          </a:gsLst>
-          <a:lin ang="5400000" scaled="0"/>
-        </a:gradFill>
-      </a:fillStyleLst>
-      <a:lnStyleLst>
-        <a:ln w="6350" cap="flat" cmpd="sng" algn="ctr">
-          <a:solidFill>
-            <a:schemeClr val="phClr"/>
-          </a:solidFill>
-          <a:prstDash val="solid"/>
-          <a:miter lim="800000"/>
-        </a:ln>
-        <a:ln w="12700" cap="flat" cmpd="sng" algn="ctr">
-          <a:solidFill>
-            <a:schemeClr val="phClr"/>
-          </a:solidFill>
-          <a:prstDash val="solid"/>
-          <a:miter lim="800000"/>
-        </a:ln>
-        <a:ln w="19050" cap="flat" cmpd="sng" algn="ctr">
-          <a:solidFill>
-            <a:schemeClr val="phClr"/>
-          </a:solidFill>
-          <a:prstDash val="solid"/>
-          <a:miter lim="800000"/>
-        </a:ln>
-      </a:lnStyleLst>
-      <a:effectStyleLst>
-        <a:effectStyle>
-          <a:effectLst/>
-        </a:effectStyle>
-        <a:effectStyle>
-          <a:effectLst/>
-        </a:effectStyle>
-        <a:effectStyle>
-          <a:effectLst>
-            <a:outerShdw blurRad="57150" dist="19050" dir="5400000" algn="ctr" rotWithShape="0">
-              <a:srgbClr val="000000">
-                <a:alpha val="63000"/>
-              </a:srgbClr>
-            </a:outerShdw>
-          </a:effectLst>
-        </a:effectStyle>
-      </a:effectStyleLst>
-      <a:bgFillStyleLst>
-        <a:solidFill>
-          <a:schemeClr val="phClr"/>
-        </a:solidFill>
-        <a:solidFill>
-          <a:schemeClr val="phClr">
-            <a:tint val="95000"/>
-            <a:satMod val="170000"/>
-          </a:schemeClr>
-        </a:solidFill>
-        <a:gradFill rotWithShape="1">
-          <a:gsLst>
-            <a:gs pos="0">
-              <a:schemeClr val="phClr">
-                <a:tint val="93000"/>
-                <a:satMod val="150000"/>
-                <a:shade val="98000"/>
-                <a:lumMod val="102000"/>
-              </a:schemeClr>
-            </a:gs>
-            <a:gs pos="50000">
-              <a:schemeClr val="phClr">
-                <a:tint val="98000"/>
-                <a:satMod val="130000"/>
-                <a:shade val="90000"/>
-                <a:lumMod val="103000"/>
-              </a:schemeClr>
-            </a:gs>
-            <a:gs pos="100000">
-              <a:schemeClr val="phClr">
-                <a:shade val="63000"/>
-                <a:satMod val="120000"/>
-              </a:schemeClr>
-            </a:gs>
-          </a:gsLst>
-          <a:lin ang="5400000" scaled="0"/>
-        </a:gradFill>
-      </a:bgFillStyleLst>
-    </a:fmtScheme>
-  </a:themeElements>
-  <a:objectDefaults/>
-  <a:extraClrSchemeLst/>
-  <a:extLst>
-    <a:ext uri="{05A4C25C-085E-4340-85A3-A5531E510DB2}">
-      <thm15:themeFamily xmlns:thm15="http://schemas.microsoft.com/office/thememl/2012/main" name="Office Theme" id="{62F939B6-93AF-4DB8-9C6B-D6C7DFDC589F}" vid="{4A3C46E8-61CC-4603-A589-7422A47A8E4A}"/>
-    </a:ext>
-  </a:extLst>
-</a:theme>
-</file>
-
-<file path=ppt/theme/theme3.xml><?xml version="1.0" encoding="utf-8"?>
-<a:theme xmlns:a="http://schemas.openxmlformats.org/drawingml/2006/main" name="Thème Office">
-  <a:themeElements>
-    <a:clrScheme name="Office">
-      <a:dk1>
-        <a:sysClr val="windowText" lastClr="000000"/>
-      </a:dk1>
-      <a:lt1>
-        <a:sysClr val="window" lastClr="FFFFFF"/>
-      </a:lt1>
-      <a:dk2>
-        <a:srgbClr val="44546A"/>
-      </a:dk2>
-      <a:lt2>
-        <a:srgbClr val="E7E6E6"/>
-      </a:lt2>
-      <a:accent1>
-        <a:srgbClr val="4472C4"/>
-      </a:accent1>
-      <a:accent2>
-        <a:srgbClr val="ED7D31"/>
-      </a:accent2>
-      <a:accent3>
-        <a:srgbClr val="A5A5A5"/>
-      </a:accent3>
-      <a:accent4>
-        <a:srgbClr val="FFC000"/>
-      </a:accent4>
-      <a:accent5>
-        <a:srgbClr val="5B9BD5"/>
-      </a:accent5>
-      <a:accent6>
-        <a:srgbClr val="70AD47"/>
-      </a:accent6>
-      <a:hlink>
-        <a:srgbClr val="0563C1"/>
-      </a:hlink>
-      <a:folHlink>
-        <a:srgbClr val="954F72"/>
-      </a:folHlink>
-    </a:clrScheme>
-    <a:fontScheme name="Office">
-      <a:majorFont>
-        <a:latin typeface="Calibri Light" panose="020F0302020204030204"/>
-        <a:ea typeface=""/>
-        <a:cs typeface=""/>
-        <a:font script="Jpan" typeface="游ゴシック Light"/>
-        <a:font script="Hang" typeface="맑은 고딕"/>
-        <a:font script="Hans" typeface="等线 Light"/>
-        <a:font script="Hant" typeface="新細明體"/>
-        <a:font script="Arab" typeface="Times New Roman"/>
-        <a:font script="Hebr" typeface="Times New Roman"/>
-        <a:font script="Thai" typeface="Angsana New"/>
-        <a:font script="Ethi" typeface="Nyala"/>
-        <a:font script="Beng" typeface="Vrinda"/>
-        <a:font script="Gujr" typeface="Shruti"/>
-        <a:font script="Khmr" typeface="MoolBoran"/>
-        <a:font script="Knda" typeface="Tunga"/>
-        <a:font script="Guru" typeface="Raavi"/>
-        <a:font script="Cans" typeface="Euphemia"/>
-        <a:font script="Cher" typeface="Plantagenet Cherokee"/>
-        <a:font script="Yiii" typeface="Microsoft Yi Baiti"/>
-        <a:font script="Tibt" typeface="Microsoft Himalaya"/>
-        <a:font script="Thaa" typeface="MV Boli"/>
-        <a:font script="Deva" typeface="Mangal"/>
-        <a:font script="Telu" typeface="Gautami"/>
-        <a:font script="Taml" typeface="Latha"/>
-        <a:font script="Syrc" typeface="Estrangelo Edessa"/>
-        <a:font script="Orya" typeface="Kalinga"/>
-        <a:font script="Mlym" typeface="Kartika"/>
-        <a:font script="Laoo" typeface="DokChampa"/>
-        <a:font script="Sinh" typeface="Iskoola Pota"/>
-        <a:font script="Mong" typeface="Mongolian Baiti"/>
-        <a:font script="Viet" typeface="Times New Roman"/>
-        <a:font script="Uigh" typeface="Microsoft Uighur"/>
-        <a:font script="Geor" typeface="Sylfaen"/>
-        <a:font script="Armn" typeface="Arial"/>
-        <a:font script="Bugi" typeface="Leelawadee UI"/>
-        <a:font script="Bopo" typeface="Microsoft JhengHei"/>
-        <a:font script="Java" typeface="Javanese Text"/>
-        <a:font script="Lisu" typeface="Segoe UI"/>
-        <a:font script="Mymr" typeface="Myanmar Text"/>
-        <a:font script="Nkoo" typeface="Ebrima"/>
-        <a:font script="Olck" typeface="Nirmala UI"/>
-        <a:font script="Osma" typeface="Ebrima"/>
-        <a:font script="Phag" typeface="Phagspa"/>
-        <a:font script="Syrn" typeface="Estrangelo Edessa"/>
-        <a:font script="Syrj" typeface="Estrangelo Edessa"/>
-        <a:font script="Syre" typeface="Estrangelo Edessa"/>
-        <a:font script="Sora" typeface="Nirmala UI"/>
-        <a:font script="Tale" typeface="Microsoft Tai Le"/>
-        <a:font script="Talu" typeface="Microsoft New Tai Lue"/>
-        <a:font script="Tfng" typeface="Ebrima"/>
-      </a:majorFont>
-      <a:minorFont>
-        <a:latin typeface="Calibri" panose="020F0502020204030204"/>
-        <a:ea typeface=""/>
-        <a:cs typeface=""/>
-        <a:font script="Jpan" typeface="游ゴシック"/>
-        <a:font script="Hang" typeface="맑은 고딕"/>
-        <a:font script="Hans" typeface="等线"/>
-        <a:font script="Hant" typeface="新細明體"/>
-        <a:font script="Arab" typeface="Arial"/>
-        <a:font script="Hebr" typeface="Arial"/>
-        <a:font script="Thai" typeface="Cordia New"/>
-        <a:font script="Ethi" typeface="Nyala"/>
-        <a:font script="Beng" typeface="Vrinda"/>
-        <a:font script="Gujr" typeface="Shruti"/>
-        <a:font script="Khmr" typeface="DaunPenh"/>
-        <a:font script="Knda" typeface="Tunga"/>
-        <a:font script="Guru" typeface="Raavi"/>
-        <a:font script="Cans" typeface="Euphemia"/>
-        <a:font script="Cher" typeface="Plantagenet Cherokee"/>
-        <a:font script="Yiii" typeface="Microsoft Yi Baiti"/>
-        <a:font script="Tibt" typeface="Microsoft Himalaya"/>
-        <a:font script="Thaa" typeface="MV Boli"/>
-        <a:font script="Deva" typeface="Mangal"/>
-        <a:font script="Telu" typeface="Gautami"/>
-        <a:font script="Taml" typeface="Latha"/>
-        <a:font script="Syrc" typeface="Estrangelo Edessa"/>
-        <a:font script="Orya" typeface="Kalinga"/>
-        <a:font script="Mlym" typeface="Kartika"/>
-        <a:font script="Laoo" typeface="DokChampa"/>
-        <a:font script="Sinh" typeface="Iskoola Pota"/>
-        <a:font script="Mong" typeface="Mongolian Baiti"/>
-        <a:font script="Viet" typeface="Arial"/>
-        <a:font script="Uigh" typeface="Microsoft Uighur"/>
-        <a:font script="Geor" typeface="Sylfaen"/>
-        <a:font script="Armn" typeface="Arial"/>
-        <a:font script="Bugi" typeface="Leelawadee UI"/>
-        <a:font script="Bopo" typeface="Microsoft JhengHei"/>
-        <a:font script="Java" typeface="Javanese Text"/>
-        <a:font script="Lisu" typeface="Segoe UI"/>
-        <a:font script="Mymr" typeface="Myanmar Text"/>
-        <a:font script="Nkoo" typeface="Ebrima"/>
-        <a:font script="Olck" typeface="Nirmala UI"/>
-        <a:font script="Osma" typeface="Ebrima"/>
-        <a:font script="Phag" typeface="Phagspa"/>
-        <a:font script="Syrn" typeface="Estrangelo Edessa"/>
-        <a:font script="Syrj" typeface="Estrangelo Edessa"/>
-        <a:font script="Syre" typeface="Estrangelo Edessa"/>
-        <a:font script="Sora" typeface="Nirmala UI"/>
-        <a:font script="Tale" typeface="Microsoft Tai Le"/>
-        <a:font script="Talu" typeface="Microsoft New Tai Lue"/>
-        <a:font script="Tfng" typeface="Ebrima"/>
-      </a:minorFont>
-    </a:fontScheme>
-    <a:fmtScheme name="Office">
-      <a:fillStyleLst>
-        <a:solidFill>
-          <a:schemeClr val="phClr"/>
-        </a:solidFill>
-        <a:gradFill rotWithShape="1">
-          <a:gsLst>
-            <a:gs pos="0">
-              <a:schemeClr val="phClr">
-                <a:lumMod val="110000"/>
-                <a:satMod val="105000"/>
-                <a:tint val="67000"/>
-              </a:schemeClr>
-            </a:gs>
-            <a:gs pos="50000">
-              <a:schemeClr val="phClr">
-                <a:lumMod val="105000"/>
-                <a:satMod val="103000"/>
-                <a:tint val="73000"/>
-              </a:schemeClr>
-            </a:gs>
-            <a:gs pos="100000">
-              <a:schemeClr val="phClr">
-                <a:lumMod val="105000"/>
-                <a:satMod val="109000"/>
-                <a:tint val="81000"/>
-              </a:schemeClr>
-            </a:gs>
-          </a:gsLst>
-          <a:lin ang="5400000" scaled="0"/>
-        </a:gradFill>
-        <a:gradFill rotWithShape="1">
-          <a:gsLst>
-            <a:gs pos="0">
-              <a:schemeClr val="phClr">
-                <a:satMod val="103000"/>
-                <a:lumMod val="102000"/>
-                <a:tint val="94000"/>
-              </a:schemeClr>
-            </a:gs>
-            <a:gs pos="50000">
-              <a:schemeClr val="phClr">
-                <a:satMod val="110000"/>
-                <a:lumMod val="100000"/>
-                <a:shade val="100000"/>
-              </a:schemeClr>
-            </a:gs>
-            <a:gs pos="100000">
-              <a:schemeClr val="phClr">
-                <a:lumMod val="99000"/>
-                <a:satMod val="120000"/>
-                <a:shade val="78000"/>
-              </a:schemeClr>
-            </a:gs>
-          </a:gsLst>
-          <a:lin ang="5400000" scaled="0"/>
-        </a:gradFill>
-      </a:fillStyleLst>
-      <a:lnStyleLst>
-        <a:ln w="6350" cap="flat" cmpd="sng" algn="ctr">
-          <a:solidFill>
-            <a:schemeClr val="phClr"/>
-          </a:solidFill>
-          <a:prstDash val="solid"/>
-          <a:miter lim="800000"/>
-        </a:ln>
-        <a:ln w="12700" cap="flat" cmpd="sng" algn="ctr">
-          <a:solidFill>
-            <a:schemeClr val="phClr"/>
-          </a:solidFill>
-          <a:prstDash val="solid"/>
-          <a:miter lim="800000"/>
-        </a:ln>
-        <a:ln w="19050" cap="flat" cmpd="sng" algn="ctr">
-          <a:solidFill>
-            <a:schemeClr val="phClr"/>
-          </a:solidFill>
-          <a:prstDash val="solid"/>
-          <a:miter lim="800000"/>
-        </a:ln>
-      </a:lnStyleLst>
-      <a:effectStyleLst>
-        <a:effectStyle>
-          <a:effectLst/>
-        </a:effectStyle>
-        <a:effectStyle>
-          <a:effectLst/>
-        </a:effectStyle>
-        <a:effectStyle>
-          <a:effectLst>
-            <a:outerShdw blurRad="57150" dist="19050" dir="5400000" algn="ctr" rotWithShape="0">
-              <a:srgbClr val="000000">
-                <a:alpha val="63000"/>
-              </a:srgbClr>
-            </a:outerShdw>
-          </a:effectLst>
-        </a:effectStyle>
-      </a:effectStyleLst>
-      <a:bgFillStyleLst>
-        <a:solidFill>
-          <a:schemeClr val="phClr"/>
-        </a:solidFill>
-        <a:solidFill>
-          <a:schemeClr val="phClr">
-            <a:tint val="95000"/>
-            <a:satMod val="170000"/>
-          </a:schemeClr>
-        </a:solidFill>
-        <a:gradFill rotWithShape="1">
-          <a:gsLst>
-            <a:gs pos="0">
-              <a:schemeClr val="phClr">
-                <a:tint val="93000"/>
-                <a:satMod val="150000"/>
-                <a:shade val="98000"/>
-                <a:lumMod val="102000"/>
-              </a:schemeClr>
-            </a:gs>
-            <a:gs pos="50000">
-              <a:schemeClr val="phClr">
-                <a:tint val="98000"/>
-                <a:satMod val="130000"/>
-                <a:shade val="90000"/>
-                <a:lumMod val="103000"/>
-              </a:schemeClr>
-            </a:gs>
-            <a:gs pos="100000">
-              <a:schemeClr val="phClr">
-                <a:shade val="63000"/>
-                <a:satMod val="120000"/>
-              </a:schemeClr>
-            </a:gs>
-          </a:gsLst>
-          <a:lin ang="5400000" scaled="0"/>
-        </a:gradFill>
-      </a:bgFillStyleLst>
-    </a:fmtScheme>
-  </a:themeElements>
-  <a:objectDefaults/>
-  <a:extraClrSchemeLst/>
-  <a:extLst>
-    <a:ext uri="{05A4C25C-085E-4340-85A3-A5531E510DB2}">
-      <thm15:themeFamily xmlns:thm15="http://schemas.microsoft.com/office/thememl/2012/main" name="Office Theme" id="{62F939B6-93AF-4DB8-9C6B-D6C7DFDC589F}" vid="{4A3C46E8-61CC-4603-A589-7422A47A8E4A}"/>
-    </a:ext>
-  </a:extLst>
-</a:theme>
 </file>
--- a/src/projet/projet3/Powerpoint_pacman.pptx
+++ b/src/projet/projet3/Powerpoint_pacman.pptx
@@ -4,6 +4,12 @@
   <p:sldMasterIdLst>
     <p:sldMasterId id="2147483648" r:id="rId1"/>
   </p:sldMasterIdLst>
+  <p:notesMasterIdLst>
+    <p:notesMasterId r:id="rId22"/>
+  </p:notesMasterIdLst>
+  <p:handoutMasterIdLst>
+    <p:handoutMasterId r:id="rId23"/>
+  </p:handoutMasterIdLst>
   <p:sldIdLst>
     <p:sldId id="256" r:id="rId2"/>
     <p:sldId id="257" r:id="rId3"/>
@@ -131,6 +137,552 @@
 </p:presentation>
 </file>
 
+<file path=ppt/handoutMasters/handoutMaster1.xml><?xml version="1.0" encoding="utf-8"?>
+<p:handoutMaster xmlns:a="http://schemas.openxmlformats.org/drawingml/2006/main" xmlns:r="http://schemas.openxmlformats.org/officeDocument/2006/relationships" xmlns:p="http://schemas.openxmlformats.org/presentationml/2006/main">
+  <p:cSld>
+    <p:bg>
+      <p:bgRef idx="1001">
+        <a:schemeClr val="bg1"/>
+      </p:bgRef>
+    </p:bg>
+    <p:spTree>
+      <p:nvGrpSpPr>
+        <p:cNvPr id="1" name=""/>
+        <p:cNvGrpSpPr/>
+        <p:nvPr/>
+      </p:nvGrpSpPr>
+      <p:grpSpPr>
+        <a:xfrm>
+          <a:off x="0" y="0"/>
+          <a:ext cx="0" cy="0"/>
+          <a:chOff x="0" y="0"/>
+          <a:chExt cx="0" cy="0"/>
+        </a:xfrm>
+      </p:grpSpPr>
+      <p:sp>
+        <p:nvSpPr>
+          <p:cNvPr id="2" name="Espace réservé de l'en-tête 1">
+            <a:extLst>
+              <a:ext uri="{FF2B5EF4-FFF2-40B4-BE49-F238E27FC236}">
+                <a16:creationId xmlns:a16="http://schemas.microsoft.com/office/drawing/2014/main" id="{2E64D80F-34BF-2240-AAEF-ABAF572B3A29}"/>
+              </a:ext>
+            </a:extLst>
+          </p:cNvPr>
+          <p:cNvSpPr>
+            <a:spLocks noGrp="1"/>
+          </p:cNvSpPr>
+          <p:nvPr>
+            <p:ph type="hdr" sz="quarter"/>
+          </p:nvPr>
+        </p:nvSpPr>
+        <p:spPr>
+          <a:xfrm>
+            <a:off x="0" y="0"/>
+            <a:ext cx="2971800" cy="458788"/>
+          </a:xfrm>
+          <a:prstGeom prst="rect">
+            <a:avLst/>
+          </a:prstGeom>
+        </p:spPr>
+        <p:txBody>
+          <a:bodyPr vert="horz" lIns="91440" tIns="45720" rIns="91440" bIns="45720" rtlCol="0"/>
+          <a:lstStyle>
+            <a:lvl1pPr algn="l">
+              <a:defRPr sz="1200"/>
+            </a:lvl1pPr>
+          </a:lstStyle>
+          <a:p>
+            <a:endParaRPr lang="fr-FR"/>
+          </a:p>
+        </p:txBody>
+      </p:sp>
+      <p:sp>
+        <p:nvSpPr>
+          <p:cNvPr id="3" name="Espace réservé de la date 2">
+            <a:extLst>
+              <a:ext uri="{FF2B5EF4-FFF2-40B4-BE49-F238E27FC236}">
+                <a16:creationId xmlns:a16="http://schemas.microsoft.com/office/drawing/2014/main" id="{F6EF840F-D185-A14B-A55A-0D92C0419179}"/>
+              </a:ext>
+            </a:extLst>
+          </p:cNvPr>
+          <p:cNvSpPr>
+            <a:spLocks noGrp="1"/>
+          </p:cNvSpPr>
+          <p:nvPr>
+            <p:ph type="dt" sz="quarter" idx="1"/>
+          </p:nvPr>
+        </p:nvSpPr>
+        <p:spPr>
+          <a:xfrm>
+            <a:off x="3884613" y="0"/>
+            <a:ext cx="2971800" cy="458788"/>
+          </a:xfrm>
+          <a:prstGeom prst="rect">
+            <a:avLst/>
+          </a:prstGeom>
+        </p:spPr>
+        <p:txBody>
+          <a:bodyPr vert="horz" lIns="91440" tIns="45720" rIns="91440" bIns="45720" rtlCol="0"/>
+          <a:lstStyle>
+            <a:lvl1pPr algn="r">
+              <a:defRPr sz="1200"/>
+            </a:lvl1pPr>
+          </a:lstStyle>
+          <a:p>
+            <a:fld id="{88E391C9-19C0-0C45-80C2-604602DDAFC3}" type="datetimeFigureOut">
+              <a:rPr lang="fr-FR" smtClean="0"/>
+              <a:t>16/06/2022</a:t>
+            </a:fld>
+            <a:endParaRPr lang="fr-FR"/>
+          </a:p>
+        </p:txBody>
+      </p:sp>
+      <p:sp>
+        <p:nvSpPr>
+          <p:cNvPr id="4" name="Espace réservé du pied de page 3">
+            <a:extLst>
+              <a:ext uri="{FF2B5EF4-FFF2-40B4-BE49-F238E27FC236}">
+                <a16:creationId xmlns:a16="http://schemas.microsoft.com/office/drawing/2014/main" id="{D079BBE8-8D46-ED43-9F39-0DBE871E7F63}"/>
+              </a:ext>
+            </a:extLst>
+          </p:cNvPr>
+          <p:cNvSpPr>
+            <a:spLocks noGrp="1"/>
+          </p:cNvSpPr>
+          <p:nvPr>
+            <p:ph type="ftr" sz="quarter" idx="2"/>
+          </p:nvPr>
+        </p:nvSpPr>
+        <p:spPr>
+          <a:xfrm>
+            <a:off x="0" y="8685213"/>
+            <a:ext cx="2971800" cy="458787"/>
+          </a:xfrm>
+          <a:prstGeom prst="rect">
+            <a:avLst/>
+          </a:prstGeom>
+        </p:spPr>
+        <p:txBody>
+          <a:bodyPr vert="horz" lIns="91440" tIns="45720" rIns="91440" bIns="45720" rtlCol="0" anchor="b"/>
+          <a:lstStyle>
+            <a:lvl1pPr algn="l">
+              <a:defRPr sz="1200"/>
+            </a:lvl1pPr>
+          </a:lstStyle>
+          <a:p>
+            <a:r>
+              <a:rPr lang="fr-FR"/>
+              <a:t>salut</a:t>
+            </a:r>
+          </a:p>
+        </p:txBody>
+      </p:sp>
+      <p:sp>
+        <p:nvSpPr>
+          <p:cNvPr id="5" name="Espace réservé du numéro de diapositive 4">
+            <a:extLst>
+              <a:ext uri="{FF2B5EF4-FFF2-40B4-BE49-F238E27FC236}">
+                <a16:creationId xmlns:a16="http://schemas.microsoft.com/office/drawing/2014/main" id="{C2BE4149-93FD-9F41-A95E-6F840DD40F4D}"/>
+              </a:ext>
+            </a:extLst>
+          </p:cNvPr>
+          <p:cNvSpPr>
+            <a:spLocks noGrp="1"/>
+          </p:cNvSpPr>
+          <p:nvPr>
+            <p:ph type="sldNum" sz="quarter" idx="3"/>
+          </p:nvPr>
+        </p:nvSpPr>
+        <p:spPr>
+          <a:xfrm>
+            <a:off x="3884613" y="8685213"/>
+            <a:ext cx="2971800" cy="458787"/>
+          </a:xfrm>
+          <a:prstGeom prst="rect">
+            <a:avLst/>
+          </a:prstGeom>
+        </p:spPr>
+        <p:txBody>
+          <a:bodyPr vert="horz" lIns="91440" tIns="45720" rIns="91440" bIns="45720" rtlCol="0" anchor="b"/>
+          <a:lstStyle>
+            <a:lvl1pPr algn="r">
+              <a:defRPr sz="1200"/>
+            </a:lvl1pPr>
+          </a:lstStyle>
+          <a:p>
+            <a:fld id="{79A8439F-6BFC-7C45-A843-835286AA4BAB}" type="slidenum">
+              <a:rPr lang="fr-FR" smtClean="0"/>
+              <a:t>‹N°›</a:t>
+            </a:fld>
+            <a:endParaRPr lang="fr-FR"/>
+          </a:p>
+        </p:txBody>
+      </p:sp>
+    </p:spTree>
+    <p:extLst>
+      <p:ext uri="{BB962C8B-B14F-4D97-AF65-F5344CB8AC3E}">
+        <p14:creationId xmlns:p14="http://schemas.microsoft.com/office/powerpoint/2010/main" val="3792312206"/>
+      </p:ext>
+    </p:extLst>
+  </p:cSld>
+  <p:clrMap bg1="lt1" tx1="dk1" bg2="lt2" tx2="dk2" accent1="accent1" accent2="accent2" accent3="accent3" accent4="accent4" accent5="accent5" accent6="accent6" hlink="hlink" folHlink="folHlink"/>
+  <p:hf hdr="0" dt="0"/>
+</p:handoutMaster>
+</file>
+
+<file path=ppt/notesMasters/notesMaster1.xml><?xml version="1.0" encoding="utf-8"?>
+<p:notesMaster xmlns:a="http://schemas.openxmlformats.org/drawingml/2006/main" xmlns:r="http://schemas.openxmlformats.org/officeDocument/2006/relationships" xmlns:p="http://schemas.openxmlformats.org/presentationml/2006/main">
+  <p:cSld>
+    <p:bg>
+      <p:bgRef idx="1001">
+        <a:schemeClr val="bg1"/>
+      </p:bgRef>
+    </p:bg>
+    <p:spTree>
+      <p:nvGrpSpPr>
+        <p:cNvPr id="1" name=""/>
+        <p:cNvGrpSpPr/>
+        <p:nvPr/>
+      </p:nvGrpSpPr>
+      <p:grpSpPr>
+        <a:xfrm>
+          <a:off x="0" y="0"/>
+          <a:ext cx="0" cy="0"/>
+          <a:chOff x="0" y="0"/>
+          <a:chExt cx="0" cy="0"/>
+        </a:xfrm>
+      </p:grpSpPr>
+      <p:sp>
+        <p:nvSpPr>
+          <p:cNvPr id="2" name="Espace réservé de l'en-tête 1"/>
+          <p:cNvSpPr>
+            <a:spLocks noGrp="1"/>
+          </p:cNvSpPr>
+          <p:nvPr>
+            <p:ph type="hdr" sz="quarter"/>
+          </p:nvPr>
+        </p:nvSpPr>
+        <p:spPr>
+          <a:xfrm>
+            <a:off x="0" y="0"/>
+            <a:ext cx="2971800" cy="458788"/>
+          </a:xfrm>
+          <a:prstGeom prst="rect">
+            <a:avLst/>
+          </a:prstGeom>
+        </p:spPr>
+        <p:txBody>
+          <a:bodyPr vert="horz" lIns="91440" tIns="45720" rIns="91440" bIns="45720" rtlCol="0"/>
+          <a:lstStyle>
+            <a:lvl1pPr algn="l">
+              <a:defRPr sz="1200"/>
+            </a:lvl1pPr>
+          </a:lstStyle>
+          <a:p>
+            <a:endParaRPr lang="fr-FR"/>
+          </a:p>
+        </p:txBody>
+      </p:sp>
+      <p:sp>
+        <p:nvSpPr>
+          <p:cNvPr id="3" name="Espace réservé de la date 2"/>
+          <p:cNvSpPr>
+            <a:spLocks noGrp="1"/>
+          </p:cNvSpPr>
+          <p:nvPr>
+            <p:ph type="dt" idx="1"/>
+          </p:nvPr>
+        </p:nvSpPr>
+        <p:spPr>
+          <a:xfrm>
+            <a:off x="3884613" y="0"/>
+            <a:ext cx="2971800" cy="458788"/>
+          </a:xfrm>
+          <a:prstGeom prst="rect">
+            <a:avLst/>
+          </a:prstGeom>
+        </p:spPr>
+        <p:txBody>
+          <a:bodyPr vert="horz" lIns="91440" tIns="45720" rIns="91440" bIns="45720" rtlCol="0"/>
+          <a:lstStyle>
+            <a:lvl1pPr algn="r">
+              <a:defRPr sz="1200"/>
+            </a:lvl1pPr>
+          </a:lstStyle>
+          <a:p>
+            <a:fld id="{A67B2A18-DA22-BD49-BBBA-10A65E13FE68}" type="datetimeFigureOut">
+              <a:rPr lang="fr-FR" smtClean="0"/>
+              <a:t>16/06/2022</a:t>
+            </a:fld>
+            <a:endParaRPr lang="fr-FR"/>
+          </a:p>
+        </p:txBody>
+      </p:sp>
+      <p:sp>
+        <p:nvSpPr>
+          <p:cNvPr id="4" name="Espace réservé de l'image des diapositives 3"/>
+          <p:cNvSpPr>
+            <a:spLocks noGrp="1" noRot="1" noChangeAspect="1"/>
+          </p:cNvSpPr>
+          <p:nvPr>
+            <p:ph type="sldImg" idx="2"/>
+          </p:nvPr>
+        </p:nvSpPr>
+        <p:spPr>
+          <a:xfrm>
+            <a:off x="685800" y="1143000"/>
+            <a:ext cx="5486400" cy="3086100"/>
+          </a:xfrm>
+          <a:prstGeom prst="rect">
+            <a:avLst/>
+          </a:prstGeom>
+          <a:noFill/>
+          <a:ln w="12700">
+            <a:solidFill>
+              <a:prstClr val="black"/>
+            </a:solidFill>
+          </a:ln>
+        </p:spPr>
+        <p:txBody>
+          <a:bodyPr vert="horz" lIns="91440" tIns="45720" rIns="91440" bIns="45720" rtlCol="0" anchor="ctr"/>
+          <a:lstStyle/>
+          <a:p>
+            <a:endParaRPr lang="fr-FR"/>
+          </a:p>
+        </p:txBody>
+      </p:sp>
+      <p:sp>
+        <p:nvSpPr>
+          <p:cNvPr id="5" name="Espace réservé des notes 4"/>
+          <p:cNvSpPr>
+            <a:spLocks noGrp="1"/>
+          </p:cNvSpPr>
+          <p:nvPr>
+            <p:ph type="body" sz="quarter" idx="3"/>
+          </p:nvPr>
+        </p:nvSpPr>
+        <p:spPr>
+          <a:xfrm>
+            <a:off x="685800" y="4400550"/>
+            <a:ext cx="5486400" cy="3600450"/>
+          </a:xfrm>
+          <a:prstGeom prst="rect">
+            <a:avLst/>
+          </a:prstGeom>
+        </p:spPr>
+        <p:txBody>
+          <a:bodyPr vert="horz" lIns="91440" tIns="45720" rIns="91440" bIns="45720" rtlCol="0"/>
+          <a:lstStyle/>
+          <a:p>
+            <a:pPr lvl="0"/>
+            <a:r>
+              <a:rPr lang="fr-FR"/>
+              <a:t>Cliquez pour modifier les styles du texte du masque</a:t>
+            </a:r>
+          </a:p>
+          <a:p>
+            <a:pPr lvl="1"/>
+            <a:r>
+              <a:rPr lang="fr-FR"/>
+              <a:t>Deuxième niveau</a:t>
+            </a:r>
+          </a:p>
+          <a:p>
+            <a:pPr lvl="2"/>
+            <a:r>
+              <a:rPr lang="fr-FR"/>
+              <a:t>Troisième niveau</a:t>
+            </a:r>
+          </a:p>
+          <a:p>
+            <a:pPr lvl="3"/>
+            <a:r>
+              <a:rPr lang="fr-FR"/>
+              <a:t>Quatrième niveau</a:t>
+            </a:r>
+          </a:p>
+          <a:p>
+            <a:pPr lvl="4"/>
+            <a:r>
+              <a:rPr lang="fr-FR"/>
+              <a:t>Cinquième niveau</a:t>
+            </a:r>
+          </a:p>
+        </p:txBody>
+      </p:sp>
+      <p:sp>
+        <p:nvSpPr>
+          <p:cNvPr id="6" name="Espace réservé du pied de page 5"/>
+          <p:cNvSpPr>
+            <a:spLocks noGrp="1"/>
+          </p:cNvSpPr>
+          <p:nvPr>
+            <p:ph type="ftr" sz="quarter" idx="4"/>
+          </p:nvPr>
+        </p:nvSpPr>
+        <p:spPr>
+          <a:xfrm>
+            <a:off x="0" y="8685213"/>
+            <a:ext cx="2971800" cy="458787"/>
+          </a:xfrm>
+          <a:prstGeom prst="rect">
+            <a:avLst/>
+          </a:prstGeom>
+        </p:spPr>
+        <p:txBody>
+          <a:bodyPr vert="horz" lIns="91440" tIns="45720" rIns="91440" bIns="45720" rtlCol="0" anchor="b"/>
+          <a:lstStyle>
+            <a:lvl1pPr algn="l">
+              <a:defRPr sz="1200"/>
+            </a:lvl1pPr>
+          </a:lstStyle>
+          <a:p>
+            <a:r>
+              <a:rPr lang="fr-FR"/>
+              <a:t>salut</a:t>
+            </a:r>
+          </a:p>
+        </p:txBody>
+      </p:sp>
+      <p:sp>
+        <p:nvSpPr>
+          <p:cNvPr id="7" name="Espace réservé du numéro de diapositive 6"/>
+          <p:cNvSpPr>
+            <a:spLocks noGrp="1"/>
+          </p:cNvSpPr>
+          <p:nvPr>
+            <p:ph type="sldNum" sz="quarter" idx="5"/>
+          </p:nvPr>
+        </p:nvSpPr>
+        <p:spPr>
+          <a:xfrm>
+            <a:off x="3884613" y="8685213"/>
+            <a:ext cx="2971800" cy="458787"/>
+          </a:xfrm>
+          <a:prstGeom prst="rect">
+            <a:avLst/>
+          </a:prstGeom>
+        </p:spPr>
+        <p:txBody>
+          <a:bodyPr vert="horz" lIns="91440" tIns="45720" rIns="91440" bIns="45720" rtlCol="0" anchor="b"/>
+          <a:lstStyle>
+            <a:lvl1pPr algn="r">
+              <a:defRPr sz="1200"/>
+            </a:lvl1pPr>
+          </a:lstStyle>
+          <a:p>
+            <a:fld id="{79430592-3608-D343-B5B0-7C6BD02576B9}" type="slidenum">
+              <a:rPr lang="fr-FR" smtClean="0"/>
+              <a:t>‹N°›</a:t>
+            </a:fld>
+            <a:endParaRPr lang="fr-FR"/>
+          </a:p>
+        </p:txBody>
+      </p:sp>
+    </p:spTree>
+    <p:extLst>
+      <p:ext uri="{BB962C8B-B14F-4D97-AF65-F5344CB8AC3E}">
+        <p14:creationId xmlns:p14="http://schemas.microsoft.com/office/powerpoint/2010/main" val="1100136155"/>
+      </p:ext>
+    </p:extLst>
+  </p:cSld>
+  <p:clrMap bg1="lt1" tx1="dk1" bg2="lt2" tx2="dk2" accent1="accent1" accent2="accent2" accent3="accent3" accent4="accent4" accent5="accent5" accent6="accent6" hlink="hlink" folHlink="folHlink"/>
+  <p:hf hdr="0" dt="0"/>
+  <p:notesStyle>
+    <a:lvl1pPr marL="0" algn="l" defTabSz="914400" rtl="0" eaLnBrk="1" latinLnBrk="0" hangingPunct="1">
+      <a:defRPr sz="1200" kern="1200">
+        <a:solidFill>
+          <a:schemeClr val="tx1"/>
+        </a:solidFill>
+        <a:latin typeface="+mn-lt"/>
+        <a:ea typeface="+mn-ea"/>
+        <a:cs typeface="+mn-cs"/>
+      </a:defRPr>
+    </a:lvl1pPr>
+    <a:lvl2pPr marL="457200" algn="l" defTabSz="914400" rtl="0" eaLnBrk="1" latinLnBrk="0" hangingPunct="1">
+      <a:defRPr sz="1200" kern="1200">
+        <a:solidFill>
+          <a:schemeClr val="tx1"/>
+        </a:solidFill>
+        <a:latin typeface="+mn-lt"/>
+        <a:ea typeface="+mn-ea"/>
+        <a:cs typeface="+mn-cs"/>
+      </a:defRPr>
+    </a:lvl2pPr>
+    <a:lvl3pPr marL="914400" algn="l" defTabSz="914400" rtl="0" eaLnBrk="1" latinLnBrk="0" hangingPunct="1">
+      <a:defRPr sz="1200" kern="1200">
+        <a:solidFill>
+          <a:schemeClr val="tx1"/>
+        </a:solidFill>
+        <a:latin typeface="+mn-lt"/>
+        <a:ea typeface="+mn-ea"/>
+        <a:cs typeface="+mn-cs"/>
+      </a:defRPr>
+    </a:lvl3pPr>
+    <a:lvl4pPr marL="1371600" algn="l" defTabSz="914400" rtl="0" eaLnBrk="1" latinLnBrk="0" hangingPunct="1">
+      <a:defRPr sz="1200" kern="1200">
+        <a:solidFill>
+          <a:schemeClr val="tx1"/>
+        </a:solidFill>
+        <a:latin typeface="+mn-lt"/>
+        <a:ea typeface="+mn-ea"/>
+        <a:cs typeface="+mn-cs"/>
+      </a:defRPr>
+    </a:lvl4pPr>
+    <a:lvl5pPr marL="1828800" algn="l" defTabSz="914400" rtl="0" eaLnBrk="1" latinLnBrk="0" hangingPunct="1">
+      <a:defRPr sz="1200" kern="1200">
+        <a:solidFill>
+          <a:schemeClr val="tx1"/>
+        </a:solidFill>
+        <a:latin typeface="+mn-lt"/>
+        <a:ea typeface="+mn-ea"/>
+        <a:cs typeface="+mn-cs"/>
+      </a:defRPr>
+    </a:lvl5pPr>
+    <a:lvl6pPr marL="2286000" algn="l" defTabSz="914400" rtl="0" eaLnBrk="1" latinLnBrk="0" hangingPunct="1">
+      <a:defRPr sz="1200" kern="1200">
+        <a:solidFill>
+          <a:schemeClr val="tx1"/>
+        </a:solidFill>
+        <a:latin typeface="+mn-lt"/>
+        <a:ea typeface="+mn-ea"/>
+        <a:cs typeface="+mn-cs"/>
+      </a:defRPr>
+    </a:lvl6pPr>
+    <a:lvl7pPr marL="2743200" algn="l" defTabSz="914400" rtl="0" eaLnBrk="1" latinLnBrk="0" hangingPunct="1">
+      <a:defRPr sz="1200" kern="1200">
+        <a:solidFill>
+          <a:schemeClr val="tx1"/>
+        </a:solidFill>
+        <a:latin typeface="+mn-lt"/>
+        <a:ea typeface="+mn-ea"/>
+        <a:cs typeface="+mn-cs"/>
+      </a:defRPr>
+    </a:lvl7pPr>
+    <a:lvl8pPr marL="3200400" algn="l" defTabSz="914400" rtl="0" eaLnBrk="1" latinLnBrk="0" hangingPunct="1">
+      <a:defRPr sz="1200" kern="1200">
+        <a:solidFill>
+          <a:schemeClr val="tx1"/>
+        </a:solidFill>
+        <a:latin typeface="+mn-lt"/>
+        <a:ea typeface="+mn-ea"/>
+        <a:cs typeface="+mn-cs"/>
+      </a:defRPr>
+    </a:lvl8pPr>
+    <a:lvl9pPr marL="3657600" algn="l" defTabSz="914400" rtl="0" eaLnBrk="1" latinLnBrk="0" hangingPunct="1">
+      <a:defRPr sz="1200" kern="1200">
+        <a:solidFill>
+          <a:schemeClr val="tx1"/>
+        </a:solidFill>
+        <a:latin typeface="+mn-lt"/>
+        <a:ea typeface="+mn-ea"/>
+        <a:cs typeface="+mn-cs"/>
+      </a:defRPr>
+    </a:lvl9pPr>
+  </p:notesStyle>
+</p:notesMaster>
+</file>
+
 <file path=ppt/slideLayouts/slideLayout1.xml><?xml version="1.0" encoding="utf-8"?>
 <p:sldLayout xmlns:a="http://schemas.openxmlformats.org/drawingml/2006/main" xmlns:r="http://schemas.openxmlformats.org/officeDocument/2006/relationships" xmlns:p="http://schemas.openxmlformats.org/presentationml/2006/main" type="title" preserve="1">
   <p:cSld name="Diapositive de titre">
@@ -317,7 +869,7 @@
           <a:p>
             <a:fld id="{4AAD347D-5ACD-4C99-B74B-A9C85AD731AF}" type="datetimeFigureOut">
               <a:rPr lang="en-US" dirty="0"/>
-              <a:t>6/16/2022</a:t>
+              <a:t>6/16/22</a:t>
             </a:fld>
             <a:endParaRPr lang="en-US" dirty="0"/>
           </a:p>
@@ -587,7 +1139,7 @@
           <a:p>
             <a:fld id="{4509A250-FF31-4206-8172-F9D3106AACB1}" type="datetimeFigureOut">
               <a:rPr lang="en-US" dirty="0"/>
-              <a:t>6/16/2022</a:t>
+              <a:t>6/16/22</a:t>
             </a:fld>
             <a:endParaRPr lang="en-US" dirty="0"/>
           </a:p>
@@ -776,7 +1328,7 @@
           <a:p>
             <a:fld id="{4509A250-FF31-4206-8172-F9D3106AACB1}" type="datetimeFigureOut">
               <a:rPr lang="en-US" dirty="0"/>
-              <a:t>6/16/2022</a:t>
+              <a:t>6/16/22</a:t>
             </a:fld>
             <a:endParaRPr lang="en-US" dirty="0"/>
           </a:p>
@@ -1044,7 +1596,7 @@
           <a:p>
             <a:fld id="{4509A250-FF31-4206-8172-F9D3106AACB1}" type="datetimeFigureOut">
               <a:rPr lang="en-US" dirty="0"/>
-              <a:t>6/16/2022</a:t>
+              <a:t>6/16/22</a:t>
             </a:fld>
             <a:endParaRPr lang="en-US" dirty="0"/>
           </a:p>
@@ -1380,7 +1932,7 @@
           <a:p>
             <a:fld id="{4509A250-FF31-4206-8172-F9D3106AACB1}" type="datetimeFigureOut">
               <a:rPr lang="en-US" dirty="0"/>
-              <a:t>6/16/2022</a:t>
+              <a:t>6/16/22</a:t>
             </a:fld>
             <a:endParaRPr lang="en-US" dirty="0"/>
           </a:p>
@@ -1998,7 +2550,7 @@
           <a:p>
             <a:fld id="{4509A250-FF31-4206-8172-F9D3106AACB1}" type="datetimeFigureOut">
               <a:rPr lang="en-US" dirty="0"/>
-              <a:t>6/16/2022</a:t>
+              <a:t>6/16/22</a:t>
             </a:fld>
             <a:endParaRPr lang="en-US" dirty="0"/>
           </a:p>
@@ -2853,7 +3405,7 @@
           <a:p>
             <a:fld id="{4509A250-FF31-4206-8172-F9D3106AACB1}" type="datetimeFigureOut">
               <a:rPr lang="en-US" dirty="0"/>
-              <a:t>6/16/2022</a:t>
+              <a:t>6/16/22</a:t>
             </a:fld>
             <a:endParaRPr lang="en-US" dirty="0"/>
           </a:p>
@@ -3018,7 +3570,7 @@
           <a:p>
             <a:fld id="{4509A250-FF31-4206-8172-F9D3106AACB1}" type="datetimeFigureOut">
               <a:rPr lang="en-US" dirty="0"/>
-              <a:t>6/16/2022</a:t>
+              <a:t>6/16/22</a:t>
             </a:fld>
             <a:endParaRPr lang="en-US" dirty="0"/>
           </a:p>
@@ -3193,7 +3745,7 @@
           <a:p>
             <a:fld id="{4509A250-FF31-4206-8172-F9D3106AACB1}" type="datetimeFigureOut">
               <a:rPr lang="en-US" dirty="0"/>
-              <a:t>6/16/2022</a:t>
+              <a:t>6/16/22</a:t>
             </a:fld>
             <a:endParaRPr lang="en-US" dirty="0"/>
           </a:p>
@@ -3358,7 +3910,7 @@
           <a:p>
             <a:fld id="{4509A250-FF31-4206-8172-F9D3106AACB1}" type="datetimeFigureOut">
               <a:rPr lang="en-US" dirty="0"/>
-              <a:t>6/16/2022</a:t>
+              <a:t>6/16/22</a:t>
             </a:fld>
             <a:endParaRPr lang="en-US" dirty="0"/>
           </a:p>
@@ -3600,7 +4152,7 @@
           <a:p>
             <a:fld id="{9796027F-7875-4030-9381-8BD8C4F21935}" type="datetimeFigureOut">
               <a:rPr lang="en-US" dirty="0"/>
-              <a:t>6/16/2022</a:t>
+              <a:t>6/16/22</a:t>
             </a:fld>
             <a:endParaRPr lang="en-US" dirty="0"/>
           </a:p>
@@ -3887,7 +4439,7 @@
           <a:p>
             <a:fld id="{9796027F-7875-4030-9381-8BD8C4F21935}" type="datetimeFigureOut">
               <a:rPr lang="en-US" dirty="0"/>
-              <a:t>6/16/2022</a:t>
+              <a:t>6/16/22</a:t>
             </a:fld>
             <a:endParaRPr lang="en-US" dirty="0"/>
           </a:p>
@@ -4326,7 +4878,7 @@
           <a:p>
             <a:fld id="{9796027F-7875-4030-9381-8BD8C4F21935}" type="datetimeFigureOut">
               <a:rPr lang="en-US" dirty="0"/>
-              <a:t>6/16/2022</a:t>
+              <a:t>6/16/22</a:t>
             </a:fld>
             <a:endParaRPr lang="en-US" dirty="0"/>
           </a:p>
@@ -4439,7 +4991,7 @@
           <a:p>
             <a:fld id="{4509A250-FF31-4206-8172-F9D3106AACB1}" type="datetimeFigureOut">
               <a:rPr lang="en-US" dirty="0"/>
-              <a:t>6/16/2022</a:t>
+              <a:t>6/16/22</a:t>
             </a:fld>
             <a:endParaRPr lang="en-US" dirty="0"/>
           </a:p>
@@ -4529,7 +5081,7 @@
           <a:p>
             <a:fld id="{4509A250-FF31-4206-8172-F9D3106AACB1}" type="datetimeFigureOut">
               <a:rPr lang="en-US" dirty="0"/>
-              <a:t>6/16/2022</a:t>
+              <a:t>6/16/22</a:t>
             </a:fld>
             <a:endParaRPr lang="en-US" dirty="0"/>
           </a:p>
@@ -4803,7 +5355,7 @@
           <a:p>
             <a:fld id="{4509A250-FF31-4206-8172-F9D3106AACB1}" type="datetimeFigureOut">
               <a:rPr lang="en-US" dirty="0"/>
-              <a:t>6/16/2022</a:t>
+              <a:t>6/16/22</a:t>
             </a:fld>
             <a:endParaRPr lang="en-US" dirty="0"/>
           </a:p>
@@ -5073,7 +5625,7 @@
           <a:p>
             <a:fld id="{4509A250-FF31-4206-8172-F9D3106AACB1}" type="datetimeFigureOut">
               <a:rPr lang="en-US" dirty="0"/>
-              <a:t>6/16/2022</a:t>
+              <a:t>6/16/22</a:t>
             </a:fld>
             <a:endParaRPr lang="en-US" dirty="0"/>
           </a:p>
@@ -5497,7 +6049,7 @@
           <a:p>
             <a:fld id="{4AAD347D-5ACD-4C99-B74B-A9C85AD731AF}" type="datetimeFigureOut">
               <a:rPr lang="en-US" dirty="0"/>
-              <a:t>6/16/2022</a:t>
+              <a:t>6/16/22</a:t>
             </a:fld>
             <a:endParaRPr lang="en-US" dirty="0"/>
           </a:p>
@@ -6927,6 +7479,36 @@
           </a:p>
         </p:txBody>
       </p:sp>
+      <p:pic>
+        <p:nvPicPr>
+          <p:cNvPr id="5" name="Image 4" descr="Une image contenant texte&#10;&#10;Description générée automatiquement">
+            <a:extLst>
+              <a:ext uri="{FF2B5EF4-FFF2-40B4-BE49-F238E27FC236}">
+                <a16:creationId xmlns:a16="http://schemas.microsoft.com/office/drawing/2014/main" id="{C866189F-3C79-084B-9539-B7157689DEA8}"/>
+              </a:ext>
+            </a:extLst>
+          </p:cNvPr>
+          <p:cNvPicPr>
+            <a:picLocks noChangeAspect="1"/>
+          </p:cNvPicPr>
+          <p:nvPr/>
+        </p:nvPicPr>
+        <p:blipFill>
+          <a:blip r:embed="rId2"/>
+          <a:stretch>
+            <a:fillRect/>
+          </a:stretch>
+        </p:blipFill>
+        <p:spPr>
+          <a:xfrm>
+            <a:off x="2599348" y="3522204"/>
+            <a:ext cx="6651720" cy="1680811"/>
+          </a:xfrm>
+          <a:prstGeom prst="rect">
+            <a:avLst/>
+          </a:prstGeom>
+        </p:spPr>
+      </p:pic>
     </p:spTree>
     <p:extLst>
       <p:ext uri="{BB962C8B-B14F-4D97-AF65-F5344CB8AC3E}">
@@ -7060,6 +7642,36 @@
           </a:p>
         </p:txBody>
       </p:sp>
+      <p:pic>
+        <p:nvPicPr>
+          <p:cNvPr id="5" name="Image 4" descr="Une image contenant texte&#10;&#10;Description générée automatiquement">
+            <a:extLst>
+              <a:ext uri="{FF2B5EF4-FFF2-40B4-BE49-F238E27FC236}">
+                <a16:creationId xmlns:a16="http://schemas.microsoft.com/office/drawing/2014/main" id="{6F487B3E-0CB9-324D-B837-26114AC6DE29}"/>
+              </a:ext>
+            </a:extLst>
+          </p:cNvPr>
+          <p:cNvPicPr>
+            <a:picLocks noChangeAspect="1"/>
+          </p:cNvPicPr>
+          <p:nvPr/>
+        </p:nvPicPr>
+        <p:blipFill>
+          <a:blip r:embed="rId2"/>
+          <a:stretch>
+            <a:fillRect/>
+          </a:stretch>
+        </p:blipFill>
+        <p:spPr>
+          <a:xfrm>
+            <a:off x="3003550" y="4322482"/>
+            <a:ext cx="6184900" cy="2082800"/>
+          </a:xfrm>
+          <a:prstGeom prst="rect">
+            <a:avLst/>
+          </a:prstGeom>
+        </p:spPr>
+      </p:pic>
     </p:spTree>
     <p:extLst>
       <p:ext uri="{BB962C8B-B14F-4D97-AF65-F5344CB8AC3E}">
@@ -7211,6 +7823,36 @@
           </a:p>
         </p:txBody>
       </p:sp>
+      <p:pic>
+        <p:nvPicPr>
+          <p:cNvPr id="5" name="Image 4" descr="Une image contenant texte, écran, capture d’écran&#10;&#10;Description générée automatiquement">
+            <a:extLst>
+              <a:ext uri="{FF2B5EF4-FFF2-40B4-BE49-F238E27FC236}">
+                <a16:creationId xmlns:a16="http://schemas.microsoft.com/office/drawing/2014/main" id="{1386BA68-54EC-444D-9648-11E4F41C288B}"/>
+              </a:ext>
+            </a:extLst>
+          </p:cNvPr>
+          <p:cNvPicPr>
+            <a:picLocks noChangeAspect="1"/>
+          </p:cNvPicPr>
+          <p:nvPr/>
+        </p:nvPicPr>
+        <p:blipFill>
+          <a:blip r:embed="rId2"/>
+          <a:stretch>
+            <a:fillRect/>
+          </a:stretch>
+        </p:blipFill>
+        <p:spPr>
+          <a:xfrm>
+            <a:off x="3301835" y="4325893"/>
+            <a:ext cx="5588330" cy="2532107"/>
+          </a:xfrm>
+          <a:prstGeom prst="rect">
+            <a:avLst/>
+          </a:prstGeom>
+        </p:spPr>
+      </p:pic>
     </p:spTree>
     <p:extLst>
       <p:ext uri="{BB962C8B-B14F-4D97-AF65-F5344CB8AC3E}">
@@ -7452,6 +8094,30 @@
 <file path=ppt/slides/slide17.xml><?xml version="1.0" encoding="utf-8"?>
 <p:sld xmlns:a="http://schemas.openxmlformats.org/drawingml/2006/main" xmlns:r="http://schemas.openxmlformats.org/officeDocument/2006/relationships" xmlns:p="http://schemas.openxmlformats.org/presentationml/2006/main">
   <p:cSld>
+    <p:bg>
+      <p:bgPr>
+        <a:blipFill rotWithShape="1">
+          <a:blip r:embed="rId2">
+            <a:duotone>
+              <a:schemeClr val="bg2">
+                <a:shade val="69000"/>
+                <a:hueMod val="108000"/>
+                <a:satMod val="164000"/>
+                <a:lumMod val="74000"/>
+              </a:schemeClr>
+              <a:schemeClr val="bg2">
+                <a:tint val="96000"/>
+                <a:hueMod val="88000"/>
+                <a:satMod val="140000"/>
+                <a:lumMod val="132000"/>
+              </a:schemeClr>
+            </a:duotone>
+          </a:blip>
+          <a:stretch/>
+        </a:blipFill>
+        <a:effectLst/>
+      </p:bgPr>
+    </p:bg>
     <p:spTree>
       <p:nvGrpSpPr>
         <p:cNvPr id="1" name=""/>
@@ -7482,9 +8148,16 @@
             <p:ph type="title"/>
           </p:nvPr>
         </p:nvSpPr>
-        <p:spPr/>
-        <p:txBody>
-          <a:bodyPr/>
+        <p:spPr>
+          <a:xfrm>
+            <a:off x="646111" y="609601"/>
+            <a:ext cx="4793473" cy="1675975"/>
+          </a:xfrm>
+        </p:spPr>
+        <p:txBody>
+          <a:bodyPr>
+            <a:normAutofit/>
+          </a:bodyPr>
           <a:lstStyle/>
           <a:p>
             <a:r>
@@ -7493,6 +8166,95 @@
             </a:r>
           </a:p>
         </p:txBody>
+      </p:sp>
+      <p:pic>
+        <p:nvPicPr>
+          <p:cNvPr id="5" name="Image 4" descr="Une image contenant texte, écran, capture d’écran&#10;&#10;Description générée automatiquement">
+            <a:extLst>
+              <a:ext uri="{FF2B5EF4-FFF2-40B4-BE49-F238E27FC236}">
+                <a16:creationId xmlns:a16="http://schemas.microsoft.com/office/drawing/2014/main" id="{0A80335E-2D49-264E-B0B5-4A712C2C0734}"/>
+              </a:ext>
+            </a:extLst>
+          </p:cNvPr>
+          <p:cNvPicPr>
+            <a:picLocks noChangeAspect="1"/>
+          </p:cNvPicPr>
+          <p:nvPr/>
+        </p:nvPicPr>
+        <p:blipFill rotWithShape="1">
+          <a:blip r:embed="rId3"/>
+          <a:srcRect t="959" r="2" b="2"/>
+          <a:stretch/>
+        </p:blipFill>
+        <p:spPr>
+          <a:xfrm>
+            <a:off x="6094412" y="609137"/>
+            <a:ext cx="5449888" cy="2766290"/>
+          </a:xfrm>
+          <a:prstGeom prst="rect">
+            <a:avLst/>
+          </a:prstGeom>
+          <a:effectLst>
+            <a:outerShdw blurRad="50800" dist="38100" dir="5400000" algn="t" rotWithShape="0">
+              <a:prstClr val="black">
+                <a:alpha val="43000"/>
+              </a:prstClr>
+            </a:outerShdw>
+          </a:effectLst>
+        </p:spPr>
+      </p:pic>
+      <p:sp>
+        <p:nvSpPr>
+          <p:cNvPr id="12" name="Rectangle 11">
+            <a:extLst>
+              <a:ext uri="{FF2B5EF4-FFF2-40B4-BE49-F238E27FC236}">
+                <a16:creationId xmlns:a16="http://schemas.microsoft.com/office/drawing/2014/main" id="{AC546BE4-C7A3-4A47-9FA5-0866D5E656B4}"/>
+              </a:ext>
+              <a:ext uri="{C183D7F6-B498-43B3-948B-1728B52AA6E4}">
+                <adec:decorative xmlns:adec="http://schemas.microsoft.com/office/drawing/2017/decorative" val="1"/>
+              </a:ext>
+            </a:extLst>
+          </p:cNvPr>
+          <p:cNvSpPr>
+            <a:spLocks noGrp="1" noRot="1" noChangeAspect="1" noMove="1" noResize="1" noEditPoints="1" noAdjustHandles="1" noChangeArrowheads="1" noChangeShapeType="1" noTextEdit="1"/>
+          </p:cNvSpPr>
+          <p:nvPr>
+            <p:extLst>
+              <p:ext uri="{386F3935-93C4-4BCD-93E2-E3B085C9AB24}">
+                <p16:designElem xmlns:p16="http://schemas.microsoft.com/office/powerpoint/2015/main" val="1"/>
+              </p:ext>
+            </p:extLst>
+          </p:nvPr>
+        </p:nvSpPr>
+        <p:spPr>
+          <a:xfrm>
+            <a:off x="10437812" y="0"/>
+            <a:ext cx="685800" cy="1143000"/>
+          </a:xfrm>
+          <a:prstGeom prst="rect">
+            <a:avLst/>
+          </a:prstGeom>
+          <a:solidFill>
+            <a:schemeClr val="accent1"/>
+          </a:solidFill>
+          <a:ln>
+            <a:noFill/>
+          </a:ln>
+        </p:spPr>
+        <p:style>
+          <a:lnRef idx="1">
+            <a:schemeClr val="accent1"/>
+          </a:lnRef>
+          <a:fillRef idx="3">
+            <a:schemeClr val="accent1"/>
+          </a:fillRef>
+          <a:effectRef idx="2">
+            <a:schemeClr val="accent1"/>
+          </a:effectRef>
+          <a:fontRef idx="minor">
+            <a:schemeClr val="lt1"/>
+          </a:fontRef>
+        </p:style>
       </p:sp>
       <p:sp>
         <p:nvSpPr>
@@ -7512,8 +8274,8 @@
         </p:nvSpPr>
         <p:spPr>
           <a:xfrm>
-            <a:off x="646111" y="1654985"/>
-            <a:ext cx="8946541" cy="4441015"/>
+            <a:off x="642175" y="2484544"/>
+            <a:ext cx="4799145" cy="3763855"/>
           </a:xfrm>
         </p:spPr>
         <p:txBody>
@@ -7524,35 +8286,69 @@
           <a:p>
             <a:r>
               <a:rPr lang="fr-FR" dirty="0"/>
-              <a:t>Montrez comment sont dessinés vos éléments graphiques</a:t>
-            </a:r>
-          </a:p>
-          <a:p>
-            <a:r>
-              <a:rPr lang="fr-FR" dirty="0"/>
-              <a:t>Arrière-fond</a:t>
-            </a:r>
-          </a:p>
-          <a:p>
-            <a:r>
-              <a:rPr lang="fr-FR" dirty="0"/>
-              <a:t>Player</a:t>
-            </a:r>
-          </a:p>
-          <a:p>
-            <a:r>
-              <a:rPr lang="fr-FR" dirty="0"/>
-              <a:t>Texte</a:t>
-            </a:r>
-          </a:p>
-          <a:p>
-            <a:r>
-              <a:rPr lang="fr-FR" dirty="0"/>
-              <a:t>Autre éléments</a:t>
-            </a:r>
-          </a:p>
-        </p:txBody>
-      </p:sp>
+              <a:t>Le première image consiste à la création des deux labyrinthes</a:t>
+            </a:r>
+          </a:p>
+          <a:p>
+            <a:r>
+              <a:rPr lang="fr-FR" dirty="0"/>
+              <a:t>La deuxième permet de dessiner le score, </a:t>
+            </a:r>
+            <a:r>
+              <a:rPr lang="fr-FR" dirty="0" err="1"/>
+              <a:t>pacman</a:t>
+            </a:r>
+            <a:r>
+              <a:rPr lang="fr-FR" dirty="0"/>
+              <a:t>, le bouton </a:t>
+            </a:r>
+            <a:r>
+              <a:rPr lang="fr-FR" dirty="0" err="1"/>
+              <a:t>quit</a:t>
+            </a:r>
+            <a:r>
+              <a:rPr lang="fr-FR" dirty="0"/>
+              <a:t> et les fantômes. </a:t>
+            </a:r>
+          </a:p>
+        </p:txBody>
+      </p:sp>
+      <p:pic>
+        <p:nvPicPr>
+          <p:cNvPr id="7" name="Image 6" descr="Une image contenant texte&#10;&#10;Description générée automatiquement">
+            <a:extLst>
+              <a:ext uri="{FF2B5EF4-FFF2-40B4-BE49-F238E27FC236}">
+                <a16:creationId xmlns:a16="http://schemas.microsoft.com/office/drawing/2014/main" id="{30FC8738-ED4A-704F-B06F-CDD8FF0869D0}"/>
+              </a:ext>
+            </a:extLst>
+          </p:cNvPr>
+          <p:cNvPicPr>
+            <a:picLocks noChangeAspect="1"/>
+          </p:cNvPicPr>
+          <p:nvPr/>
+        </p:nvPicPr>
+        <p:blipFill rotWithShape="1">
+          <a:blip r:embed="rId4"/>
+          <a:srcRect r="23658"/>
+          <a:stretch/>
+        </p:blipFill>
+        <p:spPr>
+          <a:xfrm>
+            <a:off x="6094412" y="3482108"/>
+            <a:ext cx="5449888" cy="2766290"/>
+          </a:xfrm>
+          <a:prstGeom prst="rect">
+            <a:avLst/>
+          </a:prstGeom>
+          <a:effectLst>
+            <a:outerShdw blurRad="50800" dist="38100" dir="5400000" algn="t" rotWithShape="0">
+              <a:prstClr val="black">
+                <a:alpha val="43000"/>
+              </a:prstClr>
+            </a:outerShdw>
+          </a:effectLst>
+        </p:spPr>
+      </p:pic>
     </p:spTree>
     <p:extLst>
       <p:ext uri="{BB962C8B-B14F-4D97-AF65-F5344CB8AC3E}">
@@ -7748,26 +8544,114 @@
         </p:spPr>
         <p:txBody>
           <a:bodyPr>
-            <a:normAutofit/>
+            <a:normAutofit lnSpcReduction="10000"/>
           </a:bodyPr>
           <a:lstStyle/>
           <a:p>
             <a:r>
               <a:rPr lang="fr-FR" dirty="0"/>
-              <a:t>Les forces de votre projet</a:t>
-            </a:r>
-          </a:p>
-          <a:p>
-            <a:r>
-              <a:rPr lang="fr-FR" dirty="0"/>
-              <a:t>Les faiblesses de votre projet</a:t>
-            </a:r>
-          </a:p>
-          <a:p>
-            <a:r>
-              <a:rPr lang="fr-FR" dirty="0"/>
-              <a:t>Ce que vous avez appris</a:t>
-            </a:r>
+              <a:t>Les forces de notre projet sont:</a:t>
+            </a:r>
+          </a:p>
+          <a:p>
+            <a:pPr lvl="1">
+              <a:buFont typeface="Arial" panose="020B0604020202020204" pitchFamily="34" charset="0"/>
+              <a:buChar char="•"/>
+            </a:pPr>
+            <a:r>
+              <a:rPr lang="fr-FR" dirty="0"/>
+              <a:t>Les deux niveaux de jeu</a:t>
+            </a:r>
+          </a:p>
+          <a:p>
+            <a:pPr lvl="1">
+              <a:buFont typeface="Arial" panose="020B0604020202020204" pitchFamily="34" charset="0"/>
+              <a:buChar char="•"/>
+            </a:pPr>
+            <a:r>
+              <a:rPr lang="fr-FR" dirty="0"/>
+              <a:t>L’intelligence des fantômes</a:t>
+            </a:r>
+          </a:p>
+          <a:p>
+            <a:pPr lvl="1">
+              <a:buFont typeface="Arial" panose="020B0604020202020204" pitchFamily="34" charset="0"/>
+              <a:buChar char="•"/>
+            </a:pPr>
+            <a:r>
+              <a:rPr lang="fr-FR" dirty="0"/>
+              <a:t>La simplicité</a:t>
+            </a:r>
+          </a:p>
+          <a:p>
+            <a:r>
+              <a:rPr lang="fr-FR" dirty="0"/>
+              <a:t>Les faiblesses de votre projet:</a:t>
+            </a:r>
+          </a:p>
+          <a:p>
+            <a:pPr lvl="1">
+              <a:buFont typeface="Arial" panose="020B0604020202020204" pitchFamily="34" charset="0"/>
+              <a:buChar char="•"/>
+            </a:pPr>
+            <a:r>
+              <a:rPr lang="fr-FR" dirty="0"/>
+              <a:t>Répétition des niveaux</a:t>
+            </a:r>
+          </a:p>
+          <a:p>
+            <a:pPr lvl="1">
+              <a:buFont typeface="Arial" panose="020B0604020202020204" pitchFamily="34" charset="0"/>
+              <a:buChar char="•"/>
+            </a:pPr>
+            <a:r>
+              <a:rPr lang="fr-FR" dirty="0"/>
+              <a:t>Pas d’historique des scores</a:t>
+            </a:r>
+          </a:p>
+          <a:p>
+            <a:pPr lvl="1">
+              <a:buFont typeface="Arial" panose="020B0604020202020204" pitchFamily="34" charset="0"/>
+              <a:buChar char="•"/>
+            </a:pPr>
+            <a:r>
+              <a:rPr lang="fr-FR" dirty="0"/>
+              <a:t>Pas de sons</a:t>
+            </a:r>
+          </a:p>
+          <a:p>
+            <a:r>
+              <a:rPr lang="fr-FR" dirty="0"/>
+              <a:t>Ce que nous avons appris:</a:t>
+            </a:r>
+          </a:p>
+          <a:p>
+            <a:pPr lvl="1">
+              <a:buFont typeface="Arial" panose="020B0604020202020204" pitchFamily="34" charset="0"/>
+              <a:buChar char="•"/>
+            </a:pPr>
+            <a:r>
+              <a:rPr lang="fr-FR" dirty="0"/>
+              <a:t>Les liens entre les classes</a:t>
+            </a:r>
+          </a:p>
+          <a:p>
+            <a:pPr lvl="1">
+              <a:buFont typeface="Arial" panose="020B0604020202020204" pitchFamily="34" charset="0"/>
+              <a:buChar char="•"/>
+            </a:pPr>
+            <a:r>
+              <a:rPr lang="fr-FR" dirty="0"/>
+              <a:t>Pouvoir partager notre travail sur </a:t>
+            </a:r>
+            <a:r>
+              <a:rPr lang="fr-FR" dirty="0" err="1"/>
+              <a:t>github</a:t>
+            </a:r>
+            <a:endParaRPr lang="fr-FR" dirty="0"/>
+          </a:p>
+          <a:p>
+            <a:endParaRPr lang="fr-FR" dirty="0"/>
           </a:p>
         </p:txBody>
       </p:sp>
@@ -7865,7 +8749,7 @@
           <a:p>
             <a:r>
               <a:rPr lang="fr-FR" dirty="0"/>
-              <a:t>Il existe deux labyrinthes, on incarne un rond jaune et il y a des ennemis qui sont des ronds rouges.</a:t>
+              <a:t>Il existe deux niveaux, on incarne un rond jaune et il y a des ennemis qui sont des ronds rouges.</a:t>
             </a:r>
           </a:p>
           <a:p>
@@ -7879,7 +8763,15 @@
             </a:r>
             <a:r>
               <a:rPr lang="fr-FR" dirty="0"/>
-              <a:t> et les touches 1 et 2 permettent de changer de plateforme. Il y a aussi une touche pour quitter le jeu si l’on souhaite.</a:t>
+              <a:t> . Il y a aussi un bouton pour quitter le jeu si l’on souhaite et aussi un bouton </a:t>
+            </a:r>
+            <a:r>
+              <a:rPr lang="fr-FR" dirty="0" err="1"/>
+              <a:t>retry</a:t>
+            </a:r>
+            <a:r>
+              <a:rPr lang="fr-FR" dirty="0"/>
+              <a:t> pour recommencer.</a:t>
             </a:r>
           </a:p>
         </p:txBody>
@@ -7930,49 +8822,20 @@
             <p:ph type="title"/>
           </p:nvPr>
         </p:nvSpPr>
-        <p:spPr/>
+        <p:spPr>
+          <a:xfrm>
+            <a:off x="1393638" y="2728735"/>
+            <a:ext cx="9404723" cy="1400530"/>
+          </a:xfrm>
+        </p:spPr>
         <p:txBody>
           <a:bodyPr/>
           <a:lstStyle/>
           <a:p>
+            <a:pPr algn="ctr"/>
             <a:r>
               <a:rPr lang="fr-FR" dirty="0"/>
               <a:t>Démonstration</a:t>
-            </a:r>
-          </a:p>
-        </p:txBody>
-      </p:sp>
-      <p:sp>
-        <p:nvSpPr>
-          <p:cNvPr id="3" name="Espace réservé du contenu 2">
-            <a:extLst>
-              <a:ext uri="{FF2B5EF4-FFF2-40B4-BE49-F238E27FC236}">
-                <a16:creationId xmlns:a16="http://schemas.microsoft.com/office/drawing/2014/main" id="{E2D04534-56C5-6449-A0BC-5BA92625F5A2}"/>
-              </a:ext>
-            </a:extLst>
-          </p:cNvPr>
-          <p:cNvSpPr>
-            <a:spLocks noGrp="1"/>
-          </p:cNvSpPr>
-          <p:nvPr>
-            <p:ph idx="1"/>
-          </p:nvPr>
-        </p:nvSpPr>
-        <p:spPr>
-          <a:xfrm>
-            <a:off x="646111" y="1654985"/>
-            <a:ext cx="8946541" cy="4441015"/>
-          </a:xfrm>
-        </p:spPr>
-        <p:txBody>
-          <a:bodyPr>
-            <a:normAutofit/>
-          </a:bodyPr>
-          <a:lstStyle/>
-          <a:p>
-            <a:r>
-              <a:rPr lang="fr-FR" dirty="0"/>
-              <a:t>Faites une démonstration de votre jeu</a:t>
             </a:r>
           </a:p>
         </p:txBody>
@@ -8058,7 +8921,7 @@
           <a:p>
             <a:r>
               <a:rPr lang="fr-FR" dirty="0"/>
-              <a:t>Nous avons trouvé un site qui donne des exemples de jeu 2d avec Python. (</a:t>
+              <a:t>Nous avons trouvé un site qui donne des exemples de jeu 2D avec Python. (</a:t>
             </a:r>
             <a:r>
               <a:rPr lang="fr-CH" dirty="0"/>
@@ -8176,25 +9039,25 @@
           <a:p>
             <a:r>
               <a:rPr lang="fr-FR" dirty="0"/>
-              <a:t>Nombre de lignes de code</a:t>
-            </a:r>
-          </a:p>
-          <a:p>
-            <a:r>
-              <a:rPr lang="fr-FR" dirty="0"/>
-              <a:t>Nombre de commit sur GitHub</a:t>
-            </a:r>
-          </a:p>
-          <a:p>
-            <a:r>
-              <a:rPr lang="fr-FR" dirty="0"/>
-              <a:t>Nombre d’heures passé au projet : 15 heures</a:t>
-            </a:r>
-          </a:p>
-          <a:p>
-            <a:r>
-              <a:rPr lang="fr-FR" dirty="0"/>
-              <a:t>Répartition entre les 2 partenaires</a:t>
+              <a:t>Nombre de lignes de code : 396</a:t>
+            </a:r>
+          </a:p>
+          <a:p>
+            <a:r>
+              <a:rPr lang="fr-FR" dirty="0"/>
+              <a:t>Nombre de commit sur GitHub : 51</a:t>
+            </a:r>
+          </a:p>
+          <a:p>
+            <a:r>
+              <a:rPr lang="fr-FR" dirty="0"/>
+              <a:t>Nombre d’heures passé au projet : 40 heures</a:t>
+            </a:r>
+          </a:p>
+          <a:p>
+            <a:r>
+              <a:rPr lang="fr-FR" dirty="0"/>
+              <a:t>Répartition entre les 2 partenaires : 25 heures Alex et 15 heures Walid</a:t>
             </a:r>
           </a:p>
           <a:p>
@@ -8303,7 +9166,7 @@
             </a:r>
             <a:r>
               <a:rPr lang="fr-FR" dirty="0"/>
-              <a:t>, il fallait s’assurer que nous ne travaillions pas en même temps afin de ne pas créer de problèmes. (push régulièrement)</a:t>
+              <a:t>, il fallait s’assurer que nous ne travaillions pas en même temps afin de ne pas créer de problèmes.</a:t>
             </a:r>
           </a:p>
           <a:p>
@@ -8377,31 +9240,35 @@
           </a:p>
         </p:txBody>
       </p:sp>
-      <p:sp>
-        <p:nvSpPr>
-          <p:cNvPr id="3" name="Espace réservé du contenu 2">
+      <p:pic>
+        <p:nvPicPr>
+          <p:cNvPr id="5" name="Espace réservé du contenu 4" descr="Une image contenant texte, capture d’écran, moniteur, argent&#10;&#10;Description générée automatiquement">
             <a:extLst>
               <a:ext uri="{FF2B5EF4-FFF2-40B4-BE49-F238E27FC236}">
-                <a16:creationId xmlns:a16="http://schemas.microsoft.com/office/drawing/2014/main" id="{FA8F1B9B-C04E-074F-A417-9538DCD584C1}"/>
+                <a16:creationId xmlns:a16="http://schemas.microsoft.com/office/drawing/2014/main" id="{97D50098-18E7-564F-B3EA-7ED0046FF258}"/>
               </a:ext>
             </a:extLst>
           </p:cNvPr>
-          <p:cNvSpPr>
-            <a:spLocks noGrp="1"/>
-          </p:cNvSpPr>
+          <p:cNvPicPr>
+            <a:picLocks noGrp="1" noChangeAspect="1"/>
+          </p:cNvPicPr>
           <p:nvPr>
             <p:ph idx="1"/>
           </p:nvPr>
-        </p:nvSpPr>
-        <p:spPr/>
-        <p:txBody>
-          <a:bodyPr/>
-          <a:lstStyle/>
-          <a:p>
-            <a:endParaRPr lang="fr-FR"/>
-          </a:p>
-        </p:txBody>
-      </p:sp>
+        </p:nvPicPr>
+        <p:blipFill>
+          <a:blip r:embed="rId2"/>
+          <a:stretch>
+            <a:fillRect/>
+          </a:stretch>
+        </p:blipFill>
+        <p:spPr>
+          <a:xfrm>
+            <a:off x="2784088" y="1331119"/>
+            <a:ext cx="6480121" cy="4195762"/>
+          </a:xfrm>
+        </p:spPr>
+      </p:pic>
     </p:spTree>
     <p:extLst>
       <p:ext uri="{BB962C8B-B14F-4D97-AF65-F5344CB8AC3E}">
@@ -8432,12 +9299,165 @@
           <a:chExt cx="0" cy="0"/>
         </a:xfrm>
       </p:grpSpPr>
+      <p:sp>
+        <p:nvSpPr>
+          <p:cNvPr id="2" name="Titre 1">
+            <a:extLst>
+              <a:ext uri="{FF2B5EF4-FFF2-40B4-BE49-F238E27FC236}">
+                <a16:creationId xmlns:a16="http://schemas.microsoft.com/office/drawing/2014/main" id="{FA9412E6-8EB3-0949-BF0E-CCD51D95D963}"/>
+              </a:ext>
+            </a:extLst>
+          </p:cNvPr>
+          <p:cNvSpPr>
+            <a:spLocks noGrp="1"/>
+          </p:cNvSpPr>
+          <p:nvPr>
+            <p:ph type="title"/>
+          </p:nvPr>
+        </p:nvSpPr>
+        <p:spPr>
+          <a:xfrm>
+            <a:off x="989011" y="290437"/>
+            <a:ext cx="9404723" cy="1400530"/>
+          </a:xfrm>
+        </p:spPr>
+        <p:txBody>
+          <a:bodyPr/>
+          <a:lstStyle/>
+          <a:p>
+            <a:r>
+              <a:rPr lang="fr-FR" dirty="0"/>
+              <a:t>Exemple du jeu</a:t>
+            </a:r>
+          </a:p>
+        </p:txBody>
+      </p:sp>
+      <p:sp>
+        <p:nvSpPr>
+          <p:cNvPr id="10" name="ZoneTexte 9">
+            <a:extLst>
+              <a:ext uri="{FF2B5EF4-FFF2-40B4-BE49-F238E27FC236}">
+                <a16:creationId xmlns:a16="http://schemas.microsoft.com/office/drawing/2014/main" id="{E43C380E-ED7C-1208-E40A-7D1327ED599B}"/>
+              </a:ext>
+            </a:extLst>
+          </p:cNvPr>
+          <p:cNvSpPr txBox="1"/>
+          <p:nvPr/>
+        </p:nvSpPr>
+        <p:spPr>
+          <a:xfrm>
+            <a:off x="989011" y="1796737"/>
+            <a:ext cx="3192464" cy="3970318"/>
+          </a:xfrm>
+          <a:prstGeom prst="rect">
+            <a:avLst/>
+          </a:prstGeom>
+          <a:noFill/>
+        </p:spPr>
+        <p:txBody>
+          <a:bodyPr wrap="square" rtlCol="0">
+            <a:spAutoFit/>
+          </a:bodyPr>
+          <a:lstStyle/>
+          <a:p>
+            <a:pPr marL="285750" indent="-285750">
+              <a:buFont typeface="Wingdings" panose="05000000000000000000" pitchFamily="2" charset="2"/>
+              <a:buChar char="Ø"/>
+            </a:pPr>
+            <a:r>
+              <a:rPr lang="fr-FR" dirty="0"/>
+              <a:t>Niveau composé de carré et créé à partir d’une liste 2D pour différencier les murs du chemin avec et sans point </a:t>
+            </a:r>
+          </a:p>
+          <a:p>
+            <a:pPr marL="285750" indent="-285750">
+              <a:buFont typeface="Wingdings" panose="05000000000000000000" pitchFamily="2" charset="2"/>
+              <a:buChar char="Ø"/>
+            </a:pPr>
+            <a:r>
+              <a:rPr lang="fr-FR" dirty="0"/>
+              <a:t>Ennemis rouges se déplacent librement sur le chemin bleu</a:t>
+            </a:r>
+          </a:p>
+          <a:p>
+            <a:pPr marL="285750" indent="-285750">
+              <a:buFont typeface="Wingdings" panose="05000000000000000000" pitchFamily="2" charset="2"/>
+              <a:buChar char="Ø"/>
+            </a:pPr>
+            <a:r>
+              <a:rPr lang="fr-FR" dirty="0" err="1"/>
+              <a:t>Pacman</a:t>
+            </a:r>
+            <a:r>
+              <a:rPr lang="fr-FR" dirty="0"/>
+              <a:t> (rond jaune) ramasse des points blancs sur le chemin qui disparaissent après son passage</a:t>
+            </a:r>
+          </a:p>
+        </p:txBody>
+      </p:sp>
+      <p:sp>
+        <p:nvSpPr>
+          <p:cNvPr id="11" name="ZoneTexte 10">
+            <a:extLst>
+              <a:ext uri="{FF2B5EF4-FFF2-40B4-BE49-F238E27FC236}">
+                <a16:creationId xmlns:a16="http://schemas.microsoft.com/office/drawing/2014/main" id="{1C323CAC-4039-C915-A7D8-6D4CEB407913}"/>
+              </a:ext>
+            </a:extLst>
+          </p:cNvPr>
+          <p:cNvSpPr txBox="1"/>
+          <p:nvPr/>
+        </p:nvSpPr>
+        <p:spPr>
+          <a:xfrm>
+            <a:off x="8456611" y="1796737"/>
+            <a:ext cx="3192464" cy="1754326"/>
+          </a:xfrm>
+          <a:prstGeom prst="rect">
+            <a:avLst/>
+          </a:prstGeom>
+          <a:noFill/>
+        </p:spPr>
+        <p:txBody>
+          <a:bodyPr wrap="square" rtlCol="0">
+            <a:spAutoFit/>
+          </a:bodyPr>
+          <a:lstStyle/>
+          <a:p>
+            <a:pPr marL="285750" indent="-285750">
+              <a:buFont typeface="Wingdings" panose="05000000000000000000" pitchFamily="2" charset="2"/>
+              <a:buChar char="Ø"/>
+            </a:pPr>
+            <a:r>
+              <a:rPr lang="fr-FR" dirty="0"/>
+              <a:t>Score augmente à chaque fois que </a:t>
+            </a:r>
+            <a:r>
+              <a:rPr lang="fr-FR" dirty="0" err="1"/>
+              <a:t>Pacman</a:t>
+            </a:r>
+            <a:r>
+              <a:rPr lang="fr-FR" dirty="0"/>
+              <a:t> passe sur un point blanc</a:t>
+            </a:r>
+          </a:p>
+          <a:p>
+            <a:pPr marL="285750" indent="-285750">
+              <a:buFont typeface="Wingdings" panose="05000000000000000000" pitchFamily="2" charset="2"/>
+              <a:buChar char="Ø"/>
+            </a:pPr>
+            <a:r>
+              <a:rPr lang="fr-FR" dirty="0"/>
+              <a:t>Bouton pour pouvoir quitter le jeu</a:t>
+            </a:r>
+          </a:p>
+        </p:txBody>
+      </p:sp>
       <p:pic>
         <p:nvPicPr>
-          <p:cNvPr id="9" name="Image 8">
+          <p:cNvPr id="4" name="Image 3">
             <a:extLst>
               <a:ext uri="{FF2B5EF4-FFF2-40B4-BE49-F238E27FC236}">
-                <a16:creationId xmlns:a16="http://schemas.microsoft.com/office/drawing/2014/main" id="{93DC4A5F-1686-9089-1BFE-32128F6465E3}"/>
+                <a16:creationId xmlns:a16="http://schemas.microsoft.com/office/drawing/2014/main" id="{68F60DB3-924E-E649-962F-A174E2836E1B}"/>
               </a:ext>
             </a:extLst>
           </p:cNvPr>
@@ -8454,167 +9474,14 @@
         </p:blipFill>
         <p:spPr>
           <a:xfrm>
-            <a:off x="0" y="1"/>
-            <a:ext cx="12192000" cy="6805062"/>
+            <a:off x="4521993" y="1955800"/>
+            <a:ext cx="3594100" cy="2946400"/>
           </a:xfrm>
           <a:prstGeom prst="rect">
             <a:avLst/>
           </a:prstGeom>
         </p:spPr>
       </p:pic>
-      <p:sp>
-        <p:nvSpPr>
-          <p:cNvPr id="2" name="Titre 1">
-            <a:extLst>
-              <a:ext uri="{FF2B5EF4-FFF2-40B4-BE49-F238E27FC236}">
-                <a16:creationId xmlns:a16="http://schemas.microsoft.com/office/drawing/2014/main" id="{FA9412E6-8EB3-0949-BF0E-CCD51D95D963}"/>
-              </a:ext>
-            </a:extLst>
-          </p:cNvPr>
-          <p:cNvSpPr>
-            <a:spLocks noGrp="1"/>
-          </p:cNvSpPr>
-          <p:nvPr>
-            <p:ph type="title"/>
-          </p:nvPr>
-        </p:nvSpPr>
-        <p:spPr>
-          <a:xfrm>
-            <a:off x="989011" y="290437"/>
-            <a:ext cx="9404723" cy="1400530"/>
-          </a:xfrm>
-        </p:spPr>
-        <p:txBody>
-          <a:bodyPr/>
-          <a:lstStyle/>
-          <a:p>
-            <a:r>
-              <a:rPr lang="fr-FR" dirty="0"/>
-              <a:t>Exemple du jeu</a:t>
-            </a:r>
-          </a:p>
-        </p:txBody>
-      </p:sp>
-      <p:sp>
-        <p:nvSpPr>
-          <p:cNvPr id="10" name="ZoneTexte 9">
-            <a:extLst>
-              <a:ext uri="{FF2B5EF4-FFF2-40B4-BE49-F238E27FC236}">
-                <a16:creationId xmlns:a16="http://schemas.microsoft.com/office/drawing/2014/main" id="{E43C380E-ED7C-1208-E40A-7D1327ED599B}"/>
-              </a:ext>
-            </a:extLst>
-          </p:cNvPr>
-          <p:cNvSpPr txBox="1"/>
-          <p:nvPr/>
-        </p:nvSpPr>
-        <p:spPr>
-          <a:xfrm>
-            <a:off x="989011" y="1796737"/>
-            <a:ext cx="3192464" cy="3970318"/>
-          </a:xfrm>
-          <a:prstGeom prst="rect">
-            <a:avLst/>
-          </a:prstGeom>
-          <a:noFill/>
-        </p:spPr>
-        <p:txBody>
-          <a:bodyPr wrap="square" rtlCol="0">
-            <a:spAutoFit/>
-          </a:bodyPr>
-          <a:lstStyle/>
-          <a:p>
-            <a:pPr marL="285750" indent="-285750">
-              <a:buFont typeface="Wingdings" panose="05000000000000000000" pitchFamily="2" charset="2"/>
-              <a:buChar char="Ø"/>
-            </a:pPr>
-            <a:r>
-              <a:rPr lang="fr-FR" dirty="0"/>
-              <a:t>Niveau composé de carré et créé à partir d’une liste 2D pour différencier les murs du chemin avec et sans point </a:t>
-            </a:r>
-          </a:p>
-          <a:p>
-            <a:pPr marL="285750" indent="-285750">
-              <a:buFont typeface="Wingdings" panose="05000000000000000000" pitchFamily="2" charset="2"/>
-              <a:buChar char="Ø"/>
-            </a:pPr>
-            <a:r>
-              <a:rPr lang="fr-FR" dirty="0"/>
-              <a:t>Ennemis rouges se déplacent librement sur le chemin bleu</a:t>
-            </a:r>
-          </a:p>
-          <a:p>
-            <a:pPr marL="285750" indent="-285750">
-              <a:buFont typeface="Wingdings" panose="05000000000000000000" pitchFamily="2" charset="2"/>
-              <a:buChar char="Ø"/>
-            </a:pPr>
-            <a:r>
-              <a:rPr lang="fr-FR" dirty="0" err="1"/>
-              <a:t>Pacman</a:t>
-            </a:r>
-            <a:r>
-              <a:rPr lang="fr-FR" dirty="0"/>
-              <a:t> (rond jaune) ramasse des points blancs sur le chemin qui disparaissent après son passage</a:t>
-            </a:r>
-          </a:p>
-        </p:txBody>
-      </p:sp>
-      <p:sp>
-        <p:nvSpPr>
-          <p:cNvPr id="11" name="ZoneTexte 10">
-            <a:extLst>
-              <a:ext uri="{FF2B5EF4-FFF2-40B4-BE49-F238E27FC236}">
-                <a16:creationId xmlns:a16="http://schemas.microsoft.com/office/drawing/2014/main" id="{1C323CAC-4039-C915-A7D8-6D4CEB407913}"/>
-              </a:ext>
-            </a:extLst>
-          </p:cNvPr>
-          <p:cNvSpPr txBox="1"/>
-          <p:nvPr/>
-        </p:nvSpPr>
-        <p:spPr>
-          <a:xfrm>
-            <a:off x="8456611" y="1796737"/>
-            <a:ext cx="3192464" cy="1754326"/>
-          </a:xfrm>
-          <a:prstGeom prst="rect">
-            <a:avLst/>
-          </a:prstGeom>
-          <a:noFill/>
-        </p:spPr>
-        <p:txBody>
-          <a:bodyPr wrap="square" rtlCol="0">
-            <a:spAutoFit/>
-          </a:bodyPr>
-          <a:lstStyle/>
-          <a:p>
-            <a:pPr marL="285750" indent="-285750">
-              <a:buFont typeface="Wingdings" panose="05000000000000000000" pitchFamily="2" charset="2"/>
-              <a:buChar char="Ø"/>
-            </a:pPr>
-            <a:r>
-              <a:rPr lang="fr-FR" dirty="0"/>
-              <a:t>Score augmente à chaque fois que </a:t>
-            </a:r>
-            <a:r>
-              <a:rPr lang="fr-FR" dirty="0" err="1"/>
-              <a:t>Pacman</a:t>
-            </a:r>
-            <a:r>
-              <a:rPr lang="fr-FR" dirty="0"/>
-              <a:t> passe sur un point blanc</a:t>
-            </a:r>
-          </a:p>
-          <a:p>
-            <a:pPr marL="285750" indent="-285750">
-              <a:buFont typeface="Wingdings" panose="05000000000000000000" pitchFamily="2" charset="2"/>
-              <a:buChar char="Ø"/>
-            </a:pPr>
-            <a:r>
-              <a:rPr lang="fr-FR" dirty="0"/>
-              <a:t>Bouton pour pouvoir quitter le jeu</a:t>
-            </a:r>
-          </a:p>
-        </p:txBody>
-      </p:sp>
     </p:spTree>
     <p:extLst>
       <p:ext uri="{BB962C8B-B14F-4D97-AF65-F5344CB8AC3E}">
@@ -9143,12 +10010,16 @@
               <a:buChar char="•"/>
             </a:pPr>
             <a:r>
+              <a:rPr lang="fr-FR" dirty="0"/>
+              <a:t>« </a:t>
+            </a:r>
+            <a:r>
               <a:rPr lang="fr-FR" dirty="0" err="1"/>
               <a:t>game</a:t>
             </a:r>
             <a:r>
               <a:rPr lang="fr-FR" dirty="0"/>
-              <a:t> lui permet de communiquer avec la classe Game qui contient les informations sur son environnement</a:t>
+              <a:t> » lui permet de communiquer avec la classe Game qui contient les informations sur son environnement</a:t>
             </a:r>
           </a:p>
           <a:p>
@@ -9158,7 +10029,7 @@
             </a:pPr>
             <a:r>
               <a:rPr lang="fr-FR" dirty="0"/>
-              <a:t>pos qui indique sa position actuelle</a:t>
+              <a:t>« pos » qui indique sa position actuelle</a:t>
             </a:r>
           </a:p>
           <a:p>
@@ -9167,12 +10038,16 @@
               <a:buChar char="•"/>
             </a:pPr>
             <a:r>
+              <a:rPr lang="fr-FR" dirty="0"/>
+              <a:t>« </a:t>
+            </a:r>
+            <a:r>
               <a:rPr lang="fr-FR" dirty="0" err="1"/>
               <a:t>aim</a:t>
             </a:r>
             <a:r>
               <a:rPr lang="fr-FR" dirty="0"/>
-              <a:t> qui est la direction dans laquelle il va</a:t>
+              <a:t> » qui est la direction dans laquelle il va</a:t>
             </a:r>
           </a:p>
           <a:p>
@@ -9182,7 +10057,7 @@
             </a:pPr>
             <a:r>
               <a:rPr lang="fr-FR" dirty="0"/>
-              <a:t>direction qui sauvegarde la direction souhaitée par le joueur</a:t>
+              <a:t>« direction » qui sauvegarde la direction souhaitée par le joueur</a:t>
             </a:r>
           </a:p>
           <a:p>
@@ -9191,12 +10066,16 @@
               <a:buChar char="•"/>
             </a:pPr>
             <a:r>
+              <a:rPr lang="fr-FR" dirty="0"/>
+              <a:t>« </a:t>
+            </a:r>
+            <a:r>
               <a:rPr lang="fr-FR" dirty="0" err="1"/>
               <a:t>isdead</a:t>
             </a:r>
             <a:r>
               <a:rPr lang="fr-FR" dirty="0"/>
-              <a:t> qui permet de savoir si </a:t>
+              <a:t> » qui permet de savoir si </a:t>
             </a:r>
             <a:r>
               <a:rPr lang="fr-FR" dirty="0" err="1"/>
@@ -9220,7 +10099,7 @@
             </a:pPr>
             <a:r>
               <a:rPr lang="fr-FR" dirty="0"/>
-              <a:t>move qui gère ses déplacements et ramasse les points</a:t>
+              <a:t>« move » qui gère ses déplacements et ramasse les points</a:t>
             </a:r>
           </a:p>
           <a:p>
@@ -9230,7 +10109,7 @@
             </a:pPr>
             <a:r>
               <a:rPr lang="fr-FR" dirty="0"/>
-              <a:t>change qui sauvegarde la direction souhaitée par le joueur</a:t>
+              <a:t>« change » qui sauvegarde la direction souhaitée par le joueur</a:t>
             </a:r>
           </a:p>
           <a:p>
@@ -9239,12 +10118,16 @@
               <a:buChar char="•"/>
             </a:pPr>
             <a:r>
+              <a:rPr lang="fr-FR" dirty="0"/>
+              <a:t>« </a:t>
+            </a:r>
+            <a:r>
               <a:rPr lang="fr-FR" dirty="0" err="1"/>
               <a:t>draw</a:t>
             </a:r>
             <a:r>
               <a:rPr lang="fr-FR" dirty="0"/>
-              <a:t> qui dessine </a:t>
+              <a:t> » qui dessine </a:t>
             </a:r>
             <a:r>
               <a:rPr lang="fr-FR" dirty="0" err="1"/>
@@ -9531,4 +10414,594 @@
     </a:ext>
   </a:extLst>
 </a:theme>
+</file>
+
+<file path=ppt/theme/theme2.xml><?xml version="1.0" encoding="utf-8"?>
+<a:theme xmlns:a="http://schemas.openxmlformats.org/drawingml/2006/main" name="Thème Office">
+  <a:themeElements>
+    <a:clrScheme name="Office">
+      <a:dk1>
+        <a:sysClr val="windowText" lastClr="000000"/>
+      </a:dk1>
+      <a:lt1>
+        <a:sysClr val="window" lastClr="FFFFFF"/>
+      </a:lt1>
+      <a:dk2>
+        <a:srgbClr val="44546A"/>
+      </a:dk2>
+      <a:lt2>
+        <a:srgbClr val="E7E6E6"/>
+      </a:lt2>
+      <a:accent1>
+        <a:srgbClr val="4472C4"/>
+      </a:accent1>
+      <a:accent2>
+        <a:srgbClr val="ED7D31"/>
+      </a:accent2>
+      <a:accent3>
+        <a:srgbClr val="A5A5A5"/>
+      </a:accent3>
+      <a:accent4>
+        <a:srgbClr val="FFC000"/>
+      </a:accent4>
+      <a:accent5>
+        <a:srgbClr val="5B9BD5"/>
+      </a:accent5>
+      <a:accent6>
+        <a:srgbClr val="70AD47"/>
+      </a:accent6>
+      <a:hlink>
+        <a:srgbClr val="0563C1"/>
+      </a:hlink>
+      <a:folHlink>
+        <a:srgbClr val="954F72"/>
+      </a:folHlink>
+    </a:clrScheme>
+    <a:fontScheme name="Office">
+      <a:majorFont>
+        <a:latin typeface="Calibri Light" panose="020F0302020204030204"/>
+        <a:ea typeface=""/>
+        <a:cs typeface=""/>
+        <a:font script="Jpan" typeface="游ゴシック Light"/>
+        <a:font script="Hang" typeface="맑은 고딕"/>
+        <a:font script="Hans" typeface="等线 Light"/>
+        <a:font script="Hant" typeface="新細明體"/>
+        <a:font script="Arab" typeface="Times New Roman"/>
+        <a:font script="Hebr" typeface="Times New Roman"/>
+        <a:font script="Thai" typeface="Angsana New"/>
+        <a:font script="Ethi" typeface="Nyala"/>
+        <a:font script="Beng" typeface="Vrinda"/>
+        <a:font script="Gujr" typeface="Shruti"/>
+        <a:font script="Khmr" typeface="MoolBoran"/>
+        <a:font script="Knda" typeface="Tunga"/>
+        <a:font script="Guru" typeface="Raavi"/>
+        <a:font script="Cans" typeface="Euphemia"/>
+        <a:font script="Cher" typeface="Plantagenet Cherokee"/>
+        <a:font script="Yiii" typeface="Microsoft Yi Baiti"/>
+        <a:font script="Tibt" typeface="Microsoft Himalaya"/>
+        <a:font script="Thaa" typeface="MV Boli"/>
+        <a:font script="Deva" typeface="Mangal"/>
+        <a:font script="Telu" typeface="Gautami"/>
+        <a:font script="Taml" typeface="Latha"/>
+        <a:font script="Syrc" typeface="Estrangelo Edessa"/>
+        <a:font script="Orya" typeface="Kalinga"/>
+        <a:font script="Mlym" typeface="Kartika"/>
+        <a:font script="Laoo" typeface="DokChampa"/>
+        <a:font script="Sinh" typeface="Iskoola Pota"/>
+        <a:font script="Mong" typeface="Mongolian Baiti"/>
+        <a:font script="Viet" typeface="Times New Roman"/>
+        <a:font script="Uigh" typeface="Microsoft Uighur"/>
+        <a:font script="Geor" typeface="Sylfaen"/>
+        <a:font script="Armn" typeface="Arial"/>
+        <a:font script="Bugi" typeface="Leelawadee UI"/>
+        <a:font script="Bopo" typeface="Microsoft JhengHei"/>
+        <a:font script="Java" typeface="Javanese Text"/>
+        <a:font script="Lisu" typeface="Segoe UI"/>
+        <a:font script="Mymr" typeface="Myanmar Text"/>
+        <a:font script="Nkoo" typeface="Ebrima"/>
+        <a:font script="Olck" typeface="Nirmala UI"/>
+        <a:font script="Osma" typeface="Ebrima"/>
+        <a:font script="Phag" typeface="Phagspa"/>
+        <a:font script="Syrn" typeface="Estrangelo Edessa"/>
+        <a:font script="Syrj" typeface="Estrangelo Edessa"/>
+        <a:font script="Syre" typeface="Estrangelo Edessa"/>
+        <a:font script="Sora" typeface="Nirmala UI"/>
+        <a:font script="Tale" typeface="Microsoft Tai Le"/>
+        <a:font script="Talu" typeface="Microsoft New Tai Lue"/>
+        <a:font script="Tfng" typeface="Ebrima"/>
+      </a:majorFont>
+      <a:minorFont>
+        <a:latin typeface="Calibri" panose="020F0502020204030204"/>
+        <a:ea typeface=""/>
+        <a:cs typeface=""/>
+        <a:font script="Jpan" typeface="游ゴシック"/>
+        <a:font script="Hang" typeface="맑은 고딕"/>
+        <a:font script="Hans" typeface="等线"/>
+        <a:font script="Hant" typeface="新細明體"/>
+        <a:font script="Arab" typeface="Arial"/>
+        <a:font script="Hebr" typeface="Arial"/>
+        <a:font script="Thai" typeface="Cordia New"/>
+        <a:font script="Ethi" typeface="Nyala"/>
+        <a:font script="Beng" typeface="Vrinda"/>
+        <a:font script="Gujr" typeface="Shruti"/>
+        <a:font script="Khmr" typeface="DaunPenh"/>
+        <a:font script="Knda" typeface="Tunga"/>
+        <a:font script="Guru" typeface="Raavi"/>
+        <a:font script="Cans" typeface="Euphemia"/>
+        <a:font script="Cher" typeface="Plantagenet Cherokee"/>
+        <a:font script="Yiii" typeface="Microsoft Yi Baiti"/>
+        <a:font script="Tibt" typeface="Microsoft Himalaya"/>
+        <a:font script="Thaa" typeface="MV Boli"/>
+        <a:font script="Deva" typeface="Mangal"/>
+        <a:font script="Telu" typeface="Gautami"/>
+        <a:font script="Taml" typeface="Latha"/>
+        <a:font script="Syrc" typeface="Estrangelo Edessa"/>
+        <a:font script="Orya" typeface="Kalinga"/>
+        <a:font script="Mlym" typeface="Kartika"/>
+        <a:font script="Laoo" typeface="DokChampa"/>
+        <a:font script="Sinh" typeface="Iskoola Pota"/>
+        <a:font script="Mong" typeface="Mongolian Baiti"/>
+        <a:font script="Viet" typeface="Arial"/>
+        <a:font script="Uigh" typeface="Microsoft Uighur"/>
+        <a:font script="Geor" typeface="Sylfaen"/>
+        <a:font script="Armn" typeface="Arial"/>
+        <a:font script="Bugi" typeface="Leelawadee UI"/>
+        <a:font script="Bopo" typeface="Microsoft JhengHei"/>
+        <a:font script="Java" typeface="Javanese Text"/>
+        <a:font script="Lisu" typeface="Segoe UI"/>
+        <a:font script="Mymr" typeface="Myanmar Text"/>
+        <a:font script="Nkoo" typeface="Ebrima"/>
+        <a:font script="Olck" typeface="Nirmala UI"/>
+        <a:font script="Osma" typeface="Ebrima"/>
+        <a:font script="Phag" typeface="Phagspa"/>
+        <a:font script="Syrn" typeface="Estrangelo Edessa"/>
+        <a:font script="Syrj" typeface="Estrangelo Edessa"/>
+        <a:font script="Syre" typeface="Estrangelo Edessa"/>
+        <a:font script="Sora" typeface="Nirmala UI"/>
+        <a:font script="Tale" typeface="Microsoft Tai Le"/>
+        <a:font script="Talu" typeface="Microsoft New Tai Lue"/>
+        <a:font script="Tfng" typeface="Ebrima"/>
+      </a:minorFont>
+    </a:fontScheme>
+    <a:fmtScheme name="Office">
+      <a:fillStyleLst>
+        <a:solidFill>
+          <a:schemeClr val="phClr"/>
+        </a:solidFill>
+        <a:gradFill rotWithShape="1">
+          <a:gsLst>
+            <a:gs pos="0">
+              <a:schemeClr val="phClr">
+                <a:lumMod val="110000"/>
+                <a:satMod val="105000"/>
+                <a:tint val="67000"/>
+              </a:schemeClr>
+            </a:gs>
+            <a:gs pos="50000">
+              <a:schemeClr val="phClr">
+                <a:lumMod val="105000"/>
+                <a:satMod val="103000"/>
+                <a:tint val="73000"/>
+              </a:schemeClr>
+            </a:gs>
+            <a:gs pos="100000">
+              <a:schemeClr val="phClr">
+                <a:lumMod val="105000"/>
+                <a:satMod val="109000"/>
+                <a:tint val="81000"/>
+              </a:schemeClr>
+            </a:gs>
+          </a:gsLst>
+          <a:lin ang="5400000" scaled="0"/>
+        </a:gradFill>
+        <a:gradFill rotWithShape="1">
+          <a:gsLst>
+            <a:gs pos="0">
+              <a:schemeClr val="phClr">
+                <a:satMod val="103000"/>
+                <a:lumMod val="102000"/>
+                <a:tint val="94000"/>
+              </a:schemeClr>
+            </a:gs>
+            <a:gs pos="50000">
+              <a:schemeClr val="phClr">
+                <a:satMod val="110000"/>
+                <a:lumMod val="100000"/>
+                <a:shade val="100000"/>
+              </a:schemeClr>
+            </a:gs>
+            <a:gs pos="100000">
+              <a:schemeClr val="phClr">
+                <a:lumMod val="99000"/>
+                <a:satMod val="120000"/>
+                <a:shade val="78000"/>
+              </a:schemeClr>
+            </a:gs>
+          </a:gsLst>
+          <a:lin ang="5400000" scaled="0"/>
+        </a:gradFill>
+      </a:fillStyleLst>
+      <a:lnStyleLst>
+        <a:ln w="6350" cap="flat" cmpd="sng" algn="ctr">
+          <a:solidFill>
+            <a:schemeClr val="phClr"/>
+          </a:solidFill>
+          <a:prstDash val="solid"/>
+          <a:miter lim="800000"/>
+        </a:ln>
+        <a:ln w="12700" cap="flat" cmpd="sng" algn="ctr">
+          <a:solidFill>
+            <a:schemeClr val="phClr"/>
+          </a:solidFill>
+          <a:prstDash val="solid"/>
+          <a:miter lim="800000"/>
+        </a:ln>
+        <a:ln w="19050" cap="flat" cmpd="sng" algn="ctr">
+          <a:solidFill>
+            <a:schemeClr val="phClr"/>
+          </a:solidFill>
+          <a:prstDash val="solid"/>
+          <a:miter lim="800000"/>
+        </a:ln>
+      </a:lnStyleLst>
+      <a:effectStyleLst>
+        <a:effectStyle>
+          <a:effectLst/>
+        </a:effectStyle>
+        <a:effectStyle>
+          <a:effectLst/>
+        </a:effectStyle>
+        <a:effectStyle>
+          <a:effectLst>
+            <a:outerShdw blurRad="57150" dist="19050" dir="5400000" algn="ctr" rotWithShape="0">
+              <a:srgbClr val="000000">
+                <a:alpha val="63000"/>
+              </a:srgbClr>
+            </a:outerShdw>
+          </a:effectLst>
+        </a:effectStyle>
+      </a:effectStyleLst>
+      <a:bgFillStyleLst>
+        <a:solidFill>
+          <a:schemeClr val="phClr"/>
+        </a:solidFill>
+        <a:solidFill>
+          <a:schemeClr val="phClr">
+            <a:tint val="95000"/>
+            <a:satMod val="170000"/>
+          </a:schemeClr>
+        </a:solidFill>
+        <a:gradFill rotWithShape="1">
+          <a:gsLst>
+            <a:gs pos="0">
+              <a:schemeClr val="phClr">
+                <a:tint val="93000"/>
+                <a:satMod val="150000"/>
+                <a:shade val="98000"/>
+                <a:lumMod val="102000"/>
+              </a:schemeClr>
+            </a:gs>
+            <a:gs pos="50000">
+              <a:schemeClr val="phClr">
+                <a:tint val="98000"/>
+                <a:satMod val="130000"/>
+                <a:shade val="90000"/>
+                <a:lumMod val="103000"/>
+              </a:schemeClr>
+            </a:gs>
+            <a:gs pos="100000">
+              <a:schemeClr val="phClr">
+                <a:shade val="63000"/>
+                <a:satMod val="120000"/>
+              </a:schemeClr>
+            </a:gs>
+          </a:gsLst>
+          <a:lin ang="5400000" scaled="0"/>
+        </a:gradFill>
+      </a:bgFillStyleLst>
+    </a:fmtScheme>
+  </a:themeElements>
+  <a:objectDefaults/>
+  <a:extraClrSchemeLst/>
+  <a:extLst>
+    <a:ext uri="{05A4C25C-085E-4340-85A3-A5531E510DB2}">
+      <thm15:themeFamily xmlns:thm15="http://schemas.microsoft.com/office/thememl/2012/main" name="Office Theme" id="{62F939B6-93AF-4DB8-9C6B-D6C7DFDC589F}" vid="{4A3C46E8-61CC-4603-A589-7422A47A8E4A}"/>
+    </a:ext>
+  </a:extLst>
+</a:theme>
+</file>
+
+<file path=ppt/theme/theme3.xml><?xml version="1.0" encoding="utf-8"?>
+<a:theme xmlns:a="http://schemas.openxmlformats.org/drawingml/2006/main" name="Thème Office">
+  <a:themeElements>
+    <a:clrScheme name="Office">
+      <a:dk1>
+        <a:sysClr val="windowText" lastClr="000000"/>
+      </a:dk1>
+      <a:lt1>
+        <a:sysClr val="window" lastClr="FFFFFF"/>
+      </a:lt1>
+      <a:dk2>
+        <a:srgbClr val="44546A"/>
+      </a:dk2>
+      <a:lt2>
+        <a:srgbClr val="E7E6E6"/>
+      </a:lt2>
+      <a:accent1>
+        <a:srgbClr val="4472C4"/>
+      </a:accent1>
+      <a:accent2>
+        <a:srgbClr val="ED7D31"/>
+      </a:accent2>
+      <a:accent3>
+        <a:srgbClr val="A5A5A5"/>
+      </a:accent3>
+      <a:accent4>
+        <a:srgbClr val="FFC000"/>
+      </a:accent4>
+      <a:accent5>
+        <a:srgbClr val="5B9BD5"/>
+      </a:accent5>
+      <a:accent6>
+        <a:srgbClr val="70AD47"/>
+      </a:accent6>
+      <a:hlink>
+        <a:srgbClr val="0563C1"/>
+      </a:hlink>
+      <a:folHlink>
+        <a:srgbClr val="954F72"/>
+      </a:folHlink>
+    </a:clrScheme>
+    <a:fontScheme name="Office">
+      <a:majorFont>
+        <a:latin typeface="Calibri Light" panose="020F0302020204030204"/>
+        <a:ea typeface=""/>
+        <a:cs typeface=""/>
+        <a:font script="Jpan" typeface="游ゴシック Light"/>
+        <a:font script="Hang" typeface="맑은 고딕"/>
+        <a:font script="Hans" typeface="等线 Light"/>
+        <a:font script="Hant" typeface="新細明體"/>
+        <a:font script="Arab" typeface="Times New Roman"/>
+        <a:font script="Hebr" typeface="Times New Roman"/>
+        <a:font script="Thai" typeface="Angsana New"/>
+        <a:font script="Ethi" typeface="Nyala"/>
+        <a:font script="Beng" typeface="Vrinda"/>
+        <a:font script="Gujr" typeface="Shruti"/>
+        <a:font script="Khmr" typeface="MoolBoran"/>
+        <a:font script="Knda" typeface="Tunga"/>
+        <a:font script="Guru" typeface="Raavi"/>
+        <a:font script="Cans" typeface="Euphemia"/>
+        <a:font script="Cher" typeface="Plantagenet Cherokee"/>
+        <a:font script="Yiii" typeface="Microsoft Yi Baiti"/>
+        <a:font script="Tibt" typeface="Microsoft Himalaya"/>
+        <a:font script="Thaa" typeface="MV Boli"/>
+        <a:font script="Deva" typeface="Mangal"/>
+        <a:font script="Telu" typeface="Gautami"/>
+        <a:font script="Taml" typeface="Latha"/>
+        <a:font script="Syrc" typeface="Estrangelo Edessa"/>
+        <a:font script="Orya" typeface="Kalinga"/>
+        <a:font script="Mlym" typeface="Kartika"/>
+        <a:font script="Laoo" typeface="DokChampa"/>
+        <a:font script="Sinh" typeface="Iskoola Pota"/>
+        <a:font script="Mong" typeface="Mongolian Baiti"/>
+        <a:font script="Viet" typeface="Times New Roman"/>
+        <a:font script="Uigh" typeface="Microsoft Uighur"/>
+        <a:font script="Geor" typeface="Sylfaen"/>
+        <a:font script="Armn" typeface="Arial"/>
+        <a:font script="Bugi" typeface="Leelawadee UI"/>
+        <a:font script="Bopo" typeface="Microsoft JhengHei"/>
+        <a:font script="Java" typeface="Javanese Text"/>
+        <a:font script="Lisu" typeface="Segoe UI"/>
+        <a:font script="Mymr" typeface="Myanmar Text"/>
+        <a:font script="Nkoo" typeface="Ebrima"/>
+        <a:font script="Olck" typeface="Nirmala UI"/>
+        <a:font script="Osma" typeface="Ebrima"/>
+        <a:font script="Phag" typeface="Phagspa"/>
+        <a:font script="Syrn" typeface="Estrangelo Edessa"/>
+        <a:font script="Syrj" typeface="Estrangelo Edessa"/>
+        <a:font script="Syre" typeface="Estrangelo Edessa"/>
+        <a:font script="Sora" typeface="Nirmala UI"/>
+        <a:font script="Tale" typeface="Microsoft Tai Le"/>
+        <a:font script="Talu" typeface="Microsoft New Tai Lue"/>
+        <a:font script="Tfng" typeface="Ebrima"/>
+      </a:majorFont>
+      <a:minorFont>
+        <a:latin typeface="Calibri" panose="020F0502020204030204"/>
+        <a:ea typeface=""/>
+        <a:cs typeface=""/>
+        <a:font script="Jpan" typeface="游ゴシック"/>
+        <a:font script="Hang" typeface="맑은 고딕"/>
+        <a:font script="Hans" typeface="等线"/>
+        <a:font script="Hant" typeface="新細明體"/>
+        <a:font script="Arab" typeface="Arial"/>
+        <a:font script="Hebr" typeface="Arial"/>
+        <a:font script="Thai" typeface="Cordia New"/>
+        <a:font script="Ethi" typeface="Nyala"/>
+        <a:font script="Beng" typeface="Vrinda"/>
+        <a:font script="Gujr" typeface="Shruti"/>
+        <a:font script="Khmr" typeface="DaunPenh"/>
+        <a:font script="Knda" typeface="Tunga"/>
+        <a:font script="Guru" typeface="Raavi"/>
+        <a:font script="Cans" typeface="Euphemia"/>
+        <a:font script="Cher" typeface="Plantagenet Cherokee"/>
+        <a:font script="Yiii" typeface="Microsoft Yi Baiti"/>
+        <a:font script="Tibt" typeface="Microsoft Himalaya"/>
+        <a:font script="Thaa" typeface="MV Boli"/>
+        <a:font script="Deva" typeface="Mangal"/>
+        <a:font script="Telu" typeface="Gautami"/>
+        <a:font script="Taml" typeface="Latha"/>
+        <a:font script="Syrc" typeface="Estrangelo Edessa"/>
+        <a:font script="Orya" typeface="Kalinga"/>
+        <a:font script="Mlym" typeface="Kartika"/>
+        <a:font script="Laoo" typeface="DokChampa"/>
+        <a:font script="Sinh" typeface="Iskoola Pota"/>
+        <a:font script="Mong" typeface="Mongolian Baiti"/>
+        <a:font script="Viet" typeface="Arial"/>
+        <a:font script="Uigh" typeface="Microsoft Uighur"/>
+        <a:font script="Geor" typeface="Sylfaen"/>
+        <a:font script="Armn" typeface="Arial"/>
+        <a:font script="Bugi" typeface="Leelawadee UI"/>
+        <a:font script="Bopo" typeface="Microsoft JhengHei"/>
+        <a:font script="Java" typeface="Javanese Text"/>
+        <a:font script="Lisu" typeface="Segoe UI"/>
+        <a:font script="Mymr" typeface="Myanmar Text"/>
+        <a:font script="Nkoo" typeface="Ebrima"/>
+        <a:font script="Olck" typeface="Nirmala UI"/>
+        <a:font script="Osma" typeface="Ebrima"/>
+        <a:font script="Phag" typeface="Phagspa"/>
+        <a:font script="Syrn" typeface="Estrangelo Edessa"/>
+        <a:font script="Syrj" typeface="Estrangelo Edessa"/>
+        <a:font script="Syre" typeface="Estrangelo Edessa"/>
+        <a:font script="Sora" typeface="Nirmala UI"/>
+        <a:font script="Tale" typeface="Microsoft Tai Le"/>
+        <a:font script="Talu" typeface="Microsoft New Tai Lue"/>
+        <a:font script="Tfng" typeface="Ebrima"/>
+      </a:minorFont>
+    </a:fontScheme>
+    <a:fmtScheme name="Office">
+      <a:fillStyleLst>
+        <a:solidFill>
+          <a:schemeClr val="phClr"/>
+        </a:solidFill>
+        <a:gradFill rotWithShape="1">
+          <a:gsLst>
+            <a:gs pos="0">
+              <a:schemeClr val="phClr">
+                <a:lumMod val="110000"/>
+                <a:satMod val="105000"/>
+                <a:tint val="67000"/>
+              </a:schemeClr>
+            </a:gs>
+            <a:gs pos="50000">
+              <a:schemeClr val="phClr">
+                <a:lumMod val="105000"/>
+                <a:satMod val="103000"/>
+                <a:tint val="73000"/>
+              </a:schemeClr>
+            </a:gs>
+            <a:gs pos="100000">
+              <a:schemeClr val="phClr">
+                <a:lumMod val="105000"/>
+                <a:satMod val="109000"/>
+                <a:tint val="81000"/>
+              </a:schemeClr>
+            </a:gs>
+          </a:gsLst>
+          <a:lin ang="5400000" scaled="0"/>
+        </a:gradFill>
+        <a:gradFill rotWithShape="1">
+          <a:gsLst>
+            <a:gs pos="0">
+              <a:schemeClr val="phClr">
+                <a:satMod val="103000"/>
+                <a:lumMod val="102000"/>
+                <a:tint val="94000"/>
+              </a:schemeClr>
+            </a:gs>
+            <a:gs pos="50000">
+              <a:schemeClr val="phClr">
+                <a:satMod val="110000"/>
+                <a:lumMod val="100000"/>
+                <a:shade val="100000"/>
+              </a:schemeClr>
+            </a:gs>
+            <a:gs pos="100000">
+              <a:schemeClr val="phClr">
+                <a:lumMod val="99000"/>
+                <a:satMod val="120000"/>
+                <a:shade val="78000"/>
+              </a:schemeClr>
+            </a:gs>
+          </a:gsLst>
+          <a:lin ang="5400000" scaled="0"/>
+        </a:gradFill>
+      </a:fillStyleLst>
+      <a:lnStyleLst>
+        <a:ln w="6350" cap="flat" cmpd="sng" algn="ctr">
+          <a:solidFill>
+            <a:schemeClr val="phClr"/>
+          </a:solidFill>
+          <a:prstDash val="solid"/>
+          <a:miter lim="800000"/>
+        </a:ln>
+        <a:ln w="12700" cap="flat" cmpd="sng" algn="ctr">
+          <a:solidFill>
+            <a:schemeClr val="phClr"/>
+          </a:solidFill>
+          <a:prstDash val="solid"/>
+          <a:miter lim="800000"/>
+        </a:ln>
+        <a:ln w="19050" cap="flat" cmpd="sng" algn="ctr">
+          <a:solidFill>
+            <a:schemeClr val="phClr"/>
+          </a:solidFill>
+          <a:prstDash val="solid"/>
+          <a:miter lim="800000"/>
+        </a:ln>
+      </a:lnStyleLst>
+      <a:effectStyleLst>
+        <a:effectStyle>
+          <a:effectLst/>
+        </a:effectStyle>
+        <a:effectStyle>
+          <a:effectLst/>
+        </a:effectStyle>
+        <a:effectStyle>
+          <a:effectLst>
+            <a:outerShdw blurRad="57150" dist="19050" dir="5400000" algn="ctr" rotWithShape="0">
+              <a:srgbClr val="000000">
+                <a:alpha val="63000"/>
+              </a:srgbClr>
+            </a:outerShdw>
+          </a:effectLst>
+        </a:effectStyle>
+      </a:effectStyleLst>
+      <a:bgFillStyleLst>
+        <a:solidFill>
+          <a:schemeClr val="phClr"/>
+        </a:solidFill>
+        <a:solidFill>
+          <a:schemeClr val="phClr">
+            <a:tint val="95000"/>
+            <a:satMod val="170000"/>
+          </a:schemeClr>
+        </a:solidFill>
+        <a:gradFill rotWithShape="1">
+          <a:gsLst>
+            <a:gs pos="0">
+              <a:schemeClr val="phClr">
+                <a:tint val="93000"/>
+                <a:satMod val="150000"/>
+                <a:shade val="98000"/>
+                <a:lumMod val="102000"/>
+              </a:schemeClr>
+            </a:gs>
+            <a:gs pos="50000">
+              <a:schemeClr val="phClr">
+                <a:tint val="98000"/>
+                <a:satMod val="130000"/>
+                <a:shade val="90000"/>
+                <a:lumMod val="103000"/>
+              </a:schemeClr>
+            </a:gs>
+            <a:gs pos="100000">
+              <a:schemeClr val="phClr">
+                <a:shade val="63000"/>
+                <a:satMod val="120000"/>
+              </a:schemeClr>
+            </a:gs>
+          </a:gsLst>
+          <a:lin ang="5400000" scaled="0"/>
+        </a:gradFill>
+      </a:bgFillStyleLst>
+    </a:fmtScheme>
+  </a:themeElements>
+  <a:objectDefaults/>
+  <a:extraClrSchemeLst/>
+  <a:extLst>
+    <a:ext uri="{05A4C25C-085E-4340-85A3-A5531E510DB2}">
+      <thm15:themeFamily xmlns:thm15="http://schemas.microsoft.com/office/thememl/2012/main" name="Office Theme" id="{62F939B6-93AF-4DB8-9C6B-D6C7DFDC589F}" vid="{4A3C46E8-61CC-4603-A589-7422A47A8E4A}"/>
+    </a:ext>
+  </a:extLst>
+</a:theme>
 </file>